--- a/IBMi Lunch and Learn Series 2024 - Enhancing Performance with SQL Stored Procedures & UDF.pptx
+++ b/IBMi Lunch and Learn Series 2024 - Enhancing Performance with SQL Stored Procedures & UDF.pptx
@@ -5,7 +5,7 @@
     <p:sldMasterId id="2147483648" r:id="rId4"/>
   </p:sldMasterIdLst>
   <p:notesMasterIdLst>
-    <p:notesMasterId r:id="rId31"/>
+    <p:notesMasterId r:id="rId30"/>
   </p:notesMasterIdLst>
   <p:sldIdLst>
     <p:sldId id="256" r:id="rId5"/>
@@ -17,23 +17,22 @@
     <p:sldId id="336" r:id="rId11"/>
     <p:sldId id="337" r:id="rId12"/>
     <p:sldId id="338" r:id="rId13"/>
-    <p:sldId id="339" r:id="rId14"/>
-    <p:sldId id="340" r:id="rId15"/>
-    <p:sldId id="341" r:id="rId16"/>
-    <p:sldId id="342" r:id="rId17"/>
-    <p:sldId id="333" r:id="rId18"/>
-    <p:sldId id="352" r:id="rId19"/>
-    <p:sldId id="344" r:id="rId20"/>
-    <p:sldId id="346" r:id="rId21"/>
-    <p:sldId id="345" r:id="rId22"/>
-    <p:sldId id="347" r:id="rId23"/>
-    <p:sldId id="349" r:id="rId24"/>
-    <p:sldId id="348" r:id="rId25"/>
-    <p:sldId id="351" r:id="rId26"/>
-    <p:sldId id="350" r:id="rId27"/>
-    <p:sldId id="353" r:id="rId28"/>
-    <p:sldId id="268" r:id="rId29"/>
-    <p:sldId id="332" r:id="rId30"/>
+    <p:sldId id="340" r:id="rId14"/>
+    <p:sldId id="341" r:id="rId15"/>
+    <p:sldId id="342" r:id="rId16"/>
+    <p:sldId id="333" r:id="rId17"/>
+    <p:sldId id="352" r:id="rId18"/>
+    <p:sldId id="344" r:id="rId19"/>
+    <p:sldId id="346" r:id="rId20"/>
+    <p:sldId id="345" r:id="rId21"/>
+    <p:sldId id="347" r:id="rId22"/>
+    <p:sldId id="349" r:id="rId23"/>
+    <p:sldId id="348" r:id="rId24"/>
+    <p:sldId id="351" r:id="rId25"/>
+    <p:sldId id="350" r:id="rId26"/>
+    <p:sldId id="353" r:id="rId27"/>
+    <p:sldId id="268" r:id="rId28"/>
+    <p:sldId id="332" r:id="rId29"/>
   </p:sldIdLst>
   <p:sldSz cx="12192000" cy="6858000"/>
   <p:notesSz cx="6858000" cy="9144000"/>
@@ -143,7 +142,7 @@
 <file path=ppt/revisionInfo.xml><?xml version="1.0" encoding="utf-8"?>
 <p1510:revInfo xmlns:a="http://schemas.openxmlformats.org/drawingml/2006/main" xmlns:r="http://schemas.openxmlformats.org/officeDocument/2006/relationships" xmlns:p1510="http://schemas.microsoft.com/office/powerpoint/2015/10/main">
   <p1510:revLst>
-    <p1510:client id="{915EDF55-A7D7-4EE6-BC3A-AF27D5B0595E}" v="81" dt="2024-07-30T04:06:38.126"/>
+    <p1510:client id="{915EDF55-A7D7-4EE6-BC3A-AF27D5B0595E}" v="82" dt="2024-07-30T09:17:39.097"/>
   </p1510:revLst>
 </p1510:revInfo>
 </file>
@@ -153,7 +152,7 @@
   <pc:docChgLst>
     <pc:chgData name="Ravisankar Pandian" userId="ed09f74a-2b53-4ce0-832d-148e0a91ef02" providerId="ADAL" clId="{915EDF55-A7D7-4EE6-BC3A-AF27D5B0595E}"/>
     <pc:docChg chg="undo custSel addSld delSld modSld sldOrd">
-      <pc:chgData name="Ravisankar Pandian" userId="ed09f74a-2b53-4ce0-832d-148e0a91ef02" providerId="ADAL" clId="{915EDF55-A7D7-4EE6-BC3A-AF27D5B0595E}" dt="2024-07-30T04:10:20.046" v="1621" actId="1076"/>
+      <pc:chgData name="Ravisankar Pandian" userId="ed09f74a-2b53-4ce0-832d-148e0a91ef02" providerId="ADAL" clId="{915EDF55-A7D7-4EE6-BC3A-AF27D5B0595E}" dt="2024-07-30T10:40:35.411" v="1719" actId="20577"/>
       <pc:docMkLst>
         <pc:docMk/>
       </pc:docMkLst>
@@ -838,8 +837,8 @@
           </ac:picMkLst>
         </pc:picChg>
       </pc:sldChg>
-      <pc:sldChg chg="addSp delSp modSp add mod">
-        <pc:chgData name="Ravisankar Pandian" userId="ed09f74a-2b53-4ce0-832d-148e0a91ef02" providerId="ADAL" clId="{915EDF55-A7D7-4EE6-BC3A-AF27D5B0595E}" dt="2024-07-29T09:37:49.029" v="945" actId="1076"/>
+      <pc:sldChg chg="addSp delSp modSp add del mod">
+        <pc:chgData name="Ravisankar Pandian" userId="ed09f74a-2b53-4ce0-832d-148e0a91ef02" providerId="ADAL" clId="{915EDF55-A7D7-4EE6-BC3A-AF27D5B0595E}" dt="2024-07-30T10:37:35.526" v="1657" actId="2696"/>
         <pc:sldMkLst>
           <pc:docMk/>
           <pc:sldMk cId="2817449152" sldId="339"/>
@@ -1134,7 +1133,7 @@
         </pc:picChg>
       </pc:sldChg>
       <pc:sldChg chg="addSp delSp modSp add mod modNotesTx">
-        <pc:chgData name="Ravisankar Pandian" userId="ed09f74a-2b53-4ce0-832d-148e0a91ef02" providerId="ADAL" clId="{915EDF55-A7D7-4EE6-BC3A-AF27D5B0595E}" dt="2024-07-29T11:03:57.699" v="1604" actId="478"/>
+        <pc:chgData name="Ravisankar Pandian" userId="ed09f74a-2b53-4ce0-832d-148e0a91ef02" providerId="ADAL" clId="{915EDF55-A7D7-4EE6-BC3A-AF27D5B0595E}" dt="2024-07-30T10:38:26.136" v="1700" actId="1076"/>
         <pc:sldMkLst>
           <pc:docMk/>
           <pc:sldMk cId="2942226510" sldId="348"/>
@@ -1147,6 +1146,14 @@
             <ac:spMk id="2" creationId="{5061140E-4660-2397-115F-E816B66DCA2C}"/>
           </ac:spMkLst>
         </pc:spChg>
+        <pc:spChg chg="mod">
+          <ac:chgData name="Ravisankar Pandian" userId="ed09f74a-2b53-4ce0-832d-148e0a91ef02" providerId="ADAL" clId="{915EDF55-A7D7-4EE6-BC3A-AF27D5B0595E}" dt="2024-07-30T10:38:26.136" v="1700" actId="1076"/>
+          <ac:spMkLst>
+            <pc:docMk/>
+            <pc:sldMk cId="2942226510" sldId="348"/>
+            <ac:spMk id="4" creationId="{123EAE75-907C-785D-CF2F-A693DA020E0B}"/>
+          </ac:spMkLst>
+        </pc:spChg>
         <pc:picChg chg="del">
           <ac:chgData name="Ravisankar Pandian" userId="ed09f74a-2b53-4ce0-832d-148e0a91ef02" providerId="ADAL" clId="{915EDF55-A7D7-4EE6-BC3A-AF27D5B0595E}" dt="2024-07-29T11:03:57.699" v="1604" actId="478"/>
           <ac:picMkLst>
@@ -1157,17 +1164,25 @@
         </pc:picChg>
       </pc:sldChg>
       <pc:sldChg chg="addSp delSp modSp add mod ord modNotesTx">
-        <pc:chgData name="Ravisankar Pandian" userId="ed09f74a-2b53-4ce0-832d-148e0a91ef02" providerId="ADAL" clId="{915EDF55-A7D7-4EE6-BC3A-AF27D5B0595E}" dt="2024-07-29T11:03:54.620" v="1603" actId="478"/>
+        <pc:chgData name="Ravisankar Pandian" userId="ed09f74a-2b53-4ce0-832d-148e0a91ef02" providerId="ADAL" clId="{915EDF55-A7D7-4EE6-BC3A-AF27D5B0595E}" dt="2024-07-30T10:40:35.411" v="1719" actId="20577"/>
         <pc:sldMkLst>
           <pc:docMk/>
           <pc:sldMk cId="4215140171" sldId="349"/>
         </pc:sldMkLst>
         <pc:spChg chg="add mod">
-          <ac:chgData name="Ravisankar Pandian" userId="ed09f74a-2b53-4ce0-832d-148e0a91ef02" providerId="ADAL" clId="{915EDF55-A7D7-4EE6-BC3A-AF27D5B0595E}" dt="2024-07-29T10:39:05.892" v="1248" actId="20577"/>
+          <ac:chgData name="Ravisankar Pandian" userId="ed09f74a-2b53-4ce0-832d-148e0a91ef02" providerId="ADAL" clId="{915EDF55-A7D7-4EE6-BC3A-AF27D5B0595E}" dt="2024-07-30T10:40:35.411" v="1719" actId="20577"/>
           <ac:spMkLst>
             <pc:docMk/>
             <pc:sldMk cId="4215140171" sldId="349"/>
             <ac:spMk id="2" creationId="{24E39EFF-448F-11AB-EF19-CC9A53B61264}"/>
+          </ac:spMkLst>
+        </pc:spChg>
+        <pc:spChg chg="mod">
+          <ac:chgData name="Ravisankar Pandian" userId="ed09f74a-2b53-4ce0-832d-148e0a91ef02" providerId="ADAL" clId="{915EDF55-A7D7-4EE6-BC3A-AF27D5B0595E}" dt="2024-07-30T10:38:12.916" v="1685" actId="1076"/>
+          <ac:spMkLst>
+            <pc:docMk/>
+            <pc:sldMk cId="4215140171" sldId="349"/>
+            <ac:spMk id="4" creationId="{123EAE75-907C-785D-CF2F-A693DA020E0B}"/>
           </ac:spMkLst>
         </pc:spChg>
         <pc:picChg chg="del">
@@ -1180,7 +1195,7 @@
         </pc:picChg>
       </pc:sldChg>
       <pc:sldChg chg="addSp delSp modSp add mod">
-        <pc:chgData name="Ravisankar Pandian" userId="ed09f74a-2b53-4ce0-832d-148e0a91ef02" providerId="ADAL" clId="{915EDF55-A7D7-4EE6-BC3A-AF27D5B0595E}" dt="2024-07-29T11:04:07.189" v="1606" actId="478"/>
+        <pc:chgData name="Ravisankar Pandian" userId="ed09f74a-2b53-4ce0-832d-148e0a91ef02" providerId="ADAL" clId="{915EDF55-A7D7-4EE6-BC3A-AF27D5B0595E}" dt="2024-07-30T10:39:15.465" v="1716" actId="1076"/>
         <pc:sldMkLst>
           <pc:docMk/>
           <pc:sldMk cId="1487104582" sldId="350"/>
@@ -1201,6 +1216,14 @@
             <ac:spMk id="3" creationId="{163915AC-9DAB-E0EE-A34D-8CA6518385C9}"/>
           </ac:spMkLst>
         </pc:spChg>
+        <pc:spChg chg="mod">
+          <ac:chgData name="Ravisankar Pandian" userId="ed09f74a-2b53-4ce0-832d-148e0a91ef02" providerId="ADAL" clId="{915EDF55-A7D7-4EE6-BC3A-AF27D5B0595E}" dt="2024-07-30T10:39:15.465" v="1716" actId="1076"/>
+          <ac:spMkLst>
+            <pc:docMk/>
+            <pc:sldMk cId="1487104582" sldId="350"/>
+            <ac:spMk id="4" creationId="{123EAE75-907C-785D-CF2F-A693DA020E0B}"/>
+          </ac:spMkLst>
+        </pc:spChg>
         <pc:picChg chg="del">
           <ac:chgData name="Ravisankar Pandian" userId="ed09f74a-2b53-4ce0-832d-148e0a91ef02" providerId="ADAL" clId="{915EDF55-A7D7-4EE6-BC3A-AF27D5B0595E}" dt="2024-07-29T11:04:07.189" v="1606" actId="478"/>
           <ac:picMkLst>
@@ -1211,7 +1234,7 @@
         </pc:picChg>
       </pc:sldChg>
       <pc:sldChg chg="addSp delSp modSp add mod">
-        <pc:chgData name="Ravisankar Pandian" userId="ed09f74a-2b53-4ce0-832d-148e0a91ef02" providerId="ADAL" clId="{915EDF55-A7D7-4EE6-BC3A-AF27D5B0595E}" dt="2024-07-29T11:04:04.820" v="1605" actId="478"/>
+        <pc:chgData name="Ravisankar Pandian" userId="ed09f74a-2b53-4ce0-832d-148e0a91ef02" providerId="ADAL" clId="{915EDF55-A7D7-4EE6-BC3A-AF27D5B0595E}" dt="2024-07-30T10:38:52.048" v="1715" actId="1076"/>
         <pc:sldMkLst>
           <pc:docMk/>
           <pc:sldMk cId="1364940831" sldId="351"/>
@@ -1222,6 +1245,14 @@
             <pc:docMk/>
             <pc:sldMk cId="1364940831" sldId="351"/>
             <ac:spMk id="2" creationId="{754F7D02-7F03-D1B8-2A24-8AE0FDB9B423}"/>
+          </ac:spMkLst>
+        </pc:spChg>
+        <pc:spChg chg="mod">
+          <ac:chgData name="Ravisankar Pandian" userId="ed09f74a-2b53-4ce0-832d-148e0a91ef02" providerId="ADAL" clId="{915EDF55-A7D7-4EE6-BC3A-AF27D5B0595E}" dt="2024-07-30T10:38:52.048" v="1715" actId="1076"/>
+          <ac:spMkLst>
+            <pc:docMk/>
+            <pc:sldMk cId="1364940831" sldId="351"/>
+            <ac:spMk id="4" creationId="{123EAE75-907C-785D-CF2F-A693DA020E0B}"/>
           </ac:spMkLst>
         </pc:spChg>
         <pc:spChg chg="add mod">
@@ -1250,7 +1281,7 @@
         </pc:picChg>
       </pc:sldChg>
       <pc:sldChg chg="addSp delSp modSp add mod">
-        <pc:chgData name="Ravisankar Pandian" userId="ed09f74a-2b53-4ce0-832d-148e0a91ef02" providerId="ADAL" clId="{915EDF55-A7D7-4EE6-BC3A-AF27D5B0595E}" dt="2024-07-30T04:10:20.046" v="1621" actId="1076"/>
+        <pc:chgData name="Ravisankar Pandian" userId="ed09f74a-2b53-4ce0-832d-148e0a91ef02" providerId="ADAL" clId="{915EDF55-A7D7-4EE6-BC3A-AF27D5B0595E}" dt="2024-07-30T09:17:46.726" v="1628" actId="14100"/>
         <pc:sldMkLst>
           <pc:docMk/>
           <pc:sldMk cId="734516546" sldId="352"/>
@@ -1271,12 +1302,20 @@
             <ac:spMk id="8" creationId="{7049CD08-AD78-32AE-123B-EB82F148606A}"/>
           </ac:spMkLst>
         </pc:spChg>
-        <pc:picChg chg="add mod">
-          <ac:chgData name="Ravisankar Pandian" userId="ed09f74a-2b53-4ce0-832d-148e0a91ef02" providerId="ADAL" clId="{915EDF55-A7D7-4EE6-BC3A-AF27D5B0595E}" dt="2024-07-30T04:10:20.046" v="1621" actId="1076"/>
+        <pc:picChg chg="add del mod">
+          <ac:chgData name="Ravisankar Pandian" userId="ed09f74a-2b53-4ce0-832d-148e0a91ef02" providerId="ADAL" clId="{915EDF55-A7D7-4EE6-BC3A-AF27D5B0595E}" dt="2024-07-30T09:17:41.485" v="1623" actId="478"/>
           <ac:picMkLst>
             <pc:docMk/>
             <pc:sldMk cId="734516546" sldId="352"/>
             <ac:picMk id="3" creationId="{E0DB6739-D3DB-5997-3890-D352EEAAFD37}"/>
+          </ac:picMkLst>
+        </pc:picChg>
+        <pc:picChg chg="add mod">
+          <ac:chgData name="Ravisankar Pandian" userId="ed09f74a-2b53-4ce0-832d-148e0a91ef02" providerId="ADAL" clId="{915EDF55-A7D7-4EE6-BC3A-AF27D5B0595E}" dt="2024-07-30T09:17:46.726" v="1628" actId="14100"/>
+          <ac:picMkLst>
+            <pc:docMk/>
+            <pc:sldMk cId="734516546" sldId="352"/>
+            <ac:picMk id="6" creationId="{75DD6072-7A70-EA2B-D063-FAD153F76C9D}"/>
           </ac:picMkLst>
         </pc:picChg>
         <pc:picChg chg="del">
@@ -1289,7 +1328,7 @@
         </pc:picChg>
       </pc:sldChg>
       <pc:sldChg chg="addSp delSp modSp add mod">
-        <pc:chgData name="Ravisankar Pandian" userId="ed09f74a-2b53-4ce0-832d-148e0a91ef02" providerId="ADAL" clId="{915EDF55-A7D7-4EE6-BC3A-AF27D5B0595E}" dt="2024-07-29T11:04:08.980" v="1607" actId="478"/>
+        <pc:chgData name="Ravisankar Pandian" userId="ed09f74a-2b53-4ce0-832d-148e0a91ef02" providerId="ADAL" clId="{915EDF55-A7D7-4EE6-BC3A-AF27D5B0595E}" dt="2024-07-30T09:31:23.187" v="1656" actId="20577"/>
         <pc:sldMkLst>
           <pc:docMk/>
           <pc:sldMk cId="2237779189" sldId="353"/>
@@ -1319,7 +1358,7 @@
           </ac:spMkLst>
         </pc:spChg>
         <pc:spChg chg="add mod">
-          <ac:chgData name="Ravisankar Pandian" userId="ed09f74a-2b53-4ce0-832d-148e0a91ef02" providerId="ADAL" clId="{915EDF55-A7D7-4EE6-BC3A-AF27D5B0595E}" dt="2024-07-29T10:59:00.385" v="1596" actId="20577"/>
+          <ac:chgData name="Ravisankar Pandian" userId="ed09f74a-2b53-4ce0-832d-148e0a91ef02" providerId="ADAL" clId="{915EDF55-A7D7-4EE6-BC3A-AF27D5B0595E}" dt="2024-07-30T09:31:23.187" v="1656" actId="20577"/>
           <ac:spMkLst>
             <pc:docMk/>
             <pc:sldMk cId="2237779189" sldId="353"/>
@@ -1429,7 +1468,7 @@
           <a:p>
             <a:fld id="{78956939-A29E-4702-8E7F-BED23B7CE5E9}" type="datetimeFigureOut">
               <a:rPr lang="en-US" smtClean="0"/>
-              <a:t>7/29/2024</a:t>
+              <a:t>7/30/2024</a:t>
             </a:fld>
             <a:endParaRPr lang="en-US"/>
           </a:p>
@@ -1871,19 +1910,97 @@
           <a:bodyPr/>
           <a:lstStyle/>
           <a:p>
+            <a:pPr marL="0" marR="0" lvl="0" indent="0" algn="l" defTabSz="914400" rtl="0" eaLnBrk="1" fontAlgn="auto" latinLnBrk="0" hangingPunct="1">
+              <a:lnSpc>
+                <a:spcPct val="100000"/>
+              </a:lnSpc>
+              <a:spcBef>
+                <a:spcPts val="0"/>
+              </a:spcBef>
+              <a:spcAft>
+                <a:spcPts val="0"/>
+              </a:spcAft>
+              <a:buClrTx/>
+              <a:buSzTx/>
+              <a:buFontTx/>
+              <a:buNone/>
+              <a:tabLst/>
+              <a:defRPr/>
+            </a:pPr>
+            <a:r>
+              <a:rPr lang="en-US" sz="1200" kern="0" dirty="0">
+                <a:solidFill>
+                  <a:srgbClr val="161616"/>
+                </a:solidFill>
+                <a:effectLst/>
+                <a:latin typeface="IBM Plex Sans" panose="020B0503050203000203" pitchFamily="34" charset="0"/>
+                <a:ea typeface="Times New Roman" panose="02020603050405020304" pitchFamily="18" charset="0"/>
+                <a:cs typeface="Times New Roman" panose="02020603050405020304" pitchFamily="18" charset="0"/>
+              </a:rPr>
+              <a:t>Before discussing how to improve the performance of SQL procedures, we should discuss how they are compiled upon the execution of the CREATE PROCEDURE statement.</a:t>
+            </a:r>
+            <a:endParaRPr lang="en-US" sz="1200" kern="100" dirty="0">
+              <a:effectLst/>
+              <a:latin typeface="Calibri" panose="020F0502020204030204" pitchFamily="34" charset="0"/>
+              <a:ea typeface="Calibri" panose="020F0502020204030204" pitchFamily="34" charset="0"/>
+              <a:cs typeface="Times New Roman" panose="02020603050405020304" pitchFamily="18" charset="0"/>
+            </a:endParaRPr>
+          </a:p>
+          <a:p>
+            <a:endParaRPr lang="en-US" dirty="0"/>
+          </a:p>
+          <a:p>
             <a:r>
               <a:rPr lang="en-US" dirty="0"/>
-              <a:t>Usage of arrays, data structures, built-in-functions, sub-procedures</a:t>
+              <a:t>SQL Procedure – Procedural logic + SQL Statement. Context switch is required . Takes more time</a:t>
             </a:r>
           </a:p>
           <a:p>
             <a:endParaRPr lang="en-US" dirty="0"/>
           </a:p>
           <a:p>
+            <a:pPr marL="0" marR="0" lvl="0" indent="0" algn="l" defTabSz="914400" rtl="0" eaLnBrk="1" fontAlgn="auto" latinLnBrk="0" hangingPunct="1">
+              <a:lnSpc>
+                <a:spcPct val="100000"/>
+              </a:lnSpc>
+              <a:spcBef>
+                <a:spcPts val="0"/>
+              </a:spcBef>
+              <a:spcAft>
+                <a:spcPts val="0"/>
+              </a:spcAft>
+              <a:buClrTx/>
+              <a:buSzTx/>
+              <a:buFontTx/>
+              <a:buNone/>
+              <a:tabLst/>
+              <a:defRPr/>
+            </a:pPr>
             <a:r>
               <a:rPr lang="en-US" dirty="0"/>
-              <a:t>Core of the existing business logic can be encapsulated for clients to use.</a:t>
-            </a:r>
+              <a:t>SQL Procedure – SQL Query </a:t>
+            </a:r>
+            <a:r>
+              <a:rPr lang="en-US" sz="1200" kern="0" dirty="0">
+                <a:solidFill>
+                  <a:srgbClr val="161616"/>
+                </a:solidFill>
+                <a:effectLst/>
+                <a:latin typeface="IBM Plex Sans" panose="020B0503050203000203" pitchFamily="34" charset="0"/>
+                <a:ea typeface="Times New Roman" panose="02020603050405020304" pitchFamily="18" charset="0"/>
+                <a:cs typeface="Times New Roman" panose="02020603050405020304" pitchFamily="18" charset="0"/>
+              </a:rPr>
+              <a:t>Unlike what happens in SQL procedures, procedural statements in SQL functions are not executed in a different layer than dataflow statements. Therefore, there is no context switch every time control flows from a procedural to a dataflow statement or vice versa.</a:t>
+            </a:r>
+            <a:endParaRPr lang="en-US" sz="1200" kern="100" dirty="0">
+              <a:effectLst/>
+              <a:latin typeface="Calibri" panose="020F0502020204030204" pitchFamily="34" charset="0"/>
+              <a:ea typeface="Calibri" panose="020F0502020204030204" pitchFamily="34" charset="0"/>
+              <a:cs typeface="Times New Roman" panose="02020603050405020304" pitchFamily="18" charset="0"/>
+            </a:endParaRPr>
+          </a:p>
+          <a:p>
+            <a:endParaRPr lang="en-US" dirty="0"/>
           </a:p>
         </p:txBody>
       </p:sp>
@@ -1913,7 +2030,7 @@
     </p:spTree>
     <p:extLst>
       <p:ext uri="{BB962C8B-B14F-4D97-AF65-F5344CB8AC3E}">
-        <p14:creationId xmlns:p14="http://schemas.microsoft.com/office/powerpoint/2010/main" val="4228493951"/>
+        <p14:creationId xmlns:p14="http://schemas.microsoft.com/office/powerpoint/2010/main" val="467456818"/>
       </p:ext>
     </p:extLst>
   </p:cSld>
@@ -2087,7 +2204,7 @@
     </p:spTree>
     <p:extLst>
       <p:ext uri="{BB962C8B-B14F-4D97-AF65-F5344CB8AC3E}">
-        <p14:creationId xmlns:p14="http://schemas.microsoft.com/office/powerpoint/2010/main" val="467456818"/>
+        <p14:creationId xmlns:p14="http://schemas.microsoft.com/office/powerpoint/2010/main" val="2416262770"/>
       </p:ext>
     </p:extLst>
   </p:cSld>
@@ -2141,96 +2258,6 @@
           <a:bodyPr/>
           <a:lstStyle/>
           <a:p>
-            <a:pPr marL="0" marR="0" lvl="0" indent="0" algn="l" defTabSz="914400" rtl="0" eaLnBrk="1" fontAlgn="auto" latinLnBrk="0" hangingPunct="1">
-              <a:lnSpc>
-                <a:spcPct val="100000"/>
-              </a:lnSpc>
-              <a:spcBef>
-                <a:spcPts val="0"/>
-              </a:spcBef>
-              <a:spcAft>
-                <a:spcPts val="0"/>
-              </a:spcAft>
-              <a:buClrTx/>
-              <a:buSzTx/>
-              <a:buFontTx/>
-              <a:buNone/>
-              <a:tabLst/>
-              <a:defRPr/>
-            </a:pPr>
-            <a:r>
-              <a:rPr lang="en-US" sz="1200" kern="0" dirty="0">
-                <a:solidFill>
-                  <a:srgbClr val="161616"/>
-                </a:solidFill>
-                <a:effectLst/>
-                <a:latin typeface="IBM Plex Sans" panose="020B0503050203000203" pitchFamily="34" charset="0"/>
-                <a:ea typeface="Times New Roman" panose="02020603050405020304" pitchFamily="18" charset="0"/>
-                <a:cs typeface="Times New Roman" panose="02020603050405020304" pitchFamily="18" charset="0"/>
-              </a:rPr>
-              <a:t>Before discussing how to improve the performance of SQL procedures, we should discuss how they are compiled upon the execution of the CREATE PROCEDURE statement.</a:t>
-            </a:r>
-            <a:endParaRPr lang="en-US" sz="1200" kern="100" dirty="0">
-              <a:effectLst/>
-              <a:latin typeface="Calibri" panose="020F0502020204030204" pitchFamily="34" charset="0"/>
-              <a:ea typeface="Calibri" panose="020F0502020204030204" pitchFamily="34" charset="0"/>
-              <a:cs typeface="Times New Roman" panose="02020603050405020304" pitchFamily="18" charset="0"/>
-            </a:endParaRPr>
-          </a:p>
-          <a:p>
-            <a:endParaRPr lang="en-US" dirty="0"/>
-          </a:p>
-          <a:p>
-            <a:r>
-              <a:rPr lang="en-US" dirty="0"/>
-              <a:t>SQL Procedure – Procedural logic + SQL Statement. Context switch is required . Takes more time</a:t>
-            </a:r>
-          </a:p>
-          <a:p>
-            <a:endParaRPr lang="en-US" dirty="0"/>
-          </a:p>
-          <a:p>
-            <a:pPr marL="0" marR="0" lvl="0" indent="0" algn="l" defTabSz="914400" rtl="0" eaLnBrk="1" fontAlgn="auto" latinLnBrk="0" hangingPunct="1">
-              <a:lnSpc>
-                <a:spcPct val="100000"/>
-              </a:lnSpc>
-              <a:spcBef>
-                <a:spcPts val="0"/>
-              </a:spcBef>
-              <a:spcAft>
-                <a:spcPts val="0"/>
-              </a:spcAft>
-              <a:buClrTx/>
-              <a:buSzTx/>
-              <a:buFontTx/>
-              <a:buNone/>
-              <a:tabLst/>
-              <a:defRPr/>
-            </a:pPr>
-            <a:r>
-              <a:rPr lang="en-US" dirty="0"/>
-              <a:t>SQL Procedure – SQL Query </a:t>
-            </a:r>
-            <a:r>
-              <a:rPr lang="en-US" sz="1200" kern="0" dirty="0">
-                <a:solidFill>
-                  <a:srgbClr val="161616"/>
-                </a:solidFill>
-                <a:effectLst/>
-                <a:latin typeface="IBM Plex Sans" panose="020B0503050203000203" pitchFamily="34" charset="0"/>
-                <a:ea typeface="Times New Roman" panose="02020603050405020304" pitchFamily="18" charset="0"/>
-                <a:cs typeface="Times New Roman" panose="02020603050405020304" pitchFamily="18" charset="0"/>
-              </a:rPr>
-              <a:t>Unlike what happens in SQL procedures, procedural statements in SQL functions are not executed in a different layer than dataflow statements. Therefore, there is no context switch every time control flows from a procedural to a dataflow statement or vice versa.</a:t>
-            </a:r>
-            <a:endParaRPr lang="en-US" sz="1200" kern="100" dirty="0">
-              <a:effectLst/>
-              <a:latin typeface="Calibri" panose="020F0502020204030204" pitchFamily="34" charset="0"/>
-              <a:ea typeface="Calibri" panose="020F0502020204030204" pitchFamily="34" charset="0"/>
-              <a:cs typeface="Times New Roman" panose="02020603050405020304" pitchFamily="18" charset="0"/>
-            </a:endParaRPr>
-          </a:p>
-          <a:p>
             <a:endParaRPr lang="en-US" dirty="0"/>
           </a:p>
         </p:txBody>
@@ -2261,7 +2288,7 @@
     </p:spTree>
     <p:extLst>
       <p:ext uri="{BB962C8B-B14F-4D97-AF65-F5344CB8AC3E}">
-        <p14:creationId xmlns:p14="http://schemas.microsoft.com/office/powerpoint/2010/main" val="2416262770"/>
+        <p14:creationId xmlns:p14="http://schemas.microsoft.com/office/powerpoint/2010/main" val="67920431"/>
       </p:ext>
     </p:extLst>
   </p:cSld>
@@ -2315,6 +2342,30 @@
           <a:bodyPr/>
           <a:lstStyle/>
           <a:p>
+            <a:pPr marL="0" marR="0" lvl="0" indent="0" algn="l" defTabSz="914400" rtl="0" eaLnBrk="1" fontAlgn="auto" latinLnBrk="0" hangingPunct="1">
+              <a:lnSpc>
+                <a:spcPct val="100000"/>
+              </a:lnSpc>
+              <a:spcBef>
+                <a:spcPts val="0"/>
+              </a:spcBef>
+              <a:spcAft>
+                <a:spcPts val="0"/>
+              </a:spcAft>
+              <a:buClrTx/>
+              <a:buSzTx/>
+              <a:buFontTx/>
+              <a:buNone/>
+              <a:tabLst/>
+              <a:defRPr/>
+            </a:pPr>
+            <a:r>
+              <a:rPr lang="en-US" sz="1200" dirty="0">
+                <a:effectLst/>
+                <a:latin typeface="Calibri" panose="020F0502020204030204" pitchFamily="34" charset="0"/>
+              </a:rPr>
+              <a:t>The usage of a service program object will provide a small performance boost when the SQL stored procedure is called. No changes are needed to the applications that invoke the SQL stored procedure. The PROGRAM TYPE SUB clause is not supported for SQL Triggers or Functions</a:t>
+            </a:r>
             <a:endParaRPr lang="en-US" dirty="0"/>
           </a:p>
         </p:txBody>
@@ -2345,7 +2396,7 @@
     </p:spTree>
     <p:extLst>
       <p:ext uri="{BB962C8B-B14F-4D97-AF65-F5344CB8AC3E}">
-        <p14:creationId xmlns:p14="http://schemas.microsoft.com/office/powerpoint/2010/main" val="67920431"/>
+        <p14:creationId xmlns:p14="http://schemas.microsoft.com/office/powerpoint/2010/main" val="2479246820"/>
       </p:ext>
     </p:extLst>
   </p:cSld>
@@ -2417,12 +2468,11 @@
               <a:defRPr/>
             </a:pPr>
             <a:r>
-              <a:rPr lang="en-US" sz="1200" dirty="0">
-                <a:effectLst/>
-                <a:latin typeface="Calibri" panose="020F0502020204030204" pitchFamily="34" charset="0"/>
-              </a:rPr>
-              <a:t>The usage of a service program object will provide a small performance boost when the SQL stored procedure is called. No changes are needed to the applications that invoke the SQL stored procedure. The PROGRAM TYPE SUB clause is not supported for SQL Triggers or Functions</a:t>
-            </a:r>
+              <a:rPr lang="en-US" dirty="0"/>
+              <a:t>Memory will be allocated for procedure variables. </a:t>
+            </a:r>
+          </a:p>
+          <a:p>
             <a:endParaRPr lang="en-US" dirty="0"/>
           </a:p>
         </p:txBody>
@@ -2444,7 +2494,7 @@
           <a:p>
             <a:fld id="{2EA678A8-5F10-42B1-A023-03030236D603}" type="slidenum">
               <a:rPr lang="en-US" smtClean="0"/>
-              <a:t>17</a:t>
+              <a:t>18</a:t>
             </a:fld>
             <a:endParaRPr lang="en-US"/>
           </a:p>
@@ -2453,7 +2503,7 @@
     </p:spTree>
     <p:extLst>
       <p:ext uri="{BB962C8B-B14F-4D97-AF65-F5344CB8AC3E}">
-        <p14:creationId xmlns:p14="http://schemas.microsoft.com/office/powerpoint/2010/main" val="2479246820"/>
+        <p14:creationId xmlns:p14="http://schemas.microsoft.com/office/powerpoint/2010/main" val="1912237930"/>
       </p:ext>
     </p:extLst>
   </p:cSld>
@@ -2507,30 +2557,94 @@
           <a:bodyPr/>
           <a:lstStyle/>
           <a:p>
-            <a:pPr marL="0" marR="0" lvl="0" indent="0" algn="l" defTabSz="914400" rtl="0" eaLnBrk="1" fontAlgn="auto" latinLnBrk="0" hangingPunct="1">
-              <a:lnSpc>
-                <a:spcPct val="100000"/>
-              </a:lnSpc>
-              <a:spcBef>
-                <a:spcPts val="0"/>
-              </a:spcBef>
-              <a:spcAft>
-                <a:spcPts val="0"/>
-              </a:spcAft>
-              <a:buClrTx/>
-              <a:buSzTx/>
-              <a:buFontTx/>
-              <a:buNone/>
-              <a:tabLst/>
-              <a:defRPr/>
-            </a:pPr>
-            <a:r>
-              <a:rPr lang="en-US" dirty="0"/>
-              <a:t>Memory will be allocated for procedure variables. </a:t>
-            </a:r>
-          </a:p>
-          <a:p>
-            <a:endParaRPr lang="en-US" dirty="0"/>
+            <a:r>
+              <a:rPr lang="en-US" b="0" i="0" dirty="0">
+                <a:solidFill>
+                  <a:srgbClr val="323232"/>
+                </a:solidFill>
+                <a:effectLst/>
+                <a:latin typeface="IBM Plex Sans" panose="020B0503050203000203" pitchFamily="34" charset="0"/>
+              </a:rPr>
+              <a:t>When the cursor is </a:t>
+            </a:r>
+            <a:r>
+              <a:rPr lang="en-US" b="1" i="0" dirty="0">
+                <a:solidFill>
+                  <a:srgbClr val="323232"/>
+                </a:solidFill>
+                <a:effectLst/>
+                <a:latin typeface="IBM Plex Sans" panose="020B0503050203000203" pitchFamily="34" charset="0"/>
+              </a:rPr>
+              <a:t>pseudo</a:t>
+            </a:r>
+            <a:r>
+              <a:rPr lang="en-US" b="0" i="0" dirty="0">
+                <a:solidFill>
+                  <a:srgbClr val="323232"/>
+                </a:solidFill>
+                <a:effectLst/>
+                <a:latin typeface="IBM Plex Sans" panose="020B0503050203000203" pitchFamily="34" charset="0"/>
+              </a:rPr>
+              <a:t> closed, the underlying file and ODP are left open. All record locks are released; however, a shared lock still appears on the file. Db2 for </a:t>
+            </a:r>
+            <a:r>
+              <a:rPr lang="en-US" b="0" i="0" dirty="0" err="1">
+                <a:solidFill>
+                  <a:srgbClr val="323232"/>
+                </a:solidFill>
+                <a:effectLst/>
+                <a:latin typeface="IBM Plex Sans" panose="020B0503050203000203" pitchFamily="34" charset="0"/>
+              </a:rPr>
+              <a:t>i</a:t>
+            </a:r>
+            <a:r>
+              <a:rPr lang="en-US" b="0" i="0" dirty="0">
+                <a:solidFill>
+                  <a:srgbClr val="323232"/>
+                </a:solidFill>
+                <a:effectLst/>
+                <a:latin typeface="IBM Plex Sans" panose="020B0503050203000203" pitchFamily="34" charset="0"/>
+              </a:rPr>
+              <a:t> can then reuse the cursor as needed without the cost of a </a:t>
+            </a:r>
+            <a:r>
+              <a:rPr lang="en-US" b="1" i="0" dirty="0">
+                <a:solidFill>
+                  <a:srgbClr val="323232"/>
+                </a:solidFill>
+                <a:effectLst/>
+                <a:latin typeface="IBM Plex Sans" panose="020B0503050203000203" pitchFamily="34" charset="0"/>
+              </a:rPr>
+              <a:t>full</a:t>
+            </a:r>
+            <a:r>
+              <a:rPr lang="en-US" b="0" i="0" dirty="0">
+                <a:solidFill>
+                  <a:srgbClr val="323232"/>
+                </a:solidFill>
+                <a:effectLst/>
+                <a:latin typeface="IBM Plex Sans" panose="020B0503050203000203" pitchFamily="34" charset="0"/>
+              </a:rPr>
+              <a:t> open of the file.</a:t>
+            </a:r>
+          </a:p>
+          <a:p>
+            <a:endParaRPr lang="en-US" b="0" i="0" dirty="0">
+              <a:solidFill>
+                <a:srgbClr val="323232"/>
+              </a:solidFill>
+              <a:effectLst/>
+              <a:latin typeface="IBM Plex Sans" panose="020B0503050203000203" pitchFamily="34" charset="0"/>
+            </a:endParaRPr>
+          </a:p>
+          <a:p>
+            <a:endParaRPr lang="en-US" b="0" i="0" dirty="0">
+              <a:solidFill>
+                <a:srgbClr val="323232"/>
+              </a:solidFill>
+              <a:effectLst/>
+              <a:latin typeface="IBM Plex Sans" panose="020B0503050203000203" pitchFamily="34" charset="0"/>
+            </a:endParaRPr>
           </a:p>
         </p:txBody>
       </p:sp>
@@ -2560,7 +2674,7 @@
     </p:spTree>
     <p:extLst>
       <p:ext uri="{BB962C8B-B14F-4D97-AF65-F5344CB8AC3E}">
-        <p14:creationId xmlns:p14="http://schemas.microsoft.com/office/powerpoint/2010/main" val="1912237930"/>
+        <p14:creationId xmlns:p14="http://schemas.microsoft.com/office/powerpoint/2010/main" val="2117918292"/>
       </p:ext>
     </p:extLst>
   </p:cSld>
@@ -2615,93 +2729,35 @@
           <a:lstStyle/>
           <a:p>
             <a:r>
-              <a:rPr lang="en-US" b="0" i="0" dirty="0">
-                <a:solidFill>
-                  <a:srgbClr val="323232"/>
-                </a:solidFill>
-                <a:effectLst/>
-                <a:latin typeface="IBM Plex Sans" panose="020B0503050203000203" pitchFamily="34" charset="0"/>
-              </a:rPr>
-              <a:t>When the cursor is </a:t>
-            </a:r>
-            <a:r>
-              <a:rPr lang="en-US" b="1" i="0" dirty="0">
-                <a:solidFill>
-                  <a:srgbClr val="323232"/>
-                </a:solidFill>
-                <a:effectLst/>
-                <a:latin typeface="IBM Plex Sans" panose="020B0503050203000203" pitchFamily="34" charset="0"/>
-              </a:rPr>
-              <a:t>pseudo</a:t>
-            </a:r>
-            <a:r>
-              <a:rPr lang="en-US" b="0" i="0" dirty="0">
-                <a:solidFill>
-                  <a:srgbClr val="323232"/>
-                </a:solidFill>
-                <a:effectLst/>
-                <a:latin typeface="IBM Plex Sans" panose="020B0503050203000203" pitchFamily="34" charset="0"/>
-              </a:rPr>
-              <a:t> closed, the underlying file and ODP are left open. All record locks are released; however, a shared lock still appears on the file. Db2 for </a:t>
-            </a:r>
-            <a:r>
-              <a:rPr lang="en-US" b="0" i="0" dirty="0" err="1">
-                <a:solidFill>
-                  <a:srgbClr val="323232"/>
-                </a:solidFill>
-                <a:effectLst/>
-                <a:latin typeface="IBM Plex Sans" panose="020B0503050203000203" pitchFamily="34" charset="0"/>
-              </a:rPr>
-              <a:t>i</a:t>
-            </a:r>
-            <a:r>
-              <a:rPr lang="en-US" b="0" i="0" dirty="0">
-                <a:solidFill>
-                  <a:srgbClr val="323232"/>
-                </a:solidFill>
-                <a:effectLst/>
-                <a:latin typeface="IBM Plex Sans" panose="020B0503050203000203" pitchFamily="34" charset="0"/>
-              </a:rPr>
-              <a:t> can then reuse the cursor as needed without the cost of a </a:t>
-            </a:r>
-            <a:r>
-              <a:rPr lang="en-US" b="1" i="0" dirty="0">
-                <a:solidFill>
-                  <a:srgbClr val="323232"/>
-                </a:solidFill>
-                <a:effectLst/>
-                <a:latin typeface="IBM Plex Sans" panose="020B0503050203000203" pitchFamily="34" charset="0"/>
-              </a:rPr>
-              <a:t>full</a:t>
-            </a:r>
-            <a:r>
-              <a:rPr lang="en-US" b="0" i="0" dirty="0">
-                <a:solidFill>
-                  <a:srgbClr val="323232"/>
-                </a:solidFill>
-                <a:effectLst/>
-                <a:latin typeface="IBM Plex Sans" panose="020B0503050203000203" pitchFamily="34" charset="0"/>
-              </a:rPr>
-              <a:t> open of the file.</a:t>
-            </a:r>
-          </a:p>
-          <a:p>
-            <a:endParaRPr lang="en-US" b="0" i="0" dirty="0">
-              <a:solidFill>
-                <a:srgbClr val="323232"/>
-              </a:solidFill>
-              <a:effectLst/>
-              <a:latin typeface="IBM Plex Sans" panose="020B0503050203000203" pitchFamily="34" charset="0"/>
-            </a:endParaRPr>
-          </a:p>
-          <a:p>
-            <a:endParaRPr lang="en-US" b="0" i="0" dirty="0">
-              <a:solidFill>
-                <a:srgbClr val="323232"/>
-              </a:solidFill>
-              <a:effectLst/>
-              <a:latin typeface="IBM Plex Sans" panose="020B0503050203000203" pitchFamily="34" charset="0"/>
-            </a:endParaRPr>
+              <a:rPr lang="en-US" dirty="0"/>
+              <a:t>When using </a:t>
+            </a:r>
+            <a:r>
+              <a:rPr lang="en-US" dirty="0" err="1"/>
+              <a:t>sp_addmessage</a:t>
+            </a:r>
+            <a:r>
+              <a:rPr lang="en-US" dirty="0"/>
+              <a:t> and </a:t>
+            </a:r>
+            <a:r>
+              <a:rPr lang="en-US" dirty="0" err="1"/>
+              <a:t>sysmessages</a:t>
+            </a:r>
+            <a:r>
+              <a:rPr lang="en-US" dirty="0"/>
+              <a:t>, always use error message number of 50001 or greater.</a:t>
+            </a:r>
+            <a:br>
+              <a:rPr lang="en-US" dirty="0"/>
+            </a:br>
+            <a:endParaRPr lang="en-US" dirty="0"/>
+          </a:p>
+          <a:p>
+            <a:endParaRPr lang="en-US" dirty="0"/>
+          </a:p>
+          <a:p>
+            <a:endParaRPr lang="en-US" dirty="0"/>
           </a:p>
         </p:txBody>
       </p:sp>
@@ -2723,119 +2779,6 @@
             <a:fld id="{2EA678A8-5F10-42B1-A023-03030236D603}" type="slidenum">
               <a:rPr lang="en-US" smtClean="0"/>
               <a:t>20</a:t>
-            </a:fld>
-            <a:endParaRPr lang="en-US"/>
-          </a:p>
-        </p:txBody>
-      </p:sp>
-    </p:spTree>
-    <p:extLst>
-      <p:ext uri="{BB962C8B-B14F-4D97-AF65-F5344CB8AC3E}">
-        <p14:creationId xmlns:p14="http://schemas.microsoft.com/office/powerpoint/2010/main" val="2117918292"/>
-      </p:ext>
-    </p:extLst>
-  </p:cSld>
-  <p:clrMapOvr>
-    <a:masterClrMapping/>
-  </p:clrMapOvr>
-</p:notes>
-</file>
-
-<file path=ppt/notesSlides/notesSlide17.xml><?xml version="1.0" encoding="utf-8"?>
-<p:notes xmlns:a="http://schemas.openxmlformats.org/drawingml/2006/main" xmlns:r="http://schemas.openxmlformats.org/officeDocument/2006/relationships" xmlns:p="http://schemas.openxmlformats.org/presentationml/2006/main">
-  <p:cSld>
-    <p:spTree>
-      <p:nvGrpSpPr>
-        <p:cNvPr id="1" name=""/>
-        <p:cNvGrpSpPr/>
-        <p:nvPr/>
-      </p:nvGrpSpPr>
-      <p:grpSpPr>
-        <a:xfrm>
-          <a:off x="0" y="0"/>
-          <a:ext cx="0" cy="0"/>
-          <a:chOff x="0" y="0"/>
-          <a:chExt cx="0" cy="0"/>
-        </a:xfrm>
-      </p:grpSpPr>
-      <p:sp>
-        <p:nvSpPr>
-          <p:cNvPr id="2" name="Slide Image Placeholder 1"/>
-          <p:cNvSpPr>
-            <a:spLocks noGrp="1" noRot="1" noChangeAspect="1"/>
-          </p:cNvSpPr>
-          <p:nvPr>
-            <p:ph type="sldImg"/>
-          </p:nvPr>
-        </p:nvSpPr>
-        <p:spPr/>
-      </p:sp>
-      <p:sp>
-        <p:nvSpPr>
-          <p:cNvPr id="3" name="Notes Placeholder 2"/>
-          <p:cNvSpPr>
-            <a:spLocks noGrp="1"/>
-          </p:cNvSpPr>
-          <p:nvPr>
-            <p:ph type="body" idx="1"/>
-          </p:nvPr>
-        </p:nvSpPr>
-        <p:spPr/>
-        <p:txBody>
-          <a:bodyPr/>
-          <a:lstStyle/>
-          <a:p>
-            <a:r>
-              <a:rPr lang="en-US" dirty="0"/>
-              <a:t>When using </a:t>
-            </a:r>
-            <a:r>
-              <a:rPr lang="en-US" dirty="0" err="1"/>
-              <a:t>sp_addmessage</a:t>
-            </a:r>
-            <a:r>
-              <a:rPr lang="en-US" dirty="0"/>
-              <a:t> and </a:t>
-            </a:r>
-            <a:r>
-              <a:rPr lang="en-US" dirty="0" err="1"/>
-              <a:t>sysmessages</a:t>
-            </a:r>
-            <a:r>
-              <a:rPr lang="en-US" dirty="0"/>
-              <a:t>, always use error message number of 50001 or greater.</a:t>
-            </a:r>
-            <a:br>
-              <a:rPr lang="en-US" dirty="0"/>
-            </a:br>
-            <a:endParaRPr lang="en-US" dirty="0"/>
-          </a:p>
-          <a:p>
-            <a:endParaRPr lang="en-US" dirty="0"/>
-          </a:p>
-          <a:p>
-            <a:endParaRPr lang="en-US" dirty="0"/>
-          </a:p>
-        </p:txBody>
-      </p:sp>
-      <p:sp>
-        <p:nvSpPr>
-          <p:cNvPr id="4" name="Slide Number Placeholder 3"/>
-          <p:cNvSpPr>
-            <a:spLocks noGrp="1"/>
-          </p:cNvSpPr>
-          <p:nvPr>
-            <p:ph type="sldNum" sz="quarter" idx="5"/>
-          </p:nvPr>
-        </p:nvSpPr>
-        <p:spPr/>
-        <p:txBody>
-          <a:bodyPr/>
-          <a:lstStyle/>
-          <a:p>
-            <a:fld id="{2EA678A8-5F10-42B1-A023-03030236D603}" type="slidenum">
-              <a:rPr lang="en-US" smtClean="0"/>
-              <a:t>21</a:t>
             </a:fld>
             <a:endParaRPr lang="en-US"/>
           </a:p>
@@ -3370,18 +3313,53 @@
           <a:lstStyle/>
           <a:p>
             <a:r>
-              <a:rPr lang="en-US" dirty="0"/>
-              <a:t>Usage of arrays, data structures, built-in-functions, sub-procedures</a:t>
-            </a:r>
-          </a:p>
-          <a:p>
+              <a:rPr lang="en-US" b="0" i="0" dirty="0">
+                <a:solidFill>
+                  <a:srgbClr val="040C28"/>
+                </a:solidFill>
+                <a:effectLst/>
+                <a:latin typeface="Google Sans"/>
+              </a:rPr>
+              <a:t>Stored at a local or remote Db2 server</a:t>
+            </a:r>
+            <a:r>
+              <a:rPr lang="en-US" b="0" i="0" dirty="0">
+                <a:solidFill>
+                  <a:srgbClr val="1F1F1F"/>
+                </a:solidFill>
+                <a:effectLst/>
+                <a:latin typeface="Google Sans"/>
+              </a:rPr>
+              <a:t>. </a:t>
+            </a:r>
+          </a:p>
+          <a:p>
+            <a:r>
+              <a:rPr lang="en-US" b="0" i="0" dirty="0">
+                <a:solidFill>
+                  <a:srgbClr val="1F1F1F"/>
+                </a:solidFill>
+                <a:effectLst/>
+                <a:latin typeface="Google Sans"/>
+              </a:rPr>
+              <a:t>Special Powers? Loops, Conditional Logic, Code Blocks &amp; passing parameters</a:t>
+            </a:r>
+          </a:p>
+          <a:p>
+            <a:r>
+              <a:rPr lang="en-US" b="0" i="0" dirty="0">
+                <a:solidFill>
+                  <a:srgbClr val="1F1F1F"/>
+                </a:solidFill>
+                <a:effectLst/>
+                <a:latin typeface="Google Sans"/>
+              </a:rPr>
+              <a:t>You can invoke a stored procedure from an application program or from the command line processor.</a:t>
+            </a:r>
             <a:endParaRPr lang="en-US" dirty="0"/>
           </a:p>
           <a:p>
-            <a:r>
-              <a:rPr lang="en-US" dirty="0"/>
-              <a:t>Core of the existing business logic can be encapsulated for clients to use.</a:t>
-            </a:r>
+            <a:endParaRPr lang="en-US" dirty="0"/>
           </a:p>
         </p:txBody>
       </p:sp>
@@ -3411,7 +3389,7 @@
     </p:spTree>
     <p:extLst>
       <p:ext uri="{BB962C8B-B14F-4D97-AF65-F5344CB8AC3E}">
-        <p14:creationId xmlns:p14="http://schemas.microsoft.com/office/powerpoint/2010/main" val="3573705181"/>
+        <p14:creationId xmlns:p14="http://schemas.microsoft.com/office/powerpoint/2010/main" val="1696298142"/>
       </p:ext>
     </p:extLst>
   </p:cSld>
@@ -3466,53 +3444,54 @@
           <a:lstStyle/>
           <a:p>
             <a:r>
+              <a:rPr lang="en-US" dirty="0"/>
+              <a:t>Breakdown complex logic into smaller, reusable units</a:t>
+            </a:r>
+          </a:p>
+          <a:p>
+            <a:pPr marL="0" marR="0" lvl="0" indent="0" algn="l" defTabSz="914400" rtl="0" eaLnBrk="1" fontAlgn="auto" latinLnBrk="0" hangingPunct="1">
+              <a:lnSpc>
+                <a:spcPct val="100000"/>
+              </a:lnSpc>
+              <a:spcBef>
+                <a:spcPts val="0"/>
+              </a:spcBef>
+              <a:spcAft>
+                <a:spcPts val="0"/>
+              </a:spcAft>
+              <a:buClrTx/>
+              <a:buSzTx/>
+              <a:buFontTx/>
+              <a:buNone/>
+              <a:tabLst/>
+              <a:defRPr/>
+            </a:pPr>
+            <a:r>
               <a:rPr lang="en-US" b="0" i="0" dirty="0">
                 <a:solidFill>
-                  <a:srgbClr val="040C28"/>
+                  <a:srgbClr val="D2D0CE"/>
                 </a:solidFill>
                 <a:effectLst/>
-                <a:latin typeface="Google Sans"/>
-              </a:rPr>
-              <a:t>Stored at a local or remote Db2 server</a:t>
-            </a:r>
-            <a:r>
-              <a:rPr lang="en-US" b="0" i="0" dirty="0">
-                <a:solidFill>
-                  <a:srgbClr val="1F1F1F"/>
-                </a:solidFill>
-                <a:effectLst/>
-                <a:latin typeface="Google Sans"/>
-              </a:rPr>
-              <a:t>. </a:t>
-            </a:r>
-          </a:p>
-          <a:p>
-            <a:r>
-              <a:rPr lang="en-US" b="0" i="0" dirty="0">
-                <a:solidFill>
-                  <a:srgbClr val="1F1F1F"/>
-                </a:solidFill>
-                <a:effectLst/>
-                <a:latin typeface="Google Sans"/>
-              </a:rPr>
-              <a:t>Special Powers? Loops, Conditional Logic, Code Blocks &amp; passing parameters</a:t>
-            </a:r>
-          </a:p>
-          <a:p>
-            <a:r>
-              <a:rPr lang="en-US" b="0" i="0" dirty="0">
-                <a:solidFill>
-                  <a:srgbClr val="1F1F1F"/>
-                </a:solidFill>
-                <a:effectLst/>
-                <a:latin typeface="Google Sans"/>
-              </a:rPr>
-              <a:t>You can invoke a stored procedure from an application program or from the command line processor.</a:t>
+                <a:highlight>
+                  <a:srgbClr val="141414"/>
+                </a:highlight>
+                <a:latin typeface="-apple-system"/>
+              </a:rPr>
+              <a:t>UDFs can improve query performance by precomputing results or handling repetitive tasks efficiently. Non-deterministic</a:t>
             </a:r>
             <a:endParaRPr lang="en-US" dirty="0"/>
           </a:p>
           <a:p>
-            <a:endParaRPr lang="en-US" dirty="0"/>
+            <a:r>
+              <a:rPr lang="en-US" dirty="0"/>
+              <a:t>Execute common calculations or transformations efficiently. </a:t>
+            </a:r>
+          </a:p>
+          <a:p>
+            <a:r>
+              <a:rPr lang="en-US" dirty="0"/>
+              <a:t>Think it like the BIF in RPGLE.</a:t>
+            </a:r>
           </a:p>
         </p:txBody>
       </p:sp>
@@ -3542,7 +3521,7 @@
     </p:spTree>
     <p:extLst>
       <p:ext uri="{BB962C8B-B14F-4D97-AF65-F5344CB8AC3E}">
-        <p14:creationId xmlns:p14="http://schemas.microsoft.com/office/powerpoint/2010/main" val="1696298142"/>
+        <p14:creationId xmlns:p14="http://schemas.microsoft.com/office/powerpoint/2010/main" val="3145623809"/>
       </p:ext>
     </p:extLst>
   </p:cSld>
@@ -3598,52 +3577,16 @@
           <a:p>
             <a:r>
               <a:rPr lang="en-US" dirty="0"/>
-              <a:t>Breakdown complex logic into smaller, reusable units</a:t>
-            </a:r>
-          </a:p>
-          <a:p>
-            <a:pPr marL="0" marR="0" lvl="0" indent="0" algn="l" defTabSz="914400" rtl="0" eaLnBrk="1" fontAlgn="auto" latinLnBrk="0" hangingPunct="1">
-              <a:lnSpc>
-                <a:spcPct val="100000"/>
-              </a:lnSpc>
-              <a:spcBef>
-                <a:spcPts val="0"/>
-              </a:spcBef>
-              <a:spcAft>
-                <a:spcPts val="0"/>
-              </a:spcAft>
-              <a:buClrTx/>
-              <a:buSzTx/>
-              <a:buFontTx/>
-              <a:buNone/>
-              <a:tabLst/>
-              <a:defRPr/>
-            </a:pPr>
-            <a:r>
-              <a:rPr lang="en-US" b="0" i="0" dirty="0">
-                <a:solidFill>
-                  <a:srgbClr val="D2D0CE"/>
-                </a:solidFill>
-                <a:effectLst/>
-                <a:highlight>
-                  <a:srgbClr val="141414"/>
-                </a:highlight>
-                <a:latin typeface="-apple-system"/>
-              </a:rPr>
-              <a:t>UDFs can improve query performance by precomputing results or handling repetitive tasks efficiently. Non-deterministic</a:t>
-            </a:r>
+              <a:t>Usage of arrays, data structures, built-in-functions, sub-procedures</a:t>
+            </a:r>
+          </a:p>
+          <a:p>
             <a:endParaRPr lang="en-US" dirty="0"/>
           </a:p>
           <a:p>
             <a:r>
               <a:rPr lang="en-US" dirty="0"/>
-              <a:t>Execute common calculations or transformations efficiently. </a:t>
-            </a:r>
-          </a:p>
-          <a:p>
-            <a:r>
-              <a:rPr lang="en-US" dirty="0"/>
-              <a:t>Think it like the BIF in RPGLE.</a:t>
+              <a:t>Core of the existing business logic can be encapsulated for clients to use.</a:t>
             </a:r>
           </a:p>
         </p:txBody>
@@ -3674,7 +3617,7 @@
     </p:spTree>
     <p:extLst>
       <p:ext uri="{BB962C8B-B14F-4D97-AF65-F5344CB8AC3E}">
-        <p14:creationId xmlns:p14="http://schemas.microsoft.com/office/powerpoint/2010/main" val="3145623809"/>
+        <p14:creationId xmlns:p14="http://schemas.microsoft.com/office/powerpoint/2010/main" val="4228493951"/>
       </p:ext>
     </p:extLst>
   </p:cSld>
@@ -3833,7 +3776,7 @@
           <a:p>
             <a:fld id="{66EFE03B-ED6E-4F02-9F68-2FC4E0EDB2F5}" type="datetimeFigureOut">
               <a:rPr lang="en-IN" smtClean="0"/>
-              <a:t>29-07-2024</a:t>
+              <a:t>30-07-2024</a:t>
             </a:fld>
             <a:endParaRPr lang="en-IN"/>
           </a:p>
@@ -4033,7 +3976,7 @@
           <a:p>
             <a:fld id="{66EFE03B-ED6E-4F02-9F68-2FC4E0EDB2F5}" type="datetimeFigureOut">
               <a:rPr lang="en-IN" smtClean="0"/>
-              <a:t>29-07-2024</a:t>
+              <a:t>30-07-2024</a:t>
             </a:fld>
             <a:endParaRPr lang="en-IN"/>
           </a:p>
@@ -4243,7 +4186,7 @@
           <a:p>
             <a:fld id="{66EFE03B-ED6E-4F02-9F68-2FC4E0EDB2F5}" type="datetimeFigureOut">
               <a:rPr lang="en-IN" smtClean="0"/>
-              <a:t>29-07-2024</a:t>
+              <a:t>30-07-2024</a:t>
             </a:fld>
             <a:endParaRPr lang="en-IN"/>
           </a:p>
@@ -4443,7 +4386,7 @@
           <a:p>
             <a:fld id="{66EFE03B-ED6E-4F02-9F68-2FC4E0EDB2F5}" type="datetimeFigureOut">
               <a:rPr lang="en-IN" smtClean="0"/>
-              <a:t>29-07-2024</a:t>
+              <a:t>30-07-2024</a:t>
             </a:fld>
             <a:endParaRPr lang="en-IN"/>
           </a:p>
@@ -4719,7 +4662,7 @@
           <a:p>
             <a:fld id="{66EFE03B-ED6E-4F02-9F68-2FC4E0EDB2F5}" type="datetimeFigureOut">
               <a:rPr lang="en-IN" smtClean="0"/>
-              <a:t>29-07-2024</a:t>
+              <a:t>30-07-2024</a:t>
             </a:fld>
             <a:endParaRPr lang="en-IN"/>
           </a:p>
@@ -4987,7 +4930,7 @@
           <a:p>
             <a:fld id="{66EFE03B-ED6E-4F02-9F68-2FC4E0EDB2F5}" type="datetimeFigureOut">
               <a:rPr lang="en-IN" smtClean="0"/>
-              <a:t>29-07-2024</a:t>
+              <a:t>30-07-2024</a:t>
             </a:fld>
             <a:endParaRPr lang="en-IN"/>
           </a:p>
@@ -5402,7 +5345,7 @@
           <a:p>
             <a:fld id="{66EFE03B-ED6E-4F02-9F68-2FC4E0EDB2F5}" type="datetimeFigureOut">
               <a:rPr lang="en-IN" smtClean="0"/>
-              <a:t>29-07-2024</a:t>
+              <a:t>30-07-2024</a:t>
             </a:fld>
             <a:endParaRPr lang="en-IN"/>
           </a:p>
@@ -5544,7 +5487,7 @@
           <a:p>
             <a:fld id="{66EFE03B-ED6E-4F02-9F68-2FC4E0EDB2F5}" type="datetimeFigureOut">
               <a:rPr lang="en-IN" smtClean="0"/>
-              <a:t>29-07-2024</a:t>
+              <a:t>30-07-2024</a:t>
             </a:fld>
             <a:endParaRPr lang="en-IN"/>
           </a:p>
@@ -5657,7 +5600,7 @@
           <a:p>
             <a:fld id="{66EFE03B-ED6E-4F02-9F68-2FC4E0EDB2F5}" type="datetimeFigureOut">
               <a:rPr lang="en-IN" smtClean="0"/>
-              <a:t>29-07-2024</a:t>
+              <a:t>30-07-2024</a:t>
             </a:fld>
             <a:endParaRPr lang="en-IN"/>
           </a:p>
@@ -5970,7 +5913,7 @@
           <a:p>
             <a:fld id="{66EFE03B-ED6E-4F02-9F68-2FC4E0EDB2F5}" type="datetimeFigureOut">
               <a:rPr lang="en-IN" smtClean="0"/>
-              <a:t>29-07-2024</a:t>
+              <a:t>30-07-2024</a:t>
             </a:fld>
             <a:endParaRPr lang="en-IN"/>
           </a:p>
@@ -6259,7 +6202,7 @@
           <a:p>
             <a:fld id="{66EFE03B-ED6E-4F02-9F68-2FC4E0EDB2F5}" type="datetimeFigureOut">
               <a:rPr lang="en-IN" smtClean="0"/>
-              <a:t>29-07-2024</a:t>
+              <a:t>30-07-2024</a:t>
             </a:fld>
             <a:endParaRPr lang="en-IN"/>
           </a:p>
@@ -6502,7 +6445,7 @@
           <a:p>
             <a:fld id="{66EFE03B-ED6E-4F02-9F68-2FC4E0EDB2F5}" type="datetimeFigureOut">
               <a:rPr lang="en-IN" smtClean="0"/>
-              <a:t>29-07-2024</a:t>
+              <a:t>30-07-2024</a:t>
             </a:fld>
             <a:endParaRPr lang="en-IN"/>
           </a:p>
@@ -7117,279 +7060,6 @@
       </p:pic>
       <p:sp>
         <p:nvSpPr>
-          <p:cNvPr id="4" name="Rectangle 3">
-            <a:extLst>
-              <a:ext uri="{FF2B5EF4-FFF2-40B4-BE49-F238E27FC236}">
-                <a16:creationId xmlns:a16="http://schemas.microsoft.com/office/drawing/2014/main" id="{9C0D1D6F-43D2-B0BE-B089-22338D1F170D}"/>
-              </a:ext>
-            </a:extLst>
-          </p:cNvPr>
-          <p:cNvSpPr/>
-          <p:nvPr/>
-        </p:nvSpPr>
-        <p:spPr>
-          <a:xfrm>
-            <a:off x="1185275" y="734915"/>
-            <a:ext cx="5246116" cy="923330"/>
-          </a:xfrm>
-          <a:prstGeom prst="rect">
-            <a:avLst/>
-          </a:prstGeom>
-          <a:noFill/>
-        </p:spPr>
-        <p:txBody>
-          <a:bodyPr wrap="none" lIns="91440" tIns="45720" rIns="91440" bIns="45720">
-            <a:spAutoFit/>
-          </a:bodyPr>
-          <a:lstStyle/>
-          <a:p>
-            <a:pPr algn="ctr"/>
-            <a:r>
-              <a:rPr lang="en-US" sz="5400" dirty="0">
-                <a:ln w="0"/>
-                <a:solidFill>
-                  <a:schemeClr val="accent1"/>
-                </a:solidFill>
-                <a:effectLst>
-                  <a:outerShdw blurRad="38100" dist="25400" dir="5400000" algn="ctr" rotWithShape="0">
-                    <a:srgbClr val="6E747A">
-                      <a:alpha val="43000"/>
-                    </a:srgbClr>
-                  </a:outerShdw>
-                </a:effectLst>
-              </a:rPr>
-              <a:t>Stored Procedure</a:t>
-            </a:r>
-            <a:endParaRPr lang="en-US" sz="5400" b="0" cap="none" spc="0" dirty="0">
-              <a:ln w="0"/>
-              <a:solidFill>
-                <a:schemeClr val="accent1"/>
-              </a:solidFill>
-              <a:effectLst>
-                <a:outerShdw blurRad="38100" dist="25400" dir="5400000" algn="ctr" rotWithShape="0">
-                  <a:srgbClr val="6E747A">
-                    <a:alpha val="43000"/>
-                  </a:srgbClr>
-                </a:outerShdw>
-              </a:effectLst>
-            </a:endParaRPr>
-          </a:p>
-        </p:txBody>
-      </p:sp>
-      <p:sp>
-        <p:nvSpPr>
-          <p:cNvPr id="7" name="Rectangle 6">
-            <a:extLst>
-              <a:ext uri="{FF2B5EF4-FFF2-40B4-BE49-F238E27FC236}">
-                <a16:creationId xmlns:a16="http://schemas.microsoft.com/office/drawing/2014/main" id="{5493AF2F-B4A4-3DD7-C402-81CD909FDA9B}"/>
-              </a:ext>
-            </a:extLst>
-          </p:cNvPr>
-          <p:cNvSpPr/>
-          <p:nvPr/>
-        </p:nvSpPr>
-        <p:spPr>
-          <a:xfrm>
-            <a:off x="1641666" y="588727"/>
-            <a:ext cx="1057277" cy="461665"/>
-          </a:xfrm>
-          <a:prstGeom prst="rect">
-            <a:avLst/>
-          </a:prstGeom>
-          <a:noFill/>
-        </p:spPr>
-        <p:txBody>
-          <a:bodyPr wrap="none" lIns="91440" tIns="45720" rIns="91440" bIns="45720">
-            <a:spAutoFit/>
-          </a:bodyPr>
-          <a:lstStyle/>
-          <a:p>
-            <a:pPr algn="ctr"/>
-            <a:r>
-              <a:rPr lang="en-US" sz="2400" b="0" cap="none" spc="0" dirty="0">
-                <a:ln w="0"/>
-                <a:solidFill>
-                  <a:schemeClr val="accent1"/>
-                </a:solidFill>
-                <a:effectLst>
-                  <a:outerShdw blurRad="38100" dist="25400" dir="5400000" algn="ctr" rotWithShape="0">
-                    <a:srgbClr val="6E747A">
-                      <a:alpha val="43000"/>
-                    </a:srgbClr>
-                  </a:outerShdw>
-                </a:effectLst>
-              </a:rPr>
-              <a:t>how to</a:t>
-            </a:r>
-          </a:p>
-        </p:txBody>
-      </p:sp>
-      <p:pic>
-        <p:nvPicPr>
-          <p:cNvPr id="3" name="Picture 2">
-            <a:extLst>
-              <a:ext uri="{FF2B5EF4-FFF2-40B4-BE49-F238E27FC236}">
-                <a16:creationId xmlns:a16="http://schemas.microsoft.com/office/drawing/2014/main" id="{7E8346DE-BEB1-1266-258C-37E2F2E97061}"/>
-              </a:ext>
-            </a:extLst>
-          </p:cNvPr>
-          <p:cNvPicPr>
-            <a:picLocks noChangeAspect="1" noChangeArrowheads="1"/>
-          </p:cNvPicPr>
-          <p:nvPr/>
-        </p:nvPicPr>
-        <p:blipFill>
-          <a:blip r:embed="rId4">
-            <a:extLst>
-              <a:ext uri="{28A0092B-C50C-407E-A947-70E740481C1C}">
-                <a14:useLocalDpi xmlns:a14="http://schemas.microsoft.com/office/drawing/2010/main" val="0"/>
-              </a:ext>
-            </a:extLst>
-          </a:blip>
-          <a:srcRect/>
-          <a:stretch>
-            <a:fillRect/>
-          </a:stretch>
-        </p:blipFill>
-        <p:spPr bwMode="auto">
-          <a:xfrm>
-            <a:off x="4899843" y="2513639"/>
-            <a:ext cx="1779921" cy="1779921"/>
-          </a:xfrm>
-          <a:prstGeom prst="rect">
-            <a:avLst/>
-          </a:prstGeom>
-          <a:noFill/>
-          <a:extLst>
-            <a:ext uri="{909E8E84-426E-40DD-AFC4-6F175D3DCCD1}">
-              <a14:hiddenFill xmlns:a14="http://schemas.microsoft.com/office/drawing/2010/main">
-                <a:solidFill>
-                  <a:srgbClr val="FFFFFF"/>
-                </a:solidFill>
-              </a14:hiddenFill>
-            </a:ext>
-          </a:extLst>
-        </p:spPr>
-      </p:pic>
-      <p:sp>
-        <p:nvSpPr>
-          <p:cNvPr id="2" name="Rectangle 1">
-            <a:extLst>
-              <a:ext uri="{FF2B5EF4-FFF2-40B4-BE49-F238E27FC236}">
-                <a16:creationId xmlns:a16="http://schemas.microsoft.com/office/drawing/2014/main" id="{C6CD310B-407E-92D6-6068-776F959F76C7}"/>
-              </a:ext>
-            </a:extLst>
-          </p:cNvPr>
-          <p:cNvSpPr/>
-          <p:nvPr/>
-        </p:nvSpPr>
-        <p:spPr>
-          <a:xfrm>
-            <a:off x="4262879" y="4293560"/>
-            <a:ext cx="3053848" cy="523220"/>
-          </a:xfrm>
-          <a:prstGeom prst="rect">
-            <a:avLst/>
-          </a:prstGeom>
-          <a:noFill/>
-        </p:spPr>
-        <p:txBody>
-          <a:bodyPr wrap="none" lIns="91440" tIns="45720" rIns="91440" bIns="45720">
-            <a:spAutoFit/>
-          </a:bodyPr>
-          <a:lstStyle/>
-          <a:p>
-            <a:pPr algn="ctr"/>
-            <a:r>
-              <a:rPr lang="en-US" sz="2800" dirty="0">
-                <a:ln w="0"/>
-                <a:effectLst>
-                  <a:outerShdw blurRad="38100" dist="19050" dir="2700000" algn="tl" rotWithShape="0">
-                    <a:schemeClr val="dk1">
-                      <a:alpha val="40000"/>
-                    </a:schemeClr>
-                  </a:outerShdw>
-                </a:effectLst>
-              </a:rPr>
-              <a:t>Let’s see it in action</a:t>
-            </a:r>
-          </a:p>
-        </p:txBody>
-      </p:sp>
-    </p:spTree>
-    <p:extLst>
-      <p:ext uri="{BB962C8B-B14F-4D97-AF65-F5344CB8AC3E}">
-        <p14:creationId xmlns:p14="http://schemas.microsoft.com/office/powerpoint/2010/main" val="2817449152"/>
-      </p:ext>
-    </p:extLst>
-  </p:cSld>
-  <p:clrMapOvr>
-    <a:masterClrMapping/>
-  </p:clrMapOvr>
-</p:sld>
-</file>
-
-<file path=ppt/slides/slide11.xml><?xml version="1.0" encoding="utf-8"?>
-<p:sld xmlns:a="http://schemas.openxmlformats.org/drawingml/2006/main" xmlns:r="http://schemas.openxmlformats.org/officeDocument/2006/relationships" xmlns:p="http://schemas.openxmlformats.org/presentationml/2006/main">
-  <p:cSld>
-    <p:spTree>
-      <p:nvGrpSpPr>
-        <p:cNvPr id="1" name="">
-          <a:extLst>
-            <a:ext uri="{FF2B5EF4-FFF2-40B4-BE49-F238E27FC236}">
-              <a16:creationId xmlns:a16="http://schemas.microsoft.com/office/drawing/2014/main" id="{6C520F80-B788-222D-A5D7-111D2CE74284}"/>
-            </a:ext>
-          </a:extLst>
-        </p:cNvPr>
-        <p:cNvGrpSpPr/>
-        <p:nvPr/>
-      </p:nvGrpSpPr>
-      <p:grpSpPr>
-        <a:xfrm>
-          <a:off x="0" y="0"/>
-          <a:ext cx="0" cy="0"/>
-          <a:chOff x="0" y="0"/>
-          <a:chExt cx="0" cy="0"/>
-        </a:xfrm>
-      </p:grpSpPr>
-      <p:pic>
-        <p:nvPicPr>
-          <p:cNvPr id="5" name="Picture 4">
-            <a:extLst>
-              <a:ext uri="{FF2B5EF4-FFF2-40B4-BE49-F238E27FC236}">
-                <a16:creationId xmlns:a16="http://schemas.microsoft.com/office/drawing/2014/main" id="{4CC5EA8B-374C-65E3-6F65-6B7FCFC3DA3A}"/>
-              </a:ext>
-            </a:extLst>
-          </p:cNvPr>
-          <p:cNvPicPr>
-            <a:picLocks noChangeAspect="1"/>
-          </p:cNvPicPr>
-          <p:nvPr/>
-        </p:nvPicPr>
-        <p:blipFill>
-          <a:blip r:embed="rId3">
-            <a:extLst>
-              <a:ext uri="{28A0092B-C50C-407E-A947-70E740481C1C}">
-                <a14:useLocalDpi xmlns:a14="http://schemas.microsoft.com/office/drawing/2010/main" val="0"/>
-              </a:ext>
-            </a:extLst>
-          </a:blip>
-          <a:stretch>
-            <a:fillRect/>
-          </a:stretch>
-        </p:blipFill>
-        <p:spPr>
-          <a:xfrm>
-            <a:off x="9513276" y="0"/>
-            <a:ext cx="2678723" cy="1050392"/>
-          </a:xfrm>
-          <a:prstGeom prst="rect">
-            <a:avLst/>
-          </a:prstGeom>
-        </p:spPr>
-      </p:pic>
-      <p:sp>
-        <p:nvSpPr>
           <p:cNvPr id="3" name="TextBox 2">
             <a:extLst>
               <a:ext uri="{FF2B5EF4-FFF2-40B4-BE49-F238E27FC236}">
@@ -7674,7 +7344,7 @@
 </p:sld>
 </file>
 
-<file path=ppt/slides/slide12.xml><?xml version="1.0" encoding="utf-8"?>
+<file path=ppt/slides/slide11.xml><?xml version="1.0" encoding="utf-8"?>
 <p:sld xmlns:a="http://schemas.openxmlformats.org/drawingml/2006/main" xmlns:r="http://schemas.openxmlformats.org/officeDocument/2006/relationships" xmlns:p="http://schemas.openxmlformats.org/presentationml/2006/main">
   <p:cSld>
     <p:spTree>
@@ -8007,6 +7677,279 @@
 </p:sld>
 </file>
 
+<file path=ppt/slides/slide12.xml><?xml version="1.0" encoding="utf-8"?>
+<p:sld xmlns:a="http://schemas.openxmlformats.org/drawingml/2006/main" xmlns:r="http://schemas.openxmlformats.org/officeDocument/2006/relationships" xmlns:p="http://schemas.openxmlformats.org/presentationml/2006/main">
+  <p:cSld>
+    <p:spTree>
+      <p:nvGrpSpPr>
+        <p:cNvPr id="1" name="">
+          <a:extLst>
+            <a:ext uri="{FF2B5EF4-FFF2-40B4-BE49-F238E27FC236}">
+              <a16:creationId xmlns:a16="http://schemas.microsoft.com/office/drawing/2014/main" id="{6C520F80-B788-222D-A5D7-111D2CE74284}"/>
+            </a:ext>
+          </a:extLst>
+        </p:cNvPr>
+        <p:cNvGrpSpPr/>
+        <p:nvPr/>
+      </p:nvGrpSpPr>
+      <p:grpSpPr>
+        <a:xfrm>
+          <a:off x="0" y="0"/>
+          <a:ext cx="0" cy="0"/>
+          <a:chOff x="0" y="0"/>
+          <a:chExt cx="0" cy="0"/>
+        </a:xfrm>
+      </p:grpSpPr>
+      <p:pic>
+        <p:nvPicPr>
+          <p:cNvPr id="5" name="Picture 4">
+            <a:extLst>
+              <a:ext uri="{FF2B5EF4-FFF2-40B4-BE49-F238E27FC236}">
+                <a16:creationId xmlns:a16="http://schemas.microsoft.com/office/drawing/2014/main" id="{4CC5EA8B-374C-65E3-6F65-6B7FCFC3DA3A}"/>
+              </a:ext>
+            </a:extLst>
+          </p:cNvPr>
+          <p:cNvPicPr>
+            <a:picLocks noChangeAspect="1"/>
+          </p:cNvPicPr>
+          <p:nvPr/>
+        </p:nvPicPr>
+        <p:blipFill>
+          <a:blip r:embed="rId3">
+            <a:extLst>
+              <a:ext uri="{28A0092B-C50C-407E-A947-70E740481C1C}">
+                <a14:useLocalDpi xmlns:a14="http://schemas.microsoft.com/office/drawing/2010/main" val="0"/>
+              </a:ext>
+            </a:extLst>
+          </a:blip>
+          <a:stretch>
+            <a:fillRect/>
+          </a:stretch>
+        </p:blipFill>
+        <p:spPr>
+          <a:xfrm>
+            <a:off x="9513276" y="0"/>
+            <a:ext cx="2678723" cy="1050392"/>
+          </a:xfrm>
+          <a:prstGeom prst="rect">
+            <a:avLst/>
+          </a:prstGeom>
+        </p:spPr>
+      </p:pic>
+      <p:sp>
+        <p:nvSpPr>
+          <p:cNvPr id="4" name="Rectangle 3">
+            <a:extLst>
+              <a:ext uri="{FF2B5EF4-FFF2-40B4-BE49-F238E27FC236}">
+                <a16:creationId xmlns:a16="http://schemas.microsoft.com/office/drawing/2014/main" id="{9C0D1D6F-43D2-B0BE-B089-22338D1F170D}"/>
+              </a:ext>
+            </a:extLst>
+          </p:cNvPr>
+          <p:cNvSpPr/>
+          <p:nvPr/>
+        </p:nvSpPr>
+        <p:spPr>
+          <a:xfrm>
+            <a:off x="1029301" y="700349"/>
+            <a:ext cx="6467156" cy="923330"/>
+          </a:xfrm>
+          <a:prstGeom prst="rect">
+            <a:avLst/>
+          </a:prstGeom>
+          <a:noFill/>
+        </p:spPr>
+        <p:txBody>
+          <a:bodyPr wrap="none" lIns="91440" tIns="45720" rIns="91440" bIns="45720">
+            <a:spAutoFit/>
+          </a:bodyPr>
+          <a:lstStyle/>
+          <a:p>
+            <a:pPr algn="ctr"/>
+            <a:r>
+              <a:rPr lang="en-US" sz="5400" dirty="0">
+                <a:ln w="0"/>
+                <a:solidFill>
+                  <a:schemeClr val="accent1"/>
+                </a:solidFill>
+                <a:effectLst>
+                  <a:outerShdw blurRad="38100" dist="25400" dir="5400000" algn="ctr" rotWithShape="0">
+                    <a:srgbClr val="6E747A">
+                      <a:alpha val="43000"/>
+                    </a:srgbClr>
+                  </a:outerShdw>
+                </a:effectLst>
+              </a:rPr>
+              <a:t>User Defined Function</a:t>
+            </a:r>
+            <a:endParaRPr lang="en-US" sz="5400" b="0" cap="none" spc="0" dirty="0">
+              <a:ln w="0"/>
+              <a:solidFill>
+                <a:schemeClr val="accent1"/>
+              </a:solidFill>
+              <a:effectLst>
+                <a:outerShdw blurRad="38100" dist="25400" dir="5400000" algn="ctr" rotWithShape="0">
+                  <a:srgbClr val="6E747A">
+                    <a:alpha val="43000"/>
+                  </a:srgbClr>
+                </a:outerShdw>
+              </a:effectLst>
+            </a:endParaRPr>
+          </a:p>
+        </p:txBody>
+      </p:sp>
+      <p:sp>
+        <p:nvSpPr>
+          <p:cNvPr id="7" name="Rectangle 6">
+            <a:extLst>
+              <a:ext uri="{FF2B5EF4-FFF2-40B4-BE49-F238E27FC236}">
+                <a16:creationId xmlns:a16="http://schemas.microsoft.com/office/drawing/2014/main" id="{5493AF2F-B4A4-3DD7-C402-81CD909FDA9B}"/>
+              </a:ext>
+            </a:extLst>
+          </p:cNvPr>
+          <p:cNvSpPr/>
+          <p:nvPr/>
+        </p:nvSpPr>
+        <p:spPr>
+          <a:xfrm>
+            <a:off x="1641666" y="588727"/>
+            <a:ext cx="1057277" cy="461665"/>
+          </a:xfrm>
+          <a:prstGeom prst="rect">
+            <a:avLst/>
+          </a:prstGeom>
+          <a:noFill/>
+        </p:spPr>
+        <p:txBody>
+          <a:bodyPr wrap="none" lIns="91440" tIns="45720" rIns="91440" bIns="45720">
+            <a:spAutoFit/>
+          </a:bodyPr>
+          <a:lstStyle/>
+          <a:p>
+            <a:pPr algn="ctr"/>
+            <a:r>
+              <a:rPr lang="en-US" sz="2400" b="0" cap="none" spc="0" dirty="0">
+                <a:ln w="0"/>
+                <a:solidFill>
+                  <a:schemeClr val="accent1"/>
+                </a:solidFill>
+                <a:effectLst>
+                  <a:outerShdw blurRad="38100" dist="25400" dir="5400000" algn="ctr" rotWithShape="0">
+                    <a:srgbClr val="6E747A">
+                      <a:alpha val="43000"/>
+                    </a:srgbClr>
+                  </a:outerShdw>
+                </a:effectLst>
+              </a:rPr>
+              <a:t>how to</a:t>
+            </a:r>
+          </a:p>
+        </p:txBody>
+      </p:sp>
+      <p:pic>
+        <p:nvPicPr>
+          <p:cNvPr id="3" name="Picture 2">
+            <a:extLst>
+              <a:ext uri="{FF2B5EF4-FFF2-40B4-BE49-F238E27FC236}">
+                <a16:creationId xmlns:a16="http://schemas.microsoft.com/office/drawing/2014/main" id="{7E8346DE-BEB1-1266-258C-37E2F2E97061}"/>
+              </a:ext>
+            </a:extLst>
+          </p:cNvPr>
+          <p:cNvPicPr>
+            <a:picLocks noChangeAspect="1" noChangeArrowheads="1"/>
+          </p:cNvPicPr>
+          <p:nvPr/>
+        </p:nvPicPr>
+        <p:blipFill>
+          <a:blip r:embed="rId4">
+            <a:extLst>
+              <a:ext uri="{28A0092B-C50C-407E-A947-70E740481C1C}">
+                <a14:useLocalDpi xmlns:a14="http://schemas.microsoft.com/office/drawing/2010/main" val="0"/>
+              </a:ext>
+            </a:extLst>
+          </a:blip>
+          <a:srcRect/>
+          <a:stretch>
+            <a:fillRect/>
+          </a:stretch>
+        </p:blipFill>
+        <p:spPr bwMode="auto">
+          <a:xfrm>
+            <a:off x="4899843" y="2513639"/>
+            <a:ext cx="1779921" cy="1779921"/>
+          </a:xfrm>
+          <a:prstGeom prst="rect">
+            <a:avLst/>
+          </a:prstGeom>
+          <a:noFill/>
+          <a:extLst>
+            <a:ext uri="{909E8E84-426E-40DD-AFC4-6F175D3DCCD1}">
+              <a14:hiddenFill xmlns:a14="http://schemas.microsoft.com/office/drawing/2010/main">
+                <a:solidFill>
+                  <a:srgbClr val="FFFFFF"/>
+                </a:solidFill>
+              </a14:hiddenFill>
+            </a:ext>
+          </a:extLst>
+        </p:spPr>
+      </p:pic>
+      <p:sp>
+        <p:nvSpPr>
+          <p:cNvPr id="2" name="Rectangle 1">
+            <a:extLst>
+              <a:ext uri="{FF2B5EF4-FFF2-40B4-BE49-F238E27FC236}">
+                <a16:creationId xmlns:a16="http://schemas.microsoft.com/office/drawing/2014/main" id="{C6CD310B-407E-92D6-6068-776F959F76C7}"/>
+              </a:ext>
+            </a:extLst>
+          </p:cNvPr>
+          <p:cNvSpPr/>
+          <p:nvPr/>
+        </p:nvSpPr>
+        <p:spPr>
+          <a:xfrm>
+            <a:off x="4262879" y="4293560"/>
+            <a:ext cx="3053848" cy="523220"/>
+          </a:xfrm>
+          <a:prstGeom prst="rect">
+            <a:avLst/>
+          </a:prstGeom>
+          <a:noFill/>
+        </p:spPr>
+        <p:txBody>
+          <a:bodyPr wrap="none" lIns="91440" tIns="45720" rIns="91440" bIns="45720">
+            <a:spAutoFit/>
+          </a:bodyPr>
+          <a:lstStyle/>
+          <a:p>
+            <a:pPr algn="ctr"/>
+            <a:r>
+              <a:rPr lang="en-US" sz="2800" dirty="0">
+                <a:ln w="0"/>
+                <a:effectLst>
+                  <a:outerShdw blurRad="38100" dist="19050" dir="2700000" algn="tl" rotWithShape="0">
+                    <a:schemeClr val="dk1">
+                      <a:alpha val="40000"/>
+                    </a:schemeClr>
+                  </a:outerShdw>
+                </a:effectLst>
+              </a:rPr>
+              <a:t>Let’s see it in action</a:t>
+            </a:r>
+          </a:p>
+        </p:txBody>
+      </p:sp>
+    </p:spTree>
+    <p:extLst>
+      <p:ext uri="{BB962C8B-B14F-4D97-AF65-F5344CB8AC3E}">
+        <p14:creationId xmlns:p14="http://schemas.microsoft.com/office/powerpoint/2010/main" val="884492606"/>
+      </p:ext>
+    </p:extLst>
+  </p:cSld>
+  <p:clrMapOvr>
+    <a:masterClrMapping/>
+  </p:clrMapOvr>
+</p:sld>
+</file>
+
 <file path=ppt/slides/slide13.xml><?xml version="1.0" encoding="utf-8"?>
 <p:sld xmlns:a="http://schemas.openxmlformats.org/drawingml/2006/main" xmlns:r="http://schemas.openxmlformats.org/officeDocument/2006/relationships" xmlns:p="http://schemas.openxmlformats.org/presentationml/2006/main">
   <p:cSld>
@@ -8071,7 +8014,7 @@
           <p:cNvPr id="4" name="Rectangle 3">
             <a:extLst>
               <a:ext uri="{FF2B5EF4-FFF2-40B4-BE49-F238E27FC236}">
-                <a16:creationId xmlns:a16="http://schemas.microsoft.com/office/drawing/2014/main" id="{9C0D1D6F-43D2-B0BE-B089-22338D1F170D}"/>
+                <a16:creationId xmlns:a16="http://schemas.microsoft.com/office/drawing/2014/main" id="{123EAE75-907C-785D-CF2F-A693DA020E0B}"/>
               </a:ext>
             </a:extLst>
           </p:cNvPr>
@@ -8080,8 +8023,8 @@
         </p:nvSpPr>
         <p:spPr>
           <a:xfrm>
-            <a:off x="1029301" y="700349"/>
-            <a:ext cx="6467156" cy="923330"/>
+            <a:off x="257806" y="767772"/>
+            <a:ext cx="6866431" cy="923330"/>
           </a:xfrm>
           <a:prstGeom prst="rect">
             <a:avLst/>
@@ -8109,7 +8052,7 @@
                   </a:outerShdw>
                 </a:effectLst>
               </a:rPr>
-              <a:t>User Defined Function</a:t>
+              <a:t>Enhancing Performance</a:t>
             </a:r>
             <a:endParaRPr lang="en-US" sz="5400" b="0" cap="none" spc="0" dirty="0">
               <a:ln w="0"/>
@@ -8129,20 +8072,20 @@
       </p:sp>
       <p:sp>
         <p:nvSpPr>
-          <p:cNvPr id="7" name="Rectangle 6">
+          <p:cNvPr id="7" name="TextBox 6">
             <a:extLst>
               <a:ext uri="{FF2B5EF4-FFF2-40B4-BE49-F238E27FC236}">
-                <a16:creationId xmlns:a16="http://schemas.microsoft.com/office/drawing/2014/main" id="{5493AF2F-B4A4-3DD7-C402-81CD909FDA9B}"/>
+                <a16:creationId xmlns:a16="http://schemas.microsoft.com/office/drawing/2014/main" id="{042C3EF5-D0B6-C29D-B4C9-D54C0DEBD10C}"/>
               </a:ext>
             </a:extLst>
           </p:cNvPr>
-          <p:cNvSpPr/>
+          <p:cNvSpPr txBox="1"/>
           <p:nvPr/>
         </p:nvSpPr>
         <p:spPr>
           <a:xfrm>
-            <a:off x="1641666" y="588727"/>
-            <a:ext cx="1057277" cy="461665"/>
+            <a:off x="641146" y="1999986"/>
+            <a:ext cx="7525734" cy="369332"/>
           </a:xfrm>
           <a:prstGeom prst="rect">
             <a:avLst/>
@@ -8150,127 +8093,167 @@
           <a:noFill/>
         </p:spPr>
         <p:txBody>
-          <a:bodyPr wrap="none" lIns="91440" tIns="45720" rIns="91440" bIns="45720">
+          <a:bodyPr wrap="square">
             <a:spAutoFit/>
           </a:bodyPr>
           <a:lstStyle/>
           <a:p>
-            <a:pPr algn="ctr"/>
-            <a:r>
-              <a:rPr lang="en-US" sz="2400" b="0" cap="none" spc="0" dirty="0">
-                <a:ln w="0"/>
-                <a:solidFill>
-                  <a:schemeClr val="accent1"/>
-                </a:solidFill>
-                <a:effectLst>
-                  <a:outerShdw blurRad="38100" dist="25400" dir="5400000" algn="ctr" rotWithShape="0">
-                    <a:srgbClr val="6E747A">
-                      <a:alpha val="43000"/>
-                    </a:srgbClr>
-                  </a:outerShdw>
-                </a:effectLst>
-              </a:rPr>
-              <a:t>how to</a:t>
+            <a:pPr marL="285750" indent="-285750">
+              <a:buFont typeface="Wingdings" panose="05000000000000000000" pitchFamily="2" charset="2"/>
+              <a:buChar char="Ø"/>
+            </a:pPr>
+            <a:r>
+              <a:rPr lang="en-US" altLang="en-US" dirty="0">
+                <a:latin typeface="Calibri  "/>
+              </a:rPr>
+              <a:t>How the stored procedure is compiled and executed</a:t>
             </a:r>
           </a:p>
         </p:txBody>
       </p:sp>
-      <p:pic>
-        <p:nvPicPr>
-          <p:cNvPr id="3" name="Picture 2">
+      <p:sp>
+        <p:nvSpPr>
+          <p:cNvPr id="8" name="TextBox 7">
             <a:extLst>
               <a:ext uri="{FF2B5EF4-FFF2-40B4-BE49-F238E27FC236}">
-                <a16:creationId xmlns:a16="http://schemas.microsoft.com/office/drawing/2014/main" id="{7E8346DE-BEB1-1266-258C-37E2F2E97061}"/>
+                <a16:creationId xmlns:a16="http://schemas.microsoft.com/office/drawing/2014/main" id="{7049CD08-AD78-32AE-123B-EB82F148606A}"/>
               </a:ext>
             </a:extLst>
           </p:cNvPr>
-          <p:cNvPicPr>
-            <a:picLocks noChangeAspect="1" noChangeArrowheads="1"/>
-          </p:cNvPicPr>
+          <p:cNvSpPr txBox="1"/>
           <p:nvPr/>
-        </p:nvPicPr>
-        <p:blipFill>
-          <a:blip r:embed="rId4">
-            <a:extLst>
-              <a:ext uri="{28A0092B-C50C-407E-A947-70E740481C1C}">
-                <a14:useLocalDpi xmlns:a14="http://schemas.microsoft.com/office/drawing/2010/main" val="0"/>
-              </a:ext>
-            </a:extLst>
-          </a:blip>
-          <a:srcRect/>
-          <a:stretch>
-            <a:fillRect/>
-          </a:stretch>
-        </p:blipFill>
-        <p:spPr bwMode="auto">
+        </p:nvSpPr>
+        <p:spPr>
           <a:xfrm>
-            <a:off x="4899843" y="2513639"/>
-            <a:ext cx="1779921" cy="1779921"/>
+            <a:off x="641146" y="2660831"/>
+            <a:ext cx="4056765" cy="2824106"/>
           </a:xfrm>
           <a:prstGeom prst="rect">
             <a:avLst/>
           </a:prstGeom>
-          <a:noFill/>
-          <a:extLst>
-            <a:ext uri="{909E8E84-426E-40DD-AFC4-6F175D3DCCD1}">
-              <a14:hiddenFill xmlns:a14="http://schemas.microsoft.com/office/drawing/2010/main">
-                <a:solidFill>
-                  <a:srgbClr val="FFFFFF"/>
-                </a:solidFill>
-              </a14:hiddenFill>
-            </a:ext>
-          </a:extLst>
-        </p:spPr>
-      </p:pic>
-      <p:sp>
-        <p:nvSpPr>
-          <p:cNvPr id="2" name="Rectangle 1">
-            <a:extLst>
-              <a:ext uri="{FF2B5EF4-FFF2-40B4-BE49-F238E27FC236}">
-                <a16:creationId xmlns:a16="http://schemas.microsoft.com/office/drawing/2014/main" id="{C6CD310B-407E-92D6-6068-776F959F76C7}"/>
-              </a:ext>
-            </a:extLst>
-          </p:cNvPr>
-          <p:cNvSpPr/>
-          <p:nvPr/>
-        </p:nvSpPr>
-        <p:spPr>
-          <a:xfrm>
-            <a:off x="4262879" y="4293560"/>
-            <a:ext cx="3053848" cy="523220"/>
-          </a:xfrm>
-          <a:prstGeom prst="rect">
-            <a:avLst/>
-          </a:prstGeom>
-          <a:noFill/>
+          <a:solidFill>
+            <a:schemeClr val="bg1"/>
+          </a:solidFill>
         </p:spPr>
         <p:txBody>
-          <a:bodyPr wrap="none" lIns="91440" tIns="45720" rIns="91440" bIns="45720">
+          <a:bodyPr wrap="square" rtlCol="0">
             <a:spAutoFit/>
           </a:bodyPr>
           <a:lstStyle/>
           <a:p>
-            <a:pPr algn="ctr"/>
-            <a:r>
-              <a:rPr lang="en-US" sz="2800" dirty="0">
-                <a:ln w="0"/>
-                <a:effectLst>
-                  <a:outerShdw blurRad="38100" dist="19050" dir="2700000" algn="tl" rotWithShape="0">
-                    <a:schemeClr val="dk1">
-                      <a:alpha val="40000"/>
-                    </a:schemeClr>
-                  </a:outerShdw>
-                </a:effectLst>
-              </a:rPr>
-              <a:t>Let’s see it in action</a:t>
-            </a:r>
+            <a:pPr marL="285750" indent="-285750" algn="l">
+              <a:lnSpc>
+                <a:spcPct val="150000"/>
+              </a:lnSpc>
+              <a:buFont typeface="Wingdings" panose="05000000000000000000" pitchFamily="2" charset="2"/>
+              <a:buChar char="§"/>
+            </a:pPr>
+            <a:r>
+              <a:rPr lang="en-US" sz="2000" dirty="0">
+                <a:latin typeface="Calibri  "/>
+                <a:ea typeface="ＭＳ Ｐゴシック" panose="020B0600070205080204" pitchFamily="34" charset="-128"/>
+              </a:rPr>
+              <a:t>SQL Stored Procedure</a:t>
+            </a:r>
+          </a:p>
+          <a:p>
+            <a:pPr marL="742950" lvl="1" indent="-285750">
+              <a:lnSpc>
+                <a:spcPct val="150000"/>
+              </a:lnSpc>
+              <a:buFont typeface="Wingdings" panose="05000000000000000000" pitchFamily="2" charset="2"/>
+              <a:buChar char="ü"/>
+            </a:pPr>
+            <a:r>
+              <a:rPr lang="en-US" sz="1600" dirty="0">
+                <a:latin typeface="Calibri  "/>
+                <a:ea typeface="ＭＳ Ｐゴシック" panose="020B0600070205080204" pitchFamily="34" charset="-128"/>
+              </a:rPr>
+              <a:t> Procedural Logic </a:t>
+            </a:r>
+          </a:p>
+          <a:p>
+            <a:pPr marL="742950" lvl="1" indent="-285750">
+              <a:lnSpc>
+                <a:spcPct val="150000"/>
+              </a:lnSpc>
+              <a:buFont typeface="Wingdings" panose="05000000000000000000" pitchFamily="2" charset="2"/>
+              <a:buChar char="ü"/>
+            </a:pPr>
+            <a:r>
+              <a:rPr lang="en-US" sz="1600" dirty="0">
+                <a:latin typeface="Calibri  "/>
+                <a:ea typeface="ＭＳ Ｐゴシック" panose="020B0600070205080204" pitchFamily="34" charset="-128"/>
+              </a:rPr>
+              <a:t> SQL Queries</a:t>
+            </a:r>
+          </a:p>
+          <a:p>
+            <a:pPr marL="285750" indent="-285750" algn="l">
+              <a:lnSpc>
+                <a:spcPct val="150000"/>
+              </a:lnSpc>
+              <a:buFont typeface="Wingdings" panose="05000000000000000000" pitchFamily="2" charset="2"/>
+              <a:buChar char="§"/>
+            </a:pPr>
+            <a:r>
+              <a:rPr lang="en-US" sz="2000" dirty="0">
+                <a:latin typeface="Calibri  "/>
+                <a:ea typeface="ＭＳ Ｐゴシック" panose="020B0600070205080204" pitchFamily="34" charset="-128"/>
+              </a:rPr>
+              <a:t>SQL Function</a:t>
+            </a:r>
+          </a:p>
+          <a:p>
+            <a:pPr marL="742950" lvl="1" indent="-285750">
+              <a:lnSpc>
+                <a:spcPct val="150000"/>
+              </a:lnSpc>
+              <a:buFont typeface="Wingdings" panose="05000000000000000000" pitchFamily="2" charset="2"/>
+              <a:buChar char="ü"/>
+            </a:pPr>
+            <a:r>
+              <a:rPr lang="en-US" sz="1600" dirty="0">
+                <a:latin typeface="Calibri  "/>
+                <a:ea typeface="ＭＳ Ｐゴシック" panose="020B0600070205080204" pitchFamily="34" charset="-128"/>
+              </a:rPr>
+              <a:t> SQL Queries</a:t>
+            </a:r>
+          </a:p>
+          <a:p>
+            <a:pPr algn="l">
+              <a:lnSpc>
+                <a:spcPct val="150000"/>
+              </a:lnSpc>
+            </a:pPr>
+            <a:endParaRPr lang="en-US" sz="1600" dirty="0">
+              <a:solidFill>
+                <a:srgbClr val="3333CC"/>
+              </a:solidFill>
+              <a:latin typeface="Calibri  "/>
+              <a:ea typeface="ＭＳ Ｐゴシック" panose="020B0600070205080204" pitchFamily="34" charset="-128"/>
+            </a:endParaRPr>
+          </a:p>
+          <a:p>
+            <a:pPr algn="l">
+              <a:lnSpc>
+                <a:spcPct val="150000"/>
+              </a:lnSpc>
+            </a:pPr>
+            <a:endParaRPr lang="en-US" sz="1600" dirty="0" err="1">
+              <a:solidFill>
+                <a:srgbClr val="3333CC"/>
+              </a:solidFill>
+              <a:latin typeface="Calibri  "/>
+              <a:ea typeface="ＭＳ Ｐゴシック" panose="020B0600070205080204" pitchFamily="34" charset="-128"/>
+            </a:endParaRPr>
           </a:p>
         </p:txBody>
       </p:sp>
     </p:spTree>
     <p:extLst>
       <p:ext uri="{BB962C8B-B14F-4D97-AF65-F5344CB8AC3E}">
-        <p14:creationId xmlns:p14="http://schemas.microsoft.com/office/powerpoint/2010/main" val="884492606"/>
+        <p14:creationId xmlns:p14="http://schemas.microsoft.com/office/powerpoint/2010/main" val="3148683385"/>
       </p:ext>
     </p:extLst>
   </p:cSld>
@@ -8400,190 +8383,46 @@
           </a:p>
         </p:txBody>
       </p:sp>
-      <p:sp>
-        <p:nvSpPr>
-          <p:cNvPr id="7" name="TextBox 6">
+      <p:pic>
+        <p:nvPicPr>
+          <p:cNvPr id="6" name="Picture 5" descr="A diagram of a procedure&#10;&#10;Description automatically generated">
             <a:extLst>
               <a:ext uri="{FF2B5EF4-FFF2-40B4-BE49-F238E27FC236}">
-                <a16:creationId xmlns:a16="http://schemas.microsoft.com/office/drawing/2014/main" id="{042C3EF5-D0B6-C29D-B4C9-D54C0DEBD10C}"/>
+                <a16:creationId xmlns:a16="http://schemas.microsoft.com/office/drawing/2014/main" id="{75DD6072-7A70-EA2B-D063-FAD153F76C9D}"/>
               </a:ext>
             </a:extLst>
           </p:cNvPr>
-          <p:cNvSpPr txBox="1"/>
+          <p:cNvPicPr>
+            <a:picLocks noChangeAspect="1"/>
+          </p:cNvPicPr>
           <p:nvPr/>
-        </p:nvSpPr>
+        </p:nvPicPr>
+        <p:blipFill>
+          <a:blip r:embed="rId4">
+            <a:extLst>
+              <a:ext uri="{28A0092B-C50C-407E-A947-70E740481C1C}">
+                <a14:useLocalDpi xmlns:a14="http://schemas.microsoft.com/office/drawing/2010/main" val="0"/>
+              </a:ext>
+            </a:extLst>
+          </a:blip>
+          <a:stretch>
+            <a:fillRect/>
+          </a:stretch>
+        </p:blipFill>
         <p:spPr>
           <a:xfrm>
-            <a:off x="641146" y="1999986"/>
-            <a:ext cx="7525734" cy="369332"/>
+            <a:off x="777766" y="1594118"/>
+            <a:ext cx="10799871" cy="5263882"/>
           </a:xfrm>
           <a:prstGeom prst="rect">
             <a:avLst/>
           </a:prstGeom>
-          <a:noFill/>
         </p:spPr>
-        <p:txBody>
-          <a:bodyPr wrap="square">
-            <a:spAutoFit/>
-          </a:bodyPr>
-          <a:lstStyle/>
-          <a:p>
-            <a:pPr marL="285750" indent="-285750">
-              <a:buFont typeface="Wingdings" panose="05000000000000000000" pitchFamily="2" charset="2"/>
-              <a:buChar char="Ø"/>
-            </a:pPr>
-            <a:r>
-              <a:rPr lang="en-US" altLang="en-US" dirty="0">
-                <a:latin typeface="Calibri  "/>
-              </a:rPr>
-              <a:t>How the stored procedure is compiled and executed</a:t>
-            </a:r>
-          </a:p>
-        </p:txBody>
-      </p:sp>
-      <p:sp>
-        <p:nvSpPr>
-          <p:cNvPr id="8" name="TextBox 7">
-            <a:extLst>
-              <a:ext uri="{FF2B5EF4-FFF2-40B4-BE49-F238E27FC236}">
-                <a16:creationId xmlns:a16="http://schemas.microsoft.com/office/drawing/2014/main" id="{7049CD08-AD78-32AE-123B-EB82F148606A}"/>
-              </a:ext>
-            </a:extLst>
-          </p:cNvPr>
-          <p:cNvSpPr txBox="1"/>
-          <p:nvPr/>
-        </p:nvSpPr>
-        <p:spPr>
-          <a:xfrm>
-            <a:off x="641146" y="2660831"/>
-            <a:ext cx="4056765" cy="2824106"/>
-          </a:xfrm>
-          <a:prstGeom prst="rect">
-            <a:avLst/>
-          </a:prstGeom>
-          <a:solidFill>
-            <a:schemeClr val="bg1"/>
-          </a:solidFill>
-        </p:spPr>
-        <p:txBody>
-          <a:bodyPr wrap="square" rtlCol="0">
-            <a:spAutoFit/>
-          </a:bodyPr>
-          <a:lstStyle/>
-          <a:p>
-            <a:pPr marL="285750" indent="-285750" algn="l">
-              <a:lnSpc>
-                <a:spcPct val="150000"/>
-              </a:lnSpc>
-              <a:buFont typeface="Wingdings" panose="05000000000000000000" pitchFamily="2" charset="2"/>
-              <a:buChar char="§"/>
-            </a:pPr>
-            <a:r>
-              <a:rPr lang="en-US" sz="2000" dirty="0">
-                <a:latin typeface="Calibri  "/>
-                <a:ea typeface="ＭＳ Ｐゴシック" panose="020B0600070205080204" pitchFamily="34" charset="-128"/>
-              </a:rPr>
-              <a:t>SQL Stored Procedure</a:t>
-            </a:r>
-          </a:p>
-          <a:p>
-            <a:pPr marL="742950" lvl="1" indent="-285750">
-              <a:lnSpc>
-                <a:spcPct val="150000"/>
-              </a:lnSpc>
-              <a:buFont typeface="Wingdings" panose="05000000000000000000" pitchFamily="2" charset="2"/>
-              <a:buChar char="ü"/>
-            </a:pPr>
-            <a:r>
-              <a:rPr lang="en-US" sz="1600" dirty="0">
-                <a:latin typeface="Calibri  "/>
-                <a:ea typeface="ＭＳ Ｐゴシック" panose="020B0600070205080204" pitchFamily="34" charset="-128"/>
-              </a:rPr>
-              <a:t> Procedural Logic </a:t>
-            </a:r>
-          </a:p>
-          <a:p>
-            <a:pPr marL="742950" lvl="1" indent="-285750">
-              <a:lnSpc>
-                <a:spcPct val="150000"/>
-              </a:lnSpc>
-              <a:buFont typeface="Wingdings" panose="05000000000000000000" pitchFamily="2" charset="2"/>
-              <a:buChar char="ü"/>
-            </a:pPr>
-            <a:r>
-              <a:rPr lang="en-US" sz="1600" dirty="0">
-                <a:latin typeface="Calibri  "/>
-                <a:ea typeface="ＭＳ Ｐゴシック" panose="020B0600070205080204" pitchFamily="34" charset="-128"/>
-              </a:rPr>
-              <a:t> SQL Queries</a:t>
-            </a:r>
-          </a:p>
-          <a:p>
-            <a:pPr marL="285750" indent="-285750" algn="l">
-              <a:lnSpc>
-                <a:spcPct val="150000"/>
-              </a:lnSpc>
-              <a:buFont typeface="Wingdings" panose="05000000000000000000" pitchFamily="2" charset="2"/>
-              <a:buChar char="§"/>
-            </a:pPr>
-            <a:r>
-              <a:rPr lang="en-US" sz="2000" dirty="0">
-                <a:latin typeface="Calibri  "/>
-                <a:ea typeface="ＭＳ Ｐゴシック" panose="020B0600070205080204" pitchFamily="34" charset="-128"/>
-              </a:rPr>
-              <a:t>SQL Function</a:t>
-            </a:r>
-          </a:p>
-          <a:p>
-            <a:pPr marL="742950" lvl="1" indent="-285750">
-              <a:lnSpc>
-                <a:spcPct val="150000"/>
-              </a:lnSpc>
-              <a:buFont typeface="Wingdings" panose="05000000000000000000" pitchFamily="2" charset="2"/>
-              <a:buChar char="ü"/>
-            </a:pPr>
-            <a:r>
-              <a:rPr lang="en-US" sz="1600" dirty="0">
-                <a:latin typeface="Calibri  "/>
-                <a:ea typeface="ＭＳ Ｐゴシック" panose="020B0600070205080204" pitchFamily="34" charset="-128"/>
-              </a:rPr>
-              <a:t> SQL Queries</a:t>
-            </a:r>
-          </a:p>
-          <a:p>
-            <a:pPr algn="l">
-              <a:lnSpc>
-                <a:spcPct val="150000"/>
-              </a:lnSpc>
-            </a:pPr>
-            <a:endParaRPr lang="en-US" sz="1600" dirty="0">
-              <a:solidFill>
-                <a:srgbClr val="3333CC"/>
-              </a:solidFill>
-              <a:latin typeface="Calibri  "/>
-              <a:ea typeface="ＭＳ Ｐゴシック" panose="020B0600070205080204" pitchFamily="34" charset="-128"/>
-            </a:endParaRPr>
-          </a:p>
-          <a:p>
-            <a:pPr algn="l">
-              <a:lnSpc>
-                <a:spcPct val="150000"/>
-              </a:lnSpc>
-            </a:pPr>
-            <a:endParaRPr lang="en-US" sz="1600" dirty="0" err="1">
-              <a:solidFill>
-                <a:srgbClr val="3333CC"/>
-              </a:solidFill>
-              <a:latin typeface="Calibri  "/>
-              <a:ea typeface="ＭＳ Ｐゴシック" panose="020B0600070205080204" pitchFamily="34" charset="-128"/>
-            </a:endParaRPr>
-          </a:p>
-        </p:txBody>
-      </p:sp>
+      </p:pic>
     </p:spTree>
     <p:extLst>
       <p:ext uri="{BB962C8B-B14F-4D97-AF65-F5344CB8AC3E}">
-        <p14:creationId xmlns:p14="http://schemas.microsoft.com/office/powerpoint/2010/main" val="3148683385"/>
+        <p14:creationId xmlns:p14="http://schemas.microsoft.com/office/powerpoint/2010/main" val="734516546"/>
       </p:ext>
     </p:extLst>
   </p:cSld>
@@ -8713,46 +8552,780 @@
           </a:p>
         </p:txBody>
       </p:sp>
-      <p:pic>
-        <p:nvPicPr>
-          <p:cNvPr id="3" name="Picture 2" descr="A diagram of a procedure">
+      <p:sp>
+        <p:nvSpPr>
+          <p:cNvPr id="2" name="TextBox 1">
             <a:extLst>
               <a:ext uri="{FF2B5EF4-FFF2-40B4-BE49-F238E27FC236}">
-                <a16:creationId xmlns:a16="http://schemas.microsoft.com/office/drawing/2014/main" id="{E0DB6739-D3DB-5997-3890-D352EEAAFD37}"/>
+                <a16:creationId xmlns:a16="http://schemas.microsoft.com/office/drawing/2014/main" id="{72AA64EB-D7D6-D397-CF5F-C4C2986DAA22}"/>
               </a:ext>
             </a:extLst>
           </p:cNvPr>
-          <p:cNvPicPr>
-            <a:picLocks noChangeAspect="1"/>
-          </p:cNvPicPr>
+          <p:cNvSpPr txBox="1"/>
           <p:nvPr/>
-        </p:nvPicPr>
-        <p:blipFill>
-          <a:blip r:embed="rId4">
-            <a:extLst>
-              <a:ext uri="{28A0092B-C50C-407E-A947-70E740481C1C}">
-                <a14:useLocalDpi xmlns:a14="http://schemas.microsoft.com/office/drawing/2010/main" val="0"/>
-              </a:ext>
-            </a:extLst>
-          </a:blip>
-          <a:stretch>
-            <a:fillRect/>
-          </a:stretch>
-        </p:blipFill>
+        </p:nvSpPr>
         <p:spPr>
           <a:xfrm>
-            <a:off x="2424112" y="1691102"/>
-            <a:ext cx="6866431" cy="4761518"/>
+            <a:off x="1339532" y="2137797"/>
+            <a:ext cx="7525734" cy="369332"/>
           </a:xfrm>
           <a:prstGeom prst="rect">
             <a:avLst/>
           </a:prstGeom>
+          <a:noFill/>
         </p:spPr>
-      </p:pic>
+        <p:txBody>
+          <a:bodyPr wrap="square">
+            <a:spAutoFit/>
+          </a:bodyPr>
+          <a:lstStyle/>
+          <a:p>
+            <a:pPr marL="285750" indent="-285750">
+              <a:buFont typeface="Wingdings" panose="05000000000000000000" pitchFamily="2" charset="2"/>
+              <a:buChar char="Ø"/>
+            </a:pPr>
+            <a:r>
+              <a:rPr lang="en-US" altLang="en-US" dirty="0">
+                <a:latin typeface="Calibri  "/>
+              </a:rPr>
+              <a:t>Decision for Stored procedure or Function</a:t>
+            </a:r>
+          </a:p>
+        </p:txBody>
+      </p:sp>
+      <p:sp>
+        <p:nvSpPr>
+          <p:cNvPr id="3" name="TextBox 2">
+            <a:extLst>
+              <a:ext uri="{FF2B5EF4-FFF2-40B4-BE49-F238E27FC236}">
+                <a16:creationId xmlns:a16="http://schemas.microsoft.com/office/drawing/2014/main" id="{F62EFE3B-B71B-085B-18E9-AF2639F01857}"/>
+              </a:ext>
+            </a:extLst>
+          </p:cNvPr>
+          <p:cNvSpPr txBox="1"/>
+          <p:nvPr/>
+        </p:nvSpPr>
+        <p:spPr>
+          <a:xfrm>
+            <a:off x="447568" y="2507129"/>
+            <a:ext cx="5196924" cy="3339376"/>
+          </a:xfrm>
+          <a:prstGeom prst="rect">
+            <a:avLst/>
+          </a:prstGeom>
+          <a:solidFill>
+            <a:schemeClr val="bg1"/>
+          </a:solidFill>
+          <a:ln w="3175">
+            <a:solidFill>
+              <a:schemeClr val="tx1"/>
+            </a:solidFill>
+          </a:ln>
+        </p:spPr>
+        <p:txBody>
+          <a:bodyPr wrap="square" rtlCol="0">
+            <a:spAutoFit/>
+          </a:bodyPr>
+          <a:lstStyle/>
+          <a:p>
+            <a:pPr algn="l">
+              <a:lnSpc>
+                <a:spcPct val="150000"/>
+              </a:lnSpc>
+            </a:pPr>
+            <a:r>
+              <a:rPr lang="en-US" sz="2000" b="1" dirty="0">
+                <a:latin typeface="Calibri  "/>
+                <a:ea typeface="ＭＳ Ｐゴシック" panose="020B0600070205080204" pitchFamily="34" charset="-128"/>
+              </a:rPr>
+              <a:t>Stored Procedure</a:t>
+            </a:r>
+          </a:p>
+          <a:p>
+            <a:pPr algn="l"/>
+            <a:endParaRPr lang="en-US" sz="1600" dirty="0">
+              <a:solidFill>
+                <a:srgbClr val="3333CC"/>
+              </a:solidFill>
+              <a:latin typeface="Calibri  "/>
+              <a:ea typeface="ＭＳ Ｐゴシック" panose="020B0600070205080204" pitchFamily="34" charset="-128"/>
+              <a:cs typeface="Courier New" panose="02070309020205020404" pitchFamily="49" charset="0"/>
+            </a:endParaRPr>
+          </a:p>
+          <a:p>
+            <a:pPr algn="l"/>
+            <a:r>
+              <a:rPr lang="en-US" sz="1100" dirty="0">
+                <a:latin typeface="Courier New" panose="02070309020205020404" pitchFamily="49" charset="0"/>
+                <a:ea typeface="ＭＳ Ｐゴシック" panose="020B0600070205080204" pitchFamily="34" charset="-128"/>
+                <a:cs typeface="Courier New" panose="02070309020205020404" pitchFamily="49" charset="0"/>
+              </a:rPr>
+              <a:t>CREATE PROCEDURE </a:t>
+            </a:r>
+            <a:r>
+              <a:rPr lang="en-US" sz="1100" dirty="0" err="1">
+                <a:latin typeface="Courier New" panose="02070309020205020404" pitchFamily="49" charset="0"/>
+                <a:ea typeface="ＭＳ Ｐゴシック" panose="020B0600070205080204" pitchFamily="34" charset="-128"/>
+                <a:cs typeface="Courier New" panose="02070309020205020404" pitchFamily="49" charset="0"/>
+              </a:rPr>
+              <a:t>GetPrice</a:t>
+            </a:r>
+            <a:r>
+              <a:rPr lang="en-US" sz="1100" dirty="0">
+                <a:latin typeface="Courier New" panose="02070309020205020404" pitchFamily="49" charset="0"/>
+                <a:ea typeface="ＭＳ Ｐゴシック" panose="020B0600070205080204" pitchFamily="34" charset="-128"/>
+                <a:cs typeface="Courier New" panose="02070309020205020404" pitchFamily="49" charset="0"/>
+              </a:rPr>
+              <a:t> (IN Vendor CHAR&amp;(20&amp;),</a:t>
+            </a:r>
+          </a:p>
+          <a:p>
+            <a:pPr algn="l"/>
+            <a:r>
+              <a:rPr lang="en-US" sz="1100" dirty="0">
+                <a:latin typeface="Courier New" panose="02070309020205020404" pitchFamily="49" charset="0"/>
+                <a:ea typeface="ＭＳ Ｐゴシック" panose="020B0600070205080204" pitchFamily="34" charset="-128"/>
+                <a:cs typeface="Courier New" panose="02070309020205020404" pitchFamily="49" charset="0"/>
+              </a:rPr>
+              <a:t>                           IN </a:t>
+            </a:r>
+            <a:r>
+              <a:rPr lang="en-US" sz="1100" dirty="0" err="1">
+                <a:latin typeface="Courier New" panose="02070309020205020404" pitchFamily="49" charset="0"/>
+                <a:ea typeface="ＭＳ Ｐゴシック" panose="020B0600070205080204" pitchFamily="34" charset="-128"/>
+                <a:cs typeface="Courier New" panose="02070309020205020404" pitchFamily="49" charset="0"/>
+              </a:rPr>
+              <a:t>Pid</a:t>
+            </a:r>
+            <a:r>
+              <a:rPr lang="en-US" sz="1100" dirty="0">
+                <a:latin typeface="Courier New" panose="02070309020205020404" pitchFamily="49" charset="0"/>
+                <a:ea typeface="ＭＳ Ｐゴシック" panose="020B0600070205080204" pitchFamily="34" charset="-128"/>
+                <a:cs typeface="Courier New" panose="02070309020205020404" pitchFamily="49" charset="0"/>
+              </a:rPr>
+              <a:t> INT, </a:t>
+            </a:r>
+          </a:p>
+          <a:p>
+            <a:pPr algn="l"/>
+            <a:r>
+              <a:rPr lang="en-US" sz="1100" dirty="0">
+                <a:latin typeface="Courier New" panose="02070309020205020404" pitchFamily="49" charset="0"/>
+                <a:ea typeface="ＭＳ Ｐゴシック" panose="020B0600070205080204" pitchFamily="34" charset="-128"/>
+                <a:cs typeface="Courier New" panose="02070309020205020404" pitchFamily="49" charset="0"/>
+              </a:rPr>
+              <a:t>		     OUT price DECIMAL(10,3))</a:t>
+            </a:r>
+          </a:p>
+          <a:p>
+            <a:pPr algn="l"/>
+            <a:r>
+              <a:rPr lang="en-US" sz="1100" dirty="0">
+                <a:latin typeface="Courier New" panose="02070309020205020404" pitchFamily="49" charset="0"/>
+                <a:ea typeface="ＭＳ Ｐゴシック" panose="020B0600070205080204" pitchFamily="34" charset="-128"/>
+                <a:cs typeface="Courier New" panose="02070309020205020404" pitchFamily="49" charset="0"/>
+              </a:rPr>
+              <a:t>  LANGUAGE SQL</a:t>
+            </a:r>
+          </a:p>
+          <a:p>
+            <a:pPr algn="l"/>
+            <a:r>
+              <a:rPr lang="en-US" sz="1100" dirty="0">
+                <a:latin typeface="Courier New" panose="02070309020205020404" pitchFamily="49" charset="0"/>
+                <a:ea typeface="ＭＳ Ｐゴシック" panose="020B0600070205080204" pitchFamily="34" charset="-128"/>
+                <a:cs typeface="Courier New" panose="02070309020205020404" pitchFamily="49" charset="0"/>
+              </a:rPr>
+              <a:t>  BEGIN</a:t>
+            </a:r>
+          </a:p>
+          <a:p>
+            <a:pPr algn="l"/>
+            <a:r>
+              <a:rPr lang="en-US" sz="1100" dirty="0">
+                <a:latin typeface="Courier New" panose="02070309020205020404" pitchFamily="49" charset="0"/>
+                <a:ea typeface="ＭＳ Ｐゴシック" panose="020B0600070205080204" pitchFamily="34" charset="-128"/>
+                <a:cs typeface="Courier New" panose="02070309020205020404" pitchFamily="49" charset="0"/>
+              </a:rPr>
+              <a:t>    IF Vendor = ‘Vendor 1’;</a:t>
+            </a:r>
+          </a:p>
+          <a:p>
+            <a:pPr algn="l"/>
+            <a:r>
+              <a:rPr lang="en-US" sz="1100" dirty="0">
+                <a:latin typeface="Courier New" panose="02070309020205020404" pitchFamily="49" charset="0"/>
+                <a:ea typeface="ＭＳ Ｐゴシック" panose="020B0600070205080204" pitchFamily="34" charset="-128"/>
+                <a:cs typeface="Courier New" panose="02070309020205020404" pitchFamily="49" charset="0"/>
+              </a:rPr>
+              <a:t>      THEN SET price = (SELECT </a:t>
+            </a:r>
+            <a:r>
+              <a:rPr lang="en-US" sz="1100" dirty="0" err="1">
+                <a:latin typeface="Courier New" panose="02070309020205020404" pitchFamily="49" charset="0"/>
+                <a:ea typeface="ＭＳ Ｐゴシック" panose="020B0600070205080204" pitchFamily="34" charset="-128"/>
+                <a:cs typeface="Courier New" panose="02070309020205020404" pitchFamily="49" charset="0"/>
+              </a:rPr>
+              <a:t>ProdPrice</a:t>
+            </a:r>
+            <a:r>
+              <a:rPr lang="en-US" sz="1100" dirty="0">
+                <a:latin typeface="Courier New" panose="02070309020205020404" pitchFamily="49" charset="0"/>
+                <a:ea typeface="ＭＳ Ｐゴシック" panose="020B0600070205080204" pitchFamily="34" charset="-128"/>
+                <a:cs typeface="Courier New" panose="02070309020205020404" pitchFamily="49" charset="0"/>
+              </a:rPr>
+              <a:t> </a:t>
+            </a:r>
+          </a:p>
+          <a:p>
+            <a:pPr algn="l"/>
+            <a:r>
+              <a:rPr lang="en-US" sz="1100" dirty="0">
+                <a:latin typeface="Courier New" panose="02070309020205020404" pitchFamily="49" charset="0"/>
+                <a:ea typeface="ＭＳ Ｐゴシック" panose="020B0600070205080204" pitchFamily="34" charset="-128"/>
+                <a:cs typeface="Courier New" panose="02070309020205020404" pitchFamily="49" charset="0"/>
+              </a:rPr>
+              <a:t>                              FROM V1Table </a:t>
+            </a:r>
+          </a:p>
+          <a:p>
+            <a:pPr algn="l"/>
+            <a:r>
+              <a:rPr lang="en-US" sz="1100" dirty="0">
+                <a:latin typeface="Courier New" panose="02070309020205020404" pitchFamily="49" charset="0"/>
+                <a:ea typeface="ＭＳ Ｐゴシック" panose="020B0600070205080204" pitchFamily="34" charset="-128"/>
+                <a:cs typeface="Courier New" panose="02070309020205020404" pitchFamily="49" charset="0"/>
+              </a:rPr>
+              <a:t>                              WHERE Id = </a:t>
+            </a:r>
+            <a:r>
+              <a:rPr lang="en-US" sz="1100" dirty="0" err="1">
+                <a:latin typeface="Courier New" panose="02070309020205020404" pitchFamily="49" charset="0"/>
+                <a:ea typeface="ＭＳ Ｐゴシック" panose="020B0600070205080204" pitchFamily="34" charset="-128"/>
+                <a:cs typeface="Courier New" panose="02070309020205020404" pitchFamily="49" charset="0"/>
+              </a:rPr>
+              <a:t>Pid</a:t>
+            </a:r>
+            <a:r>
+              <a:rPr lang="en-US" sz="1100" dirty="0">
+                <a:latin typeface="Courier New" panose="02070309020205020404" pitchFamily="49" charset="0"/>
+                <a:ea typeface="ＭＳ Ｐゴシック" panose="020B0600070205080204" pitchFamily="34" charset="-128"/>
+                <a:cs typeface="Courier New" panose="02070309020205020404" pitchFamily="49" charset="0"/>
+              </a:rPr>
+              <a:t>);</a:t>
+            </a:r>
+          </a:p>
+          <a:p>
+            <a:pPr algn="l"/>
+            <a:r>
+              <a:rPr lang="en-US" sz="1100" dirty="0">
+                <a:latin typeface="Courier New" panose="02070309020205020404" pitchFamily="49" charset="0"/>
+                <a:ea typeface="ＭＳ Ｐゴシック" panose="020B0600070205080204" pitchFamily="34" charset="-128"/>
+                <a:cs typeface="Courier New" panose="02070309020205020404" pitchFamily="49" charset="0"/>
+              </a:rPr>
+              <a:t>    ELSE IF Vendor = ‘Vendor 2’;</a:t>
+            </a:r>
+          </a:p>
+          <a:p>
+            <a:pPr algn="l"/>
+            <a:r>
+              <a:rPr lang="en-US" sz="1100" dirty="0">
+                <a:latin typeface="Courier New" panose="02070309020205020404" pitchFamily="49" charset="0"/>
+                <a:ea typeface="ＭＳ Ｐゴシック" panose="020B0600070205080204" pitchFamily="34" charset="-128"/>
+                <a:cs typeface="Courier New" panose="02070309020205020404" pitchFamily="49" charset="0"/>
+              </a:rPr>
+              <a:t>      THEN SET price = (SELECT Price </a:t>
+            </a:r>
+          </a:p>
+          <a:p>
+            <a:pPr algn="l"/>
+            <a:r>
+              <a:rPr lang="en-US" sz="1100" dirty="0">
+                <a:latin typeface="Courier New" panose="02070309020205020404" pitchFamily="49" charset="0"/>
+                <a:ea typeface="ＭＳ Ｐゴシック" panose="020B0600070205080204" pitchFamily="34" charset="-128"/>
+                <a:cs typeface="Courier New" panose="02070309020205020404" pitchFamily="49" charset="0"/>
+              </a:rPr>
+              <a:t>                            FROM V2Table</a:t>
+            </a:r>
+          </a:p>
+          <a:p>
+            <a:pPr algn="l"/>
+            <a:r>
+              <a:rPr lang="en-US" sz="1100" dirty="0">
+                <a:latin typeface="Courier New" panose="02070309020205020404" pitchFamily="49" charset="0"/>
+                <a:ea typeface="ＭＳ Ｐゴシック" panose="020B0600070205080204" pitchFamily="34" charset="-128"/>
+                <a:cs typeface="Courier New" panose="02070309020205020404" pitchFamily="49" charset="0"/>
+              </a:rPr>
+              <a:t>                           WHERE </a:t>
+            </a:r>
+            <a:r>
+              <a:rPr lang="en-US" sz="1100" dirty="0" err="1">
+                <a:latin typeface="Courier New" panose="02070309020205020404" pitchFamily="49" charset="0"/>
+                <a:ea typeface="ＭＳ Ｐゴシック" panose="020B0600070205080204" pitchFamily="34" charset="-128"/>
+                <a:cs typeface="Courier New" panose="02070309020205020404" pitchFamily="49" charset="0"/>
+              </a:rPr>
+              <a:t>Pid</a:t>
+            </a:r>
+            <a:r>
+              <a:rPr lang="en-US" sz="1100" dirty="0">
+                <a:latin typeface="Courier New" panose="02070309020205020404" pitchFamily="49" charset="0"/>
+                <a:ea typeface="ＭＳ Ｐゴシック" panose="020B0600070205080204" pitchFamily="34" charset="-128"/>
+                <a:cs typeface="Courier New" panose="02070309020205020404" pitchFamily="49" charset="0"/>
+              </a:rPr>
+              <a:t> eq; </a:t>
+            </a:r>
+            <a:r>
+              <a:rPr lang="en-US" sz="1100" dirty="0" err="1">
+                <a:latin typeface="Courier New" panose="02070309020205020404" pitchFamily="49" charset="0"/>
+                <a:ea typeface="ＭＳ Ｐゴシック" panose="020B0600070205080204" pitchFamily="34" charset="-128"/>
+                <a:cs typeface="Courier New" panose="02070309020205020404" pitchFamily="49" charset="0"/>
+              </a:rPr>
+              <a:t>GetPrice.Pid</a:t>
+            </a:r>
+            <a:r>
+              <a:rPr lang="en-US" sz="1100" dirty="0">
+                <a:latin typeface="Courier New" panose="02070309020205020404" pitchFamily="49" charset="0"/>
+                <a:ea typeface="ＭＳ Ｐゴシック" panose="020B0600070205080204" pitchFamily="34" charset="-128"/>
+                <a:cs typeface="Courier New" panose="02070309020205020404" pitchFamily="49" charset="0"/>
+              </a:rPr>
+              <a:t>);</a:t>
+            </a:r>
+          </a:p>
+          <a:p>
+            <a:pPr algn="l"/>
+            <a:r>
+              <a:rPr lang="en-US" sz="1100" dirty="0">
+                <a:latin typeface="Courier New" panose="02070309020205020404" pitchFamily="49" charset="0"/>
+                <a:ea typeface="ＭＳ Ｐゴシック" panose="020B0600070205080204" pitchFamily="34" charset="-128"/>
+                <a:cs typeface="Courier New" panose="02070309020205020404" pitchFamily="49" charset="0"/>
+              </a:rPr>
+              <a:t>    END IF;</a:t>
+            </a:r>
+          </a:p>
+          <a:p>
+            <a:pPr algn="l"/>
+            <a:r>
+              <a:rPr lang="en-US" sz="1100" dirty="0">
+                <a:latin typeface="Courier New" panose="02070309020205020404" pitchFamily="49" charset="0"/>
+                <a:ea typeface="ＭＳ Ｐゴシック" panose="020B0600070205080204" pitchFamily="34" charset="-128"/>
+                <a:cs typeface="Courier New" panose="02070309020205020404" pitchFamily="49" charset="0"/>
+              </a:rPr>
+              <a:t>  END</a:t>
+            </a:r>
+          </a:p>
+        </p:txBody>
+      </p:sp>
+      <p:sp>
+        <p:nvSpPr>
+          <p:cNvPr id="9" name="TextBox 8">
+            <a:extLst>
+              <a:ext uri="{FF2B5EF4-FFF2-40B4-BE49-F238E27FC236}">
+                <a16:creationId xmlns:a16="http://schemas.microsoft.com/office/drawing/2014/main" id="{72D34E25-E2C2-ABAA-C992-E4CA054C1900}"/>
+              </a:ext>
+            </a:extLst>
+          </p:cNvPr>
+          <p:cNvSpPr txBox="1"/>
+          <p:nvPr/>
+        </p:nvSpPr>
+        <p:spPr>
+          <a:xfrm>
+            <a:off x="5914458" y="2521790"/>
+            <a:ext cx="5196924" cy="3431709"/>
+          </a:xfrm>
+          <a:prstGeom prst="rect">
+            <a:avLst/>
+          </a:prstGeom>
+          <a:solidFill>
+            <a:schemeClr val="bg1"/>
+          </a:solidFill>
+          <a:ln w="3175">
+            <a:solidFill>
+              <a:schemeClr val="tx1"/>
+            </a:solidFill>
+          </a:ln>
+        </p:spPr>
+        <p:txBody>
+          <a:bodyPr wrap="square" rtlCol="0">
+            <a:spAutoFit/>
+          </a:bodyPr>
+          <a:lstStyle/>
+          <a:p>
+            <a:pPr algn="l">
+              <a:lnSpc>
+                <a:spcPct val="150000"/>
+              </a:lnSpc>
+            </a:pPr>
+            <a:r>
+              <a:rPr lang="en-US" sz="2000" b="1" dirty="0">
+                <a:latin typeface="Calibri  "/>
+                <a:ea typeface="ＭＳ Ｐゴシック" panose="020B0600070205080204" pitchFamily="34" charset="-128"/>
+              </a:rPr>
+              <a:t>User Defined Function</a:t>
+            </a:r>
+          </a:p>
+          <a:p>
+            <a:pPr algn="l"/>
+            <a:r>
+              <a:rPr lang="en-US" sz="1100" b="0" i="0" dirty="0">
+                <a:effectLst/>
+                <a:latin typeface="Courier New" panose="02070309020205020404" pitchFamily="49" charset="0"/>
+                <a:cs typeface="Courier New" panose="02070309020205020404" pitchFamily="49" charset="0"/>
+              </a:rPr>
+              <a:t>CREATE FUNCTION </a:t>
+            </a:r>
+            <a:r>
+              <a:rPr lang="en-US" sz="1100" b="0" i="0" dirty="0" err="1">
+                <a:effectLst/>
+                <a:latin typeface="Courier New" panose="02070309020205020404" pitchFamily="49" charset="0"/>
+                <a:cs typeface="Courier New" panose="02070309020205020404" pitchFamily="49" charset="0"/>
+              </a:rPr>
+              <a:t>GetPrice</a:t>
+            </a:r>
+            <a:r>
+              <a:rPr lang="en-US" sz="1100" b="0" i="0" dirty="0">
+                <a:effectLst/>
+                <a:latin typeface="Courier New" panose="02070309020205020404" pitchFamily="49" charset="0"/>
+                <a:cs typeface="Courier New" panose="02070309020205020404" pitchFamily="49" charset="0"/>
+              </a:rPr>
+              <a:t> (Vendor CHAR(20), </a:t>
+            </a:r>
+          </a:p>
+          <a:p>
+            <a:pPr algn="l"/>
+            <a:r>
+              <a:rPr lang="en-US" sz="1100" dirty="0">
+                <a:latin typeface="Courier New" panose="02070309020205020404" pitchFamily="49" charset="0"/>
+                <a:cs typeface="Courier New" panose="02070309020205020404" pitchFamily="49" charset="0"/>
+              </a:rPr>
+              <a:t>                          </a:t>
+            </a:r>
+            <a:r>
+              <a:rPr lang="en-US" sz="1100" b="0" i="0" dirty="0" err="1">
+                <a:effectLst/>
+                <a:latin typeface="Courier New" panose="02070309020205020404" pitchFamily="49" charset="0"/>
+                <a:cs typeface="Courier New" panose="02070309020205020404" pitchFamily="49" charset="0"/>
+              </a:rPr>
+              <a:t>Pid</a:t>
+            </a:r>
+            <a:r>
+              <a:rPr lang="en-US" sz="1100" b="0" i="0" dirty="0">
+                <a:effectLst/>
+                <a:latin typeface="Courier New" panose="02070309020205020404" pitchFamily="49" charset="0"/>
+                <a:cs typeface="Courier New" panose="02070309020205020404" pitchFamily="49" charset="0"/>
+              </a:rPr>
+              <a:t> INT) </a:t>
+            </a:r>
+          </a:p>
+          <a:p>
+            <a:pPr algn="l"/>
+            <a:r>
+              <a:rPr lang="en-US" sz="1100" b="0" i="0" dirty="0">
+                <a:effectLst/>
+                <a:latin typeface="Courier New" panose="02070309020205020404" pitchFamily="49" charset="0"/>
+                <a:cs typeface="Courier New" panose="02070309020205020404" pitchFamily="49" charset="0"/>
+              </a:rPr>
+              <a:t>RETURNS DECIMAL(10,3) </a:t>
+            </a:r>
+          </a:p>
+          <a:p>
+            <a:pPr algn="l"/>
+            <a:r>
+              <a:rPr lang="en-US" sz="1100" b="0" i="0" dirty="0">
+                <a:effectLst/>
+                <a:latin typeface="Courier New" panose="02070309020205020404" pitchFamily="49" charset="0"/>
+                <a:cs typeface="Courier New" panose="02070309020205020404" pitchFamily="49" charset="0"/>
+              </a:rPr>
+              <a:t>LANGUAGE SQL </a:t>
+            </a:r>
+          </a:p>
+          <a:p>
+            <a:pPr algn="l"/>
+            <a:r>
+              <a:rPr lang="en-US" sz="1100" b="0" i="0" dirty="0">
+                <a:effectLst/>
+                <a:latin typeface="Courier New" panose="02070309020205020404" pitchFamily="49" charset="0"/>
+                <a:cs typeface="Courier New" panose="02070309020205020404" pitchFamily="49" charset="0"/>
+              </a:rPr>
+              <a:t>BEGIN </a:t>
+            </a:r>
+          </a:p>
+          <a:p>
+            <a:pPr algn="l"/>
+            <a:r>
+              <a:rPr lang="en-US" sz="1100" dirty="0">
+                <a:latin typeface="Courier New" panose="02070309020205020404" pitchFamily="49" charset="0"/>
+                <a:cs typeface="Courier New" panose="02070309020205020404" pitchFamily="49" charset="0"/>
+              </a:rPr>
+              <a:t>  </a:t>
+            </a:r>
+            <a:r>
+              <a:rPr lang="en-US" sz="1100" b="0" i="0" dirty="0">
+                <a:effectLst/>
+                <a:latin typeface="Courier New" panose="02070309020205020404" pitchFamily="49" charset="0"/>
+                <a:cs typeface="Courier New" panose="02070309020205020404" pitchFamily="49" charset="0"/>
+              </a:rPr>
+              <a:t>DECLARE price DECIMAL(10,3); </a:t>
+            </a:r>
+          </a:p>
+          <a:p>
+            <a:pPr algn="l"/>
+            <a:r>
+              <a:rPr lang="en-US" sz="1100" dirty="0">
+                <a:latin typeface="Courier New" panose="02070309020205020404" pitchFamily="49" charset="0"/>
+                <a:cs typeface="Courier New" panose="02070309020205020404" pitchFamily="49" charset="0"/>
+              </a:rPr>
+              <a:t>  </a:t>
+            </a:r>
+            <a:r>
+              <a:rPr lang="en-US" sz="1100" b="0" i="0" dirty="0">
+                <a:effectLst/>
+                <a:latin typeface="Courier New" panose="02070309020205020404" pitchFamily="49" charset="0"/>
+                <a:cs typeface="Courier New" panose="02070309020205020404" pitchFamily="49" charset="0"/>
+              </a:rPr>
+              <a:t>IF Vendor = 'Vendor 1' THEN </a:t>
+            </a:r>
+          </a:p>
+          <a:p>
+            <a:pPr algn="l"/>
+            <a:r>
+              <a:rPr lang="en-US" sz="1100" dirty="0">
+                <a:latin typeface="Courier New" panose="02070309020205020404" pitchFamily="49" charset="0"/>
+                <a:cs typeface="Courier New" panose="02070309020205020404" pitchFamily="49" charset="0"/>
+              </a:rPr>
+              <a:t>     </a:t>
+            </a:r>
+            <a:r>
+              <a:rPr lang="en-US" sz="1100" b="0" i="0" dirty="0">
+                <a:effectLst/>
+                <a:latin typeface="Courier New" panose="02070309020205020404" pitchFamily="49" charset="0"/>
+                <a:cs typeface="Courier New" panose="02070309020205020404" pitchFamily="49" charset="0"/>
+              </a:rPr>
+              <a:t>SET price = (SELECT </a:t>
+            </a:r>
+            <a:r>
+              <a:rPr lang="en-US" sz="1100" b="0" i="0" dirty="0" err="1">
+                <a:effectLst/>
+                <a:latin typeface="Courier New" panose="02070309020205020404" pitchFamily="49" charset="0"/>
+                <a:cs typeface="Courier New" panose="02070309020205020404" pitchFamily="49" charset="0"/>
+              </a:rPr>
+              <a:t>ProdPrice</a:t>
+            </a:r>
+            <a:r>
+              <a:rPr lang="en-US" sz="1100" b="0" i="0" dirty="0">
+                <a:effectLst/>
+                <a:latin typeface="Courier New" panose="02070309020205020404" pitchFamily="49" charset="0"/>
+                <a:cs typeface="Courier New" panose="02070309020205020404" pitchFamily="49" charset="0"/>
+              </a:rPr>
+              <a:t> </a:t>
+            </a:r>
+          </a:p>
+          <a:p>
+            <a:pPr algn="l"/>
+            <a:r>
+              <a:rPr lang="en-US" sz="1100" dirty="0">
+                <a:latin typeface="Courier New" panose="02070309020205020404" pitchFamily="49" charset="0"/>
+                <a:cs typeface="Courier New" panose="02070309020205020404" pitchFamily="49" charset="0"/>
+              </a:rPr>
+              <a:t>                    </a:t>
+            </a:r>
+            <a:r>
+              <a:rPr lang="en-US" sz="1100" b="0" i="0" dirty="0">
+                <a:effectLst/>
+                <a:latin typeface="Courier New" panose="02070309020205020404" pitchFamily="49" charset="0"/>
+                <a:cs typeface="Courier New" panose="02070309020205020404" pitchFamily="49" charset="0"/>
+              </a:rPr>
+              <a:t>FROM V1Table </a:t>
+            </a:r>
+          </a:p>
+          <a:p>
+            <a:pPr algn="l"/>
+            <a:r>
+              <a:rPr lang="en-US" sz="1100" dirty="0">
+                <a:latin typeface="Courier New" panose="02070309020205020404" pitchFamily="49" charset="0"/>
+                <a:cs typeface="Courier New" panose="02070309020205020404" pitchFamily="49" charset="0"/>
+              </a:rPr>
+              <a:t>                   </a:t>
+            </a:r>
+            <a:r>
+              <a:rPr lang="en-US" sz="1100" b="0" i="0" dirty="0">
+                <a:effectLst/>
+                <a:latin typeface="Courier New" panose="02070309020205020404" pitchFamily="49" charset="0"/>
+                <a:cs typeface="Courier New" panose="02070309020205020404" pitchFamily="49" charset="0"/>
+              </a:rPr>
+              <a:t>WHERE Id = </a:t>
+            </a:r>
+            <a:r>
+              <a:rPr lang="en-US" sz="1100" b="0" i="0" dirty="0" err="1">
+                <a:effectLst/>
+                <a:latin typeface="Courier New" panose="02070309020205020404" pitchFamily="49" charset="0"/>
+                <a:cs typeface="Courier New" panose="02070309020205020404" pitchFamily="49" charset="0"/>
+              </a:rPr>
+              <a:t>Pid</a:t>
+            </a:r>
+            <a:r>
+              <a:rPr lang="en-US" sz="1100" b="0" i="0" dirty="0">
+                <a:effectLst/>
+                <a:latin typeface="Courier New" panose="02070309020205020404" pitchFamily="49" charset="0"/>
+                <a:cs typeface="Courier New" panose="02070309020205020404" pitchFamily="49" charset="0"/>
+              </a:rPr>
+              <a:t>); </a:t>
+            </a:r>
+          </a:p>
+          <a:p>
+            <a:pPr algn="l"/>
+            <a:r>
+              <a:rPr lang="en-US" sz="1100" dirty="0">
+                <a:latin typeface="Courier New" panose="02070309020205020404" pitchFamily="49" charset="0"/>
+                <a:cs typeface="Courier New" panose="02070309020205020404" pitchFamily="49" charset="0"/>
+              </a:rPr>
+              <a:t>  </a:t>
+            </a:r>
+            <a:r>
+              <a:rPr lang="en-US" sz="1100" b="0" i="0" dirty="0">
+                <a:effectLst/>
+                <a:latin typeface="Courier New" panose="02070309020205020404" pitchFamily="49" charset="0"/>
+                <a:cs typeface="Courier New" panose="02070309020205020404" pitchFamily="49" charset="0"/>
+              </a:rPr>
+              <a:t>ELSE IF Vendor = 'Vendor 2' THEN </a:t>
+            </a:r>
+          </a:p>
+          <a:p>
+            <a:pPr algn="l"/>
+            <a:r>
+              <a:rPr lang="en-US" sz="1100" dirty="0">
+                <a:latin typeface="Courier New" panose="02070309020205020404" pitchFamily="49" charset="0"/>
+                <a:cs typeface="Courier New" panose="02070309020205020404" pitchFamily="49" charset="0"/>
+              </a:rPr>
+              <a:t>     </a:t>
+            </a:r>
+            <a:r>
+              <a:rPr lang="en-US" sz="1100" b="0" i="0" dirty="0">
+                <a:effectLst/>
+                <a:latin typeface="Courier New" panose="02070309020205020404" pitchFamily="49" charset="0"/>
+                <a:cs typeface="Courier New" panose="02070309020205020404" pitchFamily="49" charset="0"/>
+              </a:rPr>
+              <a:t>SET price = (SELECT Price </a:t>
+            </a:r>
+          </a:p>
+          <a:p>
+            <a:pPr algn="l"/>
+            <a:r>
+              <a:rPr lang="en-US" sz="1100" dirty="0">
+                <a:latin typeface="Courier New" panose="02070309020205020404" pitchFamily="49" charset="0"/>
+                <a:cs typeface="Courier New" panose="02070309020205020404" pitchFamily="49" charset="0"/>
+              </a:rPr>
+              <a:t>                    </a:t>
+            </a:r>
+            <a:r>
+              <a:rPr lang="en-US" sz="1100" b="0" i="0" dirty="0">
+                <a:effectLst/>
+                <a:latin typeface="Courier New" panose="02070309020205020404" pitchFamily="49" charset="0"/>
+                <a:cs typeface="Courier New" panose="02070309020205020404" pitchFamily="49" charset="0"/>
+              </a:rPr>
+              <a:t>FROM V2Table </a:t>
+            </a:r>
+          </a:p>
+          <a:p>
+            <a:pPr algn="l"/>
+            <a:r>
+              <a:rPr lang="en-US" sz="1100" dirty="0">
+                <a:latin typeface="Courier New" panose="02070309020205020404" pitchFamily="49" charset="0"/>
+                <a:cs typeface="Courier New" panose="02070309020205020404" pitchFamily="49" charset="0"/>
+              </a:rPr>
+              <a:t>                   </a:t>
+            </a:r>
+            <a:r>
+              <a:rPr lang="en-US" sz="1100" b="0" i="0" dirty="0">
+                <a:effectLst/>
+                <a:latin typeface="Courier New" panose="02070309020205020404" pitchFamily="49" charset="0"/>
+                <a:cs typeface="Courier New" panose="02070309020205020404" pitchFamily="49" charset="0"/>
+              </a:rPr>
+              <a:t>WHERE </a:t>
+            </a:r>
+            <a:r>
+              <a:rPr lang="en-US" sz="1100" b="0" i="0" dirty="0" err="1">
+                <a:effectLst/>
+                <a:latin typeface="Courier New" panose="02070309020205020404" pitchFamily="49" charset="0"/>
+                <a:cs typeface="Courier New" panose="02070309020205020404" pitchFamily="49" charset="0"/>
+              </a:rPr>
+              <a:t>Pid</a:t>
+            </a:r>
+            <a:r>
+              <a:rPr lang="en-US" sz="1100" b="0" i="0" dirty="0">
+                <a:effectLst/>
+                <a:latin typeface="Courier New" panose="02070309020205020404" pitchFamily="49" charset="0"/>
+                <a:cs typeface="Courier New" panose="02070309020205020404" pitchFamily="49" charset="0"/>
+              </a:rPr>
+              <a:t> = </a:t>
+            </a:r>
+            <a:r>
+              <a:rPr lang="en-US" sz="1100" b="0" i="0" dirty="0" err="1">
+                <a:effectLst/>
+                <a:latin typeface="Courier New" panose="02070309020205020404" pitchFamily="49" charset="0"/>
+                <a:cs typeface="Courier New" panose="02070309020205020404" pitchFamily="49" charset="0"/>
+              </a:rPr>
+              <a:t>GetPrice.Pid</a:t>
+            </a:r>
+            <a:r>
+              <a:rPr lang="en-US" sz="1100" b="0" i="0" dirty="0">
+                <a:effectLst/>
+                <a:latin typeface="Courier New" panose="02070309020205020404" pitchFamily="49" charset="0"/>
+                <a:cs typeface="Courier New" panose="02070309020205020404" pitchFamily="49" charset="0"/>
+              </a:rPr>
+              <a:t>); </a:t>
+            </a:r>
+          </a:p>
+          <a:p>
+            <a:pPr algn="l"/>
+            <a:r>
+              <a:rPr lang="en-US" sz="1100" dirty="0">
+                <a:latin typeface="Courier New" panose="02070309020205020404" pitchFamily="49" charset="0"/>
+                <a:cs typeface="Courier New" panose="02070309020205020404" pitchFamily="49" charset="0"/>
+              </a:rPr>
+              <a:t>  </a:t>
+            </a:r>
+            <a:r>
+              <a:rPr lang="en-US" sz="1100" b="0" i="0" dirty="0">
+                <a:effectLst/>
+                <a:latin typeface="Courier New" panose="02070309020205020404" pitchFamily="49" charset="0"/>
+                <a:cs typeface="Courier New" panose="02070309020205020404" pitchFamily="49" charset="0"/>
+              </a:rPr>
+              <a:t>END IF; </a:t>
+            </a:r>
+          </a:p>
+          <a:p>
+            <a:pPr algn="l"/>
+            <a:r>
+              <a:rPr lang="en-US" sz="1100" b="0" i="0" dirty="0">
+                <a:effectLst/>
+                <a:latin typeface="Courier New" panose="02070309020205020404" pitchFamily="49" charset="0"/>
+                <a:cs typeface="Courier New" panose="02070309020205020404" pitchFamily="49" charset="0"/>
+              </a:rPr>
+              <a:t>  RETURN price; </a:t>
+            </a:r>
+          </a:p>
+          <a:p>
+            <a:pPr algn="l"/>
+            <a:r>
+              <a:rPr lang="en-US" sz="1100" b="0" i="0" dirty="0">
+                <a:effectLst/>
+                <a:latin typeface="Courier New" panose="02070309020205020404" pitchFamily="49" charset="0"/>
+                <a:cs typeface="Courier New" panose="02070309020205020404" pitchFamily="49" charset="0"/>
+              </a:rPr>
+              <a:t>END</a:t>
+            </a:r>
+            <a:endParaRPr lang="en-US" sz="1100" b="1" dirty="0">
+              <a:latin typeface="Courier New" panose="02070309020205020404" pitchFamily="49" charset="0"/>
+              <a:ea typeface="ＭＳ Ｐゴシック" panose="020B0600070205080204" pitchFamily="34" charset="-128"/>
+              <a:cs typeface="Courier New" panose="02070309020205020404" pitchFamily="49" charset="0"/>
+            </a:endParaRPr>
+          </a:p>
+        </p:txBody>
+      </p:sp>
     </p:spTree>
     <p:extLst>
       <p:ext uri="{BB962C8B-B14F-4D97-AF65-F5344CB8AC3E}">
-        <p14:creationId xmlns:p14="http://schemas.microsoft.com/office/powerpoint/2010/main" val="734516546"/>
+        <p14:creationId xmlns:p14="http://schemas.microsoft.com/office/powerpoint/2010/main" val="2113550245"/>
       </p:ext>
     </p:extLst>
   </p:cSld>
@@ -8887,7 +9460,7 @@
           <p:cNvPr id="2" name="TextBox 1">
             <a:extLst>
               <a:ext uri="{FF2B5EF4-FFF2-40B4-BE49-F238E27FC236}">
-                <a16:creationId xmlns:a16="http://schemas.microsoft.com/office/drawing/2014/main" id="{72AA64EB-D7D6-D397-CF5F-C4C2986DAA22}"/>
+                <a16:creationId xmlns:a16="http://schemas.microsoft.com/office/drawing/2014/main" id="{18FF7990-5800-19BB-3EAE-177C15815815}"/>
               </a:ext>
             </a:extLst>
           </p:cNvPr>
@@ -8896,7 +9469,7 @@
         </p:nvSpPr>
         <p:spPr>
           <a:xfrm>
-            <a:off x="1339532" y="2137797"/>
+            <a:off x="1521074" y="1860286"/>
             <a:ext cx="7525734" cy="369332"/>
           </a:xfrm>
           <a:prstGeom prst="rect">
@@ -8918,7 +9491,7 @@
               <a:rPr lang="en-US" altLang="en-US" dirty="0">
                 <a:latin typeface="Calibri  "/>
               </a:rPr>
-              <a:t>Decision for Stored procedure or Function</a:t>
+              <a:t>Utilize Service Program Object  (*SRVPGM &amp; PGM )</a:t>
             </a:r>
           </a:p>
         </p:txBody>
@@ -8928,7 +9501,7 @@
           <p:cNvPr id="3" name="TextBox 2">
             <a:extLst>
               <a:ext uri="{FF2B5EF4-FFF2-40B4-BE49-F238E27FC236}">
-                <a16:creationId xmlns:a16="http://schemas.microsoft.com/office/drawing/2014/main" id="{F62EFE3B-B71B-085B-18E9-AF2639F01857}"/>
+                <a16:creationId xmlns:a16="http://schemas.microsoft.com/office/drawing/2014/main" id="{B05116B5-AF15-6288-4A86-C0DC2A5D7FD8}"/>
               </a:ext>
             </a:extLst>
           </p:cNvPr>
@@ -8937,8 +9510,8 @@
         </p:nvSpPr>
         <p:spPr>
           <a:xfrm>
-            <a:off x="447568" y="2507129"/>
-            <a:ext cx="5196924" cy="3339376"/>
+            <a:off x="1061461" y="2251041"/>
+            <a:ext cx="3749342" cy="3754874"/>
           </a:xfrm>
           <a:prstGeom prst="rect">
             <a:avLst/>
@@ -8968,289 +9541,262 @@
                 <a:latin typeface="Calibri  "/>
                 <a:ea typeface="ＭＳ Ｐゴシック" panose="020B0600070205080204" pitchFamily="34" charset="-128"/>
               </a:rPr>
-              <a:t>Stored Procedure</a:t>
-            </a:r>
-          </a:p>
-          <a:p>
-            <a:pPr algn="l"/>
-            <a:endParaRPr lang="en-US" sz="1600" dirty="0">
-              <a:solidFill>
-                <a:srgbClr val="3333CC"/>
-              </a:solidFill>
-              <a:latin typeface="Calibri  "/>
-              <a:ea typeface="ＭＳ Ｐゴシック" panose="020B0600070205080204" pitchFamily="34" charset="-128"/>
-              <a:cs typeface="Courier New" panose="02070309020205020404" pitchFamily="49" charset="0"/>
-            </a:endParaRPr>
-          </a:p>
-          <a:p>
-            <a:pPr algn="l"/>
-            <a:r>
-              <a:rPr lang="en-US" sz="1100" dirty="0">
-                <a:latin typeface="Courier New" panose="02070309020205020404" pitchFamily="49" charset="0"/>
-                <a:ea typeface="ＭＳ Ｐゴシック" panose="020B0600070205080204" pitchFamily="34" charset="-128"/>
-                <a:cs typeface="Courier New" panose="02070309020205020404" pitchFamily="49" charset="0"/>
-              </a:rPr>
-              <a:t>CREATE PROCEDURE </a:t>
-            </a:r>
-            <a:r>
-              <a:rPr lang="en-US" sz="1100" dirty="0" err="1">
-                <a:latin typeface="Courier New" panose="02070309020205020404" pitchFamily="49" charset="0"/>
-                <a:ea typeface="ＭＳ Ｐゴシック" panose="020B0600070205080204" pitchFamily="34" charset="-128"/>
-                <a:cs typeface="Courier New" panose="02070309020205020404" pitchFamily="49" charset="0"/>
-              </a:rPr>
-              <a:t>GetPrice</a:t>
-            </a:r>
-            <a:r>
-              <a:rPr lang="en-US" sz="1100" dirty="0">
-                <a:latin typeface="Courier New" panose="02070309020205020404" pitchFamily="49" charset="0"/>
-                <a:ea typeface="ＭＳ Ｐゴシック" panose="020B0600070205080204" pitchFamily="34" charset="-128"/>
-                <a:cs typeface="Courier New" panose="02070309020205020404" pitchFamily="49" charset="0"/>
-              </a:rPr>
-              <a:t> (IN Vendor CHAR&amp;(20&amp;),</a:t>
-            </a:r>
-          </a:p>
-          <a:p>
-            <a:pPr algn="l"/>
-            <a:r>
-              <a:rPr lang="en-US" sz="1100" dirty="0">
-                <a:latin typeface="Courier New" panose="02070309020205020404" pitchFamily="49" charset="0"/>
-                <a:ea typeface="ＭＳ Ｐゴシック" panose="020B0600070205080204" pitchFamily="34" charset="-128"/>
-                <a:cs typeface="Courier New" panose="02070309020205020404" pitchFamily="49" charset="0"/>
-              </a:rPr>
-              <a:t>                           IN </a:t>
-            </a:r>
-            <a:r>
-              <a:rPr lang="en-US" sz="1100" dirty="0" err="1">
-                <a:latin typeface="Courier New" panose="02070309020205020404" pitchFamily="49" charset="0"/>
-                <a:ea typeface="ＭＳ Ｐゴシック" panose="020B0600070205080204" pitchFamily="34" charset="-128"/>
-                <a:cs typeface="Courier New" panose="02070309020205020404" pitchFamily="49" charset="0"/>
-              </a:rPr>
-              <a:t>Pid</a:t>
-            </a:r>
-            <a:r>
-              <a:rPr lang="en-US" sz="1100" dirty="0">
-                <a:latin typeface="Courier New" panose="02070309020205020404" pitchFamily="49" charset="0"/>
-                <a:ea typeface="ＭＳ Ｐゴシック" panose="020B0600070205080204" pitchFamily="34" charset="-128"/>
-                <a:cs typeface="Courier New" panose="02070309020205020404" pitchFamily="49" charset="0"/>
-              </a:rPr>
-              <a:t> INT, </a:t>
-            </a:r>
-          </a:p>
-          <a:p>
-            <a:pPr algn="l"/>
-            <a:r>
-              <a:rPr lang="en-US" sz="1100" dirty="0">
-                <a:latin typeface="Courier New" panose="02070309020205020404" pitchFamily="49" charset="0"/>
-                <a:ea typeface="ＭＳ Ｐゴシック" panose="020B0600070205080204" pitchFamily="34" charset="-128"/>
-                <a:cs typeface="Courier New" panose="02070309020205020404" pitchFamily="49" charset="0"/>
-              </a:rPr>
-              <a:t>		     OUT price DECIMAL(10,3))</a:t>
-            </a:r>
-          </a:p>
-          <a:p>
-            <a:pPr algn="l"/>
-            <a:r>
-              <a:rPr lang="en-US" sz="1100" dirty="0">
-                <a:latin typeface="Courier New" panose="02070309020205020404" pitchFamily="49" charset="0"/>
-                <a:ea typeface="ＭＳ Ｐゴシック" panose="020B0600070205080204" pitchFamily="34" charset="-128"/>
-                <a:cs typeface="Courier New" panose="02070309020205020404" pitchFamily="49" charset="0"/>
-              </a:rPr>
-              <a:t>  LANGUAGE SQL</a:t>
-            </a:r>
-          </a:p>
-          <a:p>
-            <a:pPr algn="l"/>
-            <a:r>
-              <a:rPr lang="en-US" sz="1100" dirty="0">
-                <a:latin typeface="Courier New" panose="02070309020205020404" pitchFamily="49" charset="0"/>
-                <a:ea typeface="ＭＳ Ｐゴシック" panose="020B0600070205080204" pitchFamily="34" charset="-128"/>
-                <a:cs typeface="Courier New" panose="02070309020205020404" pitchFamily="49" charset="0"/>
-              </a:rPr>
-              <a:t>  BEGIN</a:t>
-            </a:r>
-          </a:p>
-          <a:p>
-            <a:pPr algn="l"/>
-            <a:r>
-              <a:rPr lang="en-US" sz="1100" dirty="0">
-                <a:latin typeface="Courier New" panose="02070309020205020404" pitchFamily="49" charset="0"/>
-                <a:ea typeface="ＭＳ Ｐゴシック" panose="020B0600070205080204" pitchFamily="34" charset="-128"/>
-                <a:cs typeface="Courier New" panose="02070309020205020404" pitchFamily="49" charset="0"/>
-              </a:rPr>
-              <a:t>    IF Vendor = ‘Vendor 1’;</a:t>
-            </a:r>
-          </a:p>
-          <a:p>
-            <a:pPr algn="l"/>
-            <a:r>
-              <a:rPr lang="en-US" sz="1100" dirty="0">
-                <a:latin typeface="Courier New" panose="02070309020205020404" pitchFamily="49" charset="0"/>
-                <a:ea typeface="ＭＳ Ｐゴシック" panose="020B0600070205080204" pitchFamily="34" charset="-128"/>
-                <a:cs typeface="Courier New" panose="02070309020205020404" pitchFamily="49" charset="0"/>
-              </a:rPr>
-              <a:t>      THEN SET price = (SELECT </a:t>
-            </a:r>
-            <a:r>
-              <a:rPr lang="en-US" sz="1100" dirty="0" err="1">
-                <a:latin typeface="Courier New" panose="02070309020205020404" pitchFamily="49" charset="0"/>
-                <a:ea typeface="ＭＳ Ｐゴシック" panose="020B0600070205080204" pitchFamily="34" charset="-128"/>
-                <a:cs typeface="Courier New" panose="02070309020205020404" pitchFamily="49" charset="0"/>
-              </a:rPr>
-              <a:t>ProdPrice</a:t>
-            </a:r>
-            <a:r>
-              <a:rPr lang="en-US" sz="1100" dirty="0">
-                <a:latin typeface="Courier New" panose="02070309020205020404" pitchFamily="49" charset="0"/>
-                <a:ea typeface="ＭＳ Ｐゴシック" panose="020B0600070205080204" pitchFamily="34" charset="-128"/>
-                <a:cs typeface="Courier New" panose="02070309020205020404" pitchFamily="49" charset="0"/>
-              </a:rPr>
-              <a:t> </a:t>
-            </a:r>
-          </a:p>
-          <a:p>
-            <a:pPr algn="l"/>
-            <a:r>
-              <a:rPr lang="en-US" sz="1100" dirty="0">
-                <a:latin typeface="Courier New" panose="02070309020205020404" pitchFamily="49" charset="0"/>
-                <a:ea typeface="ＭＳ Ｐゴシック" panose="020B0600070205080204" pitchFamily="34" charset="-128"/>
-                <a:cs typeface="Courier New" panose="02070309020205020404" pitchFamily="49" charset="0"/>
-              </a:rPr>
-              <a:t>                              FROM V1Table </a:t>
-            </a:r>
-          </a:p>
-          <a:p>
-            <a:pPr algn="l"/>
-            <a:r>
-              <a:rPr lang="en-US" sz="1100" dirty="0">
-                <a:latin typeface="Courier New" panose="02070309020205020404" pitchFamily="49" charset="0"/>
-                <a:ea typeface="ＭＳ Ｐゴシック" panose="020B0600070205080204" pitchFamily="34" charset="-128"/>
-                <a:cs typeface="Courier New" panose="02070309020205020404" pitchFamily="49" charset="0"/>
-              </a:rPr>
-              <a:t>                              WHERE Id = </a:t>
-            </a:r>
-            <a:r>
-              <a:rPr lang="en-US" sz="1100" dirty="0" err="1">
-                <a:latin typeface="Courier New" panose="02070309020205020404" pitchFamily="49" charset="0"/>
-                <a:ea typeface="ＭＳ Ｐゴシック" panose="020B0600070205080204" pitchFamily="34" charset="-128"/>
-                <a:cs typeface="Courier New" panose="02070309020205020404" pitchFamily="49" charset="0"/>
-              </a:rPr>
-              <a:t>Pid</a:t>
-            </a:r>
-            <a:r>
-              <a:rPr lang="en-US" sz="1100" dirty="0">
-                <a:latin typeface="Courier New" panose="02070309020205020404" pitchFamily="49" charset="0"/>
-                <a:ea typeface="ＭＳ Ｐゴシック" panose="020B0600070205080204" pitchFamily="34" charset="-128"/>
-                <a:cs typeface="Courier New" panose="02070309020205020404" pitchFamily="49" charset="0"/>
-              </a:rPr>
-              <a:t>);</a:t>
-            </a:r>
-          </a:p>
-          <a:p>
-            <a:pPr algn="l"/>
-            <a:r>
-              <a:rPr lang="en-US" sz="1100" dirty="0">
-                <a:latin typeface="Courier New" panose="02070309020205020404" pitchFamily="49" charset="0"/>
-                <a:ea typeface="ＭＳ Ｐゴシック" panose="020B0600070205080204" pitchFamily="34" charset="-128"/>
-                <a:cs typeface="Courier New" panose="02070309020205020404" pitchFamily="49" charset="0"/>
-              </a:rPr>
-              <a:t>    ELSE IF Vendor = ‘Vendor 2’;</a:t>
-            </a:r>
-          </a:p>
-          <a:p>
-            <a:pPr algn="l"/>
-            <a:r>
-              <a:rPr lang="en-US" sz="1100" dirty="0">
-                <a:latin typeface="Courier New" panose="02070309020205020404" pitchFamily="49" charset="0"/>
-                <a:ea typeface="ＭＳ Ｐゴシック" panose="020B0600070205080204" pitchFamily="34" charset="-128"/>
-                <a:cs typeface="Courier New" panose="02070309020205020404" pitchFamily="49" charset="0"/>
-              </a:rPr>
-              <a:t>      THEN SET price = (SELECT Price </a:t>
-            </a:r>
-          </a:p>
-          <a:p>
-            <a:pPr algn="l"/>
-            <a:r>
-              <a:rPr lang="en-US" sz="1100" dirty="0">
-                <a:latin typeface="Courier New" panose="02070309020205020404" pitchFamily="49" charset="0"/>
-                <a:ea typeface="ＭＳ Ｐゴシック" panose="020B0600070205080204" pitchFamily="34" charset="-128"/>
-                <a:cs typeface="Courier New" panose="02070309020205020404" pitchFamily="49" charset="0"/>
-              </a:rPr>
-              <a:t>                            FROM V2Table</a:t>
-            </a:r>
-          </a:p>
-          <a:p>
-            <a:pPr algn="l"/>
-            <a:r>
-              <a:rPr lang="en-US" sz="1100" dirty="0">
-                <a:latin typeface="Courier New" panose="02070309020205020404" pitchFamily="49" charset="0"/>
-                <a:ea typeface="ＭＳ Ｐゴシック" panose="020B0600070205080204" pitchFamily="34" charset="-128"/>
-                <a:cs typeface="Courier New" panose="02070309020205020404" pitchFamily="49" charset="0"/>
-              </a:rPr>
-              <a:t>                           WHERE </a:t>
-            </a:r>
-            <a:r>
-              <a:rPr lang="en-US" sz="1100" dirty="0" err="1">
-                <a:latin typeface="Courier New" panose="02070309020205020404" pitchFamily="49" charset="0"/>
-                <a:ea typeface="ＭＳ Ｐゴシック" panose="020B0600070205080204" pitchFamily="34" charset="-128"/>
-                <a:cs typeface="Courier New" panose="02070309020205020404" pitchFamily="49" charset="0"/>
-              </a:rPr>
-              <a:t>Pid</a:t>
-            </a:r>
-            <a:r>
-              <a:rPr lang="en-US" sz="1100" dirty="0">
-                <a:latin typeface="Courier New" panose="02070309020205020404" pitchFamily="49" charset="0"/>
-                <a:ea typeface="ＭＳ Ｐゴシック" panose="020B0600070205080204" pitchFamily="34" charset="-128"/>
-                <a:cs typeface="Courier New" panose="02070309020205020404" pitchFamily="49" charset="0"/>
-              </a:rPr>
-              <a:t> eq; </a:t>
-            </a:r>
-            <a:r>
-              <a:rPr lang="en-US" sz="1100" dirty="0" err="1">
-                <a:latin typeface="Courier New" panose="02070309020205020404" pitchFamily="49" charset="0"/>
-                <a:ea typeface="ＭＳ Ｐゴシック" panose="020B0600070205080204" pitchFamily="34" charset="-128"/>
-                <a:cs typeface="Courier New" panose="02070309020205020404" pitchFamily="49" charset="0"/>
-              </a:rPr>
-              <a:t>GetPrice.Pid</a:t>
-            </a:r>
-            <a:r>
-              <a:rPr lang="en-US" sz="1100" dirty="0">
-                <a:latin typeface="Courier New" panose="02070309020205020404" pitchFamily="49" charset="0"/>
-                <a:ea typeface="ＭＳ Ｐゴシック" panose="020B0600070205080204" pitchFamily="34" charset="-128"/>
-                <a:cs typeface="Courier New" panose="02070309020205020404" pitchFamily="49" charset="0"/>
-              </a:rPr>
-              <a:t>);</a:t>
-            </a:r>
-          </a:p>
-          <a:p>
-            <a:pPr algn="l"/>
-            <a:r>
-              <a:rPr lang="en-US" sz="1100" dirty="0">
-                <a:latin typeface="Courier New" panose="02070309020205020404" pitchFamily="49" charset="0"/>
-                <a:ea typeface="ＭＳ Ｐゴシック" panose="020B0600070205080204" pitchFamily="34" charset="-128"/>
-                <a:cs typeface="Courier New" panose="02070309020205020404" pitchFamily="49" charset="0"/>
-              </a:rPr>
-              <a:t>    END IF;</a:t>
-            </a:r>
-          </a:p>
-          <a:p>
-            <a:pPr algn="l"/>
-            <a:r>
-              <a:rPr lang="en-US" sz="1100" dirty="0">
-                <a:latin typeface="Courier New" panose="02070309020205020404" pitchFamily="49" charset="0"/>
-                <a:ea typeface="ＭＳ Ｐゴシック" panose="020B0600070205080204" pitchFamily="34" charset="-128"/>
-                <a:cs typeface="Courier New" panose="02070309020205020404" pitchFamily="49" charset="0"/>
-              </a:rPr>
-              <a:t>  END</a:t>
+              <a:t>*SRVPGM</a:t>
+            </a:r>
+          </a:p>
+          <a:p>
+            <a:pPr marL="0" marR="0">
+              <a:spcBef>
+                <a:spcPts val="0"/>
+              </a:spcBef>
+              <a:spcAft>
+                <a:spcPts val="0"/>
+              </a:spcAft>
+            </a:pPr>
+            <a:r>
+              <a:rPr lang="en-US" sz="1600" dirty="0">
+                <a:effectLst/>
+                <a:latin typeface="Calibri" panose="020F0502020204030204" pitchFamily="34" charset="0"/>
+              </a:rPr>
+              <a:t>Create Procedure </a:t>
+            </a:r>
+            <a:r>
+              <a:rPr lang="en-US" sz="1600" dirty="0" err="1">
+                <a:effectLst/>
+                <a:latin typeface="Calibri" panose="020F0502020204030204" pitchFamily="34" charset="0"/>
+              </a:rPr>
+              <a:t>Add_SrvPgm</a:t>
+            </a:r>
+            <a:r>
+              <a:rPr lang="en-US" sz="1600" dirty="0">
+                <a:effectLst/>
+                <a:latin typeface="Calibri" panose="020F0502020204030204" pitchFamily="34" charset="0"/>
+              </a:rPr>
+              <a:t>                                                        </a:t>
+            </a:r>
+          </a:p>
+          <a:p>
+            <a:pPr marL="0" marR="0">
+              <a:spcBef>
+                <a:spcPts val="0"/>
+              </a:spcBef>
+              <a:spcAft>
+                <a:spcPts val="0"/>
+              </a:spcAft>
+            </a:pPr>
+            <a:r>
+              <a:rPr lang="en-US" sz="1600" dirty="0">
+                <a:effectLst/>
+                <a:latin typeface="Calibri" panose="020F0502020204030204" pitchFamily="34" charset="0"/>
+              </a:rPr>
+              <a:t>    (  IN p1 INT,                                                                  </a:t>
+            </a:r>
+          </a:p>
+          <a:p>
+            <a:pPr marL="0" marR="0">
+              <a:spcBef>
+                <a:spcPts val="0"/>
+              </a:spcBef>
+              <a:spcAft>
+                <a:spcPts val="0"/>
+              </a:spcAft>
+            </a:pPr>
+            <a:r>
+              <a:rPr lang="en-US" sz="1600" dirty="0">
+                <a:effectLst/>
+                <a:latin typeface="Calibri" panose="020F0502020204030204" pitchFamily="34" charset="0"/>
+              </a:rPr>
+              <a:t>       IN n INT,                                                                   </a:t>
+            </a:r>
+          </a:p>
+          <a:p>
+            <a:pPr marL="0" marR="0">
+              <a:spcBef>
+                <a:spcPts val="0"/>
+              </a:spcBef>
+              <a:spcAft>
+                <a:spcPts val="0"/>
+              </a:spcAft>
+            </a:pPr>
+            <a:r>
+              <a:rPr lang="en-US" sz="1600" dirty="0">
+                <a:effectLst/>
+                <a:latin typeface="Calibri" panose="020F0502020204030204" pitchFamily="34" charset="0"/>
+              </a:rPr>
+              <a:t>       OUT o1 INT                                                                  </a:t>
+            </a:r>
+          </a:p>
+          <a:p>
+            <a:pPr marL="0" marR="0">
+              <a:spcBef>
+                <a:spcPts val="0"/>
+              </a:spcBef>
+              <a:spcAft>
+                <a:spcPts val="0"/>
+              </a:spcAft>
+            </a:pPr>
+            <a:r>
+              <a:rPr lang="en-US" sz="1600" dirty="0">
+                <a:effectLst/>
+                <a:latin typeface="Calibri" panose="020F0502020204030204" pitchFamily="34" charset="0"/>
+              </a:rPr>
+              <a:t>    )                                                                              </a:t>
+            </a:r>
+          </a:p>
+          <a:p>
+            <a:pPr marL="0" marR="0">
+              <a:spcBef>
+                <a:spcPts val="0"/>
+              </a:spcBef>
+              <a:spcAft>
+                <a:spcPts val="0"/>
+              </a:spcAft>
+            </a:pPr>
+            <a:r>
+              <a:rPr lang="en-US" sz="1600" dirty="0">
+                <a:effectLst/>
+                <a:latin typeface="Calibri" panose="020F0502020204030204" pitchFamily="34" charset="0"/>
+              </a:rPr>
+              <a:t>Language SQL                                                                       </a:t>
+            </a:r>
+          </a:p>
+          <a:p>
+            <a:pPr marL="0" marR="0">
+              <a:spcBef>
+                <a:spcPts val="0"/>
+              </a:spcBef>
+              <a:spcAft>
+                <a:spcPts val="0"/>
+              </a:spcAft>
+            </a:pPr>
+            <a:r>
+              <a:rPr lang="en-US" sz="1600" dirty="0">
+                <a:effectLst/>
+                <a:highlight>
+                  <a:srgbClr val="FFFF00"/>
+                </a:highlight>
+                <a:latin typeface="Calibri" panose="020F0502020204030204" pitchFamily="34" charset="0"/>
+              </a:rPr>
+              <a:t>Program Type SUB</a:t>
+            </a:r>
+            <a:r>
+              <a:rPr lang="en-US" sz="1600" dirty="0">
+                <a:effectLst/>
+                <a:latin typeface="Calibri" panose="020F0502020204030204" pitchFamily="34" charset="0"/>
+              </a:rPr>
+              <a:t>                                                                   </a:t>
+            </a:r>
+          </a:p>
+          <a:p>
+            <a:pPr marL="0" marR="0">
+              <a:spcBef>
+                <a:spcPts val="0"/>
+              </a:spcBef>
+              <a:spcAft>
+                <a:spcPts val="0"/>
+              </a:spcAft>
+            </a:pPr>
+            <a:r>
+              <a:rPr lang="en-US" sz="1600" dirty="0">
+                <a:effectLst/>
+                <a:latin typeface="Calibri" panose="020F0502020204030204" pitchFamily="34" charset="0"/>
+              </a:rPr>
+              <a:t>                    </a:t>
+            </a:r>
+          </a:p>
+          <a:p>
+            <a:pPr marL="0" marR="0">
+              <a:spcBef>
+                <a:spcPts val="0"/>
+              </a:spcBef>
+              <a:spcAft>
+                <a:spcPts val="0"/>
+              </a:spcAft>
+            </a:pPr>
+            <a:r>
+              <a:rPr lang="en-US" sz="1600" dirty="0">
+                <a:effectLst/>
+                <a:latin typeface="Calibri" panose="020F0502020204030204" pitchFamily="34" charset="0"/>
+              </a:rPr>
+              <a:t>Begin              </a:t>
+            </a:r>
+          </a:p>
+          <a:p>
+            <a:pPr marL="0" marR="0">
+              <a:spcBef>
+                <a:spcPts val="0"/>
+              </a:spcBef>
+              <a:spcAft>
+                <a:spcPts val="0"/>
+              </a:spcAft>
+            </a:pPr>
+            <a:r>
+              <a:rPr lang="en-US" sz="1600" dirty="0">
+                <a:effectLst/>
+                <a:latin typeface="Calibri" panose="020F0502020204030204" pitchFamily="34" charset="0"/>
+              </a:rPr>
+              <a:t> Declare v1 INT;   </a:t>
+            </a:r>
+          </a:p>
+          <a:p>
+            <a:pPr marL="0" marR="0">
+              <a:spcBef>
+                <a:spcPts val="0"/>
+              </a:spcBef>
+              <a:spcAft>
+                <a:spcPts val="0"/>
+              </a:spcAft>
+            </a:pPr>
+            <a:r>
+              <a:rPr lang="en-US" sz="1600" dirty="0">
+                <a:effectLst/>
+                <a:latin typeface="Calibri" panose="020F0502020204030204" pitchFamily="34" charset="0"/>
+              </a:rPr>
+              <a:t> SET v1=ABSVAL(n); </a:t>
+            </a:r>
+          </a:p>
+          <a:p>
+            <a:pPr marL="0" marR="0">
+              <a:spcBef>
+                <a:spcPts val="0"/>
+              </a:spcBef>
+              <a:spcAft>
+                <a:spcPts val="0"/>
+              </a:spcAft>
+            </a:pPr>
+            <a:r>
+              <a:rPr lang="en-US" sz="1600" dirty="0">
+                <a:effectLst/>
+                <a:latin typeface="Calibri" panose="020F0502020204030204" pitchFamily="34" charset="0"/>
+              </a:rPr>
+              <a:t> SET o1= p1+v1;    </a:t>
+            </a:r>
+          </a:p>
+          <a:p>
+            <a:pPr marL="0" marR="0">
+              <a:spcBef>
+                <a:spcPts val="0"/>
+              </a:spcBef>
+              <a:spcAft>
+                <a:spcPts val="0"/>
+              </a:spcAft>
+            </a:pPr>
+            <a:r>
+              <a:rPr lang="en-US" sz="1600" dirty="0">
+                <a:effectLst/>
+                <a:latin typeface="Calibri" panose="020F0502020204030204" pitchFamily="34" charset="0"/>
+              </a:rPr>
+              <a:t>End;  </a:t>
             </a:r>
           </a:p>
         </p:txBody>
       </p:sp>
       <p:sp>
         <p:nvSpPr>
-          <p:cNvPr id="9" name="TextBox 8">
+          <p:cNvPr id="7" name="TextBox 6">
             <a:extLst>
               <a:ext uri="{FF2B5EF4-FFF2-40B4-BE49-F238E27FC236}">
-                <a16:creationId xmlns:a16="http://schemas.microsoft.com/office/drawing/2014/main" id="{72D34E25-E2C2-ABAA-C992-E4CA054C1900}"/>
+                <a16:creationId xmlns:a16="http://schemas.microsoft.com/office/drawing/2014/main" id="{221C4640-E646-622E-BDCF-4CD37851C7C0}"/>
               </a:ext>
             </a:extLst>
           </p:cNvPr>
@@ -9259,8 +9805,8 @@
         </p:nvSpPr>
         <p:spPr>
           <a:xfrm>
-            <a:off x="5914458" y="2521790"/>
-            <a:ext cx="5196924" cy="3431709"/>
+            <a:off x="5297466" y="2263979"/>
+            <a:ext cx="3749342" cy="3754874"/>
           </a:xfrm>
           <a:prstGeom prst="rect">
             <a:avLst/>
@@ -9290,372 +9836,273 @@
                 <a:latin typeface="Calibri  "/>
                 <a:ea typeface="ＭＳ Ｐゴシック" panose="020B0600070205080204" pitchFamily="34" charset="-128"/>
               </a:rPr>
-              <a:t>User Defined Function</a:t>
-            </a:r>
-          </a:p>
-          <a:p>
-            <a:pPr algn="l"/>
-            <a:r>
-              <a:rPr lang="en-US" sz="1100" b="0" i="0" dirty="0">
+              <a:t>*PGM</a:t>
+            </a:r>
+          </a:p>
+          <a:p>
+            <a:pPr marL="0" marR="0">
+              <a:spcBef>
+                <a:spcPts val="0"/>
+              </a:spcBef>
+              <a:spcAft>
+                <a:spcPts val="0"/>
+              </a:spcAft>
+            </a:pPr>
+            <a:r>
+              <a:rPr lang="en-US" sz="1600" dirty="0">
                 <a:effectLst/>
-                <a:latin typeface="Courier New" panose="02070309020205020404" pitchFamily="49" charset="0"/>
-                <a:cs typeface="Courier New" panose="02070309020205020404" pitchFamily="49" charset="0"/>
-              </a:rPr>
-              <a:t>CREATE FUNCTION </a:t>
-            </a:r>
-            <a:r>
-              <a:rPr lang="en-US" sz="1100" b="0" i="0" dirty="0" err="1">
+                <a:latin typeface="Calibri" panose="020F0502020204030204" pitchFamily="34" charset="0"/>
+              </a:rPr>
+              <a:t>Create Procedure </a:t>
+            </a:r>
+            <a:r>
+              <a:rPr lang="en-US" sz="1600" dirty="0" err="1">
                 <a:effectLst/>
-                <a:latin typeface="Courier New" panose="02070309020205020404" pitchFamily="49" charset="0"/>
-                <a:cs typeface="Courier New" panose="02070309020205020404" pitchFamily="49" charset="0"/>
-              </a:rPr>
-              <a:t>GetPrice</a:t>
-            </a:r>
-            <a:r>
-              <a:rPr lang="en-US" sz="1100" b="0" i="0" dirty="0">
+                <a:latin typeface="Calibri" panose="020F0502020204030204" pitchFamily="34" charset="0"/>
+              </a:rPr>
+              <a:t>Add_</a:t>
+            </a:r>
+            <a:r>
+              <a:rPr lang="en-US" sz="1600" dirty="0" err="1">
+                <a:latin typeface="Calibri" panose="020F0502020204030204" pitchFamily="34" charset="0"/>
+              </a:rPr>
+              <a:t>Main</a:t>
+            </a:r>
+            <a:r>
+              <a:rPr lang="en-US" sz="1600" dirty="0" err="1">
                 <a:effectLst/>
-                <a:latin typeface="Courier New" panose="02070309020205020404" pitchFamily="49" charset="0"/>
-                <a:cs typeface="Courier New" panose="02070309020205020404" pitchFamily="49" charset="0"/>
-              </a:rPr>
-              <a:t> (Vendor CHAR(20), </a:t>
-            </a:r>
-          </a:p>
-          <a:p>
-            <a:pPr algn="l"/>
-            <a:r>
-              <a:rPr lang="en-US" sz="1100" dirty="0">
-                <a:latin typeface="Courier New" panose="02070309020205020404" pitchFamily="49" charset="0"/>
-                <a:cs typeface="Courier New" panose="02070309020205020404" pitchFamily="49" charset="0"/>
-              </a:rPr>
-              <a:t>                          </a:t>
-            </a:r>
-            <a:r>
-              <a:rPr lang="en-US" sz="1100" b="0" i="0" dirty="0" err="1">
+                <a:latin typeface="Calibri" panose="020F0502020204030204" pitchFamily="34" charset="0"/>
+              </a:rPr>
+              <a:t>Pgm</a:t>
+            </a:r>
+            <a:r>
+              <a:rPr lang="en-US" sz="1600" dirty="0">
                 <a:effectLst/>
-                <a:latin typeface="Courier New" panose="02070309020205020404" pitchFamily="49" charset="0"/>
-                <a:cs typeface="Courier New" panose="02070309020205020404" pitchFamily="49" charset="0"/>
-              </a:rPr>
-              <a:t>Pid</a:t>
-            </a:r>
-            <a:r>
-              <a:rPr lang="en-US" sz="1100" b="0" i="0" dirty="0">
+                <a:latin typeface="Calibri" panose="020F0502020204030204" pitchFamily="34" charset="0"/>
+              </a:rPr>
+              <a:t>                                                        </a:t>
+            </a:r>
+          </a:p>
+          <a:p>
+            <a:pPr marL="0" marR="0">
+              <a:spcBef>
+                <a:spcPts val="0"/>
+              </a:spcBef>
+              <a:spcAft>
+                <a:spcPts val="0"/>
+              </a:spcAft>
+            </a:pPr>
+            <a:r>
+              <a:rPr lang="en-US" sz="1600" dirty="0">
                 <a:effectLst/>
-                <a:latin typeface="Courier New" panose="02070309020205020404" pitchFamily="49" charset="0"/>
-                <a:cs typeface="Courier New" panose="02070309020205020404" pitchFamily="49" charset="0"/>
-              </a:rPr>
-              <a:t> INT) </a:t>
-            </a:r>
-          </a:p>
-          <a:p>
-            <a:pPr algn="l"/>
-            <a:r>
-              <a:rPr lang="en-US" sz="1100" b="0" i="0" dirty="0">
+                <a:latin typeface="Calibri" panose="020F0502020204030204" pitchFamily="34" charset="0"/>
+              </a:rPr>
+              <a:t>    (  IN p1 INT,                                                                  </a:t>
+            </a:r>
+          </a:p>
+          <a:p>
+            <a:pPr marL="0" marR="0">
+              <a:spcBef>
+                <a:spcPts val="0"/>
+              </a:spcBef>
+              <a:spcAft>
+                <a:spcPts val="0"/>
+              </a:spcAft>
+            </a:pPr>
+            <a:r>
+              <a:rPr lang="en-US" sz="1600" dirty="0">
                 <a:effectLst/>
-                <a:latin typeface="Courier New" panose="02070309020205020404" pitchFamily="49" charset="0"/>
-                <a:cs typeface="Courier New" panose="02070309020205020404" pitchFamily="49" charset="0"/>
-              </a:rPr>
-              <a:t>RETURNS DECIMAL(10,3) </a:t>
-            </a:r>
-          </a:p>
-          <a:p>
-            <a:pPr algn="l"/>
-            <a:r>
-              <a:rPr lang="en-US" sz="1100" b="0" i="0" dirty="0">
+                <a:latin typeface="Calibri" panose="020F0502020204030204" pitchFamily="34" charset="0"/>
+              </a:rPr>
+              <a:t>       IN n INT,                                                                   </a:t>
+            </a:r>
+          </a:p>
+          <a:p>
+            <a:pPr marL="0" marR="0">
+              <a:spcBef>
+                <a:spcPts val="0"/>
+              </a:spcBef>
+              <a:spcAft>
+                <a:spcPts val="0"/>
+              </a:spcAft>
+            </a:pPr>
+            <a:r>
+              <a:rPr lang="en-US" sz="1600" dirty="0">
                 <a:effectLst/>
-                <a:latin typeface="Courier New" panose="02070309020205020404" pitchFamily="49" charset="0"/>
-                <a:cs typeface="Courier New" panose="02070309020205020404" pitchFamily="49" charset="0"/>
-              </a:rPr>
-              <a:t>LANGUAGE SQL </a:t>
-            </a:r>
-          </a:p>
-          <a:p>
-            <a:pPr algn="l"/>
-            <a:r>
-              <a:rPr lang="en-US" sz="1100" b="0" i="0" dirty="0">
+                <a:latin typeface="Calibri" panose="020F0502020204030204" pitchFamily="34" charset="0"/>
+              </a:rPr>
+              <a:t>       OUT o1 INT                                                                  </a:t>
+            </a:r>
+          </a:p>
+          <a:p>
+            <a:pPr marL="0" marR="0">
+              <a:spcBef>
+                <a:spcPts val="0"/>
+              </a:spcBef>
+              <a:spcAft>
+                <a:spcPts val="0"/>
+              </a:spcAft>
+            </a:pPr>
+            <a:r>
+              <a:rPr lang="en-US" sz="1600" dirty="0">
                 <a:effectLst/>
-                <a:latin typeface="Courier New" panose="02070309020205020404" pitchFamily="49" charset="0"/>
-                <a:cs typeface="Courier New" panose="02070309020205020404" pitchFamily="49" charset="0"/>
-              </a:rPr>
-              <a:t>BEGIN </a:t>
-            </a:r>
-          </a:p>
-          <a:p>
-            <a:pPr algn="l"/>
-            <a:r>
-              <a:rPr lang="en-US" sz="1100" dirty="0">
-                <a:latin typeface="Courier New" panose="02070309020205020404" pitchFamily="49" charset="0"/>
-                <a:cs typeface="Courier New" panose="02070309020205020404" pitchFamily="49" charset="0"/>
-              </a:rPr>
-              <a:t>  </a:t>
-            </a:r>
-            <a:r>
-              <a:rPr lang="en-US" sz="1100" b="0" i="0" dirty="0">
+                <a:latin typeface="Calibri" panose="020F0502020204030204" pitchFamily="34" charset="0"/>
+              </a:rPr>
+              <a:t>    )                                                                              </a:t>
+            </a:r>
+          </a:p>
+          <a:p>
+            <a:pPr marL="0" marR="0">
+              <a:spcBef>
+                <a:spcPts val="0"/>
+              </a:spcBef>
+              <a:spcAft>
+                <a:spcPts val="0"/>
+              </a:spcAft>
+            </a:pPr>
+            <a:r>
+              <a:rPr lang="en-US" sz="1600" dirty="0">
                 <a:effectLst/>
-                <a:latin typeface="Courier New" panose="02070309020205020404" pitchFamily="49" charset="0"/>
-                <a:cs typeface="Courier New" panose="02070309020205020404" pitchFamily="49" charset="0"/>
-              </a:rPr>
-              <a:t>DECLARE price DECIMAL(10,3); </a:t>
-            </a:r>
-          </a:p>
-          <a:p>
-            <a:pPr algn="l"/>
-            <a:r>
-              <a:rPr lang="en-US" sz="1100" dirty="0">
-                <a:latin typeface="Courier New" panose="02070309020205020404" pitchFamily="49" charset="0"/>
-                <a:cs typeface="Courier New" panose="02070309020205020404" pitchFamily="49" charset="0"/>
-              </a:rPr>
-              <a:t>  </a:t>
-            </a:r>
-            <a:r>
-              <a:rPr lang="en-US" sz="1100" b="0" i="0" dirty="0">
+                <a:latin typeface="Calibri" panose="020F0502020204030204" pitchFamily="34" charset="0"/>
+              </a:rPr>
+              <a:t>Language SQL                                                                       </a:t>
+            </a:r>
+          </a:p>
+          <a:p>
+            <a:pPr marL="0" marR="0">
+              <a:spcBef>
+                <a:spcPts val="0"/>
+              </a:spcBef>
+              <a:spcAft>
+                <a:spcPts val="0"/>
+              </a:spcAft>
+            </a:pPr>
+            <a:r>
+              <a:rPr lang="en-US" sz="1600" dirty="0">
                 <a:effectLst/>
-                <a:latin typeface="Courier New" panose="02070309020205020404" pitchFamily="49" charset="0"/>
-                <a:cs typeface="Courier New" panose="02070309020205020404" pitchFamily="49" charset="0"/>
-              </a:rPr>
-              <a:t>IF Vendor = 'Vendor 1' THEN </a:t>
-            </a:r>
-          </a:p>
-          <a:p>
-            <a:pPr algn="l"/>
-            <a:r>
-              <a:rPr lang="en-US" sz="1100" dirty="0">
-                <a:latin typeface="Courier New" panose="02070309020205020404" pitchFamily="49" charset="0"/>
-                <a:cs typeface="Courier New" panose="02070309020205020404" pitchFamily="49" charset="0"/>
-              </a:rPr>
-              <a:t>     </a:t>
-            </a:r>
-            <a:r>
-              <a:rPr lang="en-US" sz="1100" b="0" i="0" dirty="0">
+                <a:highlight>
+                  <a:srgbClr val="FFFF00"/>
+                </a:highlight>
+                <a:latin typeface="Calibri" panose="020F0502020204030204" pitchFamily="34" charset="0"/>
+              </a:rPr>
+              <a:t>Program Type MAIN</a:t>
+            </a:r>
+            <a:r>
+              <a:rPr lang="en-US" sz="1600" dirty="0">
                 <a:effectLst/>
-                <a:latin typeface="Courier New" panose="02070309020205020404" pitchFamily="49" charset="0"/>
-                <a:cs typeface="Courier New" panose="02070309020205020404" pitchFamily="49" charset="0"/>
-              </a:rPr>
-              <a:t>SET price = (SELECT </a:t>
-            </a:r>
-            <a:r>
-              <a:rPr lang="en-US" sz="1100" b="0" i="0" dirty="0" err="1">
+                <a:latin typeface="Calibri" panose="020F0502020204030204" pitchFamily="34" charset="0"/>
+              </a:rPr>
+              <a:t>                                                                   </a:t>
+            </a:r>
+          </a:p>
+          <a:p>
+            <a:pPr marL="0" marR="0">
+              <a:spcBef>
+                <a:spcPts val="0"/>
+              </a:spcBef>
+              <a:spcAft>
+                <a:spcPts val="0"/>
+              </a:spcAft>
+            </a:pPr>
+            <a:r>
+              <a:rPr lang="en-US" sz="1600" dirty="0">
                 <a:effectLst/>
-                <a:latin typeface="Courier New" panose="02070309020205020404" pitchFamily="49" charset="0"/>
-                <a:cs typeface="Courier New" panose="02070309020205020404" pitchFamily="49" charset="0"/>
-              </a:rPr>
-              <a:t>ProdPrice</a:t>
-            </a:r>
-            <a:r>
-              <a:rPr lang="en-US" sz="1100" b="0" i="0" dirty="0">
+                <a:latin typeface="Calibri" panose="020F0502020204030204" pitchFamily="34" charset="0"/>
+              </a:rPr>
+              <a:t>                    </a:t>
+            </a:r>
+          </a:p>
+          <a:p>
+            <a:pPr marL="0" marR="0">
+              <a:spcBef>
+                <a:spcPts val="0"/>
+              </a:spcBef>
+              <a:spcAft>
+                <a:spcPts val="0"/>
+              </a:spcAft>
+            </a:pPr>
+            <a:r>
+              <a:rPr lang="en-US" sz="1600" dirty="0">
                 <a:effectLst/>
-                <a:latin typeface="Courier New" panose="02070309020205020404" pitchFamily="49" charset="0"/>
-                <a:cs typeface="Courier New" panose="02070309020205020404" pitchFamily="49" charset="0"/>
-              </a:rPr>
-              <a:t> </a:t>
-            </a:r>
-          </a:p>
-          <a:p>
-            <a:pPr algn="l"/>
-            <a:r>
-              <a:rPr lang="en-US" sz="1100" dirty="0">
-                <a:latin typeface="Courier New" panose="02070309020205020404" pitchFamily="49" charset="0"/>
-                <a:cs typeface="Courier New" panose="02070309020205020404" pitchFamily="49" charset="0"/>
-              </a:rPr>
-              <a:t>                    </a:t>
-            </a:r>
-            <a:r>
-              <a:rPr lang="en-US" sz="1100" b="0" i="0" dirty="0">
+                <a:latin typeface="Calibri" panose="020F0502020204030204" pitchFamily="34" charset="0"/>
+              </a:rPr>
+              <a:t>Begin              </a:t>
+            </a:r>
+          </a:p>
+          <a:p>
+            <a:pPr marL="0" marR="0">
+              <a:spcBef>
+                <a:spcPts val="0"/>
+              </a:spcBef>
+              <a:spcAft>
+                <a:spcPts val="0"/>
+              </a:spcAft>
+            </a:pPr>
+            <a:r>
+              <a:rPr lang="en-US" sz="1600" dirty="0">
                 <a:effectLst/>
-                <a:latin typeface="Courier New" panose="02070309020205020404" pitchFamily="49" charset="0"/>
-                <a:cs typeface="Courier New" panose="02070309020205020404" pitchFamily="49" charset="0"/>
-              </a:rPr>
-              <a:t>FROM V1Table </a:t>
-            </a:r>
-          </a:p>
-          <a:p>
-            <a:pPr algn="l"/>
-            <a:r>
-              <a:rPr lang="en-US" sz="1100" dirty="0">
-                <a:latin typeface="Courier New" panose="02070309020205020404" pitchFamily="49" charset="0"/>
-                <a:cs typeface="Courier New" panose="02070309020205020404" pitchFamily="49" charset="0"/>
-              </a:rPr>
-              <a:t>                   </a:t>
-            </a:r>
-            <a:r>
-              <a:rPr lang="en-US" sz="1100" b="0" i="0" dirty="0">
+                <a:latin typeface="Calibri" panose="020F0502020204030204" pitchFamily="34" charset="0"/>
+              </a:rPr>
+              <a:t> Declare v1 INT;   </a:t>
+            </a:r>
+          </a:p>
+          <a:p>
+            <a:pPr marL="0" marR="0">
+              <a:spcBef>
+                <a:spcPts val="0"/>
+              </a:spcBef>
+              <a:spcAft>
+                <a:spcPts val="0"/>
+              </a:spcAft>
+            </a:pPr>
+            <a:r>
+              <a:rPr lang="en-US" sz="1600" dirty="0">
                 <a:effectLst/>
-                <a:latin typeface="Courier New" panose="02070309020205020404" pitchFamily="49" charset="0"/>
-                <a:cs typeface="Courier New" panose="02070309020205020404" pitchFamily="49" charset="0"/>
-              </a:rPr>
-              <a:t>WHERE Id = </a:t>
-            </a:r>
-            <a:r>
-              <a:rPr lang="en-US" sz="1100" b="0" i="0" dirty="0" err="1">
+                <a:latin typeface="Calibri" panose="020F0502020204030204" pitchFamily="34" charset="0"/>
+              </a:rPr>
+              <a:t> SET v1=ABSVAL(n); </a:t>
+            </a:r>
+          </a:p>
+          <a:p>
+            <a:pPr marL="0" marR="0">
+              <a:spcBef>
+                <a:spcPts val="0"/>
+              </a:spcBef>
+              <a:spcAft>
+                <a:spcPts val="0"/>
+              </a:spcAft>
+            </a:pPr>
+            <a:r>
+              <a:rPr lang="en-US" sz="1600" dirty="0">
                 <a:effectLst/>
-                <a:latin typeface="Courier New" panose="02070309020205020404" pitchFamily="49" charset="0"/>
-                <a:cs typeface="Courier New" panose="02070309020205020404" pitchFamily="49" charset="0"/>
-              </a:rPr>
-              <a:t>Pid</a:t>
-            </a:r>
-            <a:r>
-              <a:rPr lang="en-US" sz="1100" b="0" i="0" dirty="0">
+                <a:latin typeface="Calibri" panose="020F0502020204030204" pitchFamily="34" charset="0"/>
+              </a:rPr>
+              <a:t> SET o1= p1+v1;    </a:t>
+            </a:r>
+          </a:p>
+          <a:p>
+            <a:pPr marL="0" marR="0">
+              <a:spcBef>
+                <a:spcPts val="0"/>
+              </a:spcBef>
+              <a:spcAft>
+                <a:spcPts val="0"/>
+              </a:spcAft>
+            </a:pPr>
+            <a:r>
+              <a:rPr lang="en-US" sz="1600" dirty="0">
                 <a:effectLst/>
-                <a:latin typeface="Courier New" panose="02070309020205020404" pitchFamily="49" charset="0"/>
-                <a:cs typeface="Courier New" panose="02070309020205020404" pitchFamily="49" charset="0"/>
-              </a:rPr>
-              <a:t>); </a:t>
-            </a:r>
-          </a:p>
-          <a:p>
-            <a:pPr algn="l"/>
-            <a:r>
-              <a:rPr lang="en-US" sz="1100" dirty="0">
-                <a:latin typeface="Courier New" panose="02070309020205020404" pitchFamily="49" charset="0"/>
-                <a:cs typeface="Courier New" panose="02070309020205020404" pitchFamily="49" charset="0"/>
-              </a:rPr>
-              <a:t>  </a:t>
-            </a:r>
-            <a:r>
-              <a:rPr lang="en-US" sz="1100" b="0" i="0" dirty="0">
-                <a:effectLst/>
-                <a:latin typeface="Courier New" panose="02070309020205020404" pitchFamily="49" charset="0"/>
-                <a:cs typeface="Courier New" panose="02070309020205020404" pitchFamily="49" charset="0"/>
-              </a:rPr>
-              <a:t>ELSE IF Vendor = 'Vendor 2' THEN </a:t>
-            </a:r>
-          </a:p>
-          <a:p>
-            <a:pPr algn="l"/>
-            <a:r>
-              <a:rPr lang="en-US" sz="1100" dirty="0">
-                <a:latin typeface="Courier New" panose="02070309020205020404" pitchFamily="49" charset="0"/>
-                <a:cs typeface="Courier New" panose="02070309020205020404" pitchFamily="49" charset="0"/>
-              </a:rPr>
-              <a:t>     </a:t>
-            </a:r>
-            <a:r>
-              <a:rPr lang="en-US" sz="1100" b="0" i="0" dirty="0">
-                <a:effectLst/>
-                <a:latin typeface="Courier New" panose="02070309020205020404" pitchFamily="49" charset="0"/>
-                <a:cs typeface="Courier New" panose="02070309020205020404" pitchFamily="49" charset="0"/>
-              </a:rPr>
-              <a:t>SET price = (SELECT Price </a:t>
-            </a:r>
-          </a:p>
-          <a:p>
-            <a:pPr algn="l"/>
-            <a:r>
-              <a:rPr lang="en-US" sz="1100" dirty="0">
-                <a:latin typeface="Courier New" panose="02070309020205020404" pitchFamily="49" charset="0"/>
-                <a:cs typeface="Courier New" panose="02070309020205020404" pitchFamily="49" charset="0"/>
-              </a:rPr>
-              <a:t>                    </a:t>
-            </a:r>
-            <a:r>
-              <a:rPr lang="en-US" sz="1100" b="0" i="0" dirty="0">
-                <a:effectLst/>
-                <a:latin typeface="Courier New" panose="02070309020205020404" pitchFamily="49" charset="0"/>
-                <a:cs typeface="Courier New" panose="02070309020205020404" pitchFamily="49" charset="0"/>
-              </a:rPr>
-              <a:t>FROM V2Table </a:t>
-            </a:r>
-          </a:p>
-          <a:p>
-            <a:pPr algn="l"/>
-            <a:r>
-              <a:rPr lang="en-US" sz="1100" dirty="0">
-                <a:latin typeface="Courier New" panose="02070309020205020404" pitchFamily="49" charset="0"/>
-                <a:cs typeface="Courier New" panose="02070309020205020404" pitchFamily="49" charset="0"/>
-              </a:rPr>
-              <a:t>                   </a:t>
-            </a:r>
-            <a:r>
-              <a:rPr lang="en-US" sz="1100" b="0" i="0" dirty="0">
-                <a:effectLst/>
-                <a:latin typeface="Courier New" panose="02070309020205020404" pitchFamily="49" charset="0"/>
-                <a:cs typeface="Courier New" panose="02070309020205020404" pitchFamily="49" charset="0"/>
-              </a:rPr>
-              <a:t>WHERE </a:t>
-            </a:r>
-            <a:r>
-              <a:rPr lang="en-US" sz="1100" b="0" i="0" dirty="0" err="1">
-                <a:effectLst/>
-                <a:latin typeface="Courier New" panose="02070309020205020404" pitchFamily="49" charset="0"/>
-                <a:cs typeface="Courier New" panose="02070309020205020404" pitchFamily="49" charset="0"/>
-              </a:rPr>
-              <a:t>Pid</a:t>
-            </a:r>
-            <a:r>
-              <a:rPr lang="en-US" sz="1100" b="0" i="0" dirty="0">
-                <a:effectLst/>
-                <a:latin typeface="Courier New" panose="02070309020205020404" pitchFamily="49" charset="0"/>
-                <a:cs typeface="Courier New" panose="02070309020205020404" pitchFamily="49" charset="0"/>
-              </a:rPr>
-              <a:t> = </a:t>
-            </a:r>
-            <a:r>
-              <a:rPr lang="en-US" sz="1100" b="0" i="0" dirty="0" err="1">
-                <a:effectLst/>
-                <a:latin typeface="Courier New" panose="02070309020205020404" pitchFamily="49" charset="0"/>
-                <a:cs typeface="Courier New" panose="02070309020205020404" pitchFamily="49" charset="0"/>
-              </a:rPr>
-              <a:t>GetPrice.Pid</a:t>
-            </a:r>
-            <a:r>
-              <a:rPr lang="en-US" sz="1100" b="0" i="0" dirty="0">
-                <a:effectLst/>
-                <a:latin typeface="Courier New" panose="02070309020205020404" pitchFamily="49" charset="0"/>
-                <a:cs typeface="Courier New" panose="02070309020205020404" pitchFamily="49" charset="0"/>
-              </a:rPr>
-              <a:t>); </a:t>
-            </a:r>
-          </a:p>
-          <a:p>
-            <a:pPr algn="l"/>
-            <a:r>
-              <a:rPr lang="en-US" sz="1100" dirty="0">
-                <a:latin typeface="Courier New" panose="02070309020205020404" pitchFamily="49" charset="0"/>
-                <a:cs typeface="Courier New" panose="02070309020205020404" pitchFamily="49" charset="0"/>
-              </a:rPr>
-              <a:t>  </a:t>
-            </a:r>
-            <a:r>
-              <a:rPr lang="en-US" sz="1100" b="0" i="0" dirty="0">
-                <a:effectLst/>
-                <a:latin typeface="Courier New" panose="02070309020205020404" pitchFamily="49" charset="0"/>
-                <a:cs typeface="Courier New" panose="02070309020205020404" pitchFamily="49" charset="0"/>
-              </a:rPr>
-              <a:t>END IF; </a:t>
-            </a:r>
-          </a:p>
-          <a:p>
-            <a:pPr algn="l"/>
-            <a:r>
-              <a:rPr lang="en-US" sz="1100" b="0" i="0" dirty="0">
-                <a:effectLst/>
-                <a:latin typeface="Courier New" panose="02070309020205020404" pitchFamily="49" charset="0"/>
-                <a:cs typeface="Courier New" panose="02070309020205020404" pitchFamily="49" charset="0"/>
-              </a:rPr>
-              <a:t>  RETURN price; </a:t>
-            </a:r>
-          </a:p>
-          <a:p>
-            <a:pPr algn="l"/>
-            <a:r>
-              <a:rPr lang="en-US" sz="1100" b="0" i="0" dirty="0">
-                <a:effectLst/>
-                <a:latin typeface="Courier New" panose="02070309020205020404" pitchFamily="49" charset="0"/>
-                <a:cs typeface="Courier New" panose="02070309020205020404" pitchFamily="49" charset="0"/>
-              </a:rPr>
-              <a:t>END</a:t>
-            </a:r>
-            <a:endParaRPr lang="en-US" sz="1100" b="1" dirty="0">
-              <a:latin typeface="Courier New" panose="02070309020205020404" pitchFamily="49" charset="0"/>
-              <a:ea typeface="ＭＳ Ｐゴシック" panose="020B0600070205080204" pitchFamily="34" charset="-128"/>
-              <a:cs typeface="Courier New" panose="02070309020205020404" pitchFamily="49" charset="0"/>
-            </a:endParaRPr>
+                <a:latin typeface="Calibri" panose="020F0502020204030204" pitchFamily="34" charset="0"/>
+              </a:rPr>
+              <a:t>End;  </a:t>
+            </a:r>
           </a:p>
         </p:txBody>
       </p:sp>
     </p:spTree>
     <p:extLst>
       <p:ext uri="{BB962C8B-B14F-4D97-AF65-F5344CB8AC3E}">
-        <p14:creationId xmlns:p14="http://schemas.microsoft.com/office/powerpoint/2010/main" val="2113550245"/>
+        <p14:creationId xmlns:p14="http://schemas.microsoft.com/office/powerpoint/2010/main" val="3335676648"/>
       </p:ext>
     </p:extLst>
   </p:cSld>
@@ -9703,7 +10150,7 @@
           <p:nvPr/>
         </p:nvPicPr>
         <p:blipFill>
-          <a:blip r:embed="rId3">
+          <a:blip r:embed="rId2">
             <a:extLst>
               <a:ext uri="{28A0092B-C50C-407E-A947-70E740481C1C}">
                 <a14:useLocalDpi xmlns:a14="http://schemas.microsoft.com/office/drawing/2010/main" val="0"/>
@@ -9790,7 +10237,7 @@
           <p:cNvPr id="2" name="TextBox 1">
             <a:extLst>
               <a:ext uri="{FF2B5EF4-FFF2-40B4-BE49-F238E27FC236}">
-                <a16:creationId xmlns:a16="http://schemas.microsoft.com/office/drawing/2014/main" id="{18FF7990-5800-19BB-3EAE-177C15815815}"/>
+                <a16:creationId xmlns:a16="http://schemas.microsoft.com/office/drawing/2014/main" id="{77116030-4A77-1723-E7DB-29AD2D500873}"/>
               </a:ext>
             </a:extLst>
           </p:cNvPr>
@@ -9799,8 +10246,8 @@
         </p:nvSpPr>
         <p:spPr>
           <a:xfrm>
-            <a:off x="1521074" y="1860286"/>
-            <a:ext cx="7525734" cy="369332"/>
+            <a:off x="555494" y="2026250"/>
+            <a:ext cx="7525734" cy="923330"/>
           </a:xfrm>
           <a:prstGeom prst="rect">
             <a:avLst/>
@@ -9821,8 +10268,30 @@
               <a:rPr lang="en-US" altLang="en-US" dirty="0">
                 <a:latin typeface="Calibri  "/>
               </a:rPr>
-              <a:t>Utilize Service Program Object  (*SRVPGM &amp; PGM )</a:t>
-            </a:r>
+              <a:t>Minimize calls to other Stored procedures</a:t>
+            </a:r>
+          </a:p>
+          <a:p>
+            <a:pPr marL="285750" indent="-285750">
+              <a:buFont typeface="Wingdings" panose="05000000000000000000" pitchFamily="2" charset="2"/>
+              <a:buChar char="Ø"/>
+            </a:pPr>
+            <a:endParaRPr lang="en-US" altLang="en-US" dirty="0">
+              <a:latin typeface="Calibri  "/>
+            </a:endParaRPr>
+          </a:p>
+          <a:p>
+            <a:pPr marL="285750" indent="-285750">
+              <a:buFont typeface="Wingdings" panose="05000000000000000000" pitchFamily="2" charset="2"/>
+              <a:buChar char="Ø"/>
+            </a:pPr>
+            <a:r>
+              <a:rPr lang="en-US" dirty="0"/>
+              <a:t>Combine sequences of complex SET statements into one statement</a:t>
+            </a:r>
+            <a:endParaRPr lang="en-US" altLang="en-US" dirty="0">
+              <a:latin typeface="Calibri  "/>
+            </a:endParaRPr>
           </a:p>
         </p:txBody>
       </p:sp>
@@ -9831,7 +10300,7 @@
           <p:cNvPr id="3" name="TextBox 2">
             <a:extLst>
               <a:ext uri="{FF2B5EF4-FFF2-40B4-BE49-F238E27FC236}">
-                <a16:creationId xmlns:a16="http://schemas.microsoft.com/office/drawing/2014/main" id="{B05116B5-AF15-6288-4A86-C0DC2A5D7FD8}"/>
+                <a16:creationId xmlns:a16="http://schemas.microsoft.com/office/drawing/2014/main" id="{5CD8FF66-E781-64EE-7A4C-684C55084D0D}"/>
               </a:ext>
             </a:extLst>
           </p:cNvPr>
@@ -9840,8 +10309,8 @@
         </p:nvSpPr>
         <p:spPr>
           <a:xfrm>
-            <a:off x="1061461" y="2251041"/>
-            <a:ext cx="3749342" cy="3754874"/>
+            <a:off x="646155" y="3159269"/>
+            <a:ext cx="4521618" cy="2377574"/>
           </a:xfrm>
           <a:prstGeom prst="rect">
             <a:avLst/>
@@ -9867,257 +10336,168 @@
               </a:lnSpc>
             </a:pPr>
             <a:r>
-              <a:rPr lang="en-US" sz="2000" b="1" dirty="0">
-                <a:latin typeface="Calibri  "/>
-                <a:ea typeface="ＭＳ Ｐゴシック" panose="020B0600070205080204" pitchFamily="34" charset="-128"/>
-              </a:rPr>
-              <a:t>*SRVPGM</a:t>
-            </a:r>
-          </a:p>
-          <a:p>
-            <a:pPr marL="0" marR="0">
+              <a:rPr lang="en-US" b="1" dirty="0"/>
+              <a:t>Multiple Statement</a:t>
+            </a:r>
+          </a:p>
+          <a:p>
+            <a:pPr algn="l">
+              <a:lnSpc>
+                <a:spcPct val="150000"/>
+              </a:lnSpc>
+            </a:pPr>
+            <a:r>
+              <a:rPr lang="en-US" sz="1200" b="1" dirty="0">
+                <a:latin typeface="Courier New" panose="02070309020205020404" pitchFamily="49" charset="0"/>
+                <a:cs typeface="Courier New" panose="02070309020205020404" pitchFamily="49" charset="0"/>
+              </a:rPr>
+              <a:t>Example 1:</a:t>
+            </a:r>
+          </a:p>
+          <a:p>
+            <a:pPr algn="l"/>
+            <a:r>
+              <a:rPr lang="en-US" sz="1200" dirty="0">
+                <a:latin typeface="Courier New" panose="02070309020205020404" pitchFamily="49" charset="0"/>
+                <a:cs typeface="Courier New" panose="02070309020205020404" pitchFamily="49" charset="0"/>
+              </a:rPr>
+              <a:t>SET var1 = 'A ‘; </a:t>
+            </a:r>
+          </a:p>
+          <a:p>
+            <a:pPr algn="l"/>
+            <a:r>
+              <a:rPr lang="en-US" sz="1200" dirty="0">
+                <a:latin typeface="Courier New" panose="02070309020205020404" pitchFamily="49" charset="0"/>
+                <a:cs typeface="Courier New" panose="02070309020205020404" pitchFamily="49" charset="0"/>
+              </a:rPr>
+              <a:t>SET var2 = 'B ‘; </a:t>
+            </a:r>
+          </a:p>
+          <a:p>
+            <a:pPr algn="l"/>
+            <a:r>
+              <a:rPr lang="en-US" sz="1200" dirty="0">
+                <a:latin typeface="Courier New" panose="02070309020205020404" pitchFamily="49" charset="0"/>
+                <a:cs typeface="Courier New" panose="02070309020205020404" pitchFamily="49" charset="0"/>
+              </a:rPr>
+              <a:t>SET var3 = TRIM(var1) || TRIM(var2);</a:t>
+            </a:r>
+          </a:p>
+          <a:p>
+            <a:pPr marL="0" marR="0" lvl="0" indent="0" algn="l" defTabSz="914400" rtl="0" eaLnBrk="1" fontAlgn="auto" latinLnBrk="0" hangingPunct="1">
+              <a:lnSpc>
+                <a:spcPct val="150000"/>
+              </a:lnSpc>
               <a:spcBef>
                 <a:spcPts val="0"/>
               </a:spcBef>
               <a:spcAft>
                 <a:spcPts val="0"/>
               </a:spcAft>
+              <a:buClrTx/>
+              <a:buSzTx/>
+              <a:buFontTx/>
+              <a:buNone/>
+              <a:tabLst/>
+              <a:defRPr/>
             </a:pPr>
             <a:r>
-              <a:rPr lang="en-US" sz="1600" dirty="0">
+              <a:rPr kumimoji="0" lang="en-US" sz="1200" b="1" i="0" u="none" strike="noStrike" kern="1200" cap="none" spc="0" normalizeH="0" baseline="0" noProof="0" dirty="0">
+                <a:ln>
+                  <a:noFill/>
+                </a:ln>
+                <a:solidFill>
+                  <a:prstClr val="black"/>
+                </a:solidFill>
                 <a:effectLst/>
-                <a:latin typeface="Calibri" panose="020F0502020204030204" pitchFamily="34" charset="0"/>
-              </a:rPr>
-              <a:t>Create Procedure </a:t>
-            </a:r>
-            <a:r>
-              <a:rPr lang="en-US" sz="1600" dirty="0" err="1">
+                <a:uLnTx/>
+                <a:uFillTx/>
+                <a:latin typeface="Courier New" panose="02070309020205020404" pitchFamily="49" charset="0"/>
+                <a:ea typeface="+mn-ea"/>
+                <a:cs typeface="Courier New" panose="02070309020205020404" pitchFamily="49" charset="0"/>
+              </a:rPr>
+              <a:t>Example 2:</a:t>
+            </a:r>
+          </a:p>
+          <a:p>
+            <a:pPr algn="l"/>
+            <a:r>
+              <a:rPr lang="en-US" sz="1100" b="0" i="0" dirty="0">
                 <a:effectLst/>
-                <a:latin typeface="Calibri" panose="020F0502020204030204" pitchFamily="34" charset="0"/>
-              </a:rPr>
-              <a:t>Add_SrvPgm</a:t>
-            </a:r>
-            <a:r>
-              <a:rPr lang="en-US" sz="1600" dirty="0">
+                <a:latin typeface="Courier New" panose="02070309020205020404" pitchFamily="49" charset="0"/>
+                <a:cs typeface="Courier New" panose="02070309020205020404" pitchFamily="49" charset="0"/>
+              </a:rPr>
+              <a:t>INSERT INTO </a:t>
+            </a:r>
+            <a:r>
+              <a:rPr lang="en-US" sz="1100" b="0" i="0" dirty="0" err="1">
                 <a:effectLst/>
-                <a:latin typeface="Calibri" panose="020F0502020204030204" pitchFamily="34" charset="0"/>
-              </a:rPr>
-              <a:t>                                                        </a:t>
-            </a:r>
-          </a:p>
-          <a:p>
-            <a:pPr marL="0" marR="0">
-              <a:spcBef>
-                <a:spcPts val="0"/>
-              </a:spcBef>
-              <a:spcAft>
-                <a:spcPts val="0"/>
-              </a:spcAft>
+                <a:latin typeface="Courier New" panose="02070309020205020404" pitchFamily="49" charset="0"/>
+                <a:cs typeface="Courier New" panose="02070309020205020404" pitchFamily="49" charset="0"/>
+              </a:rPr>
+              <a:t>tab_comp</a:t>
+            </a:r>
+            <a:r>
+              <a:rPr lang="en-US" sz="1100" b="0" i="0" dirty="0">
+                <a:effectLst/>
+                <a:latin typeface="Courier New" panose="02070309020205020404" pitchFamily="49" charset="0"/>
+                <a:cs typeface="Courier New" panose="02070309020205020404" pitchFamily="49" charset="0"/>
+              </a:rPr>
+              <a:t> VALUES (item1, price1, qty1); INSERT INTO </a:t>
+            </a:r>
+            <a:r>
+              <a:rPr lang="en-US" sz="1100" b="0" i="0" dirty="0" err="1">
+                <a:effectLst/>
+                <a:latin typeface="Courier New" panose="02070309020205020404" pitchFamily="49" charset="0"/>
+                <a:cs typeface="Courier New" panose="02070309020205020404" pitchFamily="49" charset="0"/>
+              </a:rPr>
+              <a:t>tab_comp</a:t>
+            </a:r>
+            <a:r>
+              <a:rPr lang="en-US" sz="1100" b="0" i="0" dirty="0">
+                <a:effectLst/>
+                <a:latin typeface="Courier New" panose="02070309020205020404" pitchFamily="49" charset="0"/>
+                <a:cs typeface="Courier New" panose="02070309020205020404" pitchFamily="49" charset="0"/>
+              </a:rPr>
+              <a:t> VALUES (item2, price2, qty2); INSERT INTO </a:t>
+            </a:r>
+            <a:r>
+              <a:rPr lang="en-US" sz="1100" b="0" i="0" dirty="0" err="1">
+                <a:effectLst/>
+                <a:latin typeface="Courier New" panose="02070309020205020404" pitchFamily="49" charset="0"/>
+                <a:cs typeface="Courier New" panose="02070309020205020404" pitchFamily="49" charset="0"/>
+              </a:rPr>
+              <a:t>tab_comp</a:t>
+            </a:r>
+            <a:r>
+              <a:rPr lang="en-US" sz="1100" b="0" i="0" dirty="0">
+                <a:effectLst/>
+                <a:latin typeface="Courier New" panose="02070309020205020404" pitchFamily="49" charset="0"/>
+                <a:cs typeface="Courier New" panose="02070309020205020404" pitchFamily="49" charset="0"/>
+              </a:rPr>
+              <a:t> VALUES (item3, price3, qty3);</a:t>
+            </a:r>
+            <a:endParaRPr lang="en-US" sz="1100" dirty="0">
+              <a:latin typeface="Courier New" panose="02070309020205020404" pitchFamily="49" charset="0"/>
+              <a:ea typeface="ＭＳ Ｐゴシック" panose="020B0600070205080204" pitchFamily="34" charset="-128"/>
+              <a:cs typeface="Courier New" panose="02070309020205020404" pitchFamily="49" charset="0"/>
+            </a:endParaRPr>
+          </a:p>
+          <a:p>
+            <a:pPr algn="l">
+              <a:lnSpc>
+                <a:spcPct val="150000"/>
+              </a:lnSpc>
             </a:pPr>
-            <a:r>
-              <a:rPr lang="en-US" sz="1600" dirty="0">
-                <a:effectLst/>
-                <a:latin typeface="Calibri" panose="020F0502020204030204" pitchFamily="34" charset="0"/>
-              </a:rPr>
-              <a:t>    (  IN p1 INT,                                                                  </a:t>
-            </a:r>
-          </a:p>
-          <a:p>
-            <a:pPr marL="0" marR="0">
-              <a:spcBef>
-                <a:spcPts val="0"/>
-              </a:spcBef>
-              <a:spcAft>
-                <a:spcPts val="0"/>
-              </a:spcAft>
-            </a:pPr>
-            <a:r>
-              <a:rPr lang="en-US" sz="1600" dirty="0">
-                <a:effectLst/>
-                <a:latin typeface="Calibri" panose="020F0502020204030204" pitchFamily="34" charset="0"/>
-              </a:rPr>
-              <a:t>       IN n INT,                                                                   </a:t>
-            </a:r>
-          </a:p>
-          <a:p>
-            <a:pPr marL="0" marR="0">
-              <a:spcBef>
-                <a:spcPts val="0"/>
-              </a:spcBef>
-              <a:spcAft>
-                <a:spcPts val="0"/>
-              </a:spcAft>
-            </a:pPr>
-            <a:r>
-              <a:rPr lang="en-US" sz="1600" dirty="0">
-                <a:effectLst/>
-                <a:latin typeface="Calibri" panose="020F0502020204030204" pitchFamily="34" charset="0"/>
-              </a:rPr>
-              <a:t>       OUT o1 INT                                                                  </a:t>
-            </a:r>
-          </a:p>
-          <a:p>
-            <a:pPr marL="0" marR="0">
-              <a:spcBef>
-                <a:spcPts val="0"/>
-              </a:spcBef>
-              <a:spcAft>
-                <a:spcPts val="0"/>
-              </a:spcAft>
-            </a:pPr>
-            <a:r>
-              <a:rPr lang="en-US" sz="1600" dirty="0">
-                <a:effectLst/>
-                <a:latin typeface="Calibri" panose="020F0502020204030204" pitchFamily="34" charset="0"/>
-              </a:rPr>
-              <a:t>    )                                                                              </a:t>
-            </a:r>
-          </a:p>
-          <a:p>
-            <a:pPr marL="0" marR="0">
-              <a:spcBef>
-                <a:spcPts val="0"/>
-              </a:spcBef>
-              <a:spcAft>
-                <a:spcPts val="0"/>
-              </a:spcAft>
-            </a:pPr>
-            <a:r>
-              <a:rPr lang="en-US" sz="1600" dirty="0">
-                <a:effectLst/>
-                <a:latin typeface="Calibri" panose="020F0502020204030204" pitchFamily="34" charset="0"/>
-              </a:rPr>
-              <a:t>Language SQL                                                                       </a:t>
-            </a:r>
-          </a:p>
-          <a:p>
-            <a:pPr marL="0" marR="0">
-              <a:spcBef>
-                <a:spcPts val="0"/>
-              </a:spcBef>
-              <a:spcAft>
-                <a:spcPts val="0"/>
-              </a:spcAft>
-            </a:pPr>
-            <a:r>
-              <a:rPr lang="en-US" sz="1600" dirty="0">
-                <a:effectLst/>
-                <a:highlight>
-                  <a:srgbClr val="FFFF00"/>
-                </a:highlight>
-                <a:latin typeface="Calibri" panose="020F0502020204030204" pitchFamily="34" charset="0"/>
-              </a:rPr>
-              <a:t>Program Type SUB</a:t>
-            </a:r>
-            <a:r>
-              <a:rPr lang="en-US" sz="1600" dirty="0">
-                <a:effectLst/>
-                <a:latin typeface="Calibri" panose="020F0502020204030204" pitchFamily="34" charset="0"/>
-              </a:rPr>
-              <a:t>                                                                   </a:t>
-            </a:r>
-          </a:p>
-          <a:p>
-            <a:pPr marL="0" marR="0">
-              <a:spcBef>
-                <a:spcPts val="0"/>
-              </a:spcBef>
-              <a:spcAft>
-                <a:spcPts val="0"/>
-              </a:spcAft>
-            </a:pPr>
-            <a:r>
-              <a:rPr lang="en-US" sz="1600" dirty="0">
-                <a:effectLst/>
-                <a:latin typeface="Calibri" panose="020F0502020204030204" pitchFamily="34" charset="0"/>
-              </a:rPr>
-              <a:t>                    </a:t>
-            </a:r>
-          </a:p>
-          <a:p>
-            <a:pPr marL="0" marR="0">
-              <a:spcBef>
-                <a:spcPts val="0"/>
-              </a:spcBef>
-              <a:spcAft>
-                <a:spcPts val="0"/>
-              </a:spcAft>
-            </a:pPr>
-            <a:r>
-              <a:rPr lang="en-US" sz="1600" dirty="0">
-                <a:effectLst/>
-                <a:latin typeface="Calibri" panose="020F0502020204030204" pitchFamily="34" charset="0"/>
-              </a:rPr>
-              <a:t>Begin              </a:t>
-            </a:r>
-          </a:p>
-          <a:p>
-            <a:pPr marL="0" marR="0">
-              <a:spcBef>
-                <a:spcPts val="0"/>
-              </a:spcBef>
-              <a:spcAft>
-                <a:spcPts val="0"/>
-              </a:spcAft>
-            </a:pPr>
-            <a:r>
-              <a:rPr lang="en-US" sz="1600" dirty="0">
-                <a:effectLst/>
-                <a:latin typeface="Calibri" panose="020F0502020204030204" pitchFamily="34" charset="0"/>
-              </a:rPr>
-              <a:t> Declare v1 INT;   </a:t>
-            </a:r>
-          </a:p>
-          <a:p>
-            <a:pPr marL="0" marR="0">
-              <a:spcBef>
-                <a:spcPts val="0"/>
-              </a:spcBef>
-              <a:spcAft>
-                <a:spcPts val="0"/>
-              </a:spcAft>
-            </a:pPr>
-            <a:r>
-              <a:rPr lang="en-US" sz="1600" dirty="0">
-                <a:effectLst/>
-                <a:latin typeface="Calibri" panose="020F0502020204030204" pitchFamily="34" charset="0"/>
-              </a:rPr>
-              <a:t> SET v1=ABSVAL(n); </a:t>
-            </a:r>
-          </a:p>
-          <a:p>
-            <a:pPr marL="0" marR="0">
-              <a:spcBef>
-                <a:spcPts val="0"/>
-              </a:spcBef>
-              <a:spcAft>
-                <a:spcPts val="0"/>
-              </a:spcAft>
-            </a:pPr>
-            <a:r>
-              <a:rPr lang="en-US" sz="1600" dirty="0">
-                <a:effectLst/>
-                <a:latin typeface="Calibri" panose="020F0502020204030204" pitchFamily="34" charset="0"/>
-              </a:rPr>
-              <a:t> SET o1= p1+v1;    </a:t>
-            </a:r>
-          </a:p>
-          <a:p>
-            <a:pPr marL="0" marR="0">
-              <a:spcBef>
-                <a:spcPts val="0"/>
-              </a:spcBef>
-              <a:spcAft>
-                <a:spcPts val="0"/>
-              </a:spcAft>
-            </a:pPr>
-            <a:r>
-              <a:rPr lang="en-US" sz="1600" dirty="0">
-                <a:effectLst/>
-                <a:latin typeface="Calibri" panose="020F0502020204030204" pitchFamily="34" charset="0"/>
-              </a:rPr>
-              <a:t>End;  </a:t>
-            </a:r>
+            <a:endParaRPr lang="en-US" sz="1200" dirty="0">
+              <a:solidFill>
+                <a:srgbClr val="3333CC"/>
+              </a:solidFill>
+              <a:latin typeface="Courier New" panose="02070309020205020404" pitchFamily="49" charset="0"/>
+              <a:ea typeface="ＭＳ Ｐゴシック" panose="020B0600070205080204" pitchFamily="34" charset="-128"/>
+              <a:cs typeface="Courier New" panose="02070309020205020404" pitchFamily="49" charset="0"/>
+            </a:endParaRPr>
           </a:p>
         </p:txBody>
       </p:sp>
@@ -10126,7 +10506,7 @@
           <p:cNvPr id="7" name="TextBox 6">
             <a:extLst>
               <a:ext uri="{FF2B5EF4-FFF2-40B4-BE49-F238E27FC236}">
-                <a16:creationId xmlns:a16="http://schemas.microsoft.com/office/drawing/2014/main" id="{221C4640-E646-622E-BDCF-4CD37851C7C0}"/>
+                <a16:creationId xmlns:a16="http://schemas.microsoft.com/office/drawing/2014/main" id="{3847EDC5-4049-7879-54D6-838B59659F5B}"/>
               </a:ext>
             </a:extLst>
           </p:cNvPr>
@@ -10135,8 +10515,8 @@
         </p:nvSpPr>
         <p:spPr>
           <a:xfrm>
-            <a:off x="5297466" y="2263979"/>
-            <a:ext cx="3749342" cy="3754874"/>
+            <a:off x="5447882" y="3205189"/>
+            <a:ext cx="6020679" cy="1815882"/>
           </a:xfrm>
           <a:prstGeom prst="rect">
             <a:avLst/>
@@ -10162,277 +10542,125 @@
               </a:lnSpc>
             </a:pPr>
             <a:r>
-              <a:rPr lang="en-US" sz="2000" b="1" dirty="0">
-                <a:latin typeface="Calibri  "/>
-                <a:ea typeface="ＭＳ Ｐゴシック" panose="020B0600070205080204" pitchFamily="34" charset="-128"/>
-              </a:rPr>
-              <a:t>*PGM</a:t>
-            </a:r>
-          </a:p>
-          <a:p>
-            <a:pPr marL="0" marR="0">
-              <a:spcBef>
-                <a:spcPts val="0"/>
-              </a:spcBef>
-              <a:spcAft>
-                <a:spcPts val="0"/>
-              </a:spcAft>
+              <a:rPr lang="en-US" b="1" dirty="0"/>
+              <a:t>Single Statement</a:t>
+            </a:r>
+          </a:p>
+          <a:p>
+            <a:pPr algn="l">
+              <a:lnSpc>
+                <a:spcPct val="150000"/>
+              </a:lnSpc>
             </a:pPr>
             <a:r>
-              <a:rPr lang="en-US" sz="1600" dirty="0">
+              <a:rPr lang="en-US" sz="1200" b="1" dirty="0">
+                <a:latin typeface="Courier New" panose="02070309020205020404" pitchFamily="49" charset="0"/>
+                <a:cs typeface="Courier New" panose="02070309020205020404" pitchFamily="49" charset="0"/>
+              </a:rPr>
+              <a:t>Example 1:</a:t>
+            </a:r>
+          </a:p>
+          <a:p>
+            <a:pPr algn="l"/>
+            <a:r>
+              <a:rPr lang="nn-NO" sz="1100" dirty="0">
+                <a:latin typeface="Courier New" panose="02070309020205020404" pitchFamily="49" charset="0"/>
+                <a:cs typeface="Courier New" panose="02070309020205020404" pitchFamily="49" charset="0"/>
+              </a:rPr>
+              <a:t>SET var1 = 'A ', var2 = trim(var1), var3 = TRIM(var1)||TRIM(var2);</a:t>
+            </a:r>
+          </a:p>
+          <a:p>
+            <a:pPr algn="l"/>
+            <a:endParaRPr lang="nn-NO" sz="1100" dirty="0">
+              <a:latin typeface="Courier New" panose="02070309020205020404" pitchFamily="49" charset="0"/>
+              <a:ea typeface="ＭＳ Ｐゴシック" panose="020B0600070205080204" pitchFamily="34" charset="-128"/>
+              <a:cs typeface="Courier New" panose="02070309020205020404" pitchFamily="49" charset="0"/>
+            </a:endParaRPr>
+          </a:p>
+          <a:p>
+            <a:r>
+              <a:rPr lang="nn-NO" sz="1200" b="1" dirty="0">
+                <a:latin typeface="Courier New" panose="02070309020205020404" pitchFamily="49" charset="0"/>
+                <a:cs typeface="Courier New" panose="02070309020205020404" pitchFamily="49" charset="0"/>
+              </a:rPr>
+              <a:t>Example 2:</a:t>
+            </a:r>
+          </a:p>
+          <a:p>
+            <a:pPr algn="l"/>
+            <a:r>
+              <a:rPr lang="en-US" sz="1100" b="0" i="0" dirty="0">
                 <a:effectLst/>
-                <a:latin typeface="Calibri" panose="020F0502020204030204" pitchFamily="34" charset="0"/>
-              </a:rPr>
-              <a:t>Create Procedure </a:t>
-            </a:r>
-            <a:r>
-              <a:rPr lang="en-US" sz="1600" dirty="0" err="1">
+                <a:latin typeface="Courier New" panose="02070309020205020404" pitchFamily="49" charset="0"/>
+                <a:cs typeface="Courier New" panose="02070309020205020404" pitchFamily="49" charset="0"/>
+              </a:rPr>
+              <a:t>INSERT INTO </a:t>
+            </a:r>
+            <a:r>
+              <a:rPr lang="en-US" sz="1100" b="0" i="0" dirty="0" err="1">
                 <a:effectLst/>
-                <a:latin typeface="Calibri" panose="020F0502020204030204" pitchFamily="34" charset="0"/>
-              </a:rPr>
-              <a:t>Add_</a:t>
-            </a:r>
-            <a:r>
-              <a:rPr lang="en-US" sz="1600" dirty="0" err="1">
-                <a:latin typeface="Calibri" panose="020F0502020204030204" pitchFamily="34" charset="0"/>
-              </a:rPr>
-              <a:t>Main</a:t>
-            </a:r>
-            <a:r>
-              <a:rPr lang="en-US" sz="1600" dirty="0" err="1">
+                <a:latin typeface="Courier New" panose="02070309020205020404" pitchFamily="49" charset="0"/>
+                <a:cs typeface="Courier New" panose="02070309020205020404" pitchFamily="49" charset="0"/>
+              </a:rPr>
+              <a:t>tab_comp</a:t>
+            </a:r>
+            <a:r>
+              <a:rPr lang="en-US" sz="1100" b="0" i="0" dirty="0">
                 <a:effectLst/>
-                <a:latin typeface="Calibri" panose="020F0502020204030204" pitchFamily="34" charset="0"/>
-              </a:rPr>
-              <a:t>Pgm</a:t>
-            </a:r>
-            <a:r>
-              <a:rPr lang="en-US" sz="1600" dirty="0">
+                <a:latin typeface="Courier New" panose="02070309020205020404" pitchFamily="49" charset="0"/>
+                <a:cs typeface="Courier New" panose="02070309020205020404" pitchFamily="49" charset="0"/>
+              </a:rPr>
+              <a:t> VALUES (item1, price1, qty1), </a:t>
+            </a:r>
+          </a:p>
+          <a:p>
+            <a:pPr algn="l"/>
+            <a:r>
+              <a:rPr lang="en-US" sz="1100" dirty="0">
+                <a:latin typeface="Courier New" panose="02070309020205020404" pitchFamily="49" charset="0"/>
+                <a:cs typeface="Courier New" panose="02070309020205020404" pitchFamily="49" charset="0"/>
+              </a:rPr>
+              <a:t>                            </a:t>
+            </a:r>
+            <a:r>
+              <a:rPr lang="en-US" sz="1100" b="0" i="0" dirty="0">
                 <a:effectLst/>
-                <a:latin typeface="Calibri" panose="020F0502020204030204" pitchFamily="34" charset="0"/>
-              </a:rPr>
-              <a:t>                                                        </a:t>
-            </a:r>
-          </a:p>
-          <a:p>
-            <a:pPr marL="0" marR="0">
-              <a:spcBef>
-                <a:spcPts val="0"/>
-              </a:spcBef>
-              <a:spcAft>
-                <a:spcPts val="0"/>
-              </a:spcAft>
-            </a:pPr>
-            <a:r>
-              <a:rPr lang="en-US" sz="1600" dirty="0">
+                <a:latin typeface="Courier New" panose="02070309020205020404" pitchFamily="49" charset="0"/>
+                <a:cs typeface="Courier New" panose="02070309020205020404" pitchFamily="49" charset="0"/>
+              </a:rPr>
+              <a:t>(item2, price2, qty2), </a:t>
+            </a:r>
+          </a:p>
+          <a:p>
+            <a:pPr algn="l"/>
+            <a:r>
+              <a:rPr lang="en-US" sz="1100" dirty="0">
+                <a:latin typeface="Courier New" panose="02070309020205020404" pitchFamily="49" charset="0"/>
+                <a:cs typeface="Courier New" panose="02070309020205020404" pitchFamily="49" charset="0"/>
+              </a:rPr>
+              <a:t>                            </a:t>
+            </a:r>
+            <a:r>
+              <a:rPr lang="en-US" sz="1100" b="0" i="0" dirty="0">
                 <a:effectLst/>
-                <a:latin typeface="Calibri" panose="020F0502020204030204" pitchFamily="34" charset="0"/>
-              </a:rPr>
-              <a:t>    (  IN p1 INT,                                                                  </a:t>
-            </a:r>
-          </a:p>
-          <a:p>
-            <a:pPr marL="0" marR="0">
-              <a:spcBef>
-                <a:spcPts val="0"/>
-              </a:spcBef>
-              <a:spcAft>
-                <a:spcPts val="0"/>
-              </a:spcAft>
-            </a:pPr>
-            <a:r>
-              <a:rPr lang="en-US" sz="1600" dirty="0">
-                <a:effectLst/>
-                <a:latin typeface="Calibri" panose="020F0502020204030204" pitchFamily="34" charset="0"/>
-              </a:rPr>
-              <a:t>       IN n INT,                                                                   </a:t>
-            </a:r>
-          </a:p>
-          <a:p>
-            <a:pPr marL="0" marR="0">
-              <a:spcBef>
-                <a:spcPts val="0"/>
-              </a:spcBef>
-              <a:spcAft>
-                <a:spcPts val="0"/>
-              </a:spcAft>
-            </a:pPr>
-            <a:r>
-              <a:rPr lang="en-US" sz="1600" dirty="0">
-                <a:effectLst/>
-                <a:latin typeface="Calibri" panose="020F0502020204030204" pitchFamily="34" charset="0"/>
-              </a:rPr>
-              <a:t>       OUT o1 INT                                                                  </a:t>
-            </a:r>
-          </a:p>
-          <a:p>
-            <a:pPr marL="0" marR="0">
-              <a:spcBef>
-                <a:spcPts val="0"/>
-              </a:spcBef>
-              <a:spcAft>
-                <a:spcPts val="0"/>
-              </a:spcAft>
-            </a:pPr>
-            <a:r>
-              <a:rPr lang="en-US" sz="1600" dirty="0">
-                <a:effectLst/>
-                <a:latin typeface="Calibri" panose="020F0502020204030204" pitchFamily="34" charset="0"/>
-              </a:rPr>
-              <a:t>    )                                                                              </a:t>
-            </a:r>
-          </a:p>
-          <a:p>
-            <a:pPr marL="0" marR="0">
-              <a:spcBef>
-                <a:spcPts val="0"/>
-              </a:spcBef>
-              <a:spcAft>
-                <a:spcPts val="0"/>
-              </a:spcAft>
-            </a:pPr>
-            <a:r>
-              <a:rPr lang="en-US" sz="1600" dirty="0">
-                <a:effectLst/>
-                <a:latin typeface="Calibri" panose="020F0502020204030204" pitchFamily="34" charset="0"/>
-              </a:rPr>
-              <a:t>Language SQL                                                                       </a:t>
-            </a:r>
-          </a:p>
-          <a:p>
-            <a:pPr marL="0" marR="0">
-              <a:spcBef>
-                <a:spcPts val="0"/>
-              </a:spcBef>
-              <a:spcAft>
-                <a:spcPts val="0"/>
-              </a:spcAft>
-            </a:pPr>
-            <a:r>
-              <a:rPr lang="en-US" sz="1600" dirty="0">
-                <a:effectLst/>
-                <a:highlight>
-                  <a:srgbClr val="FFFF00"/>
-                </a:highlight>
-                <a:latin typeface="Calibri" panose="020F0502020204030204" pitchFamily="34" charset="0"/>
-              </a:rPr>
-              <a:t>Program Type MAIN</a:t>
-            </a:r>
-            <a:r>
-              <a:rPr lang="en-US" sz="1600" dirty="0">
-                <a:effectLst/>
-                <a:latin typeface="Calibri" panose="020F0502020204030204" pitchFamily="34" charset="0"/>
-              </a:rPr>
-              <a:t>                                                                   </a:t>
-            </a:r>
-          </a:p>
-          <a:p>
-            <a:pPr marL="0" marR="0">
-              <a:spcBef>
-                <a:spcPts val="0"/>
-              </a:spcBef>
-              <a:spcAft>
-                <a:spcPts val="0"/>
-              </a:spcAft>
-            </a:pPr>
-            <a:r>
-              <a:rPr lang="en-US" sz="1600" dirty="0">
-                <a:effectLst/>
-                <a:latin typeface="Calibri" panose="020F0502020204030204" pitchFamily="34" charset="0"/>
-              </a:rPr>
-              <a:t>                    </a:t>
-            </a:r>
-          </a:p>
-          <a:p>
-            <a:pPr marL="0" marR="0">
-              <a:spcBef>
-                <a:spcPts val="0"/>
-              </a:spcBef>
-              <a:spcAft>
-                <a:spcPts val="0"/>
-              </a:spcAft>
-            </a:pPr>
-            <a:r>
-              <a:rPr lang="en-US" sz="1600" dirty="0">
-                <a:effectLst/>
-                <a:latin typeface="Calibri" panose="020F0502020204030204" pitchFamily="34" charset="0"/>
-              </a:rPr>
-              <a:t>Begin              </a:t>
-            </a:r>
-          </a:p>
-          <a:p>
-            <a:pPr marL="0" marR="0">
-              <a:spcBef>
-                <a:spcPts val="0"/>
-              </a:spcBef>
-              <a:spcAft>
-                <a:spcPts val="0"/>
-              </a:spcAft>
-            </a:pPr>
-            <a:r>
-              <a:rPr lang="en-US" sz="1600" dirty="0">
-                <a:effectLst/>
-                <a:latin typeface="Calibri" panose="020F0502020204030204" pitchFamily="34" charset="0"/>
-              </a:rPr>
-              <a:t> Declare v1 INT;   </a:t>
-            </a:r>
-          </a:p>
-          <a:p>
-            <a:pPr marL="0" marR="0">
-              <a:spcBef>
-                <a:spcPts val="0"/>
-              </a:spcBef>
-              <a:spcAft>
-                <a:spcPts val="0"/>
-              </a:spcAft>
-            </a:pPr>
-            <a:r>
-              <a:rPr lang="en-US" sz="1600" dirty="0">
-                <a:effectLst/>
-                <a:latin typeface="Calibri" panose="020F0502020204030204" pitchFamily="34" charset="0"/>
-              </a:rPr>
-              <a:t> SET v1=ABSVAL(n); </a:t>
-            </a:r>
-          </a:p>
-          <a:p>
-            <a:pPr marL="0" marR="0">
-              <a:spcBef>
-                <a:spcPts val="0"/>
-              </a:spcBef>
-              <a:spcAft>
-                <a:spcPts val="0"/>
-              </a:spcAft>
-            </a:pPr>
-            <a:r>
-              <a:rPr lang="en-US" sz="1600" dirty="0">
-                <a:effectLst/>
-                <a:latin typeface="Calibri" panose="020F0502020204030204" pitchFamily="34" charset="0"/>
-              </a:rPr>
-              <a:t> SET o1= p1+v1;    </a:t>
-            </a:r>
-          </a:p>
-          <a:p>
-            <a:pPr marL="0" marR="0">
-              <a:spcBef>
-                <a:spcPts val="0"/>
-              </a:spcBef>
-              <a:spcAft>
-                <a:spcPts val="0"/>
-              </a:spcAft>
-            </a:pPr>
-            <a:r>
-              <a:rPr lang="en-US" sz="1600" dirty="0">
-                <a:effectLst/>
-                <a:latin typeface="Calibri" panose="020F0502020204030204" pitchFamily="34" charset="0"/>
-              </a:rPr>
-              <a:t>End;  </a:t>
-            </a:r>
+                <a:latin typeface="Courier New" panose="02070309020205020404" pitchFamily="49" charset="0"/>
+                <a:cs typeface="Courier New" panose="02070309020205020404" pitchFamily="49" charset="0"/>
+              </a:rPr>
+              <a:t>(item3, price3, qty3);</a:t>
+            </a:r>
+            <a:endParaRPr lang="en-US" sz="1100" dirty="0">
+              <a:latin typeface="Courier New" panose="02070309020205020404" pitchFamily="49" charset="0"/>
+              <a:ea typeface="ＭＳ Ｐゴシック" panose="020B0600070205080204" pitchFamily="34" charset="-128"/>
+              <a:cs typeface="Courier New" panose="02070309020205020404" pitchFamily="49" charset="0"/>
+            </a:endParaRPr>
           </a:p>
         </p:txBody>
       </p:sp>
     </p:spTree>
     <p:extLst>
       <p:ext uri="{BB962C8B-B14F-4D97-AF65-F5344CB8AC3E}">
-        <p14:creationId xmlns:p14="http://schemas.microsoft.com/office/powerpoint/2010/main" val="3335676648"/>
+        <p14:creationId xmlns:p14="http://schemas.microsoft.com/office/powerpoint/2010/main" val="2031968315"/>
       </p:ext>
     </p:extLst>
   </p:cSld>
@@ -10480,7 +10708,7 @@
           <p:nvPr/>
         </p:nvPicPr>
         <p:blipFill>
-          <a:blip r:embed="rId2">
+          <a:blip r:embed="rId3">
             <a:extLst>
               <a:ext uri="{28A0092B-C50C-407E-A947-70E740481C1C}">
                 <a14:useLocalDpi xmlns:a14="http://schemas.microsoft.com/office/drawing/2010/main" val="0"/>
@@ -10567,7 +10795,7 @@
           <p:cNvPr id="2" name="TextBox 1">
             <a:extLst>
               <a:ext uri="{FF2B5EF4-FFF2-40B4-BE49-F238E27FC236}">
-                <a16:creationId xmlns:a16="http://schemas.microsoft.com/office/drawing/2014/main" id="{77116030-4A77-1723-E7DB-29AD2D500873}"/>
+                <a16:creationId xmlns:a16="http://schemas.microsoft.com/office/drawing/2014/main" id="{972A95CF-908C-F9DA-DA06-0C9561027F78}"/>
               </a:ext>
             </a:extLst>
           </p:cNvPr>
@@ -10576,8 +10804,8 @@
         </p:nvSpPr>
         <p:spPr>
           <a:xfrm>
-            <a:off x="555494" y="2026250"/>
-            <a:ext cx="7525734" cy="923330"/>
+            <a:off x="1051174" y="1934226"/>
+            <a:ext cx="7525734" cy="369332"/>
           </a:xfrm>
           <a:prstGeom prst="rect">
             <a:avLst/>
@@ -10595,34 +10823,13 @@
               <a:buChar char="Ø"/>
             </a:pPr>
             <a:r>
-              <a:rPr lang="en-US" altLang="en-US" dirty="0">
-                <a:latin typeface="Calibri  "/>
-              </a:rPr>
-              <a:t>Minimize calls to other Stored procedures</a:t>
-            </a:r>
-          </a:p>
-          <a:p>
-            <a:pPr marL="285750" indent="-285750">
-              <a:buFont typeface="Wingdings" panose="05000000000000000000" pitchFamily="2" charset="2"/>
-              <a:buChar char="Ø"/>
-            </a:pPr>
+              <a:rPr lang="en-US" dirty="0"/>
+              <a:t>Avoid using temporary variables</a:t>
+            </a:r>
             <a:endParaRPr lang="en-US" altLang="en-US" dirty="0">
               <a:latin typeface="Calibri  "/>
             </a:endParaRPr>
           </a:p>
-          <a:p>
-            <a:pPr marL="285750" indent="-285750">
-              <a:buFont typeface="Wingdings" panose="05000000000000000000" pitchFamily="2" charset="2"/>
-              <a:buChar char="Ø"/>
-            </a:pPr>
-            <a:r>
-              <a:rPr lang="en-US" dirty="0"/>
-              <a:t>Combine sequences of complex SET statements into one statement</a:t>
-            </a:r>
-            <a:endParaRPr lang="en-US" altLang="en-US" dirty="0">
-              <a:latin typeface="Calibri  "/>
-            </a:endParaRPr>
-          </a:p>
         </p:txBody>
       </p:sp>
       <p:sp>
@@ -10630,7 +10837,7 @@
           <p:cNvPr id="3" name="TextBox 2">
             <a:extLst>
               <a:ext uri="{FF2B5EF4-FFF2-40B4-BE49-F238E27FC236}">
-                <a16:creationId xmlns:a16="http://schemas.microsoft.com/office/drawing/2014/main" id="{5CD8FF66-E781-64EE-7A4C-684C55084D0D}"/>
+                <a16:creationId xmlns:a16="http://schemas.microsoft.com/office/drawing/2014/main" id="{0E153FA0-C103-4102-C250-381FB85AF267}"/>
               </a:ext>
             </a:extLst>
           </p:cNvPr>
@@ -10639,8 +10846,8 @@
         </p:nvSpPr>
         <p:spPr>
           <a:xfrm>
-            <a:off x="646155" y="3159269"/>
-            <a:ext cx="4521618" cy="2377574"/>
+            <a:off x="595355" y="2547500"/>
+            <a:ext cx="3672206" cy="3254737"/>
           </a:xfrm>
           <a:prstGeom prst="rect">
             <a:avLst/>
@@ -10667,8 +10874,12 @@
             </a:pPr>
             <a:r>
               <a:rPr lang="en-US" b="1" dirty="0"/>
-              <a:t>Multiple Statement</a:t>
-            </a:r>
+              <a:t>With Temporary variables</a:t>
+            </a:r>
+            <a:endParaRPr lang="en-US" sz="1200" dirty="0">
+              <a:latin typeface="Courier New" panose="02070309020205020404" pitchFamily="49" charset="0"/>
+              <a:cs typeface="Courier New" panose="02070309020205020404" pitchFamily="49" charset="0"/>
+            </a:endParaRPr>
           </a:p>
           <a:p>
             <a:pPr algn="l">
@@ -10677,142 +10888,12 @@
               </a:lnSpc>
             </a:pPr>
             <a:r>
-              <a:rPr lang="en-US" sz="1200" b="1" dirty="0">
-                <a:latin typeface="Courier New" panose="02070309020205020404" pitchFamily="49" charset="0"/>
-                <a:cs typeface="Courier New" panose="02070309020205020404" pitchFamily="49" charset="0"/>
-              </a:rPr>
-              <a:t>Example 1:</a:t>
-            </a:r>
-          </a:p>
-          <a:p>
-            <a:pPr algn="l"/>
-            <a:r>
               <a:rPr lang="en-US" sz="1200" dirty="0">
                 <a:latin typeface="Courier New" panose="02070309020205020404" pitchFamily="49" charset="0"/>
                 <a:cs typeface="Courier New" panose="02070309020205020404" pitchFamily="49" charset="0"/>
               </a:rPr>
-              <a:t>SET var1 = 'A ‘; </a:t>
-            </a:r>
-          </a:p>
-          <a:p>
-            <a:pPr algn="l"/>
-            <a:r>
-              <a:rPr lang="en-US" sz="1200" dirty="0">
-                <a:latin typeface="Courier New" panose="02070309020205020404" pitchFamily="49" charset="0"/>
-                <a:cs typeface="Courier New" panose="02070309020205020404" pitchFamily="49" charset="0"/>
-              </a:rPr>
-              <a:t>SET var2 = 'B ‘; </a:t>
-            </a:r>
-          </a:p>
-          <a:p>
-            <a:pPr algn="l"/>
-            <a:r>
-              <a:rPr lang="en-US" sz="1200" dirty="0">
-                <a:latin typeface="Courier New" panose="02070309020205020404" pitchFamily="49" charset="0"/>
-                <a:cs typeface="Courier New" panose="02070309020205020404" pitchFamily="49" charset="0"/>
-              </a:rPr>
-              <a:t>SET var3 = TRIM(var1) || TRIM(var2);</a:t>
-            </a:r>
-          </a:p>
-          <a:p>
-            <a:pPr marL="0" marR="0" lvl="0" indent="0" algn="l" defTabSz="914400" rtl="0" eaLnBrk="1" fontAlgn="auto" latinLnBrk="0" hangingPunct="1">
-              <a:lnSpc>
-                <a:spcPct val="150000"/>
-              </a:lnSpc>
-              <a:spcBef>
-                <a:spcPts val="0"/>
-              </a:spcBef>
-              <a:spcAft>
-                <a:spcPts val="0"/>
-              </a:spcAft>
-              <a:buClrTx/>
-              <a:buSzTx/>
-              <a:buFontTx/>
-              <a:buNone/>
-              <a:tabLst/>
-              <a:defRPr/>
-            </a:pPr>
-            <a:r>
-              <a:rPr kumimoji="0" lang="en-US" sz="1200" b="1" i="0" u="none" strike="noStrike" kern="1200" cap="none" spc="0" normalizeH="0" baseline="0" noProof="0" dirty="0">
-                <a:ln>
-                  <a:noFill/>
-                </a:ln>
-                <a:solidFill>
-                  <a:prstClr val="black"/>
-                </a:solidFill>
-                <a:effectLst/>
-                <a:uLnTx/>
-                <a:uFillTx/>
-                <a:latin typeface="Courier New" panose="02070309020205020404" pitchFamily="49" charset="0"/>
-                <a:ea typeface="+mn-ea"/>
-                <a:cs typeface="Courier New" panose="02070309020205020404" pitchFamily="49" charset="0"/>
-              </a:rPr>
-              <a:t>Example 2:</a:t>
-            </a:r>
-          </a:p>
-          <a:p>
-            <a:pPr algn="l"/>
-            <a:r>
-              <a:rPr lang="en-US" sz="1100" b="0" i="0" dirty="0">
-                <a:effectLst/>
-                <a:latin typeface="Courier New" panose="02070309020205020404" pitchFamily="49" charset="0"/>
-                <a:cs typeface="Courier New" panose="02070309020205020404" pitchFamily="49" charset="0"/>
-              </a:rPr>
-              <a:t>INSERT INTO </a:t>
-            </a:r>
-            <a:r>
-              <a:rPr lang="en-US" sz="1100" b="0" i="0" dirty="0" err="1">
-                <a:effectLst/>
-                <a:latin typeface="Courier New" panose="02070309020205020404" pitchFamily="49" charset="0"/>
-                <a:cs typeface="Courier New" panose="02070309020205020404" pitchFamily="49" charset="0"/>
-              </a:rPr>
-              <a:t>tab_comp</a:t>
-            </a:r>
-            <a:r>
-              <a:rPr lang="en-US" sz="1100" b="0" i="0" dirty="0">
-                <a:effectLst/>
-                <a:latin typeface="Courier New" panose="02070309020205020404" pitchFamily="49" charset="0"/>
-                <a:cs typeface="Courier New" panose="02070309020205020404" pitchFamily="49" charset="0"/>
-              </a:rPr>
-              <a:t> VALUES (item1, price1, qty1); INSERT INTO </a:t>
-            </a:r>
-            <a:r>
-              <a:rPr lang="en-US" sz="1100" b="0" i="0" dirty="0" err="1">
-                <a:effectLst/>
-                <a:latin typeface="Courier New" panose="02070309020205020404" pitchFamily="49" charset="0"/>
-                <a:cs typeface="Courier New" panose="02070309020205020404" pitchFamily="49" charset="0"/>
-              </a:rPr>
-              <a:t>tab_comp</a:t>
-            </a:r>
-            <a:r>
-              <a:rPr lang="en-US" sz="1100" b="0" i="0" dirty="0">
-                <a:effectLst/>
-                <a:latin typeface="Courier New" panose="02070309020205020404" pitchFamily="49" charset="0"/>
-                <a:cs typeface="Courier New" panose="02070309020205020404" pitchFamily="49" charset="0"/>
-              </a:rPr>
-              <a:t> VALUES (item2, price2, qty2); INSERT INTO </a:t>
-            </a:r>
-            <a:r>
-              <a:rPr lang="en-US" sz="1100" b="0" i="0" dirty="0" err="1">
-                <a:effectLst/>
-                <a:latin typeface="Courier New" panose="02070309020205020404" pitchFamily="49" charset="0"/>
-                <a:cs typeface="Courier New" panose="02070309020205020404" pitchFamily="49" charset="0"/>
-              </a:rPr>
-              <a:t>tab_comp</a:t>
-            </a:r>
-            <a:r>
-              <a:rPr lang="en-US" sz="1100" b="0" i="0" dirty="0">
-                <a:effectLst/>
-                <a:latin typeface="Courier New" panose="02070309020205020404" pitchFamily="49" charset="0"/>
-                <a:cs typeface="Courier New" panose="02070309020205020404" pitchFamily="49" charset="0"/>
-              </a:rPr>
-              <a:t> VALUES (item3, price3, qty3);</a:t>
-            </a:r>
-            <a:endParaRPr lang="en-US" sz="1100" dirty="0">
-              <a:latin typeface="Courier New" panose="02070309020205020404" pitchFamily="49" charset="0"/>
-              <a:ea typeface="ＭＳ Ｐゴシック" panose="020B0600070205080204" pitchFamily="34" charset="-128"/>
-              <a:cs typeface="Courier New" panose="02070309020205020404" pitchFamily="49" charset="0"/>
-            </a:endParaRPr>
+              <a:t>SET counter = 0; </a:t>
+            </a:r>
           </a:p>
           <a:p>
             <a:pPr algn="l">
@@ -10820,6 +10901,146 @@
                 <a:spcPct val="150000"/>
               </a:lnSpc>
             </a:pPr>
+            <a:r>
+              <a:rPr lang="en-US" sz="1200" dirty="0" err="1">
+                <a:latin typeface="Courier New" panose="02070309020205020404" pitchFamily="49" charset="0"/>
+                <a:cs typeface="Courier New" panose="02070309020205020404" pitchFamily="49" charset="0"/>
+              </a:rPr>
+              <a:t>xLoop</a:t>
+            </a:r>
+            <a:r>
+              <a:rPr lang="en-US" sz="1200" dirty="0">
+                <a:latin typeface="Courier New" panose="02070309020205020404" pitchFamily="49" charset="0"/>
+                <a:cs typeface="Courier New" panose="02070309020205020404" pitchFamily="49" charset="0"/>
+              </a:rPr>
+              <a:t>: </a:t>
+            </a:r>
+          </a:p>
+          <a:p>
+            <a:pPr algn="l">
+              <a:lnSpc>
+                <a:spcPct val="150000"/>
+              </a:lnSpc>
+            </a:pPr>
+            <a:r>
+              <a:rPr lang="en-US" sz="1200" dirty="0">
+                <a:latin typeface="Courier New" panose="02070309020205020404" pitchFamily="49" charset="0"/>
+                <a:cs typeface="Courier New" panose="02070309020205020404" pitchFamily="49" charset="0"/>
+              </a:rPr>
+              <a:t>REPEAT </a:t>
+            </a:r>
+          </a:p>
+          <a:p>
+            <a:pPr algn="l">
+              <a:lnSpc>
+                <a:spcPct val="150000"/>
+              </a:lnSpc>
+            </a:pPr>
+            <a:r>
+              <a:rPr lang="en-US" sz="1200" dirty="0">
+                <a:latin typeface="Courier New" panose="02070309020205020404" pitchFamily="49" charset="0"/>
+                <a:cs typeface="Courier New" panose="02070309020205020404" pitchFamily="49" charset="0"/>
+              </a:rPr>
+              <a:t>  SET counter = counter + 1; </a:t>
+            </a:r>
+          </a:p>
+          <a:p>
+            <a:pPr algn="l">
+              <a:lnSpc>
+                <a:spcPct val="150000"/>
+              </a:lnSpc>
+            </a:pPr>
+            <a:r>
+              <a:rPr lang="en-US" sz="1200" dirty="0">
+                <a:latin typeface="Courier New" panose="02070309020205020404" pitchFamily="49" charset="0"/>
+                <a:cs typeface="Courier New" panose="02070309020205020404" pitchFamily="49" charset="0"/>
+              </a:rPr>
+              <a:t>  SET var1 = counter; </a:t>
+            </a:r>
+          </a:p>
+          <a:p>
+            <a:pPr algn="l">
+              <a:lnSpc>
+                <a:spcPct val="150000"/>
+              </a:lnSpc>
+            </a:pPr>
+            <a:r>
+              <a:rPr lang="en-US" sz="1200" dirty="0">
+                <a:latin typeface="Courier New" panose="02070309020205020404" pitchFamily="49" charset="0"/>
+                <a:cs typeface="Courier New" panose="02070309020205020404" pitchFamily="49" charset="0"/>
+              </a:rPr>
+              <a:t>  SET var2= counter * 7; </a:t>
+            </a:r>
+          </a:p>
+          <a:p>
+            <a:pPr algn="l">
+              <a:lnSpc>
+                <a:spcPct val="150000"/>
+              </a:lnSpc>
+            </a:pPr>
+            <a:r>
+              <a:rPr lang="en-US" sz="1200" dirty="0">
+                <a:latin typeface="Courier New" panose="02070309020205020404" pitchFamily="49" charset="0"/>
+                <a:cs typeface="Courier New" panose="02070309020205020404" pitchFamily="49" charset="0"/>
+              </a:rPr>
+              <a:t>  SET var3 = counter * 30; </a:t>
+            </a:r>
+          </a:p>
+          <a:p>
+            <a:pPr algn="l">
+              <a:lnSpc>
+                <a:spcPct val="150000"/>
+              </a:lnSpc>
+            </a:pPr>
+            <a:r>
+              <a:rPr lang="en-US" sz="1200" dirty="0">
+                <a:latin typeface="Courier New" panose="02070309020205020404" pitchFamily="49" charset="0"/>
+                <a:cs typeface="Courier New" panose="02070309020205020404" pitchFamily="49" charset="0"/>
+              </a:rPr>
+              <a:t>  SET var4 = var1 + var2 + var3; </a:t>
+            </a:r>
+          </a:p>
+          <a:p>
+            <a:pPr algn="l">
+              <a:lnSpc>
+                <a:spcPct val="150000"/>
+              </a:lnSpc>
+            </a:pPr>
+            <a:r>
+              <a:rPr lang="en-US" sz="1200" dirty="0">
+                <a:latin typeface="Courier New" panose="02070309020205020404" pitchFamily="49" charset="0"/>
+                <a:cs typeface="Courier New" panose="02070309020205020404" pitchFamily="49" charset="0"/>
+              </a:rPr>
+              <a:t>UNTIL counter = 1000 </a:t>
+            </a:r>
+          </a:p>
+          <a:p>
+            <a:pPr algn="l">
+              <a:lnSpc>
+                <a:spcPct val="150000"/>
+              </a:lnSpc>
+            </a:pPr>
+            <a:r>
+              <a:rPr lang="en-US" sz="1200" dirty="0">
+                <a:latin typeface="Courier New" panose="02070309020205020404" pitchFamily="49" charset="0"/>
+                <a:cs typeface="Courier New" panose="02070309020205020404" pitchFamily="49" charset="0"/>
+              </a:rPr>
+              <a:t>END REPEAT </a:t>
+            </a:r>
+            <a:r>
+              <a:rPr lang="en-US" sz="1200" dirty="0" err="1">
+                <a:latin typeface="Courier New" panose="02070309020205020404" pitchFamily="49" charset="0"/>
+                <a:cs typeface="Courier New" panose="02070309020205020404" pitchFamily="49" charset="0"/>
+              </a:rPr>
+              <a:t>xLoop</a:t>
+            </a:r>
+            <a:r>
+              <a:rPr lang="en-US" sz="1200" dirty="0">
+                <a:latin typeface="Courier New" panose="02070309020205020404" pitchFamily="49" charset="0"/>
+                <a:cs typeface="Courier New" panose="02070309020205020404" pitchFamily="49" charset="0"/>
+              </a:rPr>
+              <a:t>;</a:t>
+            </a:r>
             <a:endParaRPr lang="en-US" sz="1200" dirty="0">
               <a:solidFill>
                 <a:srgbClr val="3333CC"/>
@@ -10836,7 +11057,7 @@
           <p:cNvPr id="7" name="TextBox 6">
             <a:extLst>
               <a:ext uri="{FF2B5EF4-FFF2-40B4-BE49-F238E27FC236}">
-                <a16:creationId xmlns:a16="http://schemas.microsoft.com/office/drawing/2014/main" id="{3847EDC5-4049-7879-54D6-838B59659F5B}"/>
+                <a16:creationId xmlns:a16="http://schemas.microsoft.com/office/drawing/2014/main" id="{ABCB507D-5D4D-4EDB-78B2-77D55B41804F}"/>
               </a:ext>
             </a:extLst>
           </p:cNvPr>
@@ -10845,8 +11066,8 @@
         </p:nvSpPr>
         <p:spPr>
           <a:xfrm>
-            <a:off x="5447882" y="3205189"/>
-            <a:ext cx="6020679" cy="1815882"/>
+            <a:off x="4666611" y="2552180"/>
+            <a:ext cx="5326837" cy="2423740"/>
           </a:xfrm>
           <a:prstGeom prst="rect">
             <a:avLst/>
@@ -10873,7 +11094,7 @@
             </a:pPr>
             <a:r>
               <a:rPr lang="en-US" b="1" dirty="0"/>
-              <a:t>Single Statement</a:t>
+              <a:t>Without Temporary variables</a:t>
             </a:r>
           </a:p>
           <a:p>
@@ -10883,114 +11104,118 @@
               </a:lnSpc>
             </a:pPr>
             <a:r>
-              <a:rPr lang="en-US" sz="1200" b="1" dirty="0">
+              <a:rPr lang="en-US" sz="1200" dirty="0">
                 <a:latin typeface="Courier New" panose="02070309020205020404" pitchFamily="49" charset="0"/>
                 <a:cs typeface="Courier New" panose="02070309020205020404" pitchFamily="49" charset="0"/>
               </a:rPr>
-              <a:t>Example 1:</a:t>
-            </a:r>
-          </a:p>
-          <a:p>
-            <a:pPr algn="l"/>
-            <a:r>
-              <a:rPr lang="nn-NO" sz="1100" dirty="0">
+              <a:t>SET counter = 0; </a:t>
+            </a:r>
+          </a:p>
+          <a:p>
+            <a:pPr algn="l">
+              <a:lnSpc>
+                <a:spcPct val="150000"/>
+              </a:lnSpc>
+            </a:pPr>
+            <a:r>
+              <a:rPr lang="en-US" sz="1200" dirty="0" err="1">
                 <a:latin typeface="Courier New" panose="02070309020205020404" pitchFamily="49" charset="0"/>
                 <a:cs typeface="Courier New" panose="02070309020205020404" pitchFamily="49" charset="0"/>
               </a:rPr>
-              <a:t>SET var1 = 'A ', var2 = trim(var1), var3 = TRIM(var1)||TRIM(var2);</a:t>
-            </a:r>
-          </a:p>
-          <a:p>
-            <a:pPr algn="l"/>
-            <a:endParaRPr lang="nn-NO" sz="1100" dirty="0">
+              <a:t>xLoop</a:t>
+            </a:r>
+            <a:r>
+              <a:rPr lang="en-US" sz="1200" dirty="0">
+                <a:latin typeface="Courier New" panose="02070309020205020404" pitchFamily="49" charset="0"/>
+                <a:cs typeface="Courier New" panose="02070309020205020404" pitchFamily="49" charset="0"/>
+              </a:rPr>
+              <a:t>: </a:t>
+            </a:r>
+          </a:p>
+          <a:p>
+            <a:pPr algn="l">
+              <a:lnSpc>
+                <a:spcPct val="150000"/>
+              </a:lnSpc>
+            </a:pPr>
+            <a:r>
+              <a:rPr lang="en-US" sz="1200" dirty="0">
+                <a:latin typeface="Courier New" panose="02070309020205020404" pitchFamily="49" charset="0"/>
+                <a:cs typeface="Courier New" panose="02070309020205020404" pitchFamily="49" charset="0"/>
+              </a:rPr>
+              <a:t>REPEAT </a:t>
+            </a:r>
+          </a:p>
+          <a:p>
+            <a:pPr algn="l">
+              <a:lnSpc>
+                <a:spcPct val="150000"/>
+              </a:lnSpc>
+            </a:pPr>
+            <a:r>
+              <a:rPr lang="en-US" sz="1200" dirty="0">
+                <a:latin typeface="Courier New" panose="02070309020205020404" pitchFamily="49" charset="0"/>
+                <a:cs typeface="Courier New" panose="02070309020205020404" pitchFamily="49" charset="0"/>
+              </a:rPr>
+              <a:t>   SET counter = counter + 1; </a:t>
+            </a:r>
+          </a:p>
+          <a:p>
+            <a:pPr algn="l">
+              <a:lnSpc>
+                <a:spcPct val="150000"/>
+              </a:lnSpc>
+            </a:pPr>
+            <a:r>
+              <a:rPr lang="en-US" sz="1200" dirty="0">
+                <a:latin typeface="Courier New" panose="02070309020205020404" pitchFamily="49" charset="0"/>
+                <a:cs typeface="Courier New" panose="02070309020205020404" pitchFamily="49" charset="0"/>
+              </a:rPr>
+              <a:t>   SET var4 = counter + (counter * 7) + (counter*30); UNTIL counter = 1000 </a:t>
+            </a:r>
+          </a:p>
+          <a:p>
+            <a:pPr algn="l">
+              <a:lnSpc>
+                <a:spcPct val="150000"/>
+              </a:lnSpc>
+            </a:pPr>
+            <a:r>
+              <a:rPr lang="en-US" sz="1200" dirty="0">
+                <a:latin typeface="Courier New" panose="02070309020205020404" pitchFamily="49" charset="0"/>
+                <a:cs typeface="Courier New" panose="02070309020205020404" pitchFamily="49" charset="0"/>
+              </a:rPr>
+              <a:t>END REPEAT </a:t>
+            </a:r>
+            <a:r>
+              <a:rPr lang="en-US" sz="1200" dirty="0" err="1">
+                <a:latin typeface="Courier New" panose="02070309020205020404" pitchFamily="49" charset="0"/>
+                <a:cs typeface="Courier New" panose="02070309020205020404" pitchFamily="49" charset="0"/>
+              </a:rPr>
+              <a:t>xLoop</a:t>
+            </a:r>
+            <a:r>
+              <a:rPr lang="en-US" sz="1200" dirty="0">
+                <a:latin typeface="Courier New" panose="02070309020205020404" pitchFamily="49" charset="0"/>
+                <a:cs typeface="Courier New" panose="02070309020205020404" pitchFamily="49" charset="0"/>
+              </a:rPr>
+              <a:t>; </a:t>
+            </a:r>
+            <a:endParaRPr lang="en-US" sz="1200" dirty="0">
+              <a:solidFill>
+                <a:srgbClr val="3333CC"/>
+              </a:solidFill>
               <a:latin typeface="Courier New" panose="02070309020205020404" pitchFamily="49" charset="0"/>
               <a:ea typeface="ＭＳ Ｐゴシック" panose="020B0600070205080204" pitchFamily="34" charset="-128"/>
               <a:cs typeface="Courier New" panose="02070309020205020404" pitchFamily="49" charset="0"/>
             </a:endParaRPr>
           </a:p>
-          <a:p>
-            <a:r>
-              <a:rPr lang="nn-NO" sz="1200" b="1" dirty="0">
-                <a:latin typeface="Courier New" panose="02070309020205020404" pitchFamily="49" charset="0"/>
-                <a:cs typeface="Courier New" panose="02070309020205020404" pitchFamily="49" charset="0"/>
-              </a:rPr>
-              <a:t>Example 2:</a:t>
-            </a:r>
-          </a:p>
-          <a:p>
-            <a:pPr algn="l"/>
-            <a:r>
-              <a:rPr lang="en-US" sz="1100" b="0" i="0" dirty="0">
-                <a:effectLst/>
-                <a:latin typeface="Courier New" panose="02070309020205020404" pitchFamily="49" charset="0"/>
-                <a:cs typeface="Courier New" panose="02070309020205020404" pitchFamily="49" charset="0"/>
-              </a:rPr>
-              <a:t>INSERT INTO </a:t>
-            </a:r>
-            <a:r>
-              <a:rPr lang="en-US" sz="1100" b="0" i="0" dirty="0" err="1">
-                <a:effectLst/>
-                <a:latin typeface="Courier New" panose="02070309020205020404" pitchFamily="49" charset="0"/>
-                <a:cs typeface="Courier New" panose="02070309020205020404" pitchFamily="49" charset="0"/>
-              </a:rPr>
-              <a:t>tab_comp</a:t>
-            </a:r>
-            <a:r>
-              <a:rPr lang="en-US" sz="1100" b="0" i="0" dirty="0">
-                <a:effectLst/>
-                <a:latin typeface="Courier New" panose="02070309020205020404" pitchFamily="49" charset="0"/>
-                <a:cs typeface="Courier New" panose="02070309020205020404" pitchFamily="49" charset="0"/>
-              </a:rPr>
-              <a:t> VALUES (item1, price1, qty1), </a:t>
-            </a:r>
-          </a:p>
-          <a:p>
-            <a:pPr algn="l"/>
-            <a:r>
-              <a:rPr lang="en-US" sz="1100" dirty="0">
-                <a:latin typeface="Courier New" panose="02070309020205020404" pitchFamily="49" charset="0"/>
-                <a:cs typeface="Courier New" panose="02070309020205020404" pitchFamily="49" charset="0"/>
-              </a:rPr>
-              <a:t>                            </a:t>
-            </a:r>
-            <a:r>
-              <a:rPr lang="en-US" sz="1100" b="0" i="0" dirty="0">
-                <a:effectLst/>
-                <a:latin typeface="Courier New" panose="02070309020205020404" pitchFamily="49" charset="0"/>
-                <a:cs typeface="Courier New" panose="02070309020205020404" pitchFamily="49" charset="0"/>
-              </a:rPr>
-              <a:t>(item2, price2, qty2), </a:t>
-            </a:r>
-          </a:p>
-          <a:p>
-            <a:pPr algn="l"/>
-            <a:r>
-              <a:rPr lang="en-US" sz="1100" dirty="0">
-                <a:latin typeface="Courier New" panose="02070309020205020404" pitchFamily="49" charset="0"/>
-                <a:cs typeface="Courier New" panose="02070309020205020404" pitchFamily="49" charset="0"/>
-              </a:rPr>
-              <a:t>                            </a:t>
-            </a:r>
-            <a:r>
-              <a:rPr lang="en-US" sz="1100" b="0" i="0" dirty="0">
-                <a:effectLst/>
-                <a:latin typeface="Courier New" panose="02070309020205020404" pitchFamily="49" charset="0"/>
-                <a:cs typeface="Courier New" panose="02070309020205020404" pitchFamily="49" charset="0"/>
-              </a:rPr>
-              <a:t>(item3, price3, qty3);</a:t>
-            </a:r>
-            <a:endParaRPr lang="en-US" sz="1100" dirty="0">
-              <a:latin typeface="Courier New" panose="02070309020205020404" pitchFamily="49" charset="0"/>
-              <a:ea typeface="ＭＳ Ｐゴシック" panose="020B0600070205080204" pitchFamily="34" charset="-128"/>
-              <a:cs typeface="Courier New" panose="02070309020205020404" pitchFamily="49" charset="0"/>
-            </a:endParaRPr>
-          </a:p>
         </p:txBody>
       </p:sp>
     </p:spTree>
     <p:extLst>
       <p:ext uri="{BB962C8B-B14F-4D97-AF65-F5344CB8AC3E}">
-        <p14:creationId xmlns:p14="http://schemas.microsoft.com/office/powerpoint/2010/main" val="2031968315"/>
+        <p14:creationId xmlns:p14="http://schemas.microsoft.com/office/powerpoint/2010/main" val="1558626567"/>
       </p:ext>
     </p:extLst>
   </p:cSld>
@@ -11073,8 +11298,8 @@
         </p:nvSpPr>
         <p:spPr>
           <a:xfrm>
-            <a:off x="257806" y="767772"/>
-            <a:ext cx="6866431" cy="923330"/>
+            <a:off x="568574" y="746751"/>
+            <a:ext cx="4069256" cy="923330"/>
           </a:xfrm>
           <a:prstGeom prst="rect">
             <a:avLst/>
@@ -11102,7 +11327,7 @@
                   </a:outerShdw>
                 </a:effectLst>
               </a:rPr>
-              <a:t>Enhancing Performance</a:t>
+              <a:t>Best Practices</a:t>
             </a:r>
             <a:endParaRPr lang="en-US" sz="5400" b="0" cap="none" spc="0" dirty="0">
               <a:ln w="0"/>
@@ -11125,7 +11350,7 @@
           <p:cNvPr id="2" name="TextBox 1">
             <a:extLst>
               <a:ext uri="{FF2B5EF4-FFF2-40B4-BE49-F238E27FC236}">
-                <a16:creationId xmlns:a16="http://schemas.microsoft.com/office/drawing/2014/main" id="{972A95CF-908C-F9DA-DA06-0C9561027F78}"/>
+                <a16:creationId xmlns:a16="http://schemas.microsoft.com/office/drawing/2014/main" id="{24E39EFF-448F-11AB-EF19-CC9A53B61264}"/>
               </a:ext>
             </a:extLst>
           </p:cNvPr>
@@ -11134,8 +11359,8 @@
         </p:nvSpPr>
         <p:spPr>
           <a:xfrm>
-            <a:off x="1051174" y="1934226"/>
-            <a:ext cx="7525734" cy="369332"/>
+            <a:off x="568574" y="1822186"/>
+            <a:ext cx="7525734" cy="4247317"/>
           </a:xfrm>
           <a:prstGeom prst="rect">
             <a:avLst/>
@@ -11154,390 +11379,133 @@
             </a:pPr>
             <a:r>
               <a:rPr lang="en-US" dirty="0"/>
-              <a:t>Avoid using temporary variables</a:t>
-            </a:r>
+              <a:t>Use Integer data type instead of Character for simple flags</a:t>
+            </a:r>
+          </a:p>
+          <a:p>
             <a:endParaRPr lang="en-US" altLang="en-US" dirty="0">
               <a:latin typeface="Calibri  "/>
             </a:endParaRPr>
           </a:p>
-        </p:txBody>
-      </p:sp>
-      <p:sp>
-        <p:nvSpPr>
-          <p:cNvPr id="3" name="TextBox 2">
-            <a:extLst>
-              <a:ext uri="{FF2B5EF4-FFF2-40B4-BE49-F238E27FC236}">
-                <a16:creationId xmlns:a16="http://schemas.microsoft.com/office/drawing/2014/main" id="{0E153FA0-C103-4102-C250-381FB85AF267}"/>
-              </a:ext>
-            </a:extLst>
-          </p:cNvPr>
-          <p:cNvSpPr txBox="1"/>
-          <p:nvPr/>
-        </p:nvSpPr>
-        <p:spPr>
-          <a:xfrm>
-            <a:off x="595355" y="2547500"/>
-            <a:ext cx="3672206" cy="3254737"/>
-          </a:xfrm>
-          <a:prstGeom prst="rect">
-            <a:avLst/>
-          </a:prstGeom>
-          <a:solidFill>
-            <a:schemeClr val="bg1"/>
-          </a:solidFill>
-          <a:ln w="3175">
-            <a:solidFill>
-              <a:schemeClr val="tx1"/>
-            </a:solidFill>
-          </a:ln>
-        </p:spPr>
-        <p:txBody>
-          <a:bodyPr wrap="square" rtlCol="0">
-            <a:spAutoFit/>
-          </a:bodyPr>
-          <a:lstStyle/>
-          <a:p>
-            <a:pPr algn="l">
-              <a:lnSpc>
-                <a:spcPct val="150000"/>
-              </a:lnSpc>
+          <a:p>
+            <a:pPr marL="285750" indent="-285750">
+              <a:buFont typeface="Wingdings" panose="05000000000000000000" pitchFamily="2" charset="2"/>
+              <a:buChar char="Ø"/>
             </a:pPr>
             <a:r>
-              <a:rPr lang="en-US" b="1" dirty="0"/>
-              <a:t>With Temporary variables</a:t>
-            </a:r>
-            <a:endParaRPr lang="en-US" sz="1200" dirty="0">
-              <a:latin typeface="Courier New" panose="02070309020205020404" pitchFamily="49" charset="0"/>
-              <a:cs typeface="Courier New" panose="02070309020205020404" pitchFamily="49" charset="0"/>
+              <a:rPr lang="en-US" dirty="0"/>
+              <a:t>Use Integer data types instead of Decimal with zero scale for external SP</a:t>
+            </a:r>
+          </a:p>
+          <a:p>
+            <a:pPr marL="285750" indent="-285750">
+              <a:buFont typeface="Wingdings" panose="05000000000000000000" pitchFamily="2" charset="2"/>
+              <a:buChar char="Ø"/>
+            </a:pPr>
+            <a:endParaRPr lang="en-US" altLang="en-US" dirty="0">
+              <a:latin typeface="Calibri  "/>
             </a:endParaRPr>
           </a:p>
           <a:p>
-            <a:pPr algn="l">
-              <a:lnSpc>
-                <a:spcPct val="150000"/>
-              </a:lnSpc>
+            <a:pPr marL="285750" indent="-285750">
+              <a:buFont typeface="Wingdings" panose="05000000000000000000" pitchFamily="2" charset="2"/>
+              <a:buChar char="Ø"/>
             </a:pPr>
             <a:r>
-              <a:rPr lang="en-US" sz="1200" dirty="0">
-                <a:latin typeface="Courier New" panose="02070309020205020404" pitchFamily="49" charset="0"/>
-                <a:cs typeface="Courier New" panose="02070309020205020404" pitchFamily="49" charset="0"/>
-              </a:rPr>
-              <a:t>SET counter = 0; </a:t>
-            </a:r>
-          </a:p>
-          <a:p>
-            <a:pPr algn="l">
-              <a:lnSpc>
-                <a:spcPct val="150000"/>
-              </a:lnSpc>
+              <a:rPr lang="en-US" dirty="0"/>
+              <a:t>Deconstruct complex IF statements </a:t>
+            </a:r>
+          </a:p>
+          <a:p>
+            <a:pPr marL="285750" indent="-285750">
+              <a:buFont typeface="Wingdings" panose="05000000000000000000" pitchFamily="2" charset="2"/>
+              <a:buChar char="Ø"/>
             </a:pPr>
-            <a:r>
-              <a:rPr lang="en-US" sz="1200" dirty="0" err="1">
-                <a:latin typeface="Courier New" panose="02070309020205020404" pitchFamily="49" charset="0"/>
-                <a:cs typeface="Courier New" panose="02070309020205020404" pitchFamily="49" charset="0"/>
-              </a:rPr>
-              <a:t>xLoop</a:t>
-            </a:r>
-            <a:r>
-              <a:rPr lang="en-US" sz="1200" dirty="0">
-                <a:latin typeface="Courier New" panose="02070309020205020404" pitchFamily="49" charset="0"/>
-                <a:cs typeface="Courier New" panose="02070309020205020404" pitchFamily="49" charset="0"/>
-              </a:rPr>
-              <a:t>: </a:t>
-            </a:r>
-          </a:p>
-          <a:p>
-            <a:pPr algn="l">
-              <a:lnSpc>
-                <a:spcPct val="150000"/>
-              </a:lnSpc>
+            <a:endParaRPr lang="en-US" dirty="0"/>
+          </a:p>
+          <a:p>
+            <a:pPr marL="285750" indent="-285750">
+              <a:buFont typeface="Wingdings" panose="05000000000000000000" pitchFamily="2" charset="2"/>
+              <a:buChar char="Ø"/>
             </a:pPr>
             <a:r>
-              <a:rPr lang="en-US" sz="1200" dirty="0">
-                <a:latin typeface="Courier New" panose="02070309020205020404" pitchFamily="49" charset="0"/>
-                <a:cs typeface="Courier New" panose="02070309020205020404" pitchFamily="49" charset="0"/>
-              </a:rPr>
-              <a:t>REPEAT </a:t>
-            </a:r>
-          </a:p>
-          <a:p>
-            <a:pPr algn="l">
-              <a:lnSpc>
-                <a:spcPct val="150000"/>
-              </a:lnSpc>
+              <a:rPr lang="en-US" dirty="0"/>
+              <a:t>Utilize the Character data type over Variable-Length Character type</a:t>
+            </a:r>
+          </a:p>
+          <a:p>
+            <a:endParaRPr lang="en-US" b="0" i="0" dirty="0">
+              <a:solidFill>
+                <a:srgbClr val="111111"/>
+              </a:solidFill>
+              <a:effectLst/>
+              <a:latin typeface="-apple-system"/>
+            </a:endParaRPr>
+          </a:p>
+          <a:p>
+            <a:pPr marL="285750" indent="-285750">
+              <a:buFont typeface="Wingdings" panose="05000000000000000000" pitchFamily="2" charset="2"/>
+              <a:buChar char="Ø"/>
             </a:pPr>
             <a:r>
-              <a:rPr lang="en-US" sz="1200" dirty="0">
-                <a:latin typeface="Courier New" panose="02070309020205020404" pitchFamily="49" charset="0"/>
-                <a:cs typeface="Courier New" panose="02070309020205020404" pitchFamily="49" charset="0"/>
-              </a:rPr>
-              <a:t>  SET counter = counter + 1; </a:t>
-            </a:r>
-          </a:p>
-          <a:p>
-            <a:pPr algn="l">
-              <a:lnSpc>
-                <a:spcPct val="150000"/>
-              </a:lnSpc>
+              <a:rPr lang="en-US" sz="1800" kern="100" dirty="0">
+                <a:effectLst/>
+                <a:latin typeface="Calibri" panose="020F0502020204030204" pitchFamily="34" charset="0"/>
+                <a:ea typeface="Calibri" panose="020F0502020204030204" pitchFamily="34" charset="0"/>
+                <a:cs typeface="Times New Roman" panose="02020603050405020304" pitchFamily="18" charset="0"/>
+              </a:rPr>
+              <a:t>Call each stored procedure using its fully qualified name to improve performance: the server name, database name, schema (owner) name, and procedure name. e.g. </a:t>
+            </a:r>
+            <a:r>
+              <a:rPr lang="en-US" sz="1800" kern="100" dirty="0" err="1">
+                <a:effectLst/>
+                <a:latin typeface="Calibri" panose="020F0502020204030204" pitchFamily="34" charset="0"/>
+                <a:ea typeface="Calibri" panose="020F0502020204030204" pitchFamily="34" charset="0"/>
+                <a:cs typeface="Times New Roman" panose="02020603050405020304" pitchFamily="18" charset="0"/>
+              </a:rPr>
+              <a:t>SchemaName.TableName.ColumnName</a:t>
+            </a:r>
+            <a:endParaRPr lang="en-US" sz="1800" kern="100" dirty="0">
+              <a:effectLst/>
+              <a:latin typeface="Calibri" panose="020F0502020204030204" pitchFamily="34" charset="0"/>
+              <a:ea typeface="Calibri" panose="020F0502020204030204" pitchFamily="34" charset="0"/>
+              <a:cs typeface="Times New Roman" panose="02020603050405020304" pitchFamily="18" charset="0"/>
+            </a:endParaRPr>
+          </a:p>
+          <a:p>
+            <a:endParaRPr lang="en-US" b="0" i="0" dirty="0">
+              <a:solidFill>
+                <a:srgbClr val="111111"/>
+              </a:solidFill>
+              <a:effectLst/>
+              <a:latin typeface="-apple-system"/>
+            </a:endParaRPr>
+          </a:p>
+          <a:p>
+            <a:pPr marL="285750" indent="-285750">
+              <a:buFont typeface="Wingdings" panose="05000000000000000000" pitchFamily="2" charset="2"/>
+              <a:buChar char="Ø"/>
             </a:pPr>
-            <a:r>
-              <a:rPr lang="en-US" sz="1200" dirty="0">
-                <a:latin typeface="Courier New" panose="02070309020205020404" pitchFamily="49" charset="0"/>
-                <a:cs typeface="Courier New" panose="02070309020205020404" pitchFamily="49" charset="0"/>
-              </a:rPr>
-              <a:t>  SET var1 = counter; </a:t>
-            </a:r>
-          </a:p>
-          <a:p>
-            <a:pPr algn="l">
-              <a:lnSpc>
-                <a:spcPct val="150000"/>
-              </a:lnSpc>
+            <a:endParaRPr lang="en-US" altLang="en-US" dirty="0">
+              <a:latin typeface="Calibri  "/>
+            </a:endParaRPr>
+          </a:p>
+          <a:p>
+            <a:pPr marL="285750" indent="-285750">
+              <a:buFont typeface="Wingdings" panose="05000000000000000000" pitchFamily="2" charset="2"/>
+              <a:buChar char="Ø"/>
             </a:pPr>
-            <a:r>
-              <a:rPr lang="en-US" sz="1200" dirty="0">
-                <a:latin typeface="Courier New" panose="02070309020205020404" pitchFamily="49" charset="0"/>
-                <a:cs typeface="Courier New" panose="02070309020205020404" pitchFamily="49" charset="0"/>
-              </a:rPr>
-              <a:t>  SET var2= counter * 7; </a:t>
-            </a:r>
-          </a:p>
-          <a:p>
-            <a:pPr algn="l">
-              <a:lnSpc>
-                <a:spcPct val="150000"/>
-              </a:lnSpc>
+            <a:endParaRPr lang="en-US" altLang="en-US" dirty="0">
+              <a:latin typeface="Calibri  "/>
+            </a:endParaRPr>
+          </a:p>
+          <a:p>
+            <a:pPr marL="285750" indent="-285750">
+              <a:buFont typeface="Arial" panose="020B0604020202020204" pitchFamily="34" charset="0"/>
+              <a:buChar char="•"/>
             </a:pPr>
-            <a:r>
-              <a:rPr lang="en-US" sz="1200" dirty="0">
-                <a:latin typeface="Courier New" panose="02070309020205020404" pitchFamily="49" charset="0"/>
-                <a:cs typeface="Courier New" panose="02070309020205020404" pitchFamily="49" charset="0"/>
-              </a:rPr>
-              <a:t>  SET var3 = counter * 30; </a:t>
-            </a:r>
-          </a:p>
-          <a:p>
-            <a:pPr algn="l">
-              <a:lnSpc>
-                <a:spcPct val="150000"/>
-              </a:lnSpc>
-            </a:pPr>
-            <a:r>
-              <a:rPr lang="en-US" sz="1200" dirty="0">
-                <a:latin typeface="Courier New" panose="02070309020205020404" pitchFamily="49" charset="0"/>
-                <a:cs typeface="Courier New" panose="02070309020205020404" pitchFamily="49" charset="0"/>
-              </a:rPr>
-              <a:t>  SET var4 = var1 + var2 + var3; </a:t>
-            </a:r>
-          </a:p>
-          <a:p>
-            <a:pPr algn="l">
-              <a:lnSpc>
-                <a:spcPct val="150000"/>
-              </a:lnSpc>
-            </a:pPr>
-            <a:r>
-              <a:rPr lang="en-US" sz="1200" dirty="0">
-                <a:latin typeface="Courier New" panose="02070309020205020404" pitchFamily="49" charset="0"/>
-                <a:cs typeface="Courier New" panose="02070309020205020404" pitchFamily="49" charset="0"/>
-              </a:rPr>
-              <a:t>UNTIL counter = 1000 </a:t>
-            </a:r>
-          </a:p>
-          <a:p>
-            <a:pPr algn="l">
-              <a:lnSpc>
-                <a:spcPct val="150000"/>
-              </a:lnSpc>
-            </a:pPr>
-            <a:r>
-              <a:rPr lang="en-US" sz="1200" dirty="0">
-                <a:latin typeface="Courier New" panose="02070309020205020404" pitchFamily="49" charset="0"/>
-                <a:cs typeface="Courier New" panose="02070309020205020404" pitchFamily="49" charset="0"/>
-              </a:rPr>
-              <a:t>END REPEAT </a:t>
-            </a:r>
-            <a:r>
-              <a:rPr lang="en-US" sz="1200" dirty="0" err="1">
-                <a:latin typeface="Courier New" panose="02070309020205020404" pitchFamily="49" charset="0"/>
-                <a:cs typeface="Courier New" panose="02070309020205020404" pitchFamily="49" charset="0"/>
-              </a:rPr>
-              <a:t>xLoop</a:t>
-            </a:r>
-            <a:r>
-              <a:rPr lang="en-US" sz="1200" dirty="0">
-                <a:latin typeface="Courier New" panose="02070309020205020404" pitchFamily="49" charset="0"/>
-                <a:cs typeface="Courier New" panose="02070309020205020404" pitchFamily="49" charset="0"/>
-              </a:rPr>
-              <a:t>;</a:t>
-            </a:r>
-            <a:endParaRPr lang="en-US" sz="1200" dirty="0">
-              <a:solidFill>
-                <a:srgbClr val="3333CC"/>
-              </a:solidFill>
-              <a:latin typeface="Courier New" panose="02070309020205020404" pitchFamily="49" charset="0"/>
-              <a:ea typeface="ＭＳ Ｐゴシック" panose="020B0600070205080204" pitchFamily="34" charset="-128"/>
-              <a:cs typeface="Courier New" panose="02070309020205020404" pitchFamily="49" charset="0"/>
-            </a:endParaRPr>
-          </a:p>
-        </p:txBody>
-      </p:sp>
-      <p:sp>
-        <p:nvSpPr>
-          <p:cNvPr id="7" name="TextBox 6">
-            <a:extLst>
-              <a:ext uri="{FF2B5EF4-FFF2-40B4-BE49-F238E27FC236}">
-                <a16:creationId xmlns:a16="http://schemas.microsoft.com/office/drawing/2014/main" id="{ABCB507D-5D4D-4EDB-78B2-77D55B41804F}"/>
-              </a:ext>
-            </a:extLst>
-          </p:cNvPr>
-          <p:cNvSpPr txBox="1"/>
-          <p:nvPr/>
-        </p:nvSpPr>
-        <p:spPr>
-          <a:xfrm>
-            <a:off x="4666611" y="2552180"/>
-            <a:ext cx="5326837" cy="2423740"/>
-          </a:xfrm>
-          <a:prstGeom prst="rect">
-            <a:avLst/>
-          </a:prstGeom>
-          <a:solidFill>
-            <a:schemeClr val="bg1"/>
-          </a:solidFill>
-          <a:ln w="3175">
-            <a:solidFill>
-              <a:schemeClr val="tx1"/>
-            </a:solidFill>
-          </a:ln>
-        </p:spPr>
-        <p:txBody>
-          <a:bodyPr wrap="square" rtlCol="0">
-            <a:spAutoFit/>
-          </a:bodyPr>
-          <a:lstStyle/>
-          <a:p>
-            <a:pPr algn="l">
-              <a:lnSpc>
-                <a:spcPct val="150000"/>
-              </a:lnSpc>
-            </a:pPr>
-            <a:r>
-              <a:rPr lang="en-US" b="1" dirty="0"/>
-              <a:t>Without Temporary variables</a:t>
-            </a:r>
-          </a:p>
-          <a:p>
-            <a:pPr algn="l">
-              <a:lnSpc>
-                <a:spcPct val="150000"/>
-              </a:lnSpc>
-            </a:pPr>
-            <a:r>
-              <a:rPr lang="en-US" sz="1200" dirty="0">
-                <a:latin typeface="Courier New" panose="02070309020205020404" pitchFamily="49" charset="0"/>
-                <a:cs typeface="Courier New" panose="02070309020205020404" pitchFamily="49" charset="0"/>
-              </a:rPr>
-              <a:t>SET counter = 0; </a:t>
-            </a:r>
-          </a:p>
-          <a:p>
-            <a:pPr algn="l">
-              <a:lnSpc>
-                <a:spcPct val="150000"/>
-              </a:lnSpc>
-            </a:pPr>
-            <a:r>
-              <a:rPr lang="en-US" sz="1200" dirty="0" err="1">
-                <a:latin typeface="Courier New" panose="02070309020205020404" pitchFamily="49" charset="0"/>
-                <a:cs typeface="Courier New" panose="02070309020205020404" pitchFamily="49" charset="0"/>
-              </a:rPr>
-              <a:t>xLoop</a:t>
-            </a:r>
-            <a:r>
-              <a:rPr lang="en-US" sz="1200" dirty="0">
-                <a:latin typeface="Courier New" panose="02070309020205020404" pitchFamily="49" charset="0"/>
-                <a:cs typeface="Courier New" panose="02070309020205020404" pitchFamily="49" charset="0"/>
-              </a:rPr>
-              <a:t>: </a:t>
-            </a:r>
-          </a:p>
-          <a:p>
-            <a:pPr algn="l">
-              <a:lnSpc>
-                <a:spcPct val="150000"/>
-              </a:lnSpc>
-            </a:pPr>
-            <a:r>
-              <a:rPr lang="en-US" sz="1200" dirty="0">
-                <a:latin typeface="Courier New" panose="02070309020205020404" pitchFamily="49" charset="0"/>
-                <a:cs typeface="Courier New" panose="02070309020205020404" pitchFamily="49" charset="0"/>
-              </a:rPr>
-              <a:t>REPEAT </a:t>
-            </a:r>
-          </a:p>
-          <a:p>
-            <a:pPr algn="l">
-              <a:lnSpc>
-                <a:spcPct val="150000"/>
-              </a:lnSpc>
-            </a:pPr>
-            <a:r>
-              <a:rPr lang="en-US" sz="1200" dirty="0">
-                <a:latin typeface="Courier New" panose="02070309020205020404" pitchFamily="49" charset="0"/>
-                <a:cs typeface="Courier New" panose="02070309020205020404" pitchFamily="49" charset="0"/>
-              </a:rPr>
-              <a:t>   SET counter = counter + 1; </a:t>
-            </a:r>
-          </a:p>
-          <a:p>
-            <a:pPr algn="l">
-              <a:lnSpc>
-                <a:spcPct val="150000"/>
-              </a:lnSpc>
-            </a:pPr>
-            <a:r>
-              <a:rPr lang="en-US" sz="1200" dirty="0">
-                <a:latin typeface="Courier New" panose="02070309020205020404" pitchFamily="49" charset="0"/>
-                <a:cs typeface="Courier New" panose="02070309020205020404" pitchFamily="49" charset="0"/>
-              </a:rPr>
-              <a:t>   SET var4 = counter + (counter * 7) + (counter*30); UNTIL counter = 1000 </a:t>
-            </a:r>
-          </a:p>
-          <a:p>
-            <a:pPr algn="l">
-              <a:lnSpc>
-                <a:spcPct val="150000"/>
-              </a:lnSpc>
-            </a:pPr>
-            <a:r>
-              <a:rPr lang="en-US" sz="1200" dirty="0">
-                <a:latin typeface="Courier New" panose="02070309020205020404" pitchFamily="49" charset="0"/>
-                <a:cs typeface="Courier New" panose="02070309020205020404" pitchFamily="49" charset="0"/>
-              </a:rPr>
-              <a:t>END REPEAT </a:t>
-            </a:r>
-            <a:r>
-              <a:rPr lang="en-US" sz="1200" dirty="0" err="1">
-                <a:latin typeface="Courier New" panose="02070309020205020404" pitchFamily="49" charset="0"/>
-                <a:cs typeface="Courier New" panose="02070309020205020404" pitchFamily="49" charset="0"/>
-              </a:rPr>
-              <a:t>xLoop</a:t>
-            </a:r>
-            <a:r>
-              <a:rPr lang="en-US" sz="1200" dirty="0">
-                <a:latin typeface="Courier New" panose="02070309020205020404" pitchFamily="49" charset="0"/>
-                <a:cs typeface="Courier New" panose="02070309020205020404" pitchFamily="49" charset="0"/>
-              </a:rPr>
-              <a:t>; </a:t>
-            </a:r>
-            <a:endParaRPr lang="en-US" sz="1200" dirty="0">
-              <a:solidFill>
-                <a:srgbClr val="3333CC"/>
-              </a:solidFill>
-              <a:latin typeface="Courier New" panose="02070309020205020404" pitchFamily="49" charset="0"/>
-              <a:ea typeface="ＭＳ Ｐゴシック" panose="020B0600070205080204" pitchFamily="34" charset="-128"/>
-              <a:cs typeface="Courier New" panose="02070309020205020404" pitchFamily="49" charset="0"/>
+            <a:endParaRPr lang="en-US" altLang="en-US" dirty="0">
+              <a:latin typeface="Calibri  "/>
             </a:endParaRPr>
           </a:p>
         </p:txBody>
@@ -11545,7 +11513,7 @@
     </p:spTree>
     <p:extLst>
       <p:ext uri="{BB962C8B-B14F-4D97-AF65-F5344CB8AC3E}">
-        <p14:creationId xmlns:p14="http://schemas.microsoft.com/office/powerpoint/2010/main" val="1558626567"/>
+        <p14:creationId xmlns:p14="http://schemas.microsoft.com/office/powerpoint/2010/main" val="4215140171"/>
       </p:ext>
     </p:extLst>
   </p:cSld>
@@ -11943,8 +11911,8 @@
         </p:nvSpPr>
         <p:spPr>
           <a:xfrm>
-            <a:off x="257806" y="767772"/>
-            <a:ext cx="6866431" cy="923330"/>
+            <a:off x="773528" y="799303"/>
+            <a:ext cx="4069256" cy="923330"/>
           </a:xfrm>
           <a:prstGeom prst="rect">
             <a:avLst/>
@@ -11972,7 +11940,7 @@
                   </a:outerShdw>
                 </a:effectLst>
               </a:rPr>
-              <a:t>Enhancing Performance</a:t>
+              <a:t>Best Practices</a:t>
             </a:r>
             <a:endParaRPr lang="en-US" sz="5400" b="0" cap="none" spc="0" dirty="0">
               <a:ln w="0"/>
@@ -11995,7 +11963,7 @@
           <p:cNvPr id="2" name="TextBox 1">
             <a:extLst>
               <a:ext uri="{FF2B5EF4-FFF2-40B4-BE49-F238E27FC236}">
-                <a16:creationId xmlns:a16="http://schemas.microsoft.com/office/drawing/2014/main" id="{24E39EFF-448F-11AB-EF19-CC9A53B61264}"/>
+                <a16:creationId xmlns:a16="http://schemas.microsoft.com/office/drawing/2014/main" id="{5061140E-4660-2397-115F-E816B66DCA2C}"/>
               </a:ext>
             </a:extLst>
           </p:cNvPr>
@@ -12004,8 +11972,8 @@
         </p:nvSpPr>
         <p:spPr>
           <a:xfrm>
-            <a:off x="568574" y="1822186"/>
-            <a:ext cx="7525734" cy="4801314"/>
+            <a:off x="644774" y="1999986"/>
+            <a:ext cx="7525734" cy="3826560"/>
           </a:xfrm>
           <a:prstGeom prst="rect">
             <a:avLst/>
@@ -12018,176 +11986,189 @@
           </a:bodyPr>
           <a:lstStyle/>
           <a:p>
+            <a:pPr marL="285750" marR="0" lvl="0" indent="-285750">
+              <a:lnSpc>
+                <a:spcPct val="107000"/>
+              </a:lnSpc>
+              <a:spcBef>
+                <a:spcPts val="0"/>
+              </a:spcBef>
+              <a:spcAft>
+                <a:spcPts val="800"/>
+              </a:spcAft>
+              <a:buSzPts val="1000"/>
+              <a:buFont typeface="Wingdings" panose="05000000000000000000" pitchFamily="2" charset="2"/>
+              <a:buChar char="q"/>
+              <a:tabLst>
+                <a:tab pos="457200" algn="l"/>
+              </a:tabLst>
+            </a:pPr>
+            <a:r>
+              <a:rPr lang="en-US" kern="100" dirty="0">
+                <a:effectLst/>
+                <a:latin typeface="Calibri body"/>
+                <a:ea typeface="Calibri" panose="020F0502020204030204" pitchFamily="34" charset="0"/>
+                <a:cs typeface="Times New Roman" panose="02020603050405020304" pitchFamily="18" charset="0"/>
+              </a:rPr>
+              <a:t>In the script that creates each stored procedure, explicitly specify which roles are allowed to execute the Stored Procedures e.g., public or whatever.</a:t>
+            </a:r>
+          </a:p>
+          <a:p>
+            <a:pPr marL="285750" marR="0" lvl="0" indent="-285750">
+              <a:lnSpc>
+                <a:spcPct val="107000"/>
+              </a:lnSpc>
+              <a:spcBef>
+                <a:spcPts val="0"/>
+              </a:spcBef>
+              <a:spcAft>
+                <a:spcPts val="800"/>
+              </a:spcAft>
+              <a:buSzPts val="1000"/>
+              <a:buFont typeface="Wingdings" panose="05000000000000000000" pitchFamily="2" charset="2"/>
+              <a:buChar char="q"/>
+              <a:tabLst>
+                <a:tab pos="457200" algn="l"/>
+              </a:tabLst>
+            </a:pPr>
+            <a:endParaRPr lang="en-US" kern="100" dirty="0">
+              <a:latin typeface="Calibri body"/>
+              <a:ea typeface="Calibri" panose="020F0502020204030204" pitchFamily="34" charset="0"/>
+              <a:cs typeface="Times New Roman" panose="02020603050405020304" pitchFamily="18" charset="0"/>
+            </a:endParaRPr>
+          </a:p>
+          <a:p>
+            <a:pPr marL="285750" marR="0" lvl="0" indent="-285750">
+              <a:lnSpc>
+                <a:spcPct val="107000"/>
+              </a:lnSpc>
+              <a:spcBef>
+                <a:spcPts val="0"/>
+              </a:spcBef>
+              <a:spcAft>
+                <a:spcPts val="800"/>
+              </a:spcAft>
+              <a:buSzPts val="1000"/>
+              <a:buFont typeface="Wingdings" panose="05000000000000000000" pitchFamily="2" charset="2"/>
+              <a:buChar char="q"/>
+              <a:tabLst>
+                <a:tab pos="457200" algn="l"/>
+              </a:tabLst>
+            </a:pPr>
+            <a:r>
+              <a:rPr lang="en-US" dirty="0">
+                <a:latin typeface="Calibri body"/>
+                <a:ea typeface="Calibri" panose="020F0502020204030204" pitchFamily="34" charset="0"/>
+                <a:cs typeface="Times New Roman" panose="02020603050405020304" pitchFamily="18" charset="0"/>
+              </a:rPr>
+              <a:t>Use </a:t>
+            </a:r>
+            <a:r>
+              <a:rPr lang="en-US" dirty="0" err="1">
+                <a:latin typeface="Calibri body"/>
+                <a:ea typeface="Calibri" panose="020F0502020204030204" pitchFamily="34" charset="0"/>
+                <a:cs typeface="Times New Roman" panose="02020603050405020304" pitchFamily="18" charset="0"/>
+              </a:rPr>
+              <a:t>sysmessage</a:t>
+            </a:r>
+            <a:r>
+              <a:rPr lang="en-US" dirty="0">
+                <a:latin typeface="Calibri body"/>
+                <a:ea typeface="Calibri" panose="020F0502020204030204" pitchFamily="34" charset="0"/>
+                <a:cs typeface="Times New Roman" panose="02020603050405020304" pitchFamily="18" charset="0"/>
+              </a:rPr>
+              <a:t>, </a:t>
+            </a:r>
+            <a:r>
+              <a:rPr lang="en-US" dirty="0" err="1">
+                <a:latin typeface="Calibri body"/>
+                <a:ea typeface="Calibri" panose="020F0502020204030204" pitchFamily="34" charset="0"/>
+                <a:cs typeface="Times New Roman" panose="02020603050405020304" pitchFamily="18" charset="0"/>
+              </a:rPr>
+              <a:t>sp_addmessage</a:t>
+            </a:r>
+            <a:r>
+              <a:rPr lang="en-US" dirty="0">
+                <a:latin typeface="Calibri body"/>
+                <a:ea typeface="Calibri" panose="020F0502020204030204" pitchFamily="34" charset="0"/>
+                <a:cs typeface="Times New Roman" panose="02020603050405020304" pitchFamily="18" charset="0"/>
+              </a:rPr>
+              <a:t>, and placeholders rather than hard-coded error messages.</a:t>
+            </a:r>
+          </a:p>
+          <a:p>
+            <a:pPr marL="285750" marR="0" lvl="0" indent="-285750">
+              <a:lnSpc>
+                <a:spcPct val="107000"/>
+              </a:lnSpc>
+              <a:spcBef>
+                <a:spcPts val="0"/>
+              </a:spcBef>
+              <a:spcAft>
+                <a:spcPts val="800"/>
+              </a:spcAft>
+              <a:buSzPts val="1000"/>
+              <a:buFont typeface="Wingdings" panose="05000000000000000000" pitchFamily="2" charset="2"/>
+              <a:buChar char="q"/>
+              <a:tabLst>
+                <a:tab pos="457200" algn="l"/>
+              </a:tabLst>
+            </a:pPr>
+            <a:endParaRPr lang="en-US" dirty="0">
+              <a:latin typeface="Calibri body"/>
+              <a:ea typeface="Calibri" panose="020F0502020204030204" pitchFamily="34" charset="0"/>
+              <a:cs typeface="Times New Roman" panose="02020603050405020304" pitchFamily="18" charset="0"/>
+            </a:endParaRPr>
+          </a:p>
+          <a:p>
+            <a:pPr marL="285750" marR="0" lvl="0" indent="-285750">
+              <a:lnSpc>
+                <a:spcPct val="107000"/>
+              </a:lnSpc>
+              <a:spcBef>
+                <a:spcPts val="0"/>
+              </a:spcBef>
+              <a:spcAft>
+                <a:spcPts val="800"/>
+              </a:spcAft>
+              <a:buSzPts val="1000"/>
+              <a:buFont typeface="Wingdings" panose="05000000000000000000" pitchFamily="2" charset="2"/>
+              <a:buChar char="q"/>
+              <a:tabLst>
+                <a:tab pos="457200" algn="l"/>
+              </a:tabLst>
+            </a:pPr>
+            <a:r>
+              <a:rPr lang="en-US" dirty="0">
+                <a:latin typeface="Calibri body"/>
+                <a:ea typeface="Calibri" panose="020F0502020204030204" pitchFamily="34" charset="0"/>
+                <a:cs typeface="Times New Roman" panose="02020603050405020304" pitchFamily="18" charset="0"/>
+              </a:rPr>
+              <a:t>Be careful with an error in a UDF. When an error occurs in a UDF, execution of the function is aborted immediately and so is the query that invoked the UDF - but @@error is 0! You may want to define handlers.</a:t>
+            </a:r>
+          </a:p>
+          <a:p>
             <a:pPr marL="285750" indent="-285750">
               <a:buFont typeface="Wingdings" panose="05000000000000000000" pitchFamily="2" charset="2"/>
-              <a:buChar char="Ø"/>
+              <a:buChar char="q"/>
             </a:pPr>
-            <a:r>
-              <a:rPr lang="en-US" dirty="0"/>
-              <a:t>Use Integer data type instead of Character for simple flags</a:t>
-            </a:r>
+            <a:endParaRPr lang="en-US" altLang="en-US" dirty="0">
+              <a:latin typeface="Calibri body"/>
+              <a:ea typeface="Calibri" panose="020F0502020204030204" pitchFamily="34" charset="0"/>
+              <a:cs typeface="Times New Roman" panose="02020603050405020304" pitchFamily="18" charset="0"/>
+            </a:endParaRPr>
           </a:p>
           <a:p>
             <a:endParaRPr lang="en-US" altLang="en-US" dirty="0">
               <a:latin typeface="Calibri  "/>
             </a:endParaRPr>
           </a:p>
-          <a:p>
-            <a:pPr marL="285750" indent="-285750">
-              <a:buFont typeface="Wingdings" panose="05000000000000000000" pitchFamily="2" charset="2"/>
-              <a:buChar char="Ø"/>
-            </a:pPr>
-            <a:r>
-              <a:rPr lang="en-US" dirty="0"/>
-              <a:t>Use Integer data types instead of Decimal with zero scale for external SP</a:t>
-            </a:r>
-          </a:p>
-          <a:p>
-            <a:pPr marL="285750" indent="-285750">
-              <a:buFont typeface="Wingdings" panose="05000000000000000000" pitchFamily="2" charset="2"/>
-              <a:buChar char="Ø"/>
-            </a:pPr>
-            <a:endParaRPr lang="en-US" altLang="en-US" dirty="0">
-              <a:latin typeface="Calibri  "/>
-            </a:endParaRPr>
-          </a:p>
-          <a:p>
-            <a:pPr marL="285750" indent="-285750">
-              <a:buFont typeface="Wingdings" panose="05000000000000000000" pitchFamily="2" charset="2"/>
-              <a:buChar char="Ø"/>
-            </a:pPr>
-            <a:r>
-              <a:rPr lang="en-US" dirty="0"/>
-              <a:t>Deconstruct complex IF statements </a:t>
-            </a:r>
-          </a:p>
-          <a:p>
-            <a:pPr marL="285750" indent="-285750">
-              <a:buFont typeface="Wingdings" panose="05000000000000000000" pitchFamily="2" charset="2"/>
-              <a:buChar char="Ø"/>
-            </a:pPr>
-            <a:endParaRPr lang="en-US" dirty="0"/>
-          </a:p>
-          <a:p>
-            <a:pPr marL="285750" indent="-285750">
-              <a:buFont typeface="Wingdings" panose="05000000000000000000" pitchFamily="2" charset="2"/>
-              <a:buChar char="Ø"/>
-            </a:pPr>
-            <a:r>
-              <a:rPr lang="en-US" dirty="0"/>
-              <a:t>Utilize the Character data type over Variable-Length Character type</a:t>
-            </a:r>
-          </a:p>
-          <a:p>
-            <a:pPr marL="285750" indent="-285750">
-              <a:buFont typeface="Wingdings" panose="05000000000000000000" pitchFamily="2" charset="2"/>
-              <a:buChar char="Ø"/>
-            </a:pPr>
-            <a:endParaRPr lang="en-US" altLang="en-US" dirty="0">
-              <a:latin typeface="Calibri  "/>
-            </a:endParaRPr>
-          </a:p>
-          <a:p>
-            <a:pPr marL="285750" indent="-285750">
-              <a:buFont typeface="Wingdings" panose="05000000000000000000" pitchFamily="2" charset="2"/>
-              <a:buChar char="Ø"/>
-            </a:pPr>
-            <a:r>
-              <a:rPr lang="en-US" b="0" i="0" dirty="0">
-                <a:solidFill>
-                  <a:srgbClr val="111111"/>
-                </a:solidFill>
-                <a:effectLst/>
-                <a:latin typeface="-apple-system"/>
-              </a:rPr>
-              <a:t>Try to avoid the cursor inside the procedure if possible.</a:t>
-            </a:r>
-          </a:p>
-          <a:p>
-            <a:pPr marL="285750" indent="-285750">
-              <a:buFont typeface="Wingdings" panose="05000000000000000000" pitchFamily="2" charset="2"/>
-              <a:buChar char="Ø"/>
-            </a:pPr>
-            <a:endParaRPr lang="en-US" b="0" i="0" dirty="0">
-              <a:solidFill>
-                <a:srgbClr val="111111"/>
-              </a:solidFill>
-              <a:effectLst/>
-              <a:latin typeface="-apple-system"/>
-            </a:endParaRPr>
-          </a:p>
-          <a:p>
-            <a:pPr marL="285750" indent="-285750">
-              <a:buFont typeface="Wingdings" panose="05000000000000000000" pitchFamily="2" charset="2"/>
-              <a:buChar char="Ø"/>
-            </a:pPr>
-            <a:r>
-              <a:rPr lang="en-US" sz="1800" kern="100" dirty="0">
-                <a:effectLst/>
-                <a:latin typeface="Calibri" panose="020F0502020204030204" pitchFamily="34" charset="0"/>
-                <a:ea typeface="Calibri" panose="020F0502020204030204" pitchFamily="34" charset="0"/>
-                <a:cs typeface="Times New Roman" panose="02020603050405020304" pitchFamily="18" charset="0"/>
-              </a:rPr>
-              <a:t>Call each stored procedure using its fully qualified name to improve performance: the server name, database name, schema (owner) name, and procedure name. e.g. </a:t>
-            </a:r>
-            <a:r>
-              <a:rPr lang="en-US" sz="1800" kern="100" dirty="0" err="1">
-                <a:effectLst/>
-                <a:latin typeface="Calibri" panose="020F0502020204030204" pitchFamily="34" charset="0"/>
-                <a:ea typeface="Calibri" panose="020F0502020204030204" pitchFamily="34" charset="0"/>
-                <a:cs typeface="Times New Roman" panose="02020603050405020304" pitchFamily="18" charset="0"/>
-              </a:rPr>
-              <a:t>SchemaName.TableName.ColumnName</a:t>
-            </a:r>
-            <a:endParaRPr lang="en-US" sz="1800" kern="100" dirty="0">
-              <a:effectLst/>
-              <a:latin typeface="Calibri" panose="020F0502020204030204" pitchFamily="34" charset="0"/>
-              <a:ea typeface="Calibri" panose="020F0502020204030204" pitchFamily="34" charset="0"/>
-              <a:cs typeface="Times New Roman" panose="02020603050405020304" pitchFamily="18" charset="0"/>
-            </a:endParaRPr>
-          </a:p>
-          <a:p>
-            <a:endParaRPr lang="en-US" b="0" i="0" dirty="0">
-              <a:solidFill>
-                <a:srgbClr val="111111"/>
-              </a:solidFill>
-              <a:effectLst/>
-              <a:latin typeface="-apple-system"/>
-            </a:endParaRPr>
-          </a:p>
-          <a:p>
-            <a:pPr marL="285750" indent="-285750">
-              <a:buFont typeface="Wingdings" panose="05000000000000000000" pitchFamily="2" charset="2"/>
-              <a:buChar char="Ø"/>
-            </a:pPr>
-            <a:endParaRPr lang="en-US" altLang="en-US" dirty="0">
-              <a:latin typeface="Calibri  "/>
-            </a:endParaRPr>
-          </a:p>
-          <a:p>
-            <a:pPr marL="285750" indent="-285750">
-              <a:buFont typeface="Wingdings" panose="05000000000000000000" pitchFamily="2" charset="2"/>
-              <a:buChar char="Ø"/>
-            </a:pPr>
-            <a:endParaRPr lang="en-US" altLang="en-US" dirty="0">
-              <a:latin typeface="Calibri  "/>
-            </a:endParaRPr>
-          </a:p>
-          <a:p>
-            <a:pPr marL="285750" indent="-285750">
-              <a:buFont typeface="Arial" panose="020B0604020202020204" pitchFamily="34" charset="0"/>
-              <a:buChar char="•"/>
-            </a:pPr>
-            <a:endParaRPr lang="en-US" altLang="en-US" dirty="0">
-              <a:latin typeface="Calibri  "/>
-            </a:endParaRPr>
-          </a:p>
         </p:txBody>
       </p:sp>
     </p:spTree>
     <p:extLst>
       <p:ext uri="{BB962C8B-B14F-4D97-AF65-F5344CB8AC3E}">
-        <p14:creationId xmlns:p14="http://schemas.microsoft.com/office/powerpoint/2010/main" val="4215140171"/>
+        <p14:creationId xmlns:p14="http://schemas.microsoft.com/office/powerpoint/2010/main" val="2942226510"/>
       </p:ext>
     </p:extLst>
   </p:cSld>
@@ -12235,7 +12216,7 @@
           <p:nvPr/>
         </p:nvPicPr>
         <p:blipFill>
-          <a:blip r:embed="rId3">
+          <a:blip r:embed="rId2">
             <a:extLst>
               <a:ext uri="{28A0092B-C50C-407E-A947-70E740481C1C}">
                 <a14:useLocalDpi xmlns:a14="http://schemas.microsoft.com/office/drawing/2010/main" val="0"/>
@@ -12270,8 +12251,8 @@
         </p:nvSpPr>
         <p:spPr>
           <a:xfrm>
-            <a:off x="257806" y="767772"/>
-            <a:ext cx="6866431" cy="923330"/>
+            <a:off x="493184" y="856551"/>
+            <a:ext cx="4069256" cy="923330"/>
           </a:xfrm>
           <a:prstGeom prst="rect">
             <a:avLst/>
@@ -12299,7 +12280,7 @@
                   </a:outerShdw>
                 </a:effectLst>
               </a:rPr>
-              <a:t>Enhancing Performance</a:t>
+              <a:t>Best Practices</a:t>
             </a:r>
             <a:endParaRPr lang="en-US" sz="5400" b="0" cap="none" spc="0" dirty="0">
               <a:ln w="0"/>
@@ -12322,7 +12303,7 @@
           <p:cNvPr id="2" name="TextBox 1">
             <a:extLst>
               <a:ext uri="{FF2B5EF4-FFF2-40B4-BE49-F238E27FC236}">
-                <a16:creationId xmlns:a16="http://schemas.microsoft.com/office/drawing/2014/main" id="{5061140E-4660-2397-115F-E816B66DCA2C}"/>
+                <a16:creationId xmlns:a16="http://schemas.microsoft.com/office/drawing/2014/main" id="{754F7D02-7F03-D1B8-2A24-8AE0FDB9B423}"/>
               </a:ext>
             </a:extLst>
           </p:cNvPr>
@@ -12331,8 +12312,8 @@
         </p:nvSpPr>
         <p:spPr>
           <a:xfrm>
-            <a:off x="644774" y="1999986"/>
-            <a:ext cx="7525734" cy="3826560"/>
+            <a:off x="655956" y="2057394"/>
+            <a:ext cx="7525734" cy="646331"/>
           </a:xfrm>
           <a:prstGeom prst="rect">
             <a:avLst/>
@@ -12340,194 +12321,272 @@
           <a:noFill/>
         </p:spPr>
         <p:txBody>
-          <a:bodyPr wrap="square">
+          <a:bodyPr wrap="square" lIns="91440" tIns="45720" rIns="91440" bIns="45720" anchor="t">
             <a:spAutoFit/>
           </a:bodyPr>
           <a:lstStyle/>
           <a:p>
-            <a:pPr marL="285750" marR="0" lvl="0" indent="-285750">
-              <a:lnSpc>
-                <a:spcPct val="107000"/>
-              </a:lnSpc>
-              <a:spcBef>
-                <a:spcPts val="0"/>
-              </a:spcBef>
-              <a:spcAft>
-                <a:spcPts val="800"/>
-              </a:spcAft>
-              <a:buSzPts val="1000"/>
-              <a:buFont typeface="Wingdings" panose="05000000000000000000" pitchFamily="2" charset="2"/>
-              <a:buChar char="q"/>
+            <a:pPr>
               <a:tabLst>
                 <a:tab pos="457200" algn="l"/>
               </a:tabLst>
             </a:pPr>
             <a:r>
-              <a:rPr lang="en-US" kern="100" dirty="0">
-                <a:effectLst/>
-                <a:latin typeface="Calibri body"/>
-                <a:ea typeface="Calibri" panose="020F0502020204030204" pitchFamily="34" charset="0"/>
-                <a:cs typeface="Times New Roman" panose="02020603050405020304" pitchFamily="18" charset="0"/>
-              </a:rPr>
-              <a:t>In the script that creates each stored procedure, explicitly specify which roles are allowed to execute the Stored Procedures e.g., public or whatever.</a:t>
-            </a:r>
-          </a:p>
-          <a:p>
-            <a:pPr marL="285750" marR="0" lvl="0" indent="-285750">
-              <a:lnSpc>
-                <a:spcPct val="107000"/>
-              </a:lnSpc>
+              <a:rPr lang="en-US" dirty="0">
+                <a:ea typeface="+mn-lt"/>
+                <a:cs typeface="+mn-lt"/>
+              </a:rPr>
+              <a:t>Return to caller vs Return to client</a:t>
+            </a:r>
+            <a:endParaRPr lang="en-US" dirty="0">
+              <a:cs typeface="Calibri" panose="020F0502020204030204"/>
+            </a:endParaRPr>
+          </a:p>
+          <a:p>
+            <a:pPr marR="0" lvl="0">
               <a:spcBef>
                 <a:spcPts val="0"/>
               </a:spcBef>
-              <a:spcAft>
-                <a:spcPts val="800"/>
-              </a:spcAft>
-              <a:buSzPts val="1000"/>
-              <a:buFont typeface="Wingdings" panose="05000000000000000000" pitchFamily="2" charset="2"/>
-              <a:buChar char="q"/>
               <a:tabLst>
                 <a:tab pos="457200" algn="l"/>
               </a:tabLst>
             </a:pPr>
-            <a:endParaRPr lang="en-US" kern="100" dirty="0">
-              <a:latin typeface="Calibri body"/>
-              <a:ea typeface="Calibri" panose="020F0502020204030204" pitchFamily="34" charset="0"/>
-              <a:cs typeface="Times New Roman" panose="02020603050405020304" pitchFamily="18" charset="0"/>
-            </a:endParaRPr>
-          </a:p>
-          <a:p>
-            <a:pPr marL="285750" marR="0" lvl="0" indent="-285750">
-              <a:lnSpc>
-                <a:spcPct val="107000"/>
-              </a:lnSpc>
-              <a:spcBef>
-                <a:spcPts val="0"/>
-              </a:spcBef>
-              <a:spcAft>
-                <a:spcPts val="800"/>
-              </a:spcAft>
-              <a:buSzPts val="1000"/>
-              <a:buFont typeface="Wingdings" panose="05000000000000000000" pitchFamily="2" charset="2"/>
-              <a:buChar char="q"/>
-              <a:tabLst>
-                <a:tab pos="457200" algn="l"/>
-              </a:tabLst>
-            </a:pPr>
-            <a:r>
-              <a:rPr lang="en-US" dirty="0">
-                <a:latin typeface="Calibri body"/>
-                <a:ea typeface="Calibri" panose="020F0502020204030204" pitchFamily="34" charset="0"/>
-                <a:cs typeface="Times New Roman" panose="02020603050405020304" pitchFamily="18" charset="0"/>
-              </a:rPr>
-              <a:t>Use </a:t>
-            </a:r>
-            <a:r>
-              <a:rPr lang="en-US" dirty="0" err="1">
-                <a:latin typeface="Calibri body"/>
-                <a:ea typeface="Calibri" panose="020F0502020204030204" pitchFamily="34" charset="0"/>
-                <a:cs typeface="Times New Roman" panose="02020603050405020304" pitchFamily="18" charset="0"/>
-              </a:rPr>
-              <a:t>sysmessage</a:t>
-            </a:r>
-            <a:r>
-              <a:rPr lang="en-US" dirty="0">
-                <a:latin typeface="Calibri body"/>
-                <a:ea typeface="Calibri" panose="020F0502020204030204" pitchFamily="34" charset="0"/>
-                <a:cs typeface="Times New Roman" panose="02020603050405020304" pitchFamily="18" charset="0"/>
-              </a:rPr>
-              <a:t>, </a:t>
-            </a:r>
-            <a:r>
-              <a:rPr lang="en-US" dirty="0" err="1">
-                <a:latin typeface="Calibri body"/>
-                <a:ea typeface="Calibri" panose="020F0502020204030204" pitchFamily="34" charset="0"/>
-                <a:cs typeface="Times New Roman" panose="02020603050405020304" pitchFamily="18" charset="0"/>
-              </a:rPr>
-              <a:t>sp_addmessage</a:t>
-            </a:r>
-            <a:r>
-              <a:rPr lang="en-US" dirty="0">
-                <a:latin typeface="Calibri body"/>
-                <a:ea typeface="Calibri" panose="020F0502020204030204" pitchFamily="34" charset="0"/>
-                <a:cs typeface="Times New Roman" panose="02020603050405020304" pitchFamily="18" charset="0"/>
-              </a:rPr>
-              <a:t>, and placeholders rather than hard-coded error messages.</a:t>
-            </a:r>
-          </a:p>
-          <a:p>
-            <a:pPr marL="285750" marR="0" lvl="0" indent="-285750">
-              <a:lnSpc>
-                <a:spcPct val="107000"/>
-              </a:lnSpc>
-              <a:spcBef>
-                <a:spcPts val="0"/>
-              </a:spcBef>
-              <a:spcAft>
-                <a:spcPts val="800"/>
-              </a:spcAft>
-              <a:buSzPts val="1000"/>
-              <a:buFont typeface="Wingdings" panose="05000000000000000000" pitchFamily="2" charset="2"/>
-              <a:buChar char="q"/>
-              <a:tabLst>
-                <a:tab pos="457200" algn="l"/>
-              </a:tabLst>
-            </a:pPr>
-            <a:endParaRPr lang="en-US" dirty="0">
-              <a:latin typeface="Calibri body"/>
-              <a:ea typeface="Calibri" panose="020F0502020204030204" pitchFamily="34" charset="0"/>
-              <a:cs typeface="Times New Roman" panose="02020603050405020304" pitchFamily="18" charset="0"/>
-            </a:endParaRPr>
-          </a:p>
-          <a:p>
-            <a:pPr marL="285750" marR="0" lvl="0" indent="-285750">
-              <a:lnSpc>
-                <a:spcPct val="107000"/>
-              </a:lnSpc>
-              <a:spcBef>
-                <a:spcPts val="0"/>
-              </a:spcBef>
-              <a:spcAft>
-                <a:spcPts val="800"/>
-              </a:spcAft>
-              <a:buSzPts val="1000"/>
-              <a:buFont typeface="Wingdings" panose="05000000000000000000" pitchFamily="2" charset="2"/>
-              <a:buChar char="q"/>
-              <a:tabLst>
-                <a:tab pos="457200" algn="l"/>
-              </a:tabLst>
-            </a:pPr>
-            <a:r>
-              <a:rPr lang="en-US" dirty="0">
-                <a:latin typeface="Calibri body"/>
-                <a:ea typeface="Calibri" panose="020F0502020204030204" pitchFamily="34" charset="0"/>
-                <a:cs typeface="Times New Roman" panose="02020603050405020304" pitchFamily="18" charset="0"/>
-              </a:rPr>
-              <a:t>Be careful with an error in a UDF. When an error occurs in a UDF, execution of the function is aborted immediately and so is the query that invoked the UDF - but @@error is 0! You may want to define handlers.</a:t>
-            </a:r>
-          </a:p>
-          <a:p>
-            <a:pPr marL="285750" indent="-285750">
-              <a:buFont typeface="Wingdings" panose="05000000000000000000" pitchFamily="2" charset="2"/>
-              <a:buChar char="q"/>
-            </a:pPr>
-            <a:endParaRPr lang="en-US" altLang="en-US" dirty="0">
-              <a:latin typeface="Calibri body"/>
-              <a:ea typeface="Calibri" panose="020F0502020204030204" pitchFamily="34" charset="0"/>
-              <a:cs typeface="Times New Roman" panose="02020603050405020304" pitchFamily="18" charset="0"/>
-            </a:endParaRPr>
-          </a:p>
-          <a:p>
             <a:endParaRPr lang="en-US" altLang="en-US" dirty="0">
               <a:latin typeface="Calibri  "/>
             </a:endParaRPr>
           </a:p>
         </p:txBody>
       </p:sp>
+      <p:pic>
+        <p:nvPicPr>
+          <p:cNvPr id="3" name="Picture 2" descr="A diagram of a call center&#10;&#10;Description automatically generated">
+            <a:extLst>
+              <a:ext uri="{FF2B5EF4-FFF2-40B4-BE49-F238E27FC236}">
+                <a16:creationId xmlns:a16="http://schemas.microsoft.com/office/drawing/2014/main" id="{A527DBC9-25D1-E0B6-AB2F-12017A6346B2}"/>
+              </a:ext>
+            </a:extLst>
+          </p:cNvPr>
+          <p:cNvPicPr>
+            <a:picLocks noChangeAspect="1"/>
+          </p:cNvPicPr>
+          <p:nvPr/>
+        </p:nvPicPr>
+        <p:blipFill>
+          <a:blip r:embed="rId3"/>
+          <a:stretch>
+            <a:fillRect/>
+          </a:stretch>
+        </p:blipFill>
+        <p:spPr>
+          <a:xfrm>
+            <a:off x="6121677" y="2981238"/>
+            <a:ext cx="6070323" cy="3056696"/>
+          </a:xfrm>
+          <a:prstGeom prst="rect">
+            <a:avLst/>
+          </a:prstGeom>
+        </p:spPr>
+      </p:pic>
+      <p:sp>
+        <p:nvSpPr>
+          <p:cNvPr id="7" name="TextBox 6">
+            <a:extLst>
+              <a:ext uri="{FF2B5EF4-FFF2-40B4-BE49-F238E27FC236}">
+                <a16:creationId xmlns:a16="http://schemas.microsoft.com/office/drawing/2014/main" id="{8B484076-9108-4002-3FCE-84A28745120B}"/>
+              </a:ext>
+            </a:extLst>
+          </p:cNvPr>
+          <p:cNvSpPr txBox="1"/>
+          <p:nvPr/>
+        </p:nvSpPr>
+        <p:spPr>
+          <a:xfrm>
+            <a:off x="493184" y="2583792"/>
+            <a:ext cx="5611054" cy="2670218"/>
+          </a:xfrm>
+          <a:prstGeom prst="rect">
+            <a:avLst/>
+          </a:prstGeom>
+          <a:solidFill>
+            <a:schemeClr val="bg1"/>
+          </a:solidFill>
+          <a:ln w="6350">
+            <a:solidFill>
+              <a:schemeClr val="tx1"/>
+            </a:solidFill>
+          </a:ln>
+        </p:spPr>
+        <p:txBody>
+          <a:bodyPr rot="0" spcFirstLastPara="0" vertOverflow="overflow" horzOverflow="overflow" vert="horz" wrap="square" lIns="91440" tIns="45720" rIns="91440" bIns="45720" numCol="1" spcCol="0" rtlCol="0" fromWordArt="0" anchor="t" anchorCtr="0" forceAA="0" compatLnSpc="1">
+            <a:prstTxWarp prst="textNoShape">
+              <a:avLst/>
+            </a:prstTxWarp>
+            <a:spAutoFit/>
+          </a:bodyPr>
+          <a:lstStyle/>
+          <a:p>
+            <a:r>
+              <a:rPr lang="en-US" sz="1600" b="1" dirty="0">
+                <a:latin typeface="Calibri body"/>
+                <a:ea typeface="+mn-lt"/>
+                <a:cs typeface="+mn-lt"/>
+              </a:rPr>
+              <a:t>WITH RETURN TO CALLER </a:t>
+            </a:r>
+            <a:r>
+              <a:rPr lang="en-US" sz="1600" dirty="0">
+                <a:latin typeface="Calibri body"/>
+                <a:ea typeface="+mn-lt"/>
+                <a:cs typeface="+mn-lt"/>
+              </a:rPr>
+              <a:t>:</a:t>
+            </a:r>
+            <a:br>
+              <a:rPr lang="en-US" sz="1600" dirty="0">
+                <a:latin typeface="Calibri body"/>
+                <a:ea typeface="+mn-lt"/>
+                <a:cs typeface="+mn-lt"/>
+              </a:rPr>
+            </a:br>
+            <a:r>
+              <a:rPr lang="en-US" sz="1600" dirty="0">
+                <a:latin typeface="Calibri body"/>
+                <a:ea typeface="+mn-lt"/>
+                <a:cs typeface="+mn-lt"/>
+              </a:rPr>
+              <a:t> – </a:t>
+            </a:r>
+            <a:r>
+              <a:rPr lang="en-US" sz="1100" dirty="0">
+                <a:latin typeface="Courier New"/>
+                <a:ea typeface="+mn-lt"/>
+                <a:cs typeface="+mn-lt"/>
+              </a:rPr>
+              <a:t>DECLARE c1 CURSOR FOR WITH RETURN TO CALLER SELECT * FROM t1</a:t>
+            </a:r>
+            <a:endParaRPr lang="en-US" sz="1100" dirty="0">
+              <a:latin typeface="Courier New"/>
+              <a:ea typeface="+mn-lt"/>
+              <a:cs typeface="Courier New"/>
+            </a:endParaRPr>
+          </a:p>
+          <a:p>
+            <a:r>
+              <a:rPr lang="en-US" sz="1100" dirty="0">
+                <a:latin typeface="Courier New"/>
+                <a:ea typeface="+mn-lt"/>
+                <a:cs typeface="+mn-lt"/>
+              </a:rPr>
+              <a:t> </a:t>
+            </a:r>
+            <a:br>
+              <a:rPr lang="en-US" sz="1100" dirty="0">
+                <a:latin typeface="Courier New"/>
+                <a:ea typeface="+mn-lt"/>
+                <a:cs typeface="+mn-lt"/>
+              </a:rPr>
+            </a:br>
+            <a:r>
+              <a:rPr lang="en-US" sz="1100" dirty="0">
+                <a:latin typeface="Courier New"/>
+                <a:ea typeface="+mn-lt"/>
+                <a:cs typeface="+mn-lt"/>
+              </a:rPr>
+              <a:t> – SET RESULT SETS WITH RETURN TO CALLER </a:t>
+            </a:r>
+            <a:endParaRPr lang="en-US" sz="1100" dirty="0">
+              <a:latin typeface="Courier New"/>
+              <a:ea typeface="+mn-lt"/>
+              <a:cs typeface="Courier New"/>
+            </a:endParaRPr>
+          </a:p>
+          <a:p>
+            <a:r>
+              <a:rPr lang="en-US" sz="1100" dirty="0">
+                <a:latin typeface="Courier New"/>
+                <a:ea typeface="+mn-lt"/>
+                <a:cs typeface="+mn-lt"/>
+              </a:rPr>
+              <a:t>         FOR ARRAY :array1 FOR :hv1 ROWS</a:t>
+            </a:r>
+            <a:endParaRPr lang="en-US" sz="1100" dirty="0">
+              <a:latin typeface="Courier New"/>
+              <a:cs typeface="Courier New"/>
+            </a:endParaRPr>
+          </a:p>
+          <a:p>
+            <a:br>
+              <a:rPr lang="en-US" sz="1600" dirty="0">
+                <a:latin typeface="Calibri body"/>
+              </a:rPr>
+            </a:br>
+            <a:r>
+              <a:rPr lang="en-US" sz="1600" b="1" dirty="0">
+                <a:latin typeface="Calibri body"/>
+                <a:ea typeface="+mn-lt"/>
+                <a:cs typeface="+mn-lt"/>
+              </a:rPr>
+              <a:t>WITH RETURN TO CLIENT :</a:t>
+            </a:r>
+          </a:p>
+          <a:p>
+            <a:endParaRPr lang="en-US" sz="1600" dirty="0">
+              <a:latin typeface="Calibri body"/>
+              <a:ea typeface="+mn-lt"/>
+              <a:cs typeface="+mn-lt"/>
+            </a:endParaRPr>
+          </a:p>
+          <a:p>
+            <a:r>
+              <a:rPr lang="en-US" sz="1100" dirty="0">
+                <a:latin typeface="Courier New"/>
+                <a:ea typeface="+mn-lt"/>
+                <a:cs typeface="+mn-lt"/>
+              </a:rPr>
+              <a:t>– DECLARE c1 CURSOR FOR WITH RETURN TO CLIENT SELECT * FROM t1 </a:t>
+            </a:r>
+          </a:p>
+          <a:p>
+            <a:br>
+              <a:rPr lang="en-US" sz="1100" dirty="0">
+                <a:latin typeface="Courier New"/>
+                <a:ea typeface="+mn-lt"/>
+                <a:cs typeface="+mn-lt"/>
+              </a:rPr>
+            </a:br>
+            <a:r>
+              <a:rPr lang="en-US" sz="1100" dirty="0">
+                <a:latin typeface="Courier New"/>
+                <a:ea typeface="+mn-lt"/>
+                <a:cs typeface="+mn-lt"/>
+              </a:rPr>
+              <a:t> – SET RESULT SETS WITH RETURN TO CLIENT FOR CURSOR c1</a:t>
+            </a:r>
+            <a:endParaRPr lang="en-US" sz="1100" dirty="0">
+              <a:latin typeface="Courier New"/>
+              <a:cs typeface="Calibri"/>
+            </a:endParaRPr>
+          </a:p>
+          <a:p>
+            <a:pPr algn="l">
+              <a:lnSpc>
+                <a:spcPct val="150000"/>
+              </a:lnSpc>
+            </a:pPr>
+            <a:endParaRPr lang="en-US" sz="1600" dirty="0">
+              <a:solidFill>
+                <a:srgbClr val="3333CC"/>
+              </a:solidFill>
+              <a:latin typeface="Calibri  "/>
+              <a:ea typeface="ＭＳ Ｐゴシック" panose="020B0600070205080204" pitchFamily="34" charset="-128"/>
+            </a:endParaRPr>
+          </a:p>
+        </p:txBody>
+      </p:sp>
     </p:spTree>
     <p:extLst>
       <p:ext uri="{BB962C8B-B14F-4D97-AF65-F5344CB8AC3E}">
-        <p14:creationId xmlns:p14="http://schemas.microsoft.com/office/powerpoint/2010/main" val="2942226510"/>
+        <p14:creationId xmlns:p14="http://schemas.microsoft.com/office/powerpoint/2010/main" val="1364940831"/>
       </p:ext>
     </p:extLst>
   </p:cSld>
@@ -12610,7 +12669,7 @@
         </p:nvSpPr>
         <p:spPr>
           <a:xfrm>
-            <a:off x="257806" y="767772"/>
+            <a:off x="625668" y="817059"/>
             <a:ext cx="6866431" cy="923330"/>
           </a:xfrm>
           <a:prstGeom prst="rect">
@@ -12662,7 +12721,7 @@
           <p:cNvPr id="2" name="TextBox 1">
             <a:extLst>
               <a:ext uri="{FF2B5EF4-FFF2-40B4-BE49-F238E27FC236}">
-                <a16:creationId xmlns:a16="http://schemas.microsoft.com/office/drawing/2014/main" id="{754F7D02-7F03-D1B8-2A24-8AE0FDB9B423}"/>
+                <a16:creationId xmlns:a16="http://schemas.microsoft.com/office/drawing/2014/main" id="{5EFECCBF-09E4-DD41-A9E8-19A77C991D4A}"/>
               </a:ext>
             </a:extLst>
           </p:cNvPr>
@@ -12671,97 +12730,8 @@
         </p:nvSpPr>
         <p:spPr>
           <a:xfrm>
-            <a:off x="655956" y="2057394"/>
-            <a:ext cx="7525734" cy="646331"/>
-          </a:xfrm>
-          <a:prstGeom prst="rect">
-            <a:avLst/>
-          </a:prstGeom>
-          <a:noFill/>
-        </p:spPr>
-        <p:txBody>
-          <a:bodyPr wrap="square" lIns="91440" tIns="45720" rIns="91440" bIns="45720" anchor="t">
-            <a:spAutoFit/>
-          </a:bodyPr>
-          <a:lstStyle/>
-          <a:p>
-            <a:pPr>
-              <a:tabLst>
-                <a:tab pos="457200" algn="l"/>
-              </a:tabLst>
-            </a:pPr>
-            <a:r>
-              <a:rPr lang="en-US" dirty="0">
-                <a:ea typeface="+mn-lt"/>
-                <a:cs typeface="+mn-lt"/>
-              </a:rPr>
-              <a:t>Return to caller vs Return to client</a:t>
-            </a:r>
-            <a:endParaRPr lang="en-US" dirty="0">
-              <a:cs typeface="Calibri" panose="020F0502020204030204"/>
-            </a:endParaRPr>
-          </a:p>
-          <a:p>
-            <a:pPr marR="0" lvl="0">
-              <a:spcBef>
-                <a:spcPts val="0"/>
-              </a:spcBef>
-              <a:tabLst>
-                <a:tab pos="457200" algn="l"/>
-              </a:tabLst>
-            </a:pPr>
-            <a:endParaRPr lang="en-US" altLang="en-US" dirty="0">
-              <a:latin typeface="Calibri  "/>
-            </a:endParaRPr>
-          </a:p>
-        </p:txBody>
-      </p:sp>
-      <p:pic>
-        <p:nvPicPr>
-          <p:cNvPr id="3" name="Picture 2" descr="A diagram of a call center&#10;&#10;Description automatically generated">
-            <a:extLst>
-              <a:ext uri="{FF2B5EF4-FFF2-40B4-BE49-F238E27FC236}">
-                <a16:creationId xmlns:a16="http://schemas.microsoft.com/office/drawing/2014/main" id="{A527DBC9-25D1-E0B6-AB2F-12017A6346B2}"/>
-              </a:ext>
-            </a:extLst>
-          </p:cNvPr>
-          <p:cNvPicPr>
-            <a:picLocks noChangeAspect="1"/>
-          </p:cNvPicPr>
-          <p:nvPr/>
-        </p:nvPicPr>
-        <p:blipFill>
-          <a:blip r:embed="rId3"/>
-          <a:stretch>
-            <a:fillRect/>
-          </a:stretch>
-        </p:blipFill>
-        <p:spPr>
-          <a:xfrm>
-            <a:off x="6121677" y="2981238"/>
-            <a:ext cx="6070323" cy="3056696"/>
-          </a:xfrm>
-          <a:prstGeom prst="rect">
-            <a:avLst/>
-          </a:prstGeom>
-        </p:spPr>
-      </p:pic>
-      <p:sp>
-        <p:nvSpPr>
-          <p:cNvPr id="7" name="TextBox 6">
-            <a:extLst>
-              <a:ext uri="{FF2B5EF4-FFF2-40B4-BE49-F238E27FC236}">
-                <a16:creationId xmlns:a16="http://schemas.microsoft.com/office/drawing/2014/main" id="{8B484076-9108-4002-3FCE-84A28745120B}"/>
-              </a:ext>
-            </a:extLst>
-          </p:cNvPr>
-          <p:cNvSpPr txBox="1"/>
-          <p:nvPr/>
-        </p:nvSpPr>
-        <p:spPr>
-          <a:xfrm>
-            <a:off x="493184" y="2583792"/>
-            <a:ext cx="5611054" cy="2670218"/>
+            <a:off x="703085" y="2118892"/>
+            <a:ext cx="9242601" cy="3788858"/>
           </a:xfrm>
           <a:prstGeom prst="rect">
             <a:avLst/>
@@ -12769,7 +12739,225 @@
           <a:solidFill>
             <a:schemeClr val="bg1"/>
           </a:solidFill>
-          <a:ln w="6350">
+        </p:spPr>
+        <p:txBody>
+          <a:bodyPr wrap="square" lIns="91440" tIns="45720" rIns="91440" bIns="45720" anchor="t">
+            <a:spAutoFit/>
+          </a:bodyPr>
+          <a:lstStyle/>
+          <a:p>
+            <a:pPr>
+              <a:lnSpc>
+                <a:spcPct val="150000"/>
+              </a:lnSpc>
+            </a:pPr>
+            <a:r>
+              <a:rPr lang="en-US" altLang="en-US" sz="2400" dirty="0">
+                <a:latin typeface="Calibri  "/>
+                <a:ea typeface="ＭＳ Ｐゴシック"/>
+              </a:rPr>
+              <a:t>Arrays :- </a:t>
+            </a:r>
+            <a:r>
+              <a:rPr lang="en-US" dirty="0">
+                <a:solidFill>
+                  <a:srgbClr val="161616"/>
+                </a:solidFill>
+                <a:ea typeface="+mn-lt"/>
+                <a:cs typeface="+mn-lt"/>
+              </a:rPr>
+              <a:t>A</a:t>
+            </a:r>
+            <a:r>
+              <a:rPr lang="en-US" dirty="0">
+                <a:ea typeface="+mn-lt"/>
+                <a:cs typeface="+mn-lt"/>
+              </a:rPr>
+              <a:t>n array is an ordered set of elements of a single built-in data type. </a:t>
+            </a:r>
+          </a:p>
+          <a:p>
+            <a:r>
+              <a:rPr lang="en-US" b="1" dirty="0">
+                <a:solidFill>
+                  <a:srgbClr val="161616"/>
+                </a:solidFill>
+                <a:latin typeface="Calibri body"/>
+                <a:ea typeface="+mn-lt"/>
+                <a:cs typeface="+mn-lt"/>
+              </a:rPr>
+              <a:t>Arrays can be used only in the following contexts:</a:t>
+            </a:r>
+            <a:endParaRPr lang="en-US" b="1" dirty="0">
+              <a:latin typeface="Calibri body"/>
+            </a:endParaRPr>
+          </a:p>
+          <a:p>
+            <a:pPr marL="285750" indent="-285750">
+              <a:buFont typeface="Wingdings"/>
+              <a:buChar char="Ø"/>
+            </a:pPr>
+            <a:r>
+              <a:rPr lang="en-US" dirty="0">
+                <a:latin typeface="Calibri body"/>
+                <a:ea typeface="+mn-lt"/>
+                <a:cs typeface="+mn-lt"/>
+              </a:rPr>
+              <a:t>Parameters to SQL functions</a:t>
+            </a:r>
+            <a:endParaRPr lang="en-US" dirty="0">
+              <a:latin typeface="Calibri body"/>
+            </a:endParaRPr>
+          </a:p>
+          <a:p>
+            <a:pPr marL="285750" indent="-285750">
+              <a:buFont typeface="Wingdings"/>
+              <a:buChar char="Ø"/>
+            </a:pPr>
+            <a:endParaRPr lang="en-US" dirty="0">
+              <a:latin typeface="Calibri body"/>
+              <a:ea typeface="+mn-lt"/>
+              <a:cs typeface="+mn-lt"/>
+            </a:endParaRPr>
+          </a:p>
+          <a:p>
+            <a:pPr marL="285750" indent="-285750">
+              <a:buFont typeface="Wingdings"/>
+              <a:buChar char="Ø"/>
+            </a:pPr>
+            <a:r>
+              <a:rPr lang="en-US" dirty="0">
+                <a:latin typeface="Calibri body"/>
+                <a:ea typeface="+mn-lt"/>
+                <a:cs typeface="+mn-lt"/>
+              </a:rPr>
+              <a:t>RETURN data types from SQL functions</a:t>
+            </a:r>
+            <a:endParaRPr lang="en-US" dirty="0">
+              <a:latin typeface="Calibri body"/>
+            </a:endParaRPr>
+          </a:p>
+          <a:p>
+            <a:pPr marL="285750" indent="-285750">
+              <a:buFont typeface="Wingdings"/>
+              <a:buChar char="Ø"/>
+            </a:pPr>
+            <a:endParaRPr lang="en-US" dirty="0">
+              <a:latin typeface="Calibri body"/>
+              <a:ea typeface="+mn-lt"/>
+              <a:cs typeface="+mn-lt"/>
+            </a:endParaRPr>
+          </a:p>
+          <a:p>
+            <a:pPr marL="285750" indent="-285750">
+              <a:buFont typeface="Wingdings"/>
+              <a:buChar char="Ø"/>
+            </a:pPr>
+            <a:r>
+              <a:rPr lang="en-US" dirty="0">
+                <a:latin typeface="Calibri body"/>
+                <a:ea typeface="+mn-lt"/>
+                <a:cs typeface="+mn-lt"/>
+              </a:rPr>
+              <a:t>Parameters to SQL procedures</a:t>
+            </a:r>
+            <a:endParaRPr lang="en-US" dirty="0">
+              <a:latin typeface="Calibri body"/>
+            </a:endParaRPr>
+          </a:p>
+          <a:p>
+            <a:pPr marL="285750" indent="-285750">
+              <a:buFont typeface="Wingdings"/>
+              <a:buChar char="Ø"/>
+            </a:pPr>
+            <a:endParaRPr lang="en-US" dirty="0">
+              <a:latin typeface="Calibri body"/>
+              <a:ea typeface="+mn-lt"/>
+              <a:cs typeface="+mn-lt"/>
+            </a:endParaRPr>
+          </a:p>
+          <a:p>
+            <a:pPr marL="285750" indent="-285750">
+              <a:buFont typeface="Wingdings"/>
+              <a:buChar char="Ø"/>
+            </a:pPr>
+            <a:r>
+              <a:rPr lang="en-US" dirty="0">
+                <a:latin typeface="Calibri body"/>
+                <a:ea typeface="+mn-lt"/>
+                <a:cs typeface="+mn-lt"/>
+              </a:rPr>
+              <a:t>SQL variables that are declared in SQL functions</a:t>
+            </a:r>
+            <a:endParaRPr lang="en-US" dirty="0">
+              <a:latin typeface="Calibri body"/>
+            </a:endParaRPr>
+          </a:p>
+          <a:p>
+            <a:pPr marL="285750" indent="-285750">
+              <a:buFont typeface="Wingdings"/>
+              <a:buChar char="Ø"/>
+            </a:pPr>
+            <a:endParaRPr lang="en-US" dirty="0">
+              <a:latin typeface="Calibri body"/>
+              <a:ea typeface="+mn-lt"/>
+              <a:cs typeface="+mn-lt"/>
+            </a:endParaRPr>
+          </a:p>
+          <a:p>
+            <a:pPr marL="285750" indent="-285750">
+              <a:buFont typeface="Wingdings"/>
+              <a:buChar char="Ø"/>
+            </a:pPr>
+            <a:r>
+              <a:rPr lang="en-US" dirty="0">
+                <a:latin typeface="Calibri body"/>
+                <a:ea typeface="+mn-lt"/>
+                <a:cs typeface="+mn-lt"/>
+              </a:rPr>
+              <a:t>SQL variables that are declared in SQL procedures</a:t>
+            </a:r>
+            <a:endParaRPr lang="en-US" dirty="0">
+              <a:latin typeface="Calibri body"/>
+            </a:endParaRPr>
+          </a:p>
+          <a:p>
+            <a:pPr>
+              <a:lnSpc>
+                <a:spcPct val="150000"/>
+              </a:lnSpc>
+            </a:pPr>
+            <a:endParaRPr lang="en-US" dirty="0">
+              <a:ea typeface="+mn-lt"/>
+              <a:cs typeface="+mn-lt"/>
+            </a:endParaRPr>
+          </a:p>
+        </p:txBody>
+      </p:sp>
+      <p:sp>
+        <p:nvSpPr>
+          <p:cNvPr id="3" name="TextBox 2">
+            <a:extLst>
+              <a:ext uri="{FF2B5EF4-FFF2-40B4-BE49-F238E27FC236}">
+                <a16:creationId xmlns:a16="http://schemas.microsoft.com/office/drawing/2014/main" id="{163915AC-9DAB-E0EE-A34D-8CA6518385C9}"/>
+              </a:ext>
+            </a:extLst>
+          </p:cNvPr>
+          <p:cNvSpPr txBox="1"/>
+          <p:nvPr/>
+        </p:nvSpPr>
+        <p:spPr>
+          <a:xfrm>
+            <a:off x="5967783" y="3353715"/>
+            <a:ext cx="5549728" cy="2887329"/>
+          </a:xfrm>
+          <a:prstGeom prst="rect">
+            <a:avLst/>
+          </a:prstGeom>
+          <a:solidFill>
+            <a:schemeClr val="bg1"/>
+          </a:solidFill>
+          <a:ln w="12700">
             <a:solidFill>
               <a:schemeClr val="tx1"/>
             </a:solidFill>
@@ -12784,160 +12972,171 @@
           </a:bodyPr>
           <a:lstStyle/>
           <a:p>
-            <a:r>
-              <a:rPr lang="en-US" sz="1600" b="1" dirty="0">
+            <a:pPr>
+              <a:lnSpc>
+                <a:spcPct val="150000"/>
+              </a:lnSpc>
+            </a:pPr>
+            <a:r>
+              <a:rPr lang="en-US" sz="900">
+                <a:solidFill>
+                  <a:srgbClr val="F4F4F4"/>
+                </a:solidFill>
+                <a:ea typeface="+mn-lt"/>
+                <a:cs typeface="+mn-lt"/>
+              </a:rPr>
+              <a:t>-D</a:t>
+            </a:r>
+            <a:endParaRPr lang="en-US" sz="1100">
+              <a:latin typeface="Courier New"/>
+              <a:ea typeface="+mn-lt"/>
+              <a:cs typeface="Calibri"/>
+            </a:endParaRPr>
+          </a:p>
+          <a:p>
+            <a:pPr>
+              <a:lnSpc>
+                <a:spcPct val="150000"/>
+              </a:lnSpc>
+            </a:pPr>
+            <a:r>
+              <a:rPr lang="en-US">
                 <a:latin typeface="Calibri body"/>
                 <a:ea typeface="+mn-lt"/>
                 <a:cs typeface="+mn-lt"/>
               </a:rPr>
-              <a:t>WITH RETURN TO CALLER </a:t>
-            </a:r>
-            <a:r>
-              <a:rPr lang="en-US" sz="1600" dirty="0">
-                <a:latin typeface="Calibri body"/>
-                <a:ea typeface="+mn-lt"/>
-                <a:cs typeface="+mn-lt"/>
-              </a:rPr>
-              <a:t>:</a:t>
-            </a:r>
-            <a:br>
-              <a:rPr lang="en-US" sz="1600" dirty="0">
-                <a:latin typeface="Calibri body"/>
-                <a:ea typeface="+mn-lt"/>
-                <a:cs typeface="+mn-lt"/>
-              </a:rPr>
-            </a:br>
-            <a:r>
-              <a:rPr lang="en-US" sz="1600" dirty="0">
-                <a:latin typeface="Calibri body"/>
-                <a:ea typeface="+mn-lt"/>
-                <a:cs typeface="+mn-lt"/>
-              </a:rPr>
-              <a:t> – </a:t>
-            </a:r>
-            <a:r>
-              <a:rPr lang="en-US" sz="1100" dirty="0">
+              <a:t>Declaring Array of Integer </a:t>
+            </a:r>
+            <a:endParaRPr lang="en-US">
+              <a:latin typeface="Courier New"/>
+              <a:ea typeface="+mn-lt"/>
+              <a:cs typeface="+mn-lt"/>
+            </a:endParaRPr>
+          </a:p>
+          <a:p>
+            <a:pPr>
+              <a:lnSpc>
+                <a:spcPct val="150000"/>
+              </a:lnSpc>
+            </a:pPr>
+            <a:r>
+              <a:rPr lang="en-US" sz="1100">
                 <a:latin typeface="Courier New"/>
                 <a:ea typeface="+mn-lt"/>
                 <a:cs typeface="+mn-lt"/>
               </a:rPr>
-              <a:t>DECLARE c1 CURSOR FOR WITH RETURN TO CALLER SELECT * FROM t1</a:t>
-            </a:r>
-            <a:endParaRPr lang="en-US" sz="1100" dirty="0">
+              <a:t>CREATE TYPE INTARRAY AS INTEGER ARRAY[100]; </a:t>
+            </a:r>
+            <a:endParaRPr lang="en-US" sz="1100">
               <a:latin typeface="Courier New"/>
               <a:ea typeface="+mn-lt"/>
               <a:cs typeface="Courier New"/>
             </a:endParaRPr>
           </a:p>
           <a:p>
-            <a:r>
-              <a:rPr lang="en-US" sz="1100" dirty="0">
+            <a:pPr>
+              <a:lnSpc>
+                <a:spcPct val="150000"/>
+              </a:lnSpc>
+            </a:pPr>
+            <a:r>
+              <a:rPr lang="en-US" sz="1100">
                 <a:latin typeface="Courier New"/>
                 <a:ea typeface="+mn-lt"/>
                 <a:cs typeface="+mn-lt"/>
               </a:rPr>
-              <a:t> </a:t>
-            </a:r>
-            <a:br>
-              <a:rPr lang="en-US" sz="1100" dirty="0">
-                <a:latin typeface="Courier New"/>
-                <a:ea typeface="+mn-lt"/>
-                <a:cs typeface="+mn-lt"/>
-              </a:rPr>
-            </a:br>
-            <a:r>
-              <a:rPr lang="en-US" sz="1100" dirty="0">
-                <a:latin typeface="Courier New"/>
-                <a:ea typeface="+mn-lt"/>
-                <a:cs typeface="+mn-lt"/>
-              </a:rPr>
-              <a:t> – SET RESULT SETS WITH RETURN TO CALLER </a:t>
-            </a:r>
-            <a:endParaRPr lang="en-US" sz="1100" dirty="0">
+              <a:t>-- IN AN SQL PROCEDURE, DEFINE ARRAY INTA OF THE INTARRAY TYPE </a:t>
+            </a:r>
+            <a:endParaRPr lang="en-US" sz="1100">
               <a:latin typeface="Courier New"/>
               <a:ea typeface="+mn-lt"/>
               <a:cs typeface="Courier New"/>
             </a:endParaRPr>
           </a:p>
           <a:p>
-            <a:r>
-              <a:rPr lang="en-US" sz="1100" dirty="0">
-                <a:latin typeface="Courier New"/>
-                <a:ea typeface="+mn-lt"/>
-                <a:cs typeface="+mn-lt"/>
-              </a:rPr>
-              <a:t>         FOR ARRAY :array1 FOR :hv1 ROWS</a:t>
-            </a:r>
-            <a:endParaRPr lang="en-US" sz="1100" dirty="0">
-              <a:latin typeface="Courier New"/>
-              <a:cs typeface="Courier New"/>
-            </a:endParaRPr>
-          </a:p>
-          <a:p>
-            <a:br>
-              <a:rPr lang="en-US" sz="1600" dirty="0">
-                <a:latin typeface="Calibri body"/>
-              </a:rPr>
-            </a:br>
-            <a:r>
-              <a:rPr lang="en-US" sz="1600" b="1" dirty="0">
-                <a:latin typeface="Calibri body"/>
-                <a:ea typeface="+mn-lt"/>
-                <a:cs typeface="+mn-lt"/>
-              </a:rPr>
-              <a:t>WITH RETURN TO CLIENT :</a:t>
-            </a:r>
-          </a:p>
-          <a:p>
-            <a:endParaRPr lang="en-US" sz="1600" dirty="0">
-              <a:latin typeface="Calibri body"/>
-              <a:ea typeface="+mn-lt"/>
-              <a:cs typeface="+mn-lt"/>
-            </a:endParaRPr>
-          </a:p>
-          <a:p>
-            <a:r>
-              <a:rPr lang="en-US" sz="1100" dirty="0">
-                <a:latin typeface="Courier New"/>
-                <a:ea typeface="+mn-lt"/>
-                <a:cs typeface="+mn-lt"/>
-              </a:rPr>
-              <a:t>– DECLARE c1 CURSOR FOR WITH RETURN TO CLIENT SELECT * FROM t1 </a:t>
-            </a:r>
-          </a:p>
-          <a:p>
-            <a:br>
-              <a:rPr lang="en-US" sz="1100" dirty="0">
-                <a:latin typeface="Courier New"/>
-                <a:ea typeface="+mn-lt"/>
-                <a:cs typeface="+mn-lt"/>
-              </a:rPr>
-            </a:br>
-            <a:r>
-              <a:rPr lang="en-US" sz="1100" dirty="0">
-                <a:latin typeface="Courier New"/>
-                <a:ea typeface="+mn-lt"/>
-                <a:cs typeface="+mn-lt"/>
-              </a:rPr>
-              <a:t> – SET RESULT SETS WITH RETURN TO CLIENT FOR CURSOR c1</a:t>
-            </a:r>
-            <a:endParaRPr lang="en-US" sz="1100" dirty="0">
-              <a:latin typeface="Courier New"/>
-              <a:cs typeface="Calibri"/>
-            </a:endParaRPr>
-          </a:p>
-          <a:p>
-            <a:pPr algn="l">
+            <a:pPr>
               <a:lnSpc>
                 <a:spcPct val="150000"/>
               </a:lnSpc>
             </a:pPr>
-            <a:endParaRPr lang="en-US" sz="1600" dirty="0">
-              <a:solidFill>
-                <a:srgbClr val="3333CC"/>
-              </a:solidFill>
-              <a:latin typeface="Calibri  "/>
-              <a:ea typeface="ＭＳ Ｐゴシック" panose="020B0600070205080204" pitchFamily="34" charset="-128"/>
+            <a:r>
+              <a:rPr lang="en-US" sz="1100">
+                <a:latin typeface="Courier New"/>
+                <a:ea typeface="+mn-lt"/>
+                <a:cs typeface="+mn-lt"/>
+              </a:rPr>
+              <a:t>DECLARE INTA INTARRAY; </a:t>
+            </a:r>
+            <a:endParaRPr lang="en-US" sz="1100">
+              <a:latin typeface="Courier New"/>
+              <a:ea typeface="+mn-lt"/>
+              <a:cs typeface="Courier New"/>
+            </a:endParaRPr>
+          </a:p>
+          <a:p>
+            <a:pPr>
+              <a:lnSpc>
+                <a:spcPct val="150000"/>
+              </a:lnSpc>
+            </a:pPr>
+            <a:endParaRPr lang="en-US" sz="1100">
+              <a:latin typeface="Courier New"/>
+              <a:ea typeface="+mn-lt"/>
+              <a:cs typeface="+mn-lt"/>
+            </a:endParaRPr>
+          </a:p>
+          <a:p>
+            <a:pPr>
+              <a:lnSpc>
+                <a:spcPct val="150000"/>
+              </a:lnSpc>
+            </a:pPr>
+            <a:r>
+              <a:rPr lang="en-US">
+                <a:ea typeface="+mn-lt"/>
+                <a:cs typeface="+mn-lt"/>
+              </a:rPr>
+              <a:t>Declaring Array of Char</a:t>
+            </a:r>
+            <a:endParaRPr lang="en-US"/>
+          </a:p>
+          <a:p>
+            <a:pPr>
+              <a:lnSpc>
+                <a:spcPct val="150000"/>
+              </a:lnSpc>
+            </a:pPr>
+            <a:r>
+              <a:rPr lang="en-US" sz="1100">
+                <a:latin typeface="Courier New"/>
+                <a:ea typeface="+mn-lt"/>
+                <a:cs typeface="+mn-lt"/>
+              </a:rPr>
+              <a:t>CREATE TYPE CHARARRAY AS CHAR(10) ARRAY[VARCHAR(10)]; </a:t>
+            </a:r>
+            <a:endParaRPr lang="en-US" sz="1100">
+              <a:latin typeface="Courier New"/>
+              <a:ea typeface="+mn-lt"/>
+              <a:cs typeface="Courier New"/>
+            </a:endParaRPr>
+          </a:p>
+          <a:p>
+            <a:pPr>
+              <a:lnSpc>
+                <a:spcPct val="150000"/>
+              </a:lnSpc>
+            </a:pPr>
+            <a:r>
+              <a:rPr lang="en-US" sz="1100">
+                <a:latin typeface="Courier New"/>
+                <a:ea typeface="+mn-lt"/>
+                <a:cs typeface="+mn-lt"/>
+              </a:rPr>
+              <a:t>-- IN AN SQL PROCEDURE, DEFINE ARRAY CHARA OF THE CHARARRAY TYPE DECLARE CHARA CHARARRAY;</a:t>
+            </a:r>
+            <a:endParaRPr lang="en-US" sz="1100">
+              <a:latin typeface="Courier New"/>
+              <a:cs typeface="Courier New"/>
             </a:endParaRPr>
           </a:p>
         </p:txBody>
@@ -12945,7 +13144,7 @@
     </p:spTree>
     <p:extLst>
       <p:ext uri="{BB962C8B-B14F-4D97-AF65-F5344CB8AC3E}">
-        <p14:creationId xmlns:p14="http://schemas.microsoft.com/office/powerpoint/2010/main" val="1364940831"/>
+        <p14:creationId xmlns:p14="http://schemas.microsoft.com/office/powerpoint/2010/main" val="1487104582"/>
       </p:ext>
     </p:extLst>
   </p:cSld>
@@ -13028,564 +13227,6 @@
         </p:nvSpPr>
         <p:spPr>
           <a:xfrm>
-            <a:off x="257806" y="767772"/>
-            <a:ext cx="6866431" cy="923330"/>
-          </a:xfrm>
-          <a:prstGeom prst="rect">
-            <a:avLst/>
-          </a:prstGeom>
-          <a:noFill/>
-        </p:spPr>
-        <p:txBody>
-          <a:bodyPr wrap="none" lIns="91440" tIns="45720" rIns="91440" bIns="45720">
-            <a:spAutoFit/>
-          </a:bodyPr>
-          <a:lstStyle/>
-          <a:p>
-            <a:pPr algn="ctr"/>
-            <a:r>
-              <a:rPr lang="en-US" sz="5400" dirty="0">
-                <a:ln w="0"/>
-                <a:solidFill>
-                  <a:schemeClr val="accent1"/>
-                </a:solidFill>
-                <a:effectLst>
-                  <a:outerShdw blurRad="38100" dist="25400" dir="5400000" algn="ctr" rotWithShape="0">
-                    <a:srgbClr val="6E747A">
-                      <a:alpha val="43000"/>
-                    </a:srgbClr>
-                  </a:outerShdw>
-                </a:effectLst>
-              </a:rPr>
-              <a:t>Enhancing Performance</a:t>
-            </a:r>
-            <a:endParaRPr lang="en-US" sz="5400" b="0" cap="none" spc="0" dirty="0">
-              <a:ln w="0"/>
-              <a:solidFill>
-                <a:schemeClr val="accent1"/>
-              </a:solidFill>
-              <a:effectLst>
-                <a:outerShdw blurRad="38100" dist="25400" dir="5400000" algn="ctr" rotWithShape="0">
-                  <a:srgbClr val="6E747A">
-                    <a:alpha val="43000"/>
-                  </a:srgbClr>
-                </a:outerShdw>
-              </a:effectLst>
-            </a:endParaRPr>
-          </a:p>
-        </p:txBody>
-      </p:sp>
-      <p:sp>
-        <p:nvSpPr>
-          <p:cNvPr id="2" name="TextBox 1">
-            <a:extLst>
-              <a:ext uri="{FF2B5EF4-FFF2-40B4-BE49-F238E27FC236}">
-                <a16:creationId xmlns:a16="http://schemas.microsoft.com/office/drawing/2014/main" id="{5EFECCBF-09E4-DD41-A9E8-19A77C991D4A}"/>
-              </a:ext>
-            </a:extLst>
-          </p:cNvPr>
-          <p:cNvSpPr txBox="1"/>
-          <p:nvPr/>
-        </p:nvSpPr>
-        <p:spPr>
-          <a:xfrm>
-            <a:off x="703085" y="2118892"/>
-            <a:ext cx="9242601" cy="3788858"/>
-          </a:xfrm>
-          <a:prstGeom prst="rect">
-            <a:avLst/>
-          </a:prstGeom>
-          <a:solidFill>
-            <a:schemeClr val="bg1"/>
-          </a:solidFill>
-        </p:spPr>
-        <p:txBody>
-          <a:bodyPr wrap="square" lIns="91440" tIns="45720" rIns="91440" bIns="45720" anchor="t">
-            <a:spAutoFit/>
-          </a:bodyPr>
-          <a:lstStyle/>
-          <a:p>
-            <a:pPr>
-              <a:lnSpc>
-                <a:spcPct val="150000"/>
-              </a:lnSpc>
-            </a:pPr>
-            <a:r>
-              <a:rPr lang="en-US" altLang="en-US" sz="2400" dirty="0">
-                <a:latin typeface="Calibri  "/>
-                <a:ea typeface="ＭＳ Ｐゴシック"/>
-              </a:rPr>
-              <a:t>Arrays :- </a:t>
-            </a:r>
-            <a:r>
-              <a:rPr lang="en-US" dirty="0">
-                <a:solidFill>
-                  <a:srgbClr val="161616"/>
-                </a:solidFill>
-                <a:ea typeface="+mn-lt"/>
-                <a:cs typeface="+mn-lt"/>
-              </a:rPr>
-              <a:t>A</a:t>
-            </a:r>
-            <a:r>
-              <a:rPr lang="en-US" dirty="0">
-                <a:ea typeface="+mn-lt"/>
-                <a:cs typeface="+mn-lt"/>
-              </a:rPr>
-              <a:t>n array is an ordered set of elements of a single built-in data type. </a:t>
-            </a:r>
-          </a:p>
-          <a:p>
-            <a:r>
-              <a:rPr lang="en-US" b="1" dirty="0">
-                <a:solidFill>
-                  <a:srgbClr val="161616"/>
-                </a:solidFill>
-                <a:latin typeface="Calibri body"/>
-                <a:ea typeface="+mn-lt"/>
-                <a:cs typeface="+mn-lt"/>
-              </a:rPr>
-              <a:t>Arrays can be used only in the following contexts:</a:t>
-            </a:r>
-            <a:endParaRPr lang="en-US" b="1" dirty="0">
-              <a:latin typeface="Calibri body"/>
-            </a:endParaRPr>
-          </a:p>
-          <a:p>
-            <a:pPr marL="285750" indent="-285750">
-              <a:buFont typeface="Wingdings"/>
-              <a:buChar char="Ø"/>
-            </a:pPr>
-            <a:r>
-              <a:rPr lang="en-US" dirty="0">
-                <a:latin typeface="Calibri body"/>
-                <a:ea typeface="+mn-lt"/>
-                <a:cs typeface="+mn-lt"/>
-              </a:rPr>
-              <a:t>Parameters to SQL functions</a:t>
-            </a:r>
-            <a:endParaRPr lang="en-US" dirty="0">
-              <a:latin typeface="Calibri body"/>
-            </a:endParaRPr>
-          </a:p>
-          <a:p>
-            <a:pPr marL="285750" indent="-285750">
-              <a:buFont typeface="Wingdings"/>
-              <a:buChar char="Ø"/>
-            </a:pPr>
-            <a:endParaRPr lang="en-US" dirty="0">
-              <a:latin typeface="Calibri body"/>
-              <a:ea typeface="+mn-lt"/>
-              <a:cs typeface="+mn-lt"/>
-            </a:endParaRPr>
-          </a:p>
-          <a:p>
-            <a:pPr marL="285750" indent="-285750">
-              <a:buFont typeface="Wingdings"/>
-              <a:buChar char="Ø"/>
-            </a:pPr>
-            <a:r>
-              <a:rPr lang="en-US" dirty="0">
-                <a:latin typeface="Calibri body"/>
-                <a:ea typeface="+mn-lt"/>
-                <a:cs typeface="+mn-lt"/>
-              </a:rPr>
-              <a:t>RETURN data types from SQL functions</a:t>
-            </a:r>
-            <a:endParaRPr lang="en-US" dirty="0">
-              <a:latin typeface="Calibri body"/>
-            </a:endParaRPr>
-          </a:p>
-          <a:p>
-            <a:pPr marL="285750" indent="-285750">
-              <a:buFont typeface="Wingdings"/>
-              <a:buChar char="Ø"/>
-            </a:pPr>
-            <a:endParaRPr lang="en-US" dirty="0">
-              <a:latin typeface="Calibri body"/>
-              <a:ea typeface="+mn-lt"/>
-              <a:cs typeface="+mn-lt"/>
-            </a:endParaRPr>
-          </a:p>
-          <a:p>
-            <a:pPr marL="285750" indent="-285750">
-              <a:buFont typeface="Wingdings"/>
-              <a:buChar char="Ø"/>
-            </a:pPr>
-            <a:r>
-              <a:rPr lang="en-US" dirty="0">
-                <a:latin typeface="Calibri body"/>
-                <a:ea typeface="+mn-lt"/>
-                <a:cs typeface="+mn-lt"/>
-              </a:rPr>
-              <a:t>Parameters to SQL procedures</a:t>
-            </a:r>
-            <a:endParaRPr lang="en-US" dirty="0">
-              <a:latin typeface="Calibri body"/>
-            </a:endParaRPr>
-          </a:p>
-          <a:p>
-            <a:pPr marL="285750" indent="-285750">
-              <a:buFont typeface="Wingdings"/>
-              <a:buChar char="Ø"/>
-            </a:pPr>
-            <a:endParaRPr lang="en-US" dirty="0">
-              <a:latin typeface="Calibri body"/>
-              <a:ea typeface="+mn-lt"/>
-              <a:cs typeface="+mn-lt"/>
-            </a:endParaRPr>
-          </a:p>
-          <a:p>
-            <a:pPr marL="285750" indent="-285750">
-              <a:buFont typeface="Wingdings"/>
-              <a:buChar char="Ø"/>
-            </a:pPr>
-            <a:r>
-              <a:rPr lang="en-US" dirty="0">
-                <a:latin typeface="Calibri body"/>
-                <a:ea typeface="+mn-lt"/>
-                <a:cs typeface="+mn-lt"/>
-              </a:rPr>
-              <a:t>SQL variables that are declared in SQL functions</a:t>
-            </a:r>
-            <a:endParaRPr lang="en-US" dirty="0">
-              <a:latin typeface="Calibri body"/>
-            </a:endParaRPr>
-          </a:p>
-          <a:p>
-            <a:pPr marL="285750" indent="-285750">
-              <a:buFont typeface="Wingdings"/>
-              <a:buChar char="Ø"/>
-            </a:pPr>
-            <a:endParaRPr lang="en-US" dirty="0">
-              <a:latin typeface="Calibri body"/>
-              <a:ea typeface="+mn-lt"/>
-              <a:cs typeface="+mn-lt"/>
-            </a:endParaRPr>
-          </a:p>
-          <a:p>
-            <a:pPr marL="285750" indent="-285750">
-              <a:buFont typeface="Wingdings"/>
-              <a:buChar char="Ø"/>
-            </a:pPr>
-            <a:r>
-              <a:rPr lang="en-US" dirty="0">
-                <a:latin typeface="Calibri body"/>
-                <a:ea typeface="+mn-lt"/>
-                <a:cs typeface="+mn-lt"/>
-              </a:rPr>
-              <a:t>SQL variables that are declared in SQL procedures</a:t>
-            </a:r>
-            <a:endParaRPr lang="en-US" dirty="0">
-              <a:latin typeface="Calibri body"/>
-            </a:endParaRPr>
-          </a:p>
-          <a:p>
-            <a:pPr>
-              <a:lnSpc>
-                <a:spcPct val="150000"/>
-              </a:lnSpc>
-            </a:pPr>
-            <a:endParaRPr lang="en-US" dirty="0">
-              <a:ea typeface="+mn-lt"/>
-              <a:cs typeface="+mn-lt"/>
-            </a:endParaRPr>
-          </a:p>
-        </p:txBody>
-      </p:sp>
-      <p:sp>
-        <p:nvSpPr>
-          <p:cNvPr id="3" name="TextBox 2">
-            <a:extLst>
-              <a:ext uri="{FF2B5EF4-FFF2-40B4-BE49-F238E27FC236}">
-                <a16:creationId xmlns:a16="http://schemas.microsoft.com/office/drawing/2014/main" id="{163915AC-9DAB-E0EE-A34D-8CA6518385C9}"/>
-              </a:ext>
-            </a:extLst>
-          </p:cNvPr>
-          <p:cNvSpPr txBox="1"/>
-          <p:nvPr/>
-        </p:nvSpPr>
-        <p:spPr>
-          <a:xfrm>
-            <a:off x="5967783" y="3353715"/>
-            <a:ext cx="5549728" cy="2887329"/>
-          </a:xfrm>
-          <a:prstGeom prst="rect">
-            <a:avLst/>
-          </a:prstGeom>
-          <a:solidFill>
-            <a:schemeClr val="bg1"/>
-          </a:solidFill>
-          <a:ln w="12700">
-            <a:solidFill>
-              <a:schemeClr val="tx1"/>
-            </a:solidFill>
-          </a:ln>
-        </p:spPr>
-        <p:txBody>
-          <a:bodyPr rot="0" spcFirstLastPara="0" vertOverflow="overflow" horzOverflow="overflow" vert="horz" wrap="square" lIns="91440" tIns="45720" rIns="91440" bIns="45720" numCol="1" spcCol="0" rtlCol="0" fromWordArt="0" anchor="t" anchorCtr="0" forceAA="0" compatLnSpc="1">
-            <a:prstTxWarp prst="textNoShape">
-              <a:avLst/>
-            </a:prstTxWarp>
-            <a:spAutoFit/>
-          </a:bodyPr>
-          <a:lstStyle/>
-          <a:p>
-            <a:pPr>
-              <a:lnSpc>
-                <a:spcPct val="150000"/>
-              </a:lnSpc>
-            </a:pPr>
-            <a:r>
-              <a:rPr lang="en-US" sz="900">
-                <a:solidFill>
-                  <a:srgbClr val="F4F4F4"/>
-                </a:solidFill>
-                <a:ea typeface="+mn-lt"/>
-                <a:cs typeface="+mn-lt"/>
-              </a:rPr>
-              <a:t>-D</a:t>
-            </a:r>
-            <a:endParaRPr lang="en-US" sz="1100">
-              <a:latin typeface="Courier New"/>
-              <a:ea typeface="+mn-lt"/>
-              <a:cs typeface="Calibri"/>
-            </a:endParaRPr>
-          </a:p>
-          <a:p>
-            <a:pPr>
-              <a:lnSpc>
-                <a:spcPct val="150000"/>
-              </a:lnSpc>
-            </a:pPr>
-            <a:r>
-              <a:rPr lang="en-US">
-                <a:latin typeface="Calibri body"/>
-                <a:ea typeface="+mn-lt"/>
-                <a:cs typeface="+mn-lt"/>
-              </a:rPr>
-              <a:t>Declaring Array of Integer </a:t>
-            </a:r>
-            <a:endParaRPr lang="en-US">
-              <a:latin typeface="Courier New"/>
-              <a:ea typeface="+mn-lt"/>
-              <a:cs typeface="+mn-lt"/>
-            </a:endParaRPr>
-          </a:p>
-          <a:p>
-            <a:pPr>
-              <a:lnSpc>
-                <a:spcPct val="150000"/>
-              </a:lnSpc>
-            </a:pPr>
-            <a:r>
-              <a:rPr lang="en-US" sz="1100">
-                <a:latin typeface="Courier New"/>
-                <a:ea typeface="+mn-lt"/>
-                <a:cs typeface="+mn-lt"/>
-              </a:rPr>
-              <a:t>CREATE TYPE INTARRAY AS INTEGER ARRAY[100]; </a:t>
-            </a:r>
-            <a:endParaRPr lang="en-US" sz="1100">
-              <a:latin typeface="Courier New"/>
-              <a:ea typeface="+mn-lt"/>
-              <a:cs typeface="Courier New"/>
-            </a:endParaRPr>
-          </a:p>
-          <a:p>
-            <a:pPr>
-              <a:lnSpc>
-                <a:spcPct val="150000"/>
-              </a:lnSpc>
-            </a:pPr>
-            <a:r>
-              <a:rPr lang="en-US" sz="1100">
-                <a:latin typeface="Courier New"/>
-                <a:ea typeface="+mn-lt"/>
-                <a:cs typeface="+mn-lt"/>
-              </a:rPr>
-              <a:t>-- IN AN SQL PROCEDURE, DEFINE ARRAY INTA OF THE INTARRAY TYPE </a:t>
-            </a:r>
-            <a:endParaRPr lang="en-US" sz="1100">
-              <a:latin typeface="Courier New"/>
-              <a:ea typeface="+mn-lt"/>
-              <a:cs typeface="Courier New"/>
-            </a:endParaRPr>
-          </a:p>
-          <a:p>
-            <a:pPr>
-              <a:lnSpc>
-                <a:spcPct val="150000"/>
-              </a:lnSpc>
-            </a:pPr>
-            <a:r>
-              <a:rPr lang="en-US" sz="1100">
-                <a:latin typeface="Courier New"/>
-                <a:ea typeface="+mn-lt"/>
-                <a:cs typeface="+mn-lt"/>
-              </a:rPr>
-              <a:t>DECLARE INTA INTARRAY; </a:t>
-            </a:r>
-            <a:endParaRPr lang="en-US" sz="1100">
-              <a:latin typeface="Courier New"/>
-              <a:ea typeface="+mn-lt"/>
-              <a:cs typeface="Courier New"/>
-            </a:endParaRPr>
-          </a:p>
-          <a:p>
-            <a:pPr>
-              <a:lnSpc>
-                <a:spcPct val="150000"/>
-              </a:lnSpc>
-            </a:pPr>
-            <a:endParaRPr lang="en-US" sz="1100">
-              <a:latin typeface="Courier New"/>
-              <a:ea typeface="+mn-lt"/>
-              <a:cs typeface="+mn-lt"/>
-            </a:endParaRPr>
-          </a:p>
-          <a:p>
-            <a:pPr>
-              <a:lnSpc>
-                <a:spcPct val="150000"/>
-              </a:lnSpc>
-            </a:pPr>
-            <a:r>
-              <a:rPr lang="en-US">
-                <a:ea typeface="+mn-lt"/>
-                <a:cs typeface="+mn-lt"/>
-              </a:rPr>
-              <a:t>Declaring Array of Char</a:t>
-            </a:r>
-            <a:endParaRPr lang="en-US"/>
-          </a:p>
-          <a:p>
-            <a:pPr>
-              <a:lnSpc>
-                <a:spcPct val="150000"/>
-              </a:lnSpc>
-            </a:pPr>
-            <a:r>
-              <a:rPr lang="en-US" sz="1100">
-                <a:latin typeface="Courier New"/>
-                <a:ea typeface="+mn-lt"/>
-                <a:cs typeface="+mn-lt"/>
-              </a:rPr>
-              <a:t>CREATE TYPE CHARARRAY AS CHAR(10) ARRAY[VARCHAR(10)]; </a:t>
-            </a:r>
-            <a:endParaRPr lang="en-US" sz="1100">
-              <a:latin typeface="Courier New"/>
-              <a:ea typeface="+mn-lt"/>
-              <a:cs typeface="Courier New"/>
-            </a:endParaRPr>
-          </a:p>
-          <a:p>
-            <a:pPr>
-              <a:lnSpc>
-                <a:spcPct val="150000"/>
-              </a:lnSpc>
-            </a:pPr>
-            <a:r>
-              <a:rPr lang="en-US" sz="1100">
-                <a:latin typeface="Courier New"/>
-                <a:ea typeface="+mn-lt"/>
-                <a:cs typeface="+mn-lt"/>
-              </a:rPr>
-              <a:t>-- IN AN SQL PROCEDURE, DEFINE ARRAY CHARA OF THE CHARARRAY TYPE DECLARE CHARA CHARARRAY;</a:t>
-            </a:r>
-            <a:endParaRPr lang="en-US" sz="1100">
-              <a:latin typeface="Courier New"/>
-              <a:cs typeface="Courier New"/>
-            </a:endParaRPr>
-          </a:p>
-        </p:txBody>
-      </p:sp>
-    </p:spTree>
-    <p:extLst>
-      <p:ext uri="{BB962C8B-B14F-4D97-AF65-F5344CB8AC3E}">
-        <p14:creationId xmlns:p14="http://schemas.microsoft.com/office/powerpoint/2010/main" val="1487104582"/>
-      </p:ext>
-    </p:extLst>
-  </p:cSld>
-  <p:clrMapOvr>
-    <a:masterClrMapping/>
-  </p:clrMapOvr>
-</p:sld>
-</file>
-
-<file path=ppt/slides/slide24.xml><?xml version="1.0" encoding="utf-8"?>
-<p:sld xmlns:a="http://schemas.openxmlformats.org/drawingml/2006/main" xmlns:r="http://schemas.openxmlformats.org/officeDocument/2006/relationships" xmlns:p="http://schemas.openxmlformats.org/presentationml/2006/main">
-  <p:cSld>
-    <p:spTree>
-      <p:nvGrpSpPr>
-        <p:cNvPr id="1" name="">
-          <a:extLst>
-            <a:ext uri="{FF2B5EF4-FFF2-40B4-BE49-F238E27FC236}">
-              <a16:creationId xmlns:a16="http://schemas.microsoft.com/office/drawing/2014/main" id="{6C520F80-B788-222D-A5D7-111D2CE74284}"/>
-            </a:ext>
-          </a:extLst>
-        </p:cNvPr>
-        <p:cNvGrpSpPr/>
-        <p:nvPr/>
-      </p:nvGrpSpPr>
-      <p:grpSpPr>
-        <a:xfrm>
-          <a:off x="0" y="0"/>
-          <a:ext cx="0" cy="0"/>
-          <a:chOff x="0" y="0"/>
-          <a:chExt cx="0" cy="0"/>
-        </a:xfrm>
-      </p:grpSpPr>
-      <p:pic>
-        <p:nvPicPr>
-          <p:cNvPr id="5" name="Picture 4">
-            <a:extLst>
-              <a:ext uri="{FF2B5EF4-FFF2-40B4-BE49-F238E27FC236}">
-                <a16:creationId xmlns:a16="http://schemas.microsoft.com/office/drawing/2014/main" id="{4CC5EA8B-374C-65E3-6F65-6B7FCFC3DA3A}"/>
-              </a:ext>
-            </a:extLst>
-          </p:cNvPr>
-          <p:cNvPicPr>
-            <a:picLocks noChangeAspect="1"/>
-          </p:cNvPicPr>
-          <p:nvPr/>
-        </p:nvPicPr>
-        <p:blipFill>
-          <a:blip r:embed="rId2">
-            <a:extLst>
-              <a:ext uri="{28A0092B-C50C-407E-A947-70E740481C1C}">
-                <a14:useLocalDpi xmlns:a14="http://schemas.microsoft.com/office/drawing/2010/main" val="0"/>
-              </a:ext>
-            </a:extLst>
-          </a:blip>
-          <a:stretch>
-            <a:fillRect/>
-          </a:stretch>
-        </p:blipFill>
-        <p:spPr>
-          <a:xfrm>
-            <a:off x="9513276" y="0"/>
-            <a:ext cx="2678723" cy="1050392"/>
-          </a:xfrm>
-          <a:prstGeom prst="rect">
-            <a:avLst/>
-          </a:prstGeom>
-        </p:spPr>
-      </p:pic>
-      <p:sp>
-        <p:nvSpPr>
-          <p:cNvPr id="4" name="Rectangle 3">
-            <a:extLst>
-              <a:ext uri="{FF2B5EF4-FFF2-40B4-BE49-F238E27FC236}">
-                <a16:creationId xmlns:a16="http://schemas.microsoft.com/office/drawing/2014/main" id="{123EAE75-907C-785D-CF2F-A693DA020E0B}"/>
-              </a:ext>
-            </a:extLst>
-          </p:cNvPr>
-          <p:cNvSpPr/>
-          <p:nvPr/>
-        </p:nvSpPr>
-        <p:spPr>
-          <a:xfrm>
             <a:off x="971596" y="767772"/>
             <a:ext cx="5438861" cy="923330"/>
           </a:xfrm>
@@ -13721,7 +13362,7 @@
                 </a:solidFill>
                 <a:latin typeface="-apple-system"/>
               </a:rPr>
-              <a:t> and Catalog tables</a:t>
+              <a:t> and Catalog tables are important</a:t>
             </a:r>
           </a:p>
           <a:p>
@@ -13779,7 +13420,7 @@
 </p:sld>
 </file>
 
-<file path=ppt/slides/slide25.xml><?xml version="1.0" encoding="utf-8"?>
+<file path=ppt/slides/slide24.xml><?xml version="1.0" encoding="utf-8"?>
 <p:sld xmlns:a="http://schemas.openxmlformats.org/drawingml/2006/main" xmlns:r="http://schemas.openxmlformats.org/officeDocument/2006/relationships" xmlns:p="http://schemas.openxmlformats.org/presentationml/2006/main">
   <p:cSld>
     <p:spTree>
@@ -14036,7 +13677,7 @@
 </p:sld>
 </file>
 
-<file path=ppt/slides/slide26.xml><?xml version="1.0" encoding="utf-8"?>
+<file path=ppt/slides/slide25.xml><?xml version="1.0" encoding="utf-8"?>
 <p:sld xmlns:a="http://schemas.openxmlformats.org/drawingml/2006/main" xmlns:r="http://schemas.openxmlformats.org/officeDocument/2006/relationships" xmlns:p="http://schemas.openxmlformats.org/presentationml/2006/main">
   <p:cSld>
     <p:spTree>
@@ -17758,14 +17399,6 @@
 </file>
 
 <file path=customXml/item2.xml><?xml version="1.0" encoding="utf-8"?>
-<p:properties xmlns:p="http://schemas.microsoft.com/office/2006/metadata/properties" xmlns:xsi="http://www.w3.org/2001/XMLSchema-instance" xmlns:pc="http://schemas.microsoft.com/office/infopath/2007/PartnerControls">
-  <documentManagement>
-    <_activity xmlns="e743c932-b1b1-461e-933a-98c4148cbad8" xsi:nil="true"/>
-  </documentManagement>
-</p:properties>
-</file>
-
-<file path=customXml/item3.xml><?xml version="1.0" encoding="utf-8"?>
 <ct:contentTypeSchema xmlns:ct="http://schemas.microsoft.com/office/2006/metadata/contentType" xmlns:ma="http://schemas.microsoft.com/office/2006/metadata/properties/metaAttributes" ct:_="" ma:_="" ma:contentTypeName="Document" ma:contentTypeID="0x0101003C0D819C91DFFA4D8B1D2FEB54E95619" ma:contentTypeVersion="17" ma:contentTypeDescription="Create a new document." ma:contentTypeScope="" ma:versionID="7dd4dd1ec974999b1a6fdc2aef3d7538">
   <xsd:schema xmlns:xsd="http://www.w3.org/2001/XMLSchema" xmlns:xs="http://www.w3.org/2001/XMLSchema" xmlns:p="http://schemas.microsoft.com/office/2006/metadata/properties" xmlns:ns3="fde1b516-d494-4dfc-ad62-92b05d3c6f97" xmlns:ns4="e743c932-b1b1-461e-933a-98c4148cbad8" targetNamespace="http://schemas.microsoft.com/office/2006/metadata/properties" ma:root="true" ma:fieldsID="7fe24f98da14b4dab1ccaa57ab1b0f31" ns3:_="" ns4:_="">
     <xsd:import namespace="fde1b516-d494-4dfc-ad62-92b05d3c6f97"/>
@@ -18012,6 +17645,14 @@
 </ct:contentTypeSchema>
 </file>
 
+<file path=customXml/item3.xml><?xml version="1.0" encoding="utf-8"?>
+<p:properties xmlns:p="http://schemas.microsoft.com/office/2006/metadata/properties" xmlns:xsi="http://www.w3.org/2001/XMLSchema-instance" xmlns:pc="http://schemas.microsoft.com/office/infopath/2007/PartnerControls">
+  <documentManagement>
+    <_activity xmlns="e743c932-b1b1-461e-933a-98c4148cbad8" xsi:nil="true"/>
+  </documentManagement>
+</p:properties>
+</file>
+
 <file path=customXml/itemProps1.xml><?xml version="1.0" encoding="utf-8"?>
 <ds:datastoreItem xmlns:ds="http://schemas.openxmlformats.org/officeDocument/2006/customXml" ds:itemID="{27B175F7-FC54-4CD2-8351-2B73DB2A6412}">
   <ds:schemaRefs>
@@ -18021,23 +17662,6 @@
 </file>
 
 <file path=customXml/itemProps2.xml><?xml version="1.0" encoding="utf-8"?>
-<ds:datastoreItem xmlns:ds="http://schemas.openxmlformats.org/officeDocument/2006/customXml" ds:itemID="{F4C28808-9120-48E3-8B82-705427169E5A}">
-  <ds:schemaRefs>
-    <ds:schemaRef ds:uri="e743c932-b1b1-461e-933a-98c4148cbad8"/>
-    <ds:schemaRef ds:uri="fde1b516-d494-4dfc-ad62-92b05d3c6f97"/>
-    <ds:schemaRef ds:uri="http://purl.org/dc/dcmitype/"/>
-    <ds:schemaRef ds:uri="http://purl.org/dc/elements/1.1/"/>
-    <ds:schemaRef ds:uri="http://purl.org/dc/terms/"/>
-    <ds:schemaRef ds:uri="http://schemas.microsoft.com/office/2006/documentManagement/types"/>
-    <ds:schemaRef ds:uri="http://schemas.microsoft.com/office/2006/metadata/properties"/>
-    <ds:schemaRef ds:uri="http://schemas.microsoft.com/office/infopath/2007/PartnerControls"/>
-    <ds:schemaRef ds:uri="http://schemas.openxmlformats.org/package/2006/metadata/core-properties"/>
-    <ds:schemaRef ds:uri="http://www.w3.org/XML/1998/namespace"/>
-  </ds:schemaRefs>
-</ds:datastoreItem>
-</file>
-
-<file path=customXml/itemProps3.xml><?xml version="1.0" encoding="utf-8"?>
 <ds:datastoreItem xmlns:ds="http://schemas.openxmlformats.org/officeDocument/2006/customXml" ds:itemID="{8AAB8637-4E7B-440F-944A-54B620281F74}">
   <ds:schemaRefs>
     <ds:schemaRef ds:uri="e743c932-b1b1-461e-933a-98c4148cbad8"/>
@@ -18054,4 +17678,21 @@
     <ds:schemaRef ds:uri="http://www.w3.org/2001/XMLSchema"/>
   </ds:schemaRefs>
 </ds:datastoreItem>
+</file>
+
+<file path=customXml/itemProps3.xml><?xml version="1.0" encoding="utf-8"?>
+<ds:datastoreItem xmlns:ds="http://schemas.openxmlformats.org/officeDocument/2006/customXml" ds:itemID="{F4C28808-9120-48E3-8B82-705427169E5A}">
+  <ds:schemaRefs>
+    <ds:schemaRef ds:uri="e743c932-b1b1-461e-933a-98c4148cbad8"/>
+    <ds:schemaRef ds:uri="fde1b516-d494-4dfc-ad62-92b05d3c6f97"/>
+    <ds:schemaRef ds:uri="http://purl.org/dc/dcmitype/"/>
+    <ds:schemaRef ds:uri="http://purl.org/dc/elements/1.1/"/>
+    <ds:schemaRef ds:uri="http://purl.org/dc/terms/"/>
+    <ds:schemaRef ds:uri="http://schemas.microsoft.com/office/2006/documentManagement/types"/>
+    <ds:schemaRef ds:uri="http://schemas.microsoft.com/office/2006/metadata/properties"/>
+    <ds:schemaRef ds:uri="http://schemas.microsoft.com/office/infopath/2007/PartnerControls"/>
+    <ds:schemaRef ds:uri="http://schemas.openxmlformats.org/package/2006/metadata/core-properties"/>
+    <ds:schemaRef ds:uri="http://www.w3.org/XML/1998/namespace"/>
+  </ds:schemaRefs>
+</ds:datastoreItem>
 </file>
--- a/IBMi Lunch and Learn Series 2024 - Enhancing Performance with SQL Stored Procedures & UDF.pptx
+++ b/IBMi Lunch and Learn Series 2024 - Enhancing Performance with SQL Stored Procedures & UDF.pptx
@@ -21,9 +21,9 @@
     <p:sldId id="341" r:id="rId15"/>
     <p:sldId id="342" r:id="rId16"/>
     <p:sldId id="333" r:id="rId17"/>
-    <p:sldId id="352" r:id="rId18"/>
-    <p:sldId id="344" r:id="rId19"/>
-    <p:sldId id="346" r:id="rId20"/>
+    <p:sldId id="344" r:id="rId18"/>
+    <p:sldId id="346" r:id="rId19"/>
+    <p:sldId id="352" r:id="rId20"/>
     <p:sldId id="345" r:id="rId21"/>
     <p:sldId id="347" r:id="rId22"/>
     <p:sldId id="349" r:id="rId23"/>
@@ -147,1245 +147,6 @@
 </p1510:revInfo>
 </file>
 
-<file path=ppt/changesInfos/changesInfo1.xml><?xml version="1.0" encoding="utf-8"?>
-<pc:chgInfo xmlns:a="http://schemas.openxmlformats.org/drawingml/2006/main" xmlns:r="http://schemas.openxmlformats.org/officeDocument/2006/relationships" xmlns:ac="http://schemas.microsoft.com/office/drawing/2013/main/command" xmlns:pc="http://schemas.microsoft.com/office/powerpoint/2013/main/command">
-  <pc:docChgLst>
-    <pc:chgData name="Ravisankar Pandian" userId="ed09f74a-2b53-4ce0-832d-148e0a91ef02" providerId="ADAL" clId="{915EDF55-A7D7-4EE6-BC3A-AF27D5B0595E}"/>
-    <pc:docChg chg="undo custSel addSld delSld modSld sldOrd">
-      <pc:chgData name="Ravisankar Pandian" userId="ed09f74a-2b53-4ce0-832d-148e0a91ef02" providerId="ADAL" clId="{915EDF55-A7D7-4EE6-BC3A-AF27D5B0595E}" dt="2024-07-30T10:40:35.411" v="1719" actId="20577"/>
-      <pc:docMkLst>
-        <pc:docMk/>
-      </pc:docMkLst>
-      <pc:sldChg chg="modSp mod">
-        <pc:chgData name="Ravisankar Pandian" userId="ed09f74a-2b53-4ce0-832d-148e0a91ef02" providerId="ADAL" clId="{915EDF55-A7D7-4EE6-BC3A-AF27D5B0595E}" dt="2024-07-26T13:39:18.089" v="0"/>
-        <pc:sldMkLst>
-          <pc:docMk/>
-          <pc:sldMk cId="2026630420" sldId="256"/>
-        </pc:sldMkLst>
-        <pc:spChg chg="mod">
-          <ac:chgData name="Ravisankar Pandian" userId="ed09f74a-2b53-4ce0-832d-148e0a91ef02" providerId="ADAL" clId="{915EDF55-A7D7-4EE6-BC3A-AF27D5B0595E}" dt="2024-07-26T13:39:18.089" v="0"/>
-          <ac:spMkLst>
-            <pc:docMk/>
-            <pc:sldMk cId="2026630420" sldId="256"/>
-            <ac:spMk id="8" creationId="{D5454C35-6A05-4FF6-D4A9-310AEADEAACF}"/>
-          </ac:spMkLst>
-        </pc:spChg>
-      </pc:sldChg>
-      <pc:sldChg chg="del">
-        <pc:chgData name="Ravisankar Pandian" userId="ed09f74a-2b53-4ce0-832d-148e0a91ef02" providerId="ADAL" clId="{915EDF55-A7D7-4EE6-BC3A-AF27D5B0595E}" dt="2024-07-29T05:23:59.724" v="521" actId="2696"/>
-        <pc:sldMkLst>
-          <pc:docMk/>
-          <pc:sldMk cId="2784167947" sldId="302"/>
-        </pc:sldMkLst>
-      </pc:sldChg>
-      <pc:sldChg chg="del">
-        <pc:chgData name="Ravisankar Pandian" userId="ed09f74a-2b53-4ce0-832d-148e0a91ef02" providerId="ADAL" clId="{915EDF55-A7D7-4EE6-BC3A-AF27D5B0595E}" dt="2024-07-29T05:23:59.724" v="521" actId="2696"/>
-        <pc:sldMkLst>
-          <pc:docMk/>
-          <pc:sldMk cId="1898671974" sldId="303"/>
-        </pc:sldMkLst>
-      </pc:sldChg>
-      <pc:sldChg chg="del">
-        <pc:chgData name="Ravisankar Pandian" userId="ed09f74a-2b53-4ce0-832d-148e0a91ef02" providerId="ADAL" clId="{915EDF55-A7D7-4EE6-BC3A-AF27D5B0595E}" dt="2024-07-29T05:23:59.724" v="521" actId="2696"/>
-        <pc:sldMkLst>
-          <pc:docMk/>
-          <pc:sldMk cId="1417176604" sldId="304"/>
-        </pc:sldMkLst>
-      </pc:sldChg>
-      <pc:sldChg chg="del">
-        <pc:chgData name="Ravisankar Pandian" userId="ed09f74a-2b53-4ce0-832d-148e0a91ef02" providerId="ADAL" clId="{915EDF55-A7D7-4EE6-BC3A-AF27D5B0595E}" dt="2024-07-29T05:23:59.724" v="521" actId="2696"/>
-        <pc:sldMkLst>
-          <pc:docMk/>
-          <pc:sldMk cId="558329110" sldId="305"/>
-        </pc:sldMkLst>
-      </pc:sldChg>
-      <pc:sldChg chg="del">
-        <pc:chgData name="Ravisankar Pandian" userId="ed09f74a-2b53-4ce0-832d-148e0a91ef02" providerId="ADAL" clId="{915EDF55-A7D7-4EE6-BC3A-AF27D5B0595E}" dt="2024-07-29T05:23:59.724" v="521" actId="2696"/>
-        <pc:sldMkLst>
-          <pc:docMk/>
-          <pc:sldMk cId="1427564537" sldId="306"/>
-        </pc:sldMkLst>
-      </pc:sldChg>
-      <pc:sldChg chg="del">
-        <pc:chgData name="Ravisankar Pandian" userId="ed09f74a-2b53-4ce0-832d-148e0a91ef02" providerId="ADAL" clId="{915EDF55-A7D7-4EE6-BC3A-AF27D5B0595E}" dt="2024-07-29T05:23:59.724" v="521" actId="2696"/>
-        <pc:sldMkLst>
-          <pc:docMk/>
-          <pc:sldMk cId="2810584487" sldId="307"/>
-        </pc:sldMkLst>
-      </pc:sldChg>
-      <pc:sldChg chg="del">
-        <pc:chgData name="Ravisankar Pandian" userId="ed09f74a-2b53-4ce0-832d-148e0a91ef02" providerId="ADAL" clId="{915EDF55-A7D7-4EE6-BC3A-AF27D5B0595E}" dt="2024-07-29T05:23:59.724" v="521" actId="2696"/>
-        <pc:sldMkLst>
-          <pc:docMk/>
-          <pc:sldMk cId="351543119" sldId="310"/>
-        </pc:sldMkLst>
-      </pc:sldChg>
-      <pc:sldChg chg="del">
-        <pc:chgData name="Ravisankar Pandian" userId="ed09f74a-2b53-4ce0-832d-148e0a91ef02" providerId="ADAL" clId="{915EDF55-A7D7-4EE6-BC3A-AF27D5B0595E}" dt="2024-07-29T05:23:59.724" v="521" actId="2696"/>
-        <pc:sldMkLst>
-          <pc:docMk/>
-          <pc:sldMk cId="1343212605" sldId="317"/>
-        </pc:sldMkLst>
-      </pc:sldChg>
-      <pc:sldChg chg="addSp modSp mod">
-        <pc:chgData name="Ravisankar Pandian" userId="ed09f74a-2b53-4ce0-832d-148e0a91ef02" providerId="ADAL" clId="{915EDF55-A7D7-4EE6-BC3A-AF27D5B0595E}" dt="2024-07-29T08:16:20.186" v="530"/>
-        <pc:sldMkLst>
-          <pc:docMk/>
-          <pc:sldMk cId="2648354382" sldId="325"/>
-        </pc:sldMkLst>
-        <pc:spChg chg="mod">
-          <ac:chgData name="Ravisankar Pandian" userId="ed09f74a-2b53-4ce0-832d-148e0a91ef02" providerId="ADAL" clId="{915EDF55-A7D7-4EE6-BC3A-AF27D5B0595E}" dt="2024-07-26T13:41:50.087" v="162" actId="1076"/>
-          <ac:spMkLst>
-            <pc:docMk/>
-            <pc:sldMk cId="2648354382" sldId="325"/>
-            <ac:spMk id="2" creationId="{C2DD98A1-38EA-BAA5-AE21-6557F3D663AF}"/>
-          </ac:spMkLst>
-        </pc:spChg>
-        <pc:spChg chg="mod">
-          <ac:chgData name="Ravisankar Pandian" userId="ed09f74a-2b53-4ce0-832d-148e0a91ef02" providerId="ADAL" clId="{915EDF55-A7D7-4EE6-BC3A-AF27D5B0595E}" dt="2024-07-26T13:41:08.813" v="160" actId="108"/>
-          <ac:spMkLst>
-            <pc:docMk/>
-            <pc:sldMk cId="2648354382" sldId="325"/>
-            <ac:spMk id="3" creationId="{C71D63A5-AA01-199C-C332-518892AFE25A}"/>
-          </ac:spMkLst>
-        </pc:spChg>
-        <pc:picChg chg="add mod">
-          <ac:chgData name="Ravisankar Pandian" userId="ed09f74a-2b53-4ce0-832d-148e0a91ef02" providerId="ADAL" clId="{915EDF55-A7D7-4EE6-BC3A-AF27D5B0595E}" dt="2024-07-29T08:16:20.186" v="530"/>
-          <ac:picMkLst>
-            <pc:docMk/>
-            <pc:sldMk cId="2648354382" sldId="325"/>
-            <ac:picMk id="4" creationId="{465750BC-3CC1-CAF7-5D0B-F8B22148994D}"/>
-          </ac:picMkLst>
-        </pc:picChg>
-      </pc:sldChg>
-      <pc:sldChg chg="addSp delSp modSp mod setBg">
-        <pc:chgData name="Ravisankar Pandian" userId="ed09f74a-2b53-4ce0-832d-148e0a91ef02" providerId="ADAL" clId="{915EDF55-A7D7-4EE6-BC3A-AF27D5B0595E}" dt="2024-07-29T08:57:11.943" v="692" actId="1076"/>
-        <pc:sldMkLst>
-          <pc:docMk/>
-          <pc:sldMk cId="1026626526" sldId="326"/>
-        </pc:sldMkLst>
-        <pc:spChg chg="del mod">
-          <ac:chgData name="Ravisankar Pandian" userId="ed09f74a-2b53-4ce0-832d-148e0a91ef02" providerId="ADAL" clId="{915EDF55-A7D7-4EE6-BC3A-AF27D5B0595E}" dt="2024-07-26T13:45:42.599" v="519" actId="478"/>
-          <ac:spMkLst>
-            <pc:docMk/>
-            <pc:sldMk cId="1026626526" sldId="326"/>
-            <ac:spMk id="2" creationId="{C2DD98A1-38EA-BAA5-AE21-6557F3D663AF}"/>
-          </ac:spMkLst>
-        </pc:spChg>
-        <pc:spChg chg="mod ord">
-          <ac:chgData name="Ravisankar Pandian" userId="ed09f74a-2b53-4ce0-832d-148e0a91ef02" providerId="ADAL" clId="{915EDF55-A7D7-4EE6-BC3A-AF27D5B0595E}" dt="2024-07-29T05:33:42.901" v="528" actId="26606"/>
-          <ac:spMkLst>
-            <pc:docMk/>
-            <pc:sldMk cId="1026626526" sldId="326"/>
-            <ac:spMk id="3" creationId="{C71D63A5-AA01-199C-C332-518892AFE25A}"/>
-          </ac:spMkLst>
-        </pc:spChg>
-        <pc:spChg chg="add mod">
-          <ac:chgData name="Ravisankar Pandian" userId="ed09f74a-2b53-4ce0-832d-148e0a91ef02" providerId="ADAL" clId="{915EDF55-A7D7-4EE6-BC3A-AF27D5B0595E}" dt="2024-07-29T05:33:42.901" v="528" actId="26606"/>
-          <ac:spMkLst>
-            <pc:docMk/>
-            <pc:sldMk cId="1026626526" sldId="326"/>
-            <ac:spMk id="4" creationId="{0C851F89-929D-93D7-0C2E-39953F357BF9}"/>
-          </ac:spMkLst>
-        </pc:spChg>
-        <pc:spChg chg="add del">
-          <ac:chgData name="Ravisankar Pandian" userId="ed09f74a-2b53-4ce0-832d-148e0a91ef02" providerId="ADAL" clId="{915EDF55-A7D7-4EE6-BC3A-AF27D5B0595E}" dt="2024-07-29T05:33:31.920" v="526" actId="26606"/>
-          <ac:spMkLst>
-            <pc:docMk/>
-            <pc:sldMk cId="1026626526" sldId="326"/>
-            <ac:spMk id="7" creationId="{B23FE733-F95B-4DF6-AFC5-BEEB3577C494}"/>
-          </ac:spMkLst>
-        </pc:spChg>
-        <pc:spChg chg="add del">
-          <ac:chgData name="Ravisankar Pandian" userId="ed09f74a-2b53-4ce0-832d-148e0a91ef02" providerId="ADAL" clId="{915EDF55-A7D7-4EE6-BC3A-AF27D5B0595E}" dt="2024-07-29T05:33:31.920" v="526" actId="26606"/>
-          <ac:spMkLst>
-            <pc:docMk/>
-            <pc:sldMk cId="1026626526" sldId="326"/>
-            <ac:spMk id="8" creationId="{9080D120-BD54-46E1-BA37-82F5E8089E90}"/>
-          </ac:spMkLst>
-        </pc:spChg>
-        <pc:spChg chg="add del">
-          <ac:chgData name="Ravisankar Pandian" userId="ed09f74a-2b53-4ce0-832d-148e0a91ef02" providerId="ADAL" clId="{915EDF55-A7D7-4EE6-BC3A-AF27D5B0595E}" dt="2024-07-29T05:33:31.920" v="526" actId="26606"/>
-          <ac:spMkLst>
-            <pc:docMk/>
-            <pc:sldMk cId="1026626526" sldId="326"/>
-            <ac:spMk id="9" creationId="{81D83946-74FA-498A-AC80-9926F041B5C5}"/>
-          </ac:spMkLst>
-        </pc:spChg>
-        <pc:spChg chg="add del">
-          <ac:chgData name="Ravisankar Pandian" userId="ed09f74a-2b53-4ce0-832d-148e0a91ef02" providerId="ADAL" clId="{915EDF55-A7D7-4EE6-BC3A-AF27D5B0595E}" dt="2024-07-29T05:33:27.350" v="524" actId="26606"/>
-          <ac:spMkLst>
-            <pc:docMk/>
-            <pc:sldMk cId="1026626526" sldId="326"/>
-            <ac:spMk id="10" creationId="{AAAE94E3-A7DB-4868-B1E3-E49703488BBC}"/>
-          </ac:spMkLst>
-        </pc:spChg>
-        <pc:spChg chg="add del">
-          <ac:chgData name="Ravisankar Pandian" userId="ed09f74a-2b53-4ce0-832d-148e0a91ef02" providerId="ADAL" clId="{915EDF55-A7D7-4EE6-BC3A-AF27D5B0595E}" dt="2024-07-29T05:33:31.920" v="526" actId="26606"/>
-          <ac:spMkLst>
-            <pc:docMk/>
-            <pc:sldMk cId="1026626526" sldId="326"/>
-            <ac:spMk id="11" creationId="{5060D983-8B52-443A-8183-2A1DE05618B5}"/>
-          </ac:spMkLst>
-        </pc:spChg>
-        <pc:spChg chg="add del">
-          <ac:chgData name="Ravisankar Pandian" userId="ed09f74a-2b53-4ce0-832d-148e0a91ef02" providerId="ADAL" clId="{915EDF55-A7D7-4EE6-BC3A-AF27D5B0595E}" dt="2024-07-29T05:33:42.901" v="528" actId="26606"/>
-          <ac:spMkLst>
-            <pc:docMk/>
-            <pc:sldMk cId="1026626526" sldId="326"/>
-            <ac:spMk id="13" creationId="{A7AE9375-4664-4DB2-922D-2782A6E439AC}"/>
-          </ac:spMkLst>
-        </pc:spChg>
-        <pc:spChg chg="add del">
-          <ac:chgData name="Ravisankar Pandian" userId="ed09f74a-2b53-4ce0-832d-148e0a91ef02" providerId="ADAL" clId="{915EDF55-A7D7-4EE6-BC3A-AF27D5B0595E}" dt="2024-07-29T05:33:42.901" v="528" actId="26606"/>
-          <ac:spMkLst>
-            <pc:docMk/>
-            <pc:sldMk cId="1026626526" sldId="326"/>
-            <ac:spMk id="14" creationId="{C87417AF-190E-4D6E-AFA6-7D3E84B0B430}"/>
-          </ac:spMkLst>
-        </pc:spChg>
-        <pc:spChg chg="add del">
-          <ac:chgData name="Ravisankar Pandian" userId="ed09f74a-2b53-4ce0-832d-148e0a91ef02" providerId="ADAL" clId="{915EDF55-A7D7-4EE6-BC3A-AF27D5B0595E}" dt="2024-07-29T05:33:27.350" v="524" actId="26606"/>
-          <ac:spMkLst>
-            <pc:docMk/>
-            <pc:sldMk cId="1026626526" sldId="326"/>
-            <ac:spMk id="16" creationId="{3873B707-463F-40B0-8227-E8CC6C67EB25}"/>
-          </ac:spMkLst>
-        </pc:spChg>
-        <pc:spChg chg="add del">
-          <ac:chgData name="Ravisankar Pandian" userId="ed09f74a-2b53-4ce0-832d-148e0a91ef02" providerId="ADAL" clId="{915EDF55-A7D7-4EE6-BC3A-AF27D5B0595E}" dt="2024-07-29T05:33:42.901" v="528" actId="26606"/>
-          <ac:spMkLst>
-            <pc:docMk/>
-            <pc:sldMk cId="1026626526" sldId="326"/>
-            <ac:spMk id="17" creationId="{80B30ED8-273E-4C07-8568-2FE5CC5C483D}"/>
-          </ac:spMkLst>
-        </pc:spChg>
-        <pc:spChg chg="add del">
-          <ac:chgData name="Ravisankar Pandian" userId="ed09f74a-2b53-4ce0-832d-148e0a91ef02" providerId="ADAL" clId="{915EDF55-A7D7-4EE6-BC3A-AF27D5B0595E}" dt="2024-07-29T05:33:27.350" v="524" actId="26606"/>
-          <ac:spMkLst>
-            <pc:docMk/>
-            <pc:sldMk cId="1026626526" sldId="326"/>
-            <ac:spMk id="18" creationId="{C13237C8-E62C-4F0D-A318-BD6FB6C2D138}"/>
-          </ac:spMkLst>
-        </pc:spChg>
-        <pc:spChg chg="add del">
-          <ac:chgData name="Ravisankar Pandian" userId="ed09f74a-2b53-4ce0-832d-148e0a91ef02" providerId="ADAL" clId="{915EDF55-A7D7-4EE6-BC3A-AF27D5B0595E}" dt="2024-07-29T05:33:27.350" v="524" actId="26606"/>
-          <ac:spMkLst>
-            <pc:docMk/>
-            <pc:sldMk cId="1026626526" sldId="326"/>
-            <ac:spMk id="20" creationId="{19C9EAEA-39D0-4B0E-A0EB-51E7B26740B1}"/>
-          </ac:spMkLst>
-        </pc:spChg>
-        <pc:spChg chg="add del">
-          <ac:chgData name="Ravisankar Pandian" userId="ed09f74a-2b53-4ce0-832d-148e0a91ef02" providerId="ADAL" clId="{915EDF55-A7D7-4EE6-BC3A-AF27D5B0595E}" dt="2024-07-29T05:33:27.350" v="524" actId="26606"/>
-          <ac:spMkLst>
-            <pc:docMk/>
-            <pc:sldMk cId="1026626526" sldId="326"/>
-            <ac:spMk id="22" creationId="{8CB5D2D7-DF65-4E86-BFBA-FFB9B5ACEB64}"/>
-          </ac:spMkLst>
-        </pc:spChg>
-        <pc:grpChg chg="add del">
-          <ac:chgData name="Ravisankar Pandian" userId="ed09f74a-2b53-4ce0-832d-148e0a91ef02" providerId="ADAL" clId="{915EDF55-A7D7-4EE6-BC3A-AF27D5B0595E}" dt="2024-07-29T05:33:27.350" v="524" actId="26606"/>
-          <ac:grpSpMkLst>
-            <pc:docMk/>
-            <pc:sldMk cId="1026626526" sldId="326"/>
-            <ac:grpSpMk id="12" creationId="{1DE889C7-FAD6-4397-98E2-05D503484459}"/>
-          </ac:grpSpMkLst>
-        </pc:grpChg>
-        <pc:picChg chg="add del mod">
-          <ac:chgData name="Ravisankar Pandian" userId="ed09f74a-2b53-4ce0-832d-148e0a91ef02" providerId="ADAL" clId="{915EDF55-A7D7-4EE6-BC3A-AF27D5B0595E}" dt="2024-07-29T08:16:18.402" v="529" actId="21"/>
-          <ac:picMkLst>
-            <pc:docMk/>
-            <pc:sldMk cId="1026626526" sldId="326"/>
-            <ac:picMk id="2" creationId="{465750BC-3CC1-CAF7-5D0B-F8B22148994D}"/>
-          </ac:picMkLst>
-        </pc:picChg>
-        <pc:picChg chg="mod ord">
-          <ac:chgData name="Ravisankar Pandian" userId="ed09f74a-2b53-4ce0-832d-148e0a91ef02" providerId="ADAL" clId="{915EDF55-A7D7-4EE6-BC3A-AF27D5B0595E}" dt="2024-07-29T05:33:42.901" v="528" actId="26606"/>
-          <ac:picMkLst>
-            <pc:docMk/>
-            <pc:sldMk cId="1026626526" sldId="326"/>
-            <ac:picMk id="5" creationId="{98654FA5-83F2-6B5E-B4D4-D754A282318A}"/>
-          </ac:picMkLst>
-        </pc:picChg>
-        <pc:picChg chg="add mod">
-          <ac:chgData name="Ravisankar Pandian" userId="ed09f74a-2b53-4ce0-832d-148e0a91ef02" providerId="ADAL" clId="{915EDF55-A7D7-4EE6-BC3A-AF27D5B0595E}" dt="2024-07-29T08:57:11.943" v="692" actId="1076"/>
-          <ac:picMkLst>
-            <pc:docMk/>
-            <pc:sldMk cId="1026626526" sldId="326"/>
-            <ac:picMk id="6" creationId="{8753C95E-BEA2-C19F-8903-25FD06D83918}"/>
-          </ac:picMkLst>
-        </pc:picChg>
-        <pc:cxnChg chg="add del">
-          <ac:chgData name="Ravisankar Pandian" userId="ed09f74a-2b53-4ce0-832d-148e0a91ef02" providerId="ADAL" clId="{915EDF55-A7D7-4EE6-BC3A-AF27D5B0595E}" dt="2024-07-29T05:33:42.901" v="528" actId="26606"/>
-          <ac:cxnSpMkLst>
-            <pc:docMk/>
-            <pc:sldMk cId="1026626526" sldId="326"/>
-            <ac:cxnSpMk id="15" creationId="{EE504C98-6397-41C1-A8D8-2D9C4ED307E0}"/>
-          </ac:cxnSpMkLst>
-        </pc:cxnChg>
-      </pc:sldChg>
-      <pc:sldChg chg="addSp delSp modSp add del mod setBg modNotesTx">
-        <pc:chgData name="Ravisankar Pandian" userId="ed09f74a-2b53-4ce0-832d-148e0a91ef02" providerId="ADAL" clId="{915EDF55-A7D7-4EE6-BC3A-AF27D5B0595E}" dt="2024-07-29T08:57:44.846" v="694" actId="1076"/>
-        <pc:sldMkLst>
-          <pc:docMk/>
-          <pc:sldMk cId="3018299830" sldId="327"/>
-        </pc:sldMkLst>
-        <pc:spChg chg="del mod">
-          <ac:chgData name="Ravisankar Pandian" userId="ed09f74a-2b53-4ce0-832d-148e0a91ef02" providerId="ADAL" clId="{915EDF55-A7D7-4EE6-BC3A-AF27D5B0595E}" dt="2024-07-29T08:49:51.774" v="566" actId="478"/>
-          <ac:spMkLst>
-            <pc:docMk/>
-            <pc:sldMk cId="3018299830" sldId="327"/>
-            <ac:spMk id="2" creationId="{1455DB0C-E9D9-0F21-BD7B-A6D9C9862E8F}"/>
-          </ac:spMkLst>
-        </pc:spChg>
-        <pc:spChg chg="mod ord">
-          <ac:chgData name="Ravisankar Pandian" userId="ed09f74a-2b53-4ce0-832d-148e0a91ef02" providerId="ADAL" clId="{915EDF55-A7D7-4EE6-BC3A-AF27D5B0595E}" dt="2024-07-29T08:55:18.951" v="681" actId="6549"/>
-          <ac:spMkLst>
-            <pc:docMk/>
-            <pc:sldMk cId="3018299830" sldId="327"/>
-            <ac:spMk id="3" creationId="{E1678273-50F3-3899-3B75-FFD33669CA3D}"/>
-          </ac:spMkLst>
-        </pc:spChg>
-        <pc:spChg chg="add mod">
-          <ac:chgData name="Ravisankar Pandian" userId="ed09f74a-2b53-4ce0-832d-148e0a91ef02" providerId="ADAL" clId="{915EDF55-A7D7-4EE6-BC3A-AF27D5B0595E}" dt="2024-07-29T08:51:58.267" v="606" actId="26606"/>
-          <ac:spMkLst>
-            <pc:docMk/>
-            <pc:sldMk cId="3018299830" sldId="327"/>
-            <ac:spMk id="4" creationId="{9C0D1D6F-43D2-B0BE-B089-22338D1F170D}"/>
-          </ac:spMkLst>
-        </pc:spChg>
-        <pc:spChg chg="add del mod">
-          <ac:chgData name="Ravisankar Pandian" userId="ed09f74a-2b53-4ce0-832d-148e0a91ef02" providerId="ADAL" clId="{915EDF55-A7D7-4EE6-BC3A-AF27D5B0595E}" dt="2024-07-29T08:53:13.019" v="625" actId="478"/>
-          <ac:spMkLst>
-            <pc:docMk/>
-            <pc:sldMk cId="3018299830" sldId="327"/>
-            <ac:spMk id="6" creationId="{6C50DBBB-D33C-48DC-3AB0-BF6E18BAE787}"/>
-          </ac:spMkLst>
-        </pc:spChg>
-        <pc:spChg chg="add mod">
-          <ac:chgData name="Ravisankar Pandian" userId="ed09f74a-2b53-4ce0-832d-148e0a91ef02" providerId="ADAL" clId="{915EDF55-A7D7-4EE6-BC3A-AF27D5B0595E}" dt="2024-07-29T08:56:52.246" v="688" actId="1076"/>
-          <ac:spMkLst>
-            <pc:docMk/>
-            <pc:sldMk cId="3018299830" sldId="327"/>
-            <ac:spMk id="7" creationId="{5493AF2F-B4A4-3DD7-C402-81CD909FDA9B}"/>
-          </ac:spMkLst>
-        </pc:spChg>
-        <pc:spChg chg="add del">
-          <ac:chgData name="Ravisankar Pandian" userId="ed09f74a-2b53-4ce0-832d-148e0a91ef02" providerId="ADAL" clId="{915EDF55-A7D7-4EE6-BC3A-AF27D5B0595E}" dt="2024-07-29T08:51:58.267" v="606" actId="26606"/>
-          <ac:spMkLst>
-            <pc:docMk/>
-            <pc:sldMk cId="3018299830" sldId="327"/>
-            <ac:spMk id="1031" creationId="{99F1FFA9-D672-408C-9220-ADEEC6ABDD09}"/>
-          </ac:spMkLst>
-        </pc:spChg>
-        <pc:picChg chg="add del mod ord">
-          <ac:chgData name="Ravisankar Pandian" userId="ed09f74a-2b53-4ce0-832d-148e0a91ef02" providerId="ADAL" clId="{915EDF55-A7D7-4EE6-BC3A-AF27D5B0595E}" dt="2024-07-29T08:53:11.363" v="624" actId="478"/>
-          <ac:picMkLst>
-            <pc:docMk/>
-            <pc:sldMk cId="3018299830" sldId="327"/>
-            <ac:picMk id="5" creationId="{4CC5EA8B-374C-65E3-6F65-6B7FCFC3DA3A}"/>
-          </ac:picMkLst>
-        </pc:picChg>
-        <pc:picChg chg="add mod">
-          <ac:chgData name="Ravisankar Pandian" userId="ed09f74a-2b53-4ce0-832d-148e0a91ef02" providerId="ADAL" clId="{915EDF55-A7D7-4EE6-BC3A-AF27D5B0595E}" dt="2024-07-29T08:57:44.846" v="694" actId="1076"/>
-          <ac:picMkLst>
-            <pc:docMk/>
-            <pc:sldMk cId="3018299830" sldId="327"/>
-            <ac:picMk id="1026" creationId="{2AFB92F0-2918-9FCB-710C-F72C15CA063C}"/>
-          </ac:picMkLst>
-        </pc:picChg>
-      </pc:sldChg>
-      <pc:sldChg chg="del">
-        <pc:chgData name="Ravisankar Pandian" userId="ed09f74a-2b53-4ce0-832d-148e0a91ef02" providerId="ADAL" clId="{915EDF55-A7D7-4EE6-BC3A-AF27D5B0595E}" dt="2024-07-29T05:23:59.724" v="521" actId="2696"/>
-        <pc:sldMkLst>
-          <pc:docMk/>
-          <pc:sldMk cId="1340826758" sldId="328"/>
-        </pc:sldMkLst>
-      </pc:sldChg>
-      <pc:sldChg chg="del">
-        <pc:chgData name="Ravisankar Pandian" userId="ed09f74a-2b53-4ce0-832d-148e0a91ef02" providerId="ADAL" clId="{915EDF55-A7D7-4EE6-BC3A-AF27D5B0595E}" dt="2024-07-29T05:23:59.724" v="521" actId="2696"/>
-        <pc:sldMkLst>
-          <pc:docMk/>
-          <pc:sldMk cId="2719704135" sldId="329"/>
-        </pc:sldMkLst>
-      </pc:sldChg>
-      <pc:sldChg chg="del">
-        <pc:chgData name="Ravisankar Pandian" userId="ed09f74a-2b53-4ce0-832d-148e0a91ef02" providerId="ADAL" clId="{915EDF55-A7D7-4EE6-BC3A-AF27D5B0595E}" dt="2024-07-29T05:23:59.724" v="521" actId="2696"/>
-        <pc:sldMkLst>
-          <pc:docMk/>
-          <pc:sldMk cId="3383609634" sldId="330"/>
-        </pc:sldMkLst>
-      </pc:sldChg>
-      <pc:sldChg chg="del">
-        <pc:chgData name="Ravisankar Pandian" userId="ed09f74a-2b53-4ce0-832d-148e0a91ef02" providerId="ADAL" clId="{915EDF55-A7D7-4EE6-BC3A-AF27D5B0595E}" dt="2024-07-29T05:23:59.724" v="521" actId="2696"/>
-        <pc:sldMkLst>
-          <pc:docMk/>
-          <pc:sldMk cId="3492123271" sldId="331"/>
-        </pc:sldMkLst>
-      </pc:sldChg>
-      <pc:sldChg chg="addSp delSp modSp add mod modNotesTx">
-        <pc:chgData name="Ravisankar Pandian" userId="ed09f74a-2b53-4ce0-832d-148e0a91ef02" providerId="ADAL" clId="{915EDF55-A7D7-4EE6-BC3A-AF27D5B0595E}" dt="2024-07-29T11:03:42.900" v="1597" actId="478"/>
-        <pc:sldMkLst>
-          <pc:docMk/>
-          <pc:sldMk cId="3148683385" sldId="333"/>
-        </pc:sldMkLst>
-        <pc:spChg chg="del">
-          <ac:chgData name="Ravisankar Pandian" userId="ed09f74a-2b53-4ce0-832d-148e0a91ef02" providerId="ADAL" clId="{915EDF55-A7D7-4EE6-BC3A-AF27D5B0595E}" dt="2024-07-29T08:49:48.460" v="565" actId="478"/>
-          <ac:spMkLst>
-            <pc:docMk/>
-            <pc:sldMk cId="3148683385" sldId="333"/>
-            <ac:spMk id="2" creationId="{1455DB0C-E9D9-0F21-BD7B-A6D9C9862E8F}"/>
-          </ac:spMkLst>
-        </pc:spChg>
-        <pc:spChg chg="del">
-          <ac:chgData name="Ravisankar Pandian" userId="ed09f74a-2b53-4ce0-832d-148e0a91ef02" providerId="ADAL" clId="{915EDF55-A7D7-4EE6-BC3A-AF27D5B0595E}" dt="2024-07-29T09:55:11.380" v="1145" actId="478"/>
-          <ac:spMkLst>
-            <pc:docMk/>
-            <pc:sldMk cId="3148683385" sldId="333"/>
-            <ac:spMk id="3" creationId="{E1678273-50F3-3899-3B75-FFD33669CA3D}"/>
-          </ac:spMkLst>
-        </pc:spChg>
-        <pc:spChg chg="add mod">
-          <ac:chgData name="Ravisankar Pandian" userId="ed09f74a-2b53-4ce0-832d-148e0a91ef02" providerId="ADAL" clId="{915EDF55-A7D7-4EE6-BC3A-AF27D5B0595E}" dt="2024-07-29T09:54:37.245" v="1144" actId="1076"/>
-          <ac:spMkLst>
-            <pc:docMk/>
-            <pc:sldMk cId="3148683385" sldId="333"/>
-            <ac:spMk id="4" creationId="{123EAE75-907C-785D-CF2F-A693DA020E0B}"/>
-          </ac:spMkLst>
-        </pc:spChg>
-        <pc:spChg chg="add mod">
-          <ac:chgData name="Ravisankar Pandian" userId="ed09f74a-2b53-4ce0-832d-148e0a91ef02" providerId="ADAL" clId="{915EDF55-A7D7-4EE6-BC3A-AF27D5B0595E}" dt="2024-07-29T10:20:22.159" v="1210" actId="20577"/>
-          <ac:spMkLst>
-            <pc:docMk/>
-            <pc:sldMk cId="3148683385" sldId="333"/>
-            <ac:spMk id="7" creationId="{042C3EF5-D0B6-C29D-B4C9-D54C0DEBD10C}"/>
-          </ac:spMkLst>
-        </pc:spChg>
-        <pc:spChg chg="add mod">
-          <ac:chgData name="Ravisankar Pandian" userId="ed09f74a-2b53-4ce0-832d-148e0a91ef02" providerId="ADAL" clId="{915EDF55-A7D7-4EE6-BC3A-AF27D5B0595E}" dt="2024-07-29T09:55:17.185" v="1147" actId="1076"/>
-          <ac:spMkLst>
-            <pc:docMk/>
-            <pc:sldMk cId="3148683385" sldId="333"/>
-            <ac:spMk id="8" creationId="{7049CD08-AD78-32AE-123B-EB82F148606A}"/>
-          </ac:spMkLst>
-        </pc:spChg>
-        <pc:picChg chg="add del mod">
-          <ac:chgData name="Ravisankar Pandian" userId="ed09f74a-2b53-4ce0-832d-148e0a91ef02" providerId="ADAL" clId="{915EDF55-A7D7-4EE6-BC3A-AF27D5B0595E}" dt="2024-07-29T11:03:42.900" v="1597" actId="478"/>
-          <ac:picMkLst>
-            <pc:docMk/>
-            <pc:sldMk cId="3148683385" sldId="333"/>
-            <ac:picMk id="6" creationId="{AC36D94B-8D77-A49A-0272-5E9B475C1A76}"/>
-          </ac:picMkLst>
-        </pc:picChg>
-      </pc:sldChg>
-      <pc:sldChg chg="delSp add del mod ord">
-        <pc:chgData name="Ravisankar Pandian" userId="ed09f74a-2b53-4ce0-832d-148e0a91ef02" providerId="ADAL" clId="{915EDF55-A7D7-4EE6-BC3A-AF27D5B0595E}" dt="2024-07-29T08:49:31.999" v="540" actId="47"/>
-        <pc:sldMkLst>
-          <pc:docMk/>
-          <pc:sldMk cId="3329267134" sldId="333"/>
-        </pc:sldMkLst>
-        <pc:picChg chg="del">
-          <ac:chgData name="Ravisankar Pandian" userId="ed09f74a-2b53-4ce0-832d-148e0a91ef02" providerId="ADAL" clId="{915EDF55-A7D7-4EE6-BC3A-AF27D5B0595E}" dt="2024-07-29T08:48:03.930" v="538" actId="478"/>
-          <ac:picMkLst>
-            <pc:docMk/>
-            <pc:sldMk cId="3329267134" sldId="333"/>
-            <ac:picMk id="4" creationId="{465750BC-3CC1-CAF7-5D0B-F8B22148994D}"/>
-          </ac:picMkLst>
-        </pc:picChg>
-      </pc:sldChg>
-      <pc:sldChg chg="addSp delSp modSp add mod modNotesTx">
-        <pc:chgData name="Ravisankar Pandian" userId="ed09f74a-2b53-4ce0-832d-148e0a91ef02" providerId="ADAL" clId="{915EDF55-A7D7-4EE6-BC3A-AF27D5B0595E}" dt="2024-07-29T09:43:20.309" v="981" actId="1076"/>
-        <pc:sldMkLst>
-          <pc:docMk/>
-          <pc:sldMk cId="2702038051" sldId="334"/>
-        </pc:sldMkLst>
-        <pc:spChg chg="mod">
-          <ac:chgData name="Ravisankar Pandian" userId="ed09f74a-2b53-4ce0-832d-148e0a91ef02" providerId="ADAL" clId="{915EDF55-A7D7-4EE6-BC3A-AF27D5B0595E}" dt="2024-07-29T09:01:24.206" v="728" actId="20577"/>
-          <ac:spMkLst>
-            <pc:docMk/>
-            <pc:sldMk cId="2702038051" sldId="334"/>
-            <ac:spMk id="3" creationId="{E1678273-50F3-3899-3B75-FFD33669CA3D}"/>
-          </ac:spMkLst>
-        </pc:spChg>
-        <pc:spChg chg="add del">
-          <ac:chgData name="Ravisankar Pandian" userId="ed09f74a-2b53-4ce0-832d-148e0a91ef02" providerId="ADAL" clId="{915EDF55-A7D7-4EE6-BC3A-AF27D5B0595E}" dt="2024-07-29T09:02:13.388" v="730" actId="22"/>
-          <ac:spMkLst>
-            <pc:docMk/>
-            <pc:sldMk cId="2702038051" sldId="334"/>
-            <ac:spMk id="6" creationId="{321EB8B5-926B-E324-60CD-DBB5A57A5BF1}"/>
-          </ac:spMkLst>
-        </pc:spChg>
-        <pc:spChg chg="mod">
-          <ac:chgData name="Ravisankar Pandian" userId="ed09f74a-2b53-4ce0-832d-148e0a91ef02" providerId="ADAL" clId="{915EDF55-A7D7-4EE6-BC3A-AF27D5B0595E}" dt="2024-07-29T08:59:27.381" v="700" actId="1076"/>
-          <ac:spMkLst>
-            <pc:docMk/>
-            <pc:sldMk cId="2702038051" sldId="334"/>
-            <ac:spMk id="7" creationId="{5493AF2F-B4A4-3DD7-C402-81CD909FDA9B}"/>
-          </ac:spMkLst>
-        </pc:spChg>
-        <pc:picChg chg="del mod">
-          <ac:chgData name="Ravisankar Pandian" userId="ed09f74a-2b53-4ce0-832d-148e0a91ef02" providerId="ADAL" clId="{915EDF55-A7D7-4EE6-BC3A-AF27D5B0595E}" dt="2024-07-29T09:43:15.442" v="978" actId="478"/>
-          <ac:picMkLst>
-            <pc:docMk/>
-            <pc:sldMk cId="2702038051" sldId="334"/>
-            <ac:picMk id="1026" creationId="{2AFB92F0-2918-9FCB-710C-F72C15CA063C}"/>
-          </ac:picMkLst>
-        </pc:picChg>
-        <pc:picChg chg="add mod">
-          <ac:chgData name="Ravisankar Pandian" userId="ed09f74a-2b53-4ce0-832d-148e0a91ef02" providerId="ADAL" clId="{915EDF55-A7D7-4EE6-BC3A-AF27D5B0595E}" dt="2024-07-29T09:43:20.309" v="981" actId="1076"/>
-          <ac:picMkLst>
-            <pc:docMk/>
-            <pc:sldMk cId="2702038051" sldId="334"/>
-            <ac:picMk id="2050" creationId="{7FA6BAEF-80F7-66A0-EECB-95453C7F160C}"/>
-          </ac:picMkLst>
-        </pc:picChg>
-      </pc:sldChg>
-      <pc:sldChg chg="addSp delSp modSp add mod modNotesTx">
-        <pc:chgData name="Ravisankar Pandian" userId="ed09f74a-2b53-4ce0-832d-148e0a91ef02" providerId="ADAL" clId="{915EDF55-A7D7-4EE6-BC3A-AF27D5B0595E}" dt="2024-07-29T09:10:01.875" v="837" actId="6549"/>
-        <pc:sldMkLst>
-          <pc:docMk/>
-          <pc:sldMk cId="619989228" sldId="335"/>
-        </pc:sldMkLst>
-        <pc:spChg chg="del">
-          <ac:chgData name="Ravisankar Pandian" userId="ed09f74a-2b53-4ce0-832d-148e0a91ef02" providerId="ADAL" clId="{915EDF55-A7D7-4EE6-BC3A-AF27D5B0595E}" dt="2024-07-29T09:04:37.951" v="733" actId="478"/>
-          <ac:spMkLst>
-            <pc:docMk/>
-            <pc:sldMk cId="619989228" sldId="335"/>
-            <ac:spMk id="3" creationId="{E1678273-50F3-3899-3B75-FFD33669CA3D}"/>
-          </ac:spMkLst>
-        </pc:spChg>
-        <pc:spChg chg="add mod">
-          <ac:chgData name="Ravisankar Pandian" userId="ed09f74a-2b53-4ce0-832d-148e0a91ef02" providerId="ADAL" clId="{915EDF55-A7D7-4EE6-BC3A-AF27D5B0595E}" dt="2024-07-29T09:05:53.074" v="761" actId="1076"/>
-          <ac:spMkLst>
-            <pc:docMk/>
-            <pc:sldMk cId="619989228" sldId="335"/>
-            <ac:spMk id="6" creationId="{F9E44607-B40B-1AA9-61A7-7A656E120690}"/>
-          </ac:spMkLst>
-        </pc:spChg>
-        <pc:spChg chg="add mod">
-          <ac:chgData name="Ravisankar Pandian" userId="ed09f74a-2b53-4ce0-832d-148e0a91ef02" providerId="ADAL" clId="{915EDF55-A7D7-4EE6-BC3A-AF27D5B0595E}" dt="2024-07-29T09:05:55.930" v="762" actId="1076"/>
-          <ac:spMkLst>
-            <pc:docMk/>
-            <pc:sldMk cId="619989228" sldId="335"/>
-            <ac:spMk id="8" creationId="{30C95689-9D44-447F-CBCD-E401C4820916}"/>
-          </ac:spMkLst>
-        </pc:spChg>
-        <pc:picChg chg="add mod">
-          <ac:chgData name="Ravisankar Pandian" userId="ed09f74a-2b53-4ce0-832d-148e0a91ef02" providerId="ADAL" clId="{915EDF55-A7D7-4EE6-BC3A-AF27D5B0595E}" dt="2024-07-29T09:05:02.973" v="741" actId="1076"/>
-          <ac:picMkLst>
-            <pc:docMk/>
-            <pc:sldMk cId="619989228" sldId="335"/>
-            <ac:picMk id="2" creationId="{A842EAE5-85CC-BBF4-6016-2AF61617EAFA}"/>
-          </ac:picMkLst>
-        </pc:picChg>
-        <pc:picChg chg="del">
-          <ac:chgData name="Ravisankar Pandian" userId="ed09f74a-2b53-4ce0-832d-148e0a91ef02" providerId="ADAL" clId="{915EDF55-A7D7-4EE6-BC3A-AF27D5B0595E}" dt="2024-07-29T09:04:44.640" v="737" actId="478"/>
-          <ac:picMkLst>
-            <pc:docMk/>
-            <pc:sldMk cId="619989228" sldId="335"/>
-            <ac:picMk id="1026" creationId="{2AFB92F0-2918-9FCB-710C-F72C15CA063C}"/>
-          </ac:picMkLst>
-        </pc:picChg>
-      </pc:sldChg>
-      <pc:sldChg chg="addSp delSp modSp add mod modNotesTx">
-        <pc:chgData name="Ravisankar Pandian" userId="ed09f74a-2b53-4ce0-832d-148e0a91ef02" providerId="ADAL" clId="{915EDF55-A7D7-4EE6-BC3A-AF27D5B0595E}" dt="2024-07-29T10:11:23.339" v="1205" actId="20577"/>
-        <pc:sldMkLst>
-          <pc:docMk/>
-          <pc:sldMk cId="220794182" sldId="336"/>
-        </pc:sldMkLst>
-        <pc:spChg chg="del">
-          <ac:chgData name="Ravisankar Pandian" userId="ed09f74a-2b53-4ce0-832d-148e0a91ef02" providerId="ADAL" clId="{915EDF55-A7D7-4EE6-BC3A-AF27D5B0595E}" dt="2024-07-29T09:06:41.073" v="765" actId="478"/>
-          <ac:spMkLst>
-            <pc:docMk/>
-            <pc:sldMk cId="220794182" sldId="336"/>
-            <ac:spMk id="6" creationId="{F9E44607-B40B-1AA9-61A7-7A656E120690}"/>
-          </ac:spMkLst>
-        </pc:spChg>
-        <pc:spChg chg="mod ord">
-          <ac:chgData name="Ravisankar Pandian" userId="ed09f74a-2b53-4ce0-832d-148e0a91ef02" providerId="ADAL" clId="{915EDF55-A7D7-4EE6-BC3A-AF27D5B0595E}" dt="2024-07-29T10:11:23.339" v="1205" actId="20577"/>
-          <ac:spMkLst>
-            <pc:docMk/>
-            <pc:sldMk cId="220794182" sldId="336"/>
-            <ac:spMk id="8" creationId="{30C95689-9D44-447F-CBCD-E401C4820916}"/>
-          </ac:spMkLst>
-        </pc:spChg>
-        <pc:picChg chg="del">
-          <ac:chgData name="Ravisankar Pandian" userId="ed09f74a-2b53-4ce0-832d-148e0a91ef02" providerId="ADAL" clId="{915EDF55-A7D7-4EE6-BC3A-AF27D5B0595E}" dt="2024-07-29T09:06:39.610" v="764" actId="478"/>
-          <ac:picMkLst>
-            <pc:docMk/>
-            <pc:sldMk cId="220794182" sldId="336"/>
-            <ac:picMk id="2" creationId="{A842EAE5-85CC-BBF4-6016-2AF61617EAFA}"/>
-          </ac:picMkLst>
-        </pc:picChg>
-        <pc:picChg chg="add del mod">
-          <ac:chgData name="Ravisankar Pandian" userId="ed09f74a-2b53-4ce0-832d-148e0a91ef02" providerId="ADAL" clId="{915EDF55-A7D7-4EE6-BC3A-AF27D5B0595E}" dt="2024-07-29T09:35:57.782" v="889" actId="478"/>
-          <ac:picMkLst>
-            <pc:docMk/>
-            <pc:sldMk cId="220794182" sldId="336"/>
-            <ac:picMk id="9" creationId="{A176A1FF-C249-5014-EC5E-5CD9D753B743}"/>
-          </ac:picMkLst>
-        </pc:picChg>
-        <pc:picChg chg="add mod ord">
-          <ac:chgData name="Ravisankar Pandian" userId="ed09f74a-2b53-4ce0-832d-148e0a91ef02" providerId="ADAL" clId="{915EDF55-A7D7-4EE6-BC3A-AF27D5B0595E}" dt="2024-07-29T09:36:10.109" v="892" actId="1076"/>
-          <ac:picMkLst>
-            <pc:docMk/>
-            <pc:sldMk cId="220794182" sldId="336"/>
-            <ac:picMk id="11" creationId="{A4F33B41-B498-0B66-9BAF-9E3DD8C43160}"/>
-          </ac:picMkLst>
-        </pc:picChg>
-      </pc:sldChg>
-      <pc:sldChg chg="addSp delSp modSp add mod modNotesTx">
-        <pc:chgData name="Ravisankar Pandian" userId="ed09f74a-2b53-4ce0-832d-148e0a91ef02" providerId="ADAL" clId="{915EDF55-A7D7-4EE6-BC3A-AF27D5B0595E}" dt="2024-07-29T09:09:51.966" v="835"/>
-        <pc:sldMkLst>
-          <pc:docMk/>
-          <pc:sldMk cId="360331067" sldId="337"/>
-        </pc:sldMkLst>
-        <pc:spChg chg="mod">
-          <ac:chgData name="Ravisankar Pandian" userId="ed09f74a-2b53-4ce0-832d-148e0a91ef02" providerId="ADAL" clId="{915EDF55-A7D7-4EE6-BC3A-AF27D5B0595E}" dt="2024-07-29T09:08:35.589" v="820" actId="1076"/>
-          <ac:spMkLst>
-            <pc:docMk/>
-            <pc:sldMk cId="360331067" sldId="337"/>
-            <ac:spMk id="7" creationId="{5493AF2F-B4A4-3DD7-C402-81CD909FDA9B}"/>
-          </ac:spMkLst>
-        </pc:spChg>
-        <pc:spChg chg="del">
-          <ac:chgData name="Ravisankar Pandian" userId="ed09f74a-2b53-4ce0-832d-148e0a91ef02" providerId="ADAL" clId="{915EDF55-A7D7-4EE6-BC3A-AF27D5B0595E}" dt="2024-07-29T09:08:47.348" v="824" actId="478"/>
-          <ac:spMkLst>
-            <pc:docMk/>
-            <pc:sldMk cId="360331067" sldId="337"/>
-            <ac:spMk id="8" creationId="{30C95689-9D44-447F-CBCD-E401C4820916}"/>
-          </ac:spMkLst>
-        </pc:spChg>
-        <pc:graphicFrameChg chg="add mod modGraphic">
-          <ac:chgData name="Ravisankar Pandian" userId="ed09f74a-2b53-4ce0-832d-148e0a91ef02" providerId="ADAL" clId="{915EDF55-A7D7-4EE6-BC3A-AF27D5B0595E}" dt="2024-07-29T09:09:40.717" v="834" actId="2710"/>
-          <ac:graphicFrameMkLst>
-            <pc:docMk/>
-            <pc:sldMk cId="360331067" sldId="337"/>
-            <ac:graphicFrameMk id="2" creationId="{9661D7CE-1993-1709-E912-3902A488BE18}"/>
-          </ac:graphicFrameMkLst>
-        </pc:graphicFrameChg>
-        <pc:picChg chg="del">
-          <ac:chgData name="Ravisankar Pandian" userId="ed09f74a-2b53-4ce0-832d-148e0a91ef02" providerId="ADAL" clId="{915EDF55-A7D7-4EE6-BC3A-AF27D5B0595E}" dt="2024-07-29T09:08:38.873" v="821" actId="478"/>
-          <ac:picMkLst>
-            <pc:docMk/>
-            <pc:sldMk cId="360331067" sldId="337"/>
-            <ac:picMk id="9" creationId="{A176A1FF-C249-5014-EC5E-5CD9D753B743}"/>
-          </ac:picMkLst>
-        </pc:picChg>
-      </pc:sldChg>
-      <pc:sldChg chg="addSp delSp modSp add mod">
-        <pc:chgData name="Ravisankar Pandian" userId="ed09f74a-2b53-4ce0-832d-148e0a91ef02" providerId="ADAL" clId="{915EDF55-A7D7-4EE6-BC3A-AF27D5B0595E}" dt="2024-07-29T09:42:02.070" v="975" actId="1076"/>
-        <pc:sldMkLst>
-          <pc:docMk/>
-          <pc:sldMk cId="1190173979" sldId="338"/>
-        </pc:sldMkLst>
-        <pc:spChg chg="add del mod">
-          <ac:chgData name="Ravisankar Pandian" userId="ed09f74a-2b53-4ce0-832d-148e0a91ef02" providerId="ADAL" clId="{915EDF55-A7D7-4EE6-BC3A-AF27D5B0595E}" dt="2024-07-29T09:30:44.899" v="880"/>
-          <ac:spMkLst>
-            <pc:docMk/>
-            <pc:sldMk cId="1190173979" sldId="338"/>
-            <ac:spMk id="6" creationId="{91CD8BEB-3B54-CAD9-9A7D-A3947652A32B}"/>
-          </ac:spMkLst>
-        </pc:spChg>
-        <pc:spChg chg="mod">
-          <ac:chgData name="Ravisankar Pandian" userId="ed09f74a-2b53-4ce0-832d-148e0a91ef02" providerId="ADAL" clId="{915EDF55-A7D7-4EE6-BC3A-AF27D5B0595E}" dt="2024-07-29T09:40:27.017" v="967" actId="1076"/>
-          <ac:spMkLst>
-            <pc:docMk/>
-            <pc:sldMk cId="1190173979" sldId="338"/>
-            <ac:spMk id="7" creationId="{5493AF2F-B4A4-3DD7-C402-81CD909FDA9B}"/>
-          </ac:spMkLst>
-        </pc:spChg>
-        <pc:graphicFrameChg chg="del">
-          <ac:chgData name="Ravisankar Pandian" userId="ed09f74a-2b53-4ce0-832d-148e0a91ef02" providerId="ADAL" clId="{915EDF55-A7D7-4EE6-BC3A-AF27D5B0595E}" dt="2024-07-29T09:11:58.123" v="849" actId="478"/>
-          <ac:graphicFrameMkLst>
-            <pc:docMk/>
-            <pc:sldMk cId="1190173979" sldId="338"/>
-            <ac:graphicFrameMk id="2" creationId="{9661D7CE-1993-1709-E912-3902A488BE18}"/>
-          </ac:graphicFrameMkLst>
-        </pc:graphicFrameChg>
-        <pc:picChg chg="add del mod">
-          <ac:chgData name="Ravisankar Pandian" userId="ed09f74a-2b53-4ce0-832d-148e0a91ef02" providerId="ADAL" clId="{915EDF55-A7D7-4EE6-BC3A-AF27D5B0595E}" dt="2024-07-29T09:41:58.009" v="974" actId="478"/>
-          <ac:picMkLst>
-            <pc:docMk/>
-            <pc:sldMk cId="1190173979" sldId="338"/>
-            <ac:picMk id="3" creationId="{7E8346DE-BEB1-1266-258C-37E2F2E97061}"/>
-          </ac:picMkLst>
-        </pc:picChg>
-        <pc:picChg chg="add del mod">
-          <ac:chgData name="Ravisankar Pandian" userId="ed09f74a-2b53-4ce0-832d-148e0a91ef02" providerId="ADAL" clId="{915EDF55-A7D7-4EE6-BC3A-AF27D5B0595E}" dt="2024-07-29T09:40:05.811" v="946" actId="478"/>
-          <ac:picMkLst>
-            <pc:docMk/>
-            <pc:sldMk cId="1190173979" sldId="338"/>
-            <ac:picMk id="9" creationId="{4132CFEA-B469-9679-C792-67A85F11C040}"/>
-          </ac:picMkLst>
-        </pc:picChg>
-        <pc:picChg chg="add del mod">
-          <ac:chgData name="Ravisankar Pandian" userId="ed09f74a-2b53-4ce0-832d-148e0a91ef02" providerId="ADAL" clId="{915EDF55-A7D7-4EE6-BC3A-AF27D5B0595E}" dt="2024-07-29T09:41:44.403" v="968" actId="478"/>
-          <ac:picMkLst>
-            <pc:docMk/>
-            <pc:sldMk cId="1190173979" sldId="338"/>
-            <ac:picMk id="11" creationId="{510BC9DD-83DE-D3FE-BF75-C33590DF744F}"/>
-          </ac:picMkLst>
-        </pc:picChg>
-        <pc:picChg chg="add mod">
-          <ac:chgData name="Ravisankar Pandian" userId="ed09f74a-2b53-4ce0-832d-148e0a91ef02" providerId="ADAL" clId="{915EDF55-A7D7-4EE6-BC3A-AF27D5B0595E}" dt="2024-07-29T09:42:02.070" v="975" actId="1076"/>
-          <ac:picMkLst>
-            <pc:docMk/>
-            <pc:sldMk cId="1190173979" sldId="338"/>
-            <ac:picMk id="13" creationId="{07D41AA6-5466-2FA5-C0AA-BF55849652C7}"/>
-          </ac:picMkLst>
-        </pc:picChg>
-      </pc:sldChg>
-      <pc:sldChg chg="addSp delSp modSp add del mod">
-        <pc:chgData name="Ravisankar Pandian" userId="ed09f74a-2b53-4ce0-832d-148e0a91ef02" providerId="ADAL" clId="{915EDF55-A7D7-4EE6-BC3A-AF27D5B0595E}" dt="2024-07-30T10:37:35.526" v="1657" actId="2696"/>
-        <pc:sldMkLst>
-          <pc:docMk/>
-          <pc:sldMk cId="2817449152" sldId="339"/>
-        </pc:sldMkLst>
-        <pc:spChg chg="add mod">
-          <ac:chgData name="Ravisankar Pandian" userId="ed09f74a-2b53-4ce0-832d-148e0a91ef02" providerId="ADAL" clId="{915EDF55-A7D7-4EE6-BC3A-AF27D5B0595E}" dt="2024-07-29T09:37:49.029" v="945" actId="1076"/>
-          <ac:spMkLst>
-            <pc:docMk/>
-            <pc:sldMk cId="2817449152" sldId="339"/>
-            <ac:spMk id="2" creationId="{C6CD310B-407E-92D6-6068-776F959F76C7}"/>
-          </ac:spMkLst>
-        </pc:spChg>
-        <pc:spChg chg="mod">
-          <ac:chgData name="Ravisankar Pandian" userId="ed09f74a-2b53-4ce0-832d-148e0a91ef02" providerId="ADAL" clId="{915EDF55-A7D7-4EE6-BC3A-AF27D5B0595E}" dt="2024-07-29T09:37:04.123" v="898" actId="1076"/>
-          <ac:spMkLst>
-            <pc:docMk/>
-            <pc:sldMk cId="2817449152" sldId="339"/>
-            <ac:spMk id="4" creationId="{9C0D1D6F-43D2-B0BE-B089-22338D1F170D}"/>
-          </ac:spMkLst>
-        </pc:spChg>
-        <pc:picChg chg="mod">
-          <ac:chgData name="Ravisankar Pandian" userId="ed09f74a-2b53-4ce0-832d-148e0a91ef02" providerId="ADAL" clId="{915EDF55-A7D7-4EE6-BC3A-AF27D5B0595E}" dt="2024-07-29T09:37:46.268" v="944" actId="1076"/>
-          <ac:picMkLst>
-            <pc:docMk/>
-            <pc:sldMk cId="2817449152" sldId="339"/>
-            <ac:picMk id="3" creationId="{7E8346DE-BEB1-1266-258C-37E2F2E97061}"/>
-          </ac:picMkLst>
-        </pc:picChg>
-        <pc:picChg chg="del">
-          <ac:chgData name="Ravisankar Pandian" userId="ed09f74a-2b53-4ce0-832d-148e0a91ef02" providerId="ADAL" clId="{915EDF55-A7D7-4EE6-BC3A-AF27D5B0595E}" dt="2024-07-29T09:36:54.759" v="895" actId="478"/>
-          <ac:picMkLst>
-            <pc:docMk/>
-            <pc:sldMk cId="2817449152" sldId="339"/>
-            <ac:picMk id="9" creationId="{4132CFEA-B469-9679-C792-67A85F11C040}"/>
-          </ac:picMkLst>
-        </pc:picChg>
-      </pc:sldChg>
-      <pc:sldChg chg="modSp add mod ord">
-        <pc:chgData name="Ravisankar Pandian" userId="ed09f74a-2b53-4ce0-832d-148e0a91ef02" providerId="ADAL" clId="{915EDF55-A7D7-4EE6-BC3A-AF27D5B0595E}" dt="2024-07-29T09:50:14.274" v="1096" actId="1076"/>
-        <pc:sldMkLst>
-          <pc:docMk/>
-          <pc:sldMk cId="1791084239" sldId="340"/>
-        </pc:sldMkLst>
-        <pc:spChg chg="mod">
-          <ac:chgData name="Ravisankar Pandian" userId="ed09f74a-2b53-4ce0-832d-148e0a91ef02" providerId="ADAL" clId="{915EDF55-A7D7-4EE6-BC3A-AF27D5B0595E}" dt="2024-07-29T09:50:14.274" v="1096" actId="1076"/>
-          <ac:spMkLst>
-            <pc:docMk/>
-            <pc:sldMk cId="1791084239" sldId="340"/>
-            <ac:spMk id="3" creationId="{E1678273-50F3-3899-3B75-FFD33669CA3D}"/>
-          </ac:spMkLst>
-        </pc:spChg>
-        <pc:spChg chg="mod">
-          <ac:chgData name="Ravisankar Pandian" userId="ed09f74a-2b53-4ce0-832d-148e0a91ef02" providerId="ADAL" clId="{915EDF55-A7D7-4EE6-BC3A-AF27D5B0595E}" dt="2024-07-29T09:45:33.299" v="1006" actId="1076"/>
-          <ac:spMkLst>
-            <pc:docMk/>
-            <pc:sldMk cId="1791084239" sldId="340"/>
-            <ac:spMk id="4" creationId="{9C0D1D6F-43D2-B0BE-B089-22338D1F170D}"/>
-          </ac:spMkLst>
-        </pc:spChg>
-      </pc:sldChg>
-      <pc:sldChg chg="addSp delSp modSp add mod modNotesTx">
-        <pc:chgData name="Ravisankar Pandian" userId="ed09f74a-2b53-4ce0-832d-148e0a91ef02" providerId="ADAL" clId="{915EDF55-A7D7-4EE6-BC3A-AF27D5B0595E}" dt="2024-07-29T09:50:06.550" v="1095" actId="1076"/>
-        <pc:sldMkLst>
-          <pc:docMk/>
-          <pc:sldMk cId="2580052875" sldId="341"/>
-        </pc:sldMkLst>
-        <pc:spChg chg="mod">
-          <ac:chgData name="Ravisankar Pandian" userId="ed09f74a-2b53-4ce0-832d-148e0a91ef02" providerId="ADAL" clId="{915EDF55-A7D7-4EE6-BC3A-AF27D5B0595E}" dt="2024-07-29T09:50:06.550" v="1095" actId="1076"/>
-          <ac:spMkLst>
-            <pc:docMk/>
-            <pc:sldMk cId="2580052875" sldId="341"/>
-            <ac:spMk id="3" creationId="{E1678273-50F3-3899-3B75-FFD33669CA3D}"/>
-          </ac:spMkLst>
-        </pc:spChg>
-        <pc:spChg chg="mod">
-          <ac:chgData name="Ravisankar Pandian" userId="ed09f74a-2b53-4ce0-832d-148e0a91ef02" providerId="ADAL" clId="{915EDF55-A7D7-4EE6-BC3A-AF27D5B0595E}" dt="2024-07-29T09:48:51.920" v="1070" actId="20577"/>
-          <ac:spMkLst>
-            <pc:docMk/>
-            <pc:sldMk cId="2580052875" sldId="341"/>
-            <ac:spMk id="7" creationId="{5493AF2F-B4A4-3DD7-C402-81CD909FDA9B}"/>
-          </ac:spMkLst>
-        </pc:spChg>
-        <pc:picChg chg="add mod">
-          <ac:chgData name="Ravisankar Pandian" userId="ed09f74a-2b53-4ce0-832d-148e0a91ef02" providerId="ADAL" clId="{915EDF55-A7D7-4EE6-BC3A-AF27D5B0595E}" dt="2024-07-29T09:50:03.700" v="1094" actId="1076"/>
-          <ac:picMkLst>
-            <pc:docMk/>
-            <pc:sldMk cId="2580052875" sldId="341"/>
-            <ac:picMk id="2" creationId="{B8CC7F81-5E8A-625E-7208-03C6CCC0BE25}"/>
-          </ac:picMkLst>
-        </pc:picChg>
-        <pc:picChg chg="del">
-          <ac:chgData name="Ravisankar Pandian" userId="ed09f74a-2b53-4ce0-832d-148e0a91ef02" providerId="ADAL" clId="{915EDF55-A7D7-4EE6-BC3A-AF27D5B0595E}" dt="2024-07-29T09:48:47.709" v="1066" actId="478"/>
-          <ac:picMkLst>
-            <pc:docMk/>
-            <pc:sldMk cId="2580052875" sldId="341"/>
-            <ac:picMk id="1026" creationId="{2AFB92F0-2918-9FCB-710C-F72C15CA063C}"/>
-          </ac:picMkLst>
-        </pc:picChg>
-      </pc:sldChg>
-      <pc:sldChg chg="modSp add mod ord">
-        <pc:chgData name="Ravisankar Pandian" userId="ed09f74a-2b53-4ce0-832d-148e0a91ef02" providerId="ADAL" clId="{915EDF55-A7D7-4EE6-BC3A-AF27D5B0595E}" dt="2024-07-29T09:50:52.405" v="1121" actId="1076"/>
-        <pc:sldMkLst>
-          <pc:docMk/>
-          <pc:sldMk cId="884492606" sldId="342"/>
-        </pc:sldMkLst>
-        <pc:spChg chg="mod">
-          <ac:chgData name="Ravisankar Pandian" userId="ed09f74a-2b53-4ce0-832d-148e0a91ef02" providerId="ADAL" clId="{915EDF55-A7D7-4EE6-BC3A-AF27D5B0595E}" dt="2024-07-29T09:50:52.405" v="1121" actId="1076"/>
-          <ac:spMkLst>
-            <pc:docMk/>
-            <pc:sldMk cId="884492606" sldId="342"/>
-            <ac:spMk id="4" creationId="{9C0D1D6F-43D2-B0BE-B089-22338D1F170D}"/>
-          </ac:spMkLst>
-        </pc:spChg>
-      </pc:sldChg>
-      <pc:sldChg chg="add del">
-        <pc:chgData name="Ravisankar Pandian" userId="ed09f74a-2b53-4ce0-832d-148e0a91ef02" providerId="ADAL" clId="{915EDF55-A7D7-4EE6-BC3A-AF27D5B0595E}" dt="2024-07-29T09:59:32.493" v="1188" actId="2696"/>
-        <pc:sldMkLst>
-          <pc:docMk/>
-          <pc:sldMk cId="2306331593" sldId="343"/>
-        </pc:sldMkLst>
-      </pc:sldChg>
-      <pc:sldChg chg="addSp delSp modSp add mod">
-        <pc:chgData name="Ravisankar Pandian" userId="ed09f74a-2b53-4ce0-832d-148e0a91ef02" providerId="ADAL" clId="{915EDF55-A7D7-4EE6-BC3A-AF27D5B0595E}" dt="2024-07-29T11:03:46.275" v="1599" actId="478"/>
-        <pc:sldMkLst>
-          <pc:docMk/>
-          <pc:sldMk cId="2113550245" sldId="344"/>
-        </pc:sldMkLst>
-        <pc:spChg chg="add mod">
-          <ac:chgData name="Ravisankar Pandian" userId="ed09f74a-2b53-4ce0-832d-148e0a91ef02" providerId="ADAL" clId="{915EDF55-A7D7-4EE6-BC3A-AF27D5B0595E}" dt="2024-07-29T09:55:56.145" v="1153" actId="1076"/>
-          <ac:spMkLst>
-            <pc:docMk/>
-            <pc:sldMk cId="2113550245" sldId="344"/>
-            <ac:spMk id="2" creationId="{72AA64EB-D7D6-D397-CF5F-C4C2986DAA22}"/>
-          </ac:spMkLst>
-        </pc:spChg>
-        <pc:spChg chg="add mod">
-          <ac:chgData name="Ravisankar Pandian" userId="ed09f74a-2b53-4ce0-832d-148e0a91ef02" providerId="ADAL" clId="{915EDF55-A7D7-4EE6-BC3A-AF27D5B0595E}" dt="2024-07-29T09:55:56.145" v="1153" actId="1076"/>
-          <ac:spMkLst>
-            <pc:docMk/>
-            <pc:sldMk cId="2113550245" sldId="344"/>
-            <ac:spMk id="3" creationId="{F62EFE3B-B71B-085B-18E9-AF2639F01857}"/>
-          </ac:spMkLst>
-        </pc:spChg>
-        <pc:spChg chg="del">
-          <ac:chgData name="Ravisankar Pandian" userId="ed09f74a-2b53-4ce0-832d-148e0a91ef02" providerId="ADAL" clId="{915EDF55-A7D7-4EE6-BC3A-AF27D5B0595E}" dt="2024-07-29T09:55:39.318" v="1150" actId="478"/>
-          <ac:spMkLst>
-            <pc:docMk/>
-            <pc:sldMk cId="2113550245" sldId="344"/>
-            <ac:spMk id="7" creationId="{042C3EF5-D0B6-C29D-B4C9-D54C0DEBD10C}"/>
-          </ac:spMkLst>
-        </pc:spChg>
-        <pc:spChg chg="del">
-          <ac:chgData name="Ravisankar Pandian" userId="ed09f74a-2b53-4ce0-832d-148e0a91ef02" providerId="ADAL" clId="{915EDF55-A7D7-4EE6-BC3A-AF27D5B0595E}" dt="2024-07-29T09:55:38.288" v="1149" actId="478"/>
-          <ac:spMkLst>
-            <pc:docMk/>
-            <pc:sldMk cId="2113550245" sldId="344"/>
-            <ac:spMk id="8" creationId="{7049CD08-AD78-32AE-123B-EB82F148606A}"/>
-          </ac:spMkLst>
-        </pc:spChg>
-        <pc:spChg chg="add mod">
-          <ac:chgData name="Ravisankar Pandian" userId="ed09f74a-2b53-4ce0-832d-148e0a91ef02" providerId="ADAL" clId="{915EDF55-A7D7-4EE6-BC3A-AF27D5B0595E}" dt="2024-07-29T09:55:56.145" v="1153" actId="1076"/>
-          <ac:spMkLst>
-            <pc:docMk/>
-            <pc:sldMk cId="2113550245" sldId="344"/>
-            <ac:spMk id="9" creationId="{72D34E25-E2C2-ABAA-C992-E4CA054C1900}"/>
-          </ac:spMkLst>
-        </pc:spChg>
-        <pc:picChg chg="del">
-          <ac:chgData name="Ravisankar Pandian" userId="ed09f74a-2b53-4ce0-832d-148e0a91ef02" providerId="ADAL" clId="{915EDF55-A7D7-4EE6-BC3A-AF27D5B0595E}" dt="2024-07-29T11:03:46.275" v="1599" actId="478"/>
-          <ac:picMkLst>
-            <pc:docMk/>
-            <pc:sldMk cId="2113550245" sldId="344"/>
-            <ac:picMk id="6" creationId="{AC36D94B-8D77-A49A-0272-5E9B475C1A76}"/>
-          </ac:picMkLst>
-        </pc:picChg>
-      </pc:sldChg>
-      <pc:sldChg chg="addSp delSp modSp add del mod">
-        <pc:chgData name="Ravisankar Pandian" userId="ed09f74a-2b53-4ce0-832d-148e0a91ef02" providerId="ADAL" clId="{915EDF55-A7D7-4EE6-BC3A-AF27D5B0595E}" dt="2024-07-29T11:03:50.012" v="1601" actId="478"/>
-        <pc:sldMkLst>
-          <pc:docMk/>
-          <pc:sldMk cId="2031968315" sldId="345"/>
-        </pc:sldMkLst>
-        <pc:spChg chg="add mod">
-          <ac:chgData name="Ravisankar Pandian" userId="ed09f74a-2b53-4ce0-832d-148e0a91ef02" providerId="ADAL" clId="{915EDF55-A7D7-4EE6-BC3A-AF27D5B0595E}" dt="2024-07-29T09:56:30.129" v="1162" actId="1076"/>
-          <ac:spMkLst>
-            <pc:docMk/>
-            <pc:sldMk cId="2031968315" sldId="345"/>
-            <ac:spMk id="2" creationId="{77116030-4A77-1723-E7DB-29AD2D500873}"/>
-          </ac:spMkLst>
-        </pc:spChg>
-        <pc:spChg chg="add mod">
-          <ac:chgData name="Ravisankar Pandian" userId="ed09f74a-2b53-4ce0-832d-148e0a91ef02" providerId="ADAL" clId="{915EDF55-A7D7-4EE6-BC3A-AF27D5B0595E}" dt="2024-07-29T10:37:21.442" v="1233" actId="20577"/>
-          <ac:spMkLst>
-            <pc:docMk/>
-            <pc:sldMk cId="2031968315" sldId="345"/>
-            <ac:spMk id="3" creationId="{5CD8FF66-E781-64EE-7A4C-684C55084D0D}"/>
-          </ac:spMkLst>
-        </pc:spChg>
-        <pc:spChg chg="add mod">
-          <ac:chgData name="Ravisankar Pandian" userId="ed09f74a-2b53-4ce0-832d-148e0a91ef02" providerId="ADAL" clId="{915EDF55-A7D7-4EE6-BC3A-AF27D5B0595E}" dt="2024-07-29T09:56:30.129" v="1162" actId="1076"/>
-          <ac:spMkLst>
-            <pc:docMk/>
-            <pc:sldMk cId="2031968315" sldId="345"/>
-            <ac:spMk id="7" creationId="{3847EDC5-4049-7879-54D6-838B59659F5B}"/>
-          </ac:spMkLst>
-        </pc:spChg>
-        <pc:picChg chg="del">
-          <ac:chgData name="Ravisankar Pandian" userId="ed09f74a-2b53-4ce0-832d-148e0a91ef02" providerId="ADAL" clId="{915EDF55-A7D7-4EE6-BC3A-AF27D5B0595E}" dt="2024-07-29T11:03:50.012" v="1601" actId="478"/>
-          <ac:picMkLst>
-            <pc:docMk/>
-            <pc:sldMk cId="2031968315" sldId="345"/>
-            <ac:picMk id="6" creationId="{AC36D94B-8D77-A49A-0272-5E9B475C1A76}"/>
-          </ac:picMkLst>
-        </pc:picChg>
-      </pc:sldChg>
-      <pc:sldChg chg="addSp delSp modSp add mod ord modNotesTx">
-        <pc:chgData name="Ravisankar Pandian" userId="ed09f74a-2b53-4ce0-832d-148e0a91ef02" providerId="ADAL" clId="{915EDF55-A7D7-4EE6-BC3A-AF27D5B0595E}" dt="2024-07-29T11:03:48.179" v="1600" actId="478"/>
-        <pc:sldMkLst>
-          <pc:docMk/>
-          <pc:sldMk cId="3335676648" sldId="346"/>
-        </pc:sldMkLst>
-        <pc:spChg chg="add mod">
-          <ac:chgData name="Ravisankar Pandian" userId="ed09f74a-2b53-4ce0-832d-148e0a91ef02" providerId="ADAL" clId="{915EDF55-A7D7-4EE6-BC3A-AF27D5B0595E}" dt="2024-07-29T09:56:10.825" v="1157"/>
-          <ac:spMkLst>
-            <pc:docMk/>
-            <pc:sldMk cId="3335676648" sldId="346"/>
-            <ac:spMk id="2" creationId="{18FF7990-5800-19BB-3EAE-177C15815815}"/>
-          </ac:spMkLst>
-        </pc:spChg>
-        <pc:spChg chg="add mod">
-          <ac:chgData name="Ravisankar Pandian" userId="ed09f74a-2b53-4ce0-832d-148e0a91ef02" providerId="ADAL" clId="{915EDF55-A7D7-4EE6-BC3A-AF27D5B0595E}" dt="2024-07-29T09:56:10.825" v="1157"/>
-          <ac:spMkLst>
-            <pc:docMk/>
-            <pc:sldMk cId="3335676648" sldId="346"/>
-            <ac:spMk id="3" creationId="{B05116B5-AF15-6288-4A86-C0DC2A5D7FD8}"/>
-          </ac:spMkLst>
-        </pc:spChg>
-        <pc:spChg chg="add mod">
-          <ac:chgData name="Ravisankar Pandian" userId="ed09f74a-2b53-4ce0-832d-148e0a91ef02" providerId="ADAL" clId="{915EDF55-A7D7-4EE6-BC3A-AF27D5B0595E}" dt="2024-07-29T10:37:03.444" v="1230" actId="20577"/>
-          <ac:spMkLst>
-            <pc:docMk/>
-            <pc:sldMk cId="3335676648" sldId="346"/>
-            <ac:spMk id="7" creationId="{221C4640-E646-622E-BDCF-4CD37851C7C0}"/>
-          </ac:spMkLst>
-        </pc:spChg>
-        <pc:picChg chg="del">
-          <ac:chgData name="Ravisankar Pandian" userId="ed09f74a-2b53-4ce0-832d-148e0a91ef02" providerId="ADAL" clId="{915EDF55-A7D7-4EE6-BC3A-AF27D5B0595E}" dt="2024-07-29T11:03:48.179" v="1600" actId="478"/>
-          <ac:picMkLst>
-            <pc:docMk/>
-            <pc:sldMk cId="3335676648" sldId="346"/>
-            <ac:picMk id="6" creationId="{AC36D94B-8D77-A49A-0272-5E9B475C1A76}"/>
-          </ac:picMkLst>
-        </pc:picChg>
-      </pc:sldChg>
-      <pc:sldChg chg="addSp delSp modSp add mod modNotesTx">
-        <pc:chgData name="Ravisankar Pandian" userId="ed09f74a-2b53-4ce0-832d-148e0a91ef02" providerId="ADAL" clId="{915EDF55-A7D7-4EE6-BC3A-AF27D5B0595E}" dt="2024-07-29T11:03:52.883" v="1602" actId="478"/>
-        <pc:sldMkLst>
-          <pc:docMk/>
-          <pc:sldMk cId="1558626567" sldId="347"/>
-        </pc:sldMkLst>
-        <pc:spChg chg="add mod">
-          <ac:chgData name="Ravisankar Pandian" userId="ed09f74a-2b53-4ce0-832d-148e0a91ef02" providerId="ADAL" clId="{915EDF55-A7D7-4EE6-BC3A-AF27D5B0595E}" dt="2024-07-29T09:56:45.213" v="1165" actId="1076"/>
-          <ac:spMkLst>
-            <pc:docMk/>
-            <pc:sldMk cId="1558626567" sldId="347"/>
-            <ac:spMk id="2" creationId="{972A95CF-908C-F9DA-DA06-0C9561027F78}"/>
-          </ac:spMkLst>
-        </pc:spChg>
-        <pc:spChg chg="add mod">
-          <ac:chgData name="Ravisankar Pandian" userId="ed09f74a-2b53-4ce0-832d-148e0a91ef02" providerId="ADAL" clId="{915EDF55-A7D7-4EE6-BC3A-AF27D5B0595E}" dt="2024-07-29T09:56:45.213" v="1165" actId="1076"/>
-          <ac:spMkLst>
-            <pc:docMk/>
-            <pc:sldMk cId="1558626567" sldId="347"/>
-            <ac:spMk id="3" creationId="{0E153FA0-C103-4102-C250-381FB85AF267}"/>
-          </ac:spMkLst>
-        </pc:spChg>
-        <pc:spChg chg="add mod">
-          <ac:chgData name="Ravisankar Pandian" userId="ed09f74a-2b53-4ce0-832d-148e0a91ef02" providerId="ADAL" clId="{915EDF55-A7D7-4EE6-BC3A-AF27D5B0595E}" dt="2024-07-29T09:56:45.213" v="1165" actId="1076"/>
-          <ac:spMkLst>
-            <pc:docMk/>
-            <pc:sldMk cId="1558626567" sldId="347"/>
-            <ac:spMk id="7" creationId="{ABCB507D-5D4D-4EDB-78B2-77D55B41804F}"/>
-          </ac:spMkLst>
-        </pc:spChg>
-        <pc:picChg chg="del">
-          <ac:chgData name="Ravisankar Pandian" userId="ed09f74a-2b53-4ce0-832d-148e0a91ef02" providerId="ADAL" clId="{915EDF55-A7D7-4EE6-BC3A-AF27D5B0595E}" dt="2024-07-29T11:03:52.883" v="1602" actId="478"/>
-          <ac:picMkLst>
-            <pc:docMk/>
-            <pc:sldMk cId="1558626567" sldId="347"/>
-            <ac:picMk id="6" creationId="{AC36D94B-8D77-A49A-0272-5E9B475C1A76}"/>
-          </ac:picMkLst>
-        </pc:picChg>
-      </pc:sldChg>
-      <pc:sldChg chg="addSp delSp modSp add mod modNotesTx">
-        <pc:chgData name="Ravisankar Pandian" userId="ed09f74a-2b53-4ce0-832d-148e0a91ef02" providerId="ADAL" clId="{915EDF55-A7D7-4EE6-BC3A-AF27D5B0595E}" dt="2024-07-30T10:38:26.136" v="1700" actId="1076"/>
-        <pc:sldMkLst>
-          <pc:docMk/>
-          <pc:sldMk cId="2942226510" sldId="348"/>
-        </pc:sldMkLst>
-        <pc:spChg chg="add mod">
-          <ac:chgData name="Ravisankar Pandian" userId="ed09f74a-2b53-4ce0-832d-148e0a91ef02" providerId="ADAL" clId="{915EDF55-A7D7-4EE6-BC3A-AF27D5B0595E}" dt="2024-07-29T10:26:06.323" v="1218" actId="20577"/>
-          <ac:spMkLst>
-            <pc:docMk/>
-            <pc:sldMk cId="2942226510" sldId="348"/>
-            <ac:spMk id="2" creationId="{5061140E-4660-2397-115F-E816B66DCA2C}"/>
-          </ac:spMkLst>
-        </pc:spChg>
-        <pc:spChg chg="mod">
-          <ac:chgData name="Ravisankar Pandian" userId="ed09f74a-2b53-4ce0-832d-148e0a91ef02" providerId="ADAL" clId="{915EDF55-A7D7-4EE6-BC3A-AF27D5B0595E}" dt="2024-07-30T10:38:26.136" v="1700" actId="1076"/>
-          <ac:spMkLst>
-            <pc:docMk/>
-            <pc:sldMk cId="2942226510" sldId="348"/>
-            <ac:spMk id="4" creationId="{123EAE75-907C-785D-CF2F-A693DA020E0B}"/>
-          </ac:spMkLst>
-        </pc:spChg>
-        <pc:picChg chg="del">
-          <ac:chgData name="Ravisankar Pandian" userId="ed09f74a-2b53-4ce0-832d-148e0a91ef02" providerId="ADAL" clId="{915EDF55-A7D7-4EE6-BC3A-AF27D5B0595E}" dt="2024-07-29T11:03:57.699" v="1604" actId="478"/>
-          <ac:picMkLst>
-            <pc:docMk/>
-            <pc:sldMk cId="2942226510" sldId="348"/>
-            <ac:picMk id="6" creationId="{AC36D94B-8D77-A49A-0272-5E9B475C1A76}"/>
-          </ac:picMkLst>
-        </pc:picChg>
-      </pc:sldChg>
-      <pc:sldChg chg="addSp delSp modSp add mod ord modNotesTx">
-        <pc:chgData name="Ravisankar Pandian" userId="ed09f74a-2b53-4ce0-832d-148e0a91ef02" providerId="ADAL" clId="{915EDF55-A7D7-4EE6-BC3A-AF27D5B0595E}" dt="2024-07-30T10:40:35.411" v="1719" actId="20577"/>
-        <pc:sldMkLst>
-          <pc:docMk/>
-          <pc:sldMk cId="4215140171" sldId="349"/>
-        </pc:sldMkLst>
-        <pc:spChg chg="add mod">
-          <ac:chgData name="Ravisankar Pandian" userId="ed09f74a-2b53-4ce0-832d-148e0a91ef02" providerId="ADAL" clId="{915EDF55-A7D7-4EE6-BC3A-AF27D5B0595E}" dt="2024-07-30T10:40:35.411" v="1719" actId="20577"/>
-          <ac:spMkLst>
-            <pc:docMk/>
-            <pc:sldMk cId="4215140171" sldId="349"/>
-            <ac:spMk id="2" creationId="{24E39EFF-448F-11AB-EF19-CC9A53B61264}"/>
-          </ac:spMkLst>
-        </pc:spChg>
-        <pc:spChg chg="mod">
-          <ac:chgData name="Ravisankar Pandian" userId="ed09f74a-2b53-4ce0-832d-148e0a91ef02" providerId="ADAL" clId="{915EDF55-A7D7-4EE6-BC3A-AF27D5B0595E}" dt="2024-07-30T10:38:12.916" v="1685" actId="1076"/>
-          <ac:spMkLst>
-            <pc:docMk/>
-            <pc:sldMk cId="4215140171" sldId="349"/>
-            <ac:spMk id="4" creationId="{123EAE75-907C-785D-CF2F-A693DA020E0B}"/>
-          </ac:spMkLst>
-        </pc:spChg>
-        <pc:picChg chg="del">
-          <ac:chgData name="Ravisankar Pandian" userId="ed09f74a-2b53-4ce0-832d-148e0a91ef02" providerId="ADAL" clId="{915EDF55-A7D7-4EE6-BC3A-AF27D5B0595E}" dt="2024-07-29T11:03:54.620" v="1603" actId="478"/>
-          <ac:picMkLst>
-            <pc:docMk/>
-            <pc:sldMk cId="4215140171" sldId="349"/>
-            <ac:picMk id="6" creationId="{AC36D94B-8D77-A49A-0272-5E9B475C1A76}"/>
-          </ac:picMkLst>
-        </pc:picChg>
-      </pc:sldChg>
-      <pc:sldChg chg="addSp delSp modSp add mod">
-        <pc:chgData name="Ravisankar Pandian" userId="ed09f74a-2b53-4ce0-832d-148e0a91ef02" providerId="ADAL" clId="{915EDF55-A7D7-4EE6-BC3A-AF27D5B0595E}" dt="2024-07-30T10:39:15.465" v="1716" actId="1076"/>
-        <pc:sldMkLst>
-          <pc:docMk/>
-          <pc:sldMk cId="1487104582" sldId="350"/>
-        </pc:sldMkLst>
-        <pc:spChg chg="add mod">
-          <ac:chgData name="Ravisankar Pandian" userId="ed09f74a-2b53-4ce0-832d-148e0a91ef02" providerId="ADAL" clId="{915EDF55-A7D7-4EE6-BC3A-AF27D5B0595E}" dt="2024-07-29T09:57:58.814" v="1178" actId="1076"/>
-          <ac:spMkLst>
-            <pc:docMk/>
-            <pc:sldMk cId="1487104582" sldId="350"/>
-            <ac:spMk id="2" creationId="{5EFECCBF-09E4-DD41-A9E8-19A77C991D4A}"/>
-          </ac:spMkLst>
-        </pc:spChg>
-        <pc:spChg chg="add mod">
-          <ac:chgData name="Ravisankar Pandian" userId="ed09f74a-2b53-4ce0-832d-148e0a91ef02" providerId="ADAL" clId="{915EDF55-A7D7-4EE6-BC3A-AF27D5B0595E}" dt="2024-07-29T09:57:58.814" v="1178" actId="1076"/>
-          <ac:spMkLst>
-            <pc:docMk/>
-            <pc:sldMk cId="1487104582" sldId="350"/>
-            <ac:spMk id="3" creationId="{163915AC-9DAB-E0EE-A34D-8CA6518385C9}"/>
-          </ac:spMkLst>
-        </pc:spChg>
-        <pc:spChg chg="mod">
-          <ac:chgData name="Ravisankar Pandian" userId="ed09f74a-2b53-4ce0-832d-148e0a91ef02" providerId="ADAL" clId="{915EDF55-A7D7-4EE6-BC3A-AF27D5B0595E}" dt="2024-07-30T10:39:15.465" v="1716" actId="1076"/>
-          <ac:spMkLst>
-            <pc:docMk/>
-            <pc:sldMk cId="1487104582" sldId="350"/>
-            <ac:spMk id="4" creationId="{123EAE75-907C-785D-CF2F-A693DA020E0B}"/>
-          </ac:spMkLst>
-        </pc:spChg>
-        <pc:picChg chg="del">
-          <ac:chgData name="Ravisankar Pandian" userId="ed09f74a-2b53-4ce0-832d-148e0a91ef02" providerId="ADAL" clId="{915EDF55-A7D7-4EE6-BC3A-AF27D5B0595E}" dt="2024-07-29T11:04:07.189" v="1606" actId="478"/>
-          <ac:picMkLst>
-            <pc:docMk/>
-            <pc:sldMk cId="1487104582" sldId="350"/>
-            <ac:picMk id="6" creationId="{AC36D94B-8D77-A49A-0272-5E9B475C1A76}"/>
-          </ac:picMkLst>
-        </pc:picChg>
-      </pc:sldChg>
-      <pc:sldChg chg="addSp delSp modSp add mod">
-        <pc:chgData name="Ravisankar Pandian" userId="ed09f74a-2b53-4ce0-832d-148e0a91ef02" providerId="ADAL" clId="{915EDF55-A7D7-4EE6-BC3A-AF27D5B0595E}" dt="2024-07-30T10:38:52.048" v="1715" actId="1076"/>
-        <pc:sldMkLst>
-          <pc:docMk/>
-          <pc:sldMk cId="1364940831" sldId="351"/>
-        </pc:sldMkLst>
-        <pc:spChg chg="add mod">
-          <ac:chgData name="Ravisankar Pandian" userId="ed09f74a-2b53-4ce0-832d-148e0a91ef02" providerId="ADAL" clId="{915EDF55-A7D7-4EE6-BC3A-AF27D5B0595E}" dt="2024-07-29T09:57:45.585" v="1176" actId="1076"/>
-          <ac:spMkLst>
-            <pc:docMk/>
-            <pc:sldMk cId="1364940831" sldId="351"/>
-            <ac:spMk id="2" creationId="{754F7D02-7F03-D1B8-2A24-8AE0FDB9B423}"/>
-          </ac:spMkLst>
-        </pc:spChg>
-        <pc:spChg chg="mod">
-          <ac:chgData name="Ravisankar Pandian" userId="ed09f74a-2b53-4ce0-832d-148e0a91ef02" providerId="ADAL" clId="{915EDF55-A7D7-4EE6-BC3A-AF27D5B0595E}" dt="2024-07-30T10:38:52.048" v="1715" actId="1076"/>
-          <ac:spMkLst>
-            <pc:docMk/>
-            <pc:sldMk cId="1364940831" sldId="351"/>
-            <ac:spMk id="4" creationId="{123EAE75-907C-785D-CF2F-A693DA020E0B}"/>
-          </ac:spMkLst>
-        </pc:spChg>
-        <pc:spChg chg="add mod">
-          <ac:chgData name="Ravisankar Pandian" userId="ed09f74a-2b53-4ce0-832d-148e0a91ef02" providerId="ADAL" clId="{915EDF55-A7D7-4EE6-BC3A-AF27D5B0595E}" dt="2024-07-29T09:57:45.585" v="1176" actId="1076"/>
-          <ac:spMkLst>
-            <pc:docMk/>
-            <pc:sldMk cId="1364940831" sldId="351"/>
-            <ac:spMk id="7" creationId="{8B484076-9108-4002-3FCE-84A28745120B}"/>
-          </ac:spMkLst>
-        </pc:spChg>
-        <pc:picChg chg="add mod">
-          <ac:chgData name="Ravisankar Pandian" userId="ed09f74a-2b53-4ce0-832d-148e0a91ef02" providerId="ADAL" clId="{915EDF55-A7D7-4EE6-BC3A-AF27D5B0595E}" dt="2024-07-29T09:57:45.585" v="1176" actId="1076"/>
-          <ac:picMkLst>
-            <pc:docMk/>
-            <pc:sldMk cId="1364940831" sldId="351"/>
-            <ac:picMk id="3" creationId="{A527DBC9-25D1-E0B6-AB2F-12017A6346B2}"/>
-          </ac:picMkLst>
-        </pc:picChg>
-        <pc:picChg chg="del">
-          <ac:chgData name="Ravisankar Pandian" userId="ed09f74a-2b53-4ce0-832d-148e0a91ef02" providerId="ADAL" clId="{915EDF55-A7D7-4EE6-BC3A-AF27D5B0595E}" dt="2024-07-29T11:04:04.820" v="1605" actId="478"/>
-          <ac:picMkLst>
-            <pc:docMk/>
-            <pc:sldMk cId="1364940831" sldId="351"/>
-            <ac:picMk id="6" creationId="{AC36D94B-8D77-A49A-0272-5E9B475C1A76}"/>
-          </ac:picMkLst>
-        </pc:picChg>
-      </pc:sldChg>
-      <pc:sldChg chg="addSp delSp modSp add mod">
-        <pc:chgData name="Ravisankar Pandian" userId="ed09f74a-2b53-4ce0-832d-148e0a91ef02" providerId="ADAL" clId="{915EDF55-A7D7-4EE6-BC3A-AF27D5B0595E}" dt="2024-07-30T09:17:46.726" v="1628" actId="14100"/>
-        <pc:sldMkLst>
-          <pc:docMk/>
-          <pc:sldMk cId="734516546" sldId="352"/>
-        </pc:sldMkLst>
-        <pc:spChg chg="del">
-          <ac:chgData name="Ravisankar Pandian" userId="ed09f74a-2b53-4ce0-832d-148e0a91ef02" providerId="ADAL" clId="{915EDF55-A7D7-4EE6-BC3A-AF27D5B0595E}" dt="2024-07-29T10:22:40" v="1212" actId="478"/>
-          <ac:spMkLst>
-            <pc:docMk/>
-            <pc:sldMk cId="734516546" sldId="352"/>
-            <ac:spMk id="7" creationId="{042C3EF5-D0B6-C29D-B4C9-D54C0DEBD10C}"/>
-          </ac:spMkLst>
-        </pc:spChg>
-        <pc:spChg chg="del">
-          <ac:chgData name="Ravisankar Pandian" userId="ed09f74a-2b53-4ce0-832d-148e0a91ef02" providerId="ADAL" clId="{915EDF55-A7D7-4EE6-BC3A-AF27D5B0595E}" dt="2024-07-29T10:22:41.082" v="1213" actId="478"/>
-          <ac:spMkLst>
-            <pc:docMk/>
-            <pc:sldMk cId="734516546" sldId="352"/>
-            <ac:spMk id="8" creationId="{7049CD08-AD78-32AE-123B-EB82F148606A}"/>
-          </ac:spMkLst>
-        </pc:spChg>
-        <pc:picChg chg="add del mod">
-          <ac:chgData name="Ravisankar Pandian" userId="ed09f74a-2b53-4ce0-832d-148e0a91ef02" providerId="ADAL" clId="{915EDF55-A7D7-4EE6-BC3A-AF27D5B0595E}" dt="2024-07-30T09:17:41.485" v="1623" actId="478"/>
-          <ac:picMkLst>
-            <pc:docMk/>
-            <pc:sldMk cId="734516546" sldId="352"/>
-            <ac:picMk id="3" creationId="{E0DB6739-D3DB-5997-3890-D352EEAAFD37}"/>
-          </ac:picMkLst>
-        </pc:picChg>
-        <pc:picChg chg="add mod">
-          <ac:chgData name="Ravisankar Pandian" userId="ed09f74a-2b53-4ce0-832d-148e0a91ef02" providerId="ADAL" clId="{915EDF55-A7D7-4EE6-BC3A-AF27D5B0595E}" dt="2024-07-30T09:17:46.726" v="1628" actId="14100"/>
-          <ac:picMkLst>
-            <pc:docMk/>
-            <pc:sldMk cId="734516546" sldId="352"/>
-            <ac:picMk id="6" creationId="{75DD6072-7A70-EA2B-D063-FAD153F76C9D}"/>
-          </ac:picMkLst>
-        </pc:picChg>
-        <pc:picChg chg="del">
-          <ac:chgData name="Ravisankar Pandian" userId="ed09f74a-2b53-4ce0-832d-148e0a91ef02" providerId="ADAL" clId="{915EDF55-A7D7-4EE6-BC3A-AF27D5B0595E}" dt="2024-07-29T11:03:45.044" v="1598" actId="478"/>
-          <ac:picMkLst>
-            <pc:docMk/>
-            <pc:sldMk cId="734516546" sldId="352"/>
-            <ac:picMk id="6" creationId="{AC36D94B-8D77-A49A-0272-5E9B475C1A76}"/>
-          </ac:picMkLst>
-        </pc:picChg>
-      </pc:sldChg>
-      <pc:sldChg chg="addSp delSp modSp add mod">
-        <pc:chgData name="Ravisankar Pandian" userId="ed09f74a-2b53-4ce0-832d-148e0a91ef02" providerId="ADAL" clId="{915EDF55-A7D7-4EE6-BC3A-AF27D5B0595E}" dt="2024-07-30T09:31:23.187" v="1656" actId="20577"/>
-        <pc:sldMkLst>
-          <pc:docMk/>
-          <pc:sldMk cId="2237779189" sldId="353"/>
-        </pc:sldMkLst>
-        <pc:spChg chg="del">
-          <ac:chgData name="Ravisankar Pandian" userId="ed09f74a-2b53-4ce0-832d-148e0a91ef02" providerId="ADAL" clId="{915EDF55-A7D7-4EE6-BC3A-AF27D5B0595E}" dt="2024-07-29T10:53:20.635" v="1319" actId="478"/>
-          <ac:spMkLst>
-            <pc:docMk/>
-            <pc:sldMk cId="2237779189" sldId="353"/>
-            <ac:spMk id="2" creationId="{5EFECCBF-09E4-DD41-A9E8-19A77C991D4A}"/>
-          </ac:spMkLst>
-        </pc:spChg>
-        <pc:spChg chg="del">
-          <ac:chgData name="Ravisankar Pandian" userId="ed09f74a-2b53-4ce0-832d-148e0a91ef02" providerId="ADAL" clId="{915EDF55-A7D7-4EE6-BC3A-AF27D5B0595E}" dt="2024-07-29T10:53:32.327" v="1347" actId="478"/>
-          <ac:spMkLst>
-            <pc:docMk/>
-            <pc:sldMk cId="2237779189" sldId="353"/>
-            <ac:spMk id="3" creationId="{163915AC-9DAB-E0EE-A34D-8CA6518385C9}"/>
-          </ac:spMkLst>
-        </pc:spChg>
-        <pc:spChg chg="mod">
-          <ac:chgData name="Ravisankar Pandian" userId="ed09f74a-2b53-4ce0-832d-148e0a91ef02" providerId="ADAL" clId="{915EDF55-A7D7-4EE6-BC3A-AF27D5B0595E}" dt="2024-07-29T10:53:29.976" v="1346" actId="20577"/>
-          <ac:spMkLst>
-            <pc:docMk/>
-            <pc:sldMk cId="2237779189" sldId="353"/>
-            <ac:spMk id="4" creationId="{123EAE75-907C-785D-CF2F-A693DA020E0B}"/>
-          </ac:spMkLst>
-        </pc:spChg>
-        <pc:spChg chg="add mod">
-          <ac:chgData name="Ravisankar Pandian" userId="ed09f74a-2b53-4ce0-832d-148e0a91ef02" providerId="ADAL" clId="{915EDF55-A7D7-4EE6-BC3A-AF27D5B0595E}" dt="2024-07-30T09:31:23.187" v="1656" actId="20577"/>
-          <ac:spMkLst>
-            <pc:docMk/>
-            <pc:sldMk cId="2237779189" sldId="353"/>
-            <ac:spMk id="7" creationId="{B20B6AD3-6C1F-9607-53FC-BE4BF34DCDA9}"/>
-          </ac:spMkLst>
-        </pc:spChg>
-        <pc:picChg chg="del">
-          <ac:chgData name="Ravisankar Pandian" userId="ed09f74a-2b53-4ce0-832d-148e0a91ef02" providerId="ADAL" clId="{915EDF55-A7D7-4EE6-BC3A-AF27D5B0595E}" dt="2024-07-29T11:04:08.980" v="1607" actId="478"/>
-          <ac:picMkLst>
-            <pc:docMk/>
-            <pc:sldMk cId="2237779189" sldId="353"/>
-            <ac:picMk id="6" creationId="{AC36D94B-8D77-A49A-0272-5E9B475C1A76}"/>
-          </ac:picMkLst>
-        </pc:picChg>
-      </pc:sldChg>
-      <pc:sldChg chg="new del">
-        <pc:chgData name="Ravisankar Pandian" userId="ed09f74a-2b53-4ce0-832d-148e0a91ef02" providerId="ADAL" clId="{915EDF55-A7D7-4EE6-BC3A-AF27D5B0595E}" dt="2024-07-29T10:52:50.991" v="1317" actId="680"/>
-        <pc:sldMkLst>
-          <pc:docMk/>
-          <pc:sldMk cId="4171162346" sldId="353"/>
-        </pc:sldMkLst>
-      </pc:sldChg>
-    </pc:docChg>
-  </pc:docChgLst>
-</pc:chgInfo>
-</file>
-
 <file path=ppt/notesMasters/notesMaster1.xml><?xml version="1.0" encoding="utf-8"?>
 <p:notesMaster xmlns:a="http://schemas.openxmlformats.org/drawingml/2006/main" xmlns:r="http://schemas.openxmlformats.org/officeDocument/2006/relationships" xmlns:p="http://schemas.openxmlformats.org/presentationml/2006/main">
   <p:cSld>
@@ -1468,7 +229,7 @@
           <a:p>
             <a:fld id="{78956939-A29E-4702-8E7F-BED23B7CE5E9}" type="datetimeFigureOut">
               <a:rPr lang="en-US" smtClean="0"/>
-              <a:t>7/30/2024</a:t>
+              <a:t>8/1/2024</a:t>
             </a:fld>
             <a:endParaRPr lang="en-US"/>
           </a:p>
@@ -1780,50 +541,33 @@
           <a:lstStyle/>
           <a:p>
             <a:r>
-              <a:rPr lang="en-US" b="0" i="0" dirty="0">
-                <a:solidFill>
-                  <a:srgbClr val="040C28"/>
-                </a:solidFill>
-                <a:effectLst/>
-                <a:latin typeface="Google Sans"/>
-              </a:rPr>
-              <a:t>Stored at a local or remote Db2 server</a:t>
-            </a:r>
-            <a:r>
-              <a:rPr lang="en-US" b="0" i="0" dirty="0">
-                <a:solidFill>
-                  <a:srgbClr val="1F1F1F"/>
-                </a:solidFill>
-                <a:effectLst/>
-                <a:latin typeface="Google Sans"/>
-              </a:rPr>
-              <a:t>. </a:t>
-            </a:r>
-          </a:p>
-          <a:p>
-            <a:r>
-              <a:rPr lang="en-US" b="0" i="0" dirty="0">
-                <a:solidFill>
-                  <a:srgbClr val="1F1F1F"/>
-                </a:solidFill>
-                <a:effectLst/>
-                <a:latin typeface="Google Sans"/>
-              </a:rPr>
-              <a:t>Special Powers? Loops, Conditional Logic, Code Blocks &amp; passing parameters</a:t>
-            </a:r>
-          </a:p>
-          <a:p>
-            <a:r>
-              <a:rPr lang="en-US" b="0" i="0" dirty="0">
-                <a:solidFill>
-                  <a:srgbClr val="1F1F1F"/>
-                </a:solidFill>
-                <a:effectLst/>
-                <a:latin typeface="Google Sans"/>
-              </a:rPr>
-              <a:t>You can invoke a stored procedure from an application program or from the command line processor.</a:t>
-            </a:r>
+              <a:rPr lang="en-US" dirty="0"/>
+              <a:t>Today we’re going to talk about SP – What are they, why are they required, and how to create them?</a:t>
+            </a:r>
+          </a:p>
+          <a:p>
+            <a:r>
+              <a:rPr lang="en-US" dirty="0"/>
+              <a:t>We’re also going to talk about UDF aka User Defined Functions.</a:t>
+            </a:r>
+          </a:p>
+          <a:p>
             <a:endParaRPr lang="en-US" dirty="0"/>
+          </a:p>
+          <a:p>
+            <a:r>
+              <a:rPr lang="en-US" dirty="0"/>
+              <a:t>Then you will see us talk about the ways of Enhancing the Performance of SPs and UDFs.</a:t>
+            </a:r>
+          </a:p>
+          <a:p>
+            <a:endParaRPr lang="en-US" dirty="0"/>
+          </a:p>
+          <a:p>
+            <a:r>
+              <a:rPr lang="en-US" dirty="0"/>
+              <a:t>Easier to understand with some good use cases. </a:t>
+            </a:r>
           </a:p>
           <a:p>
             <a:endParaRPr lang="en-US" dirty="0"/>
@@ -1847,7 +591,7 @@
           <a:p>
             <a:fld id="{2EA678A8-5F10-42B1-A023-03030236D603}" type="slidenum">
               <a:rPr lang="en-US" smtClean="0"/>
-              <a:t>4</a:t>
+              <a:t>2</a:t>
             </a:fld>
             <a:endParaRPr lang="en-US"/>
           </a:p>
@@ -1856,7 +600,7 @@
     </p:spTree>
     <p:extLst>
       <p:ext uri="{BB962C8B-B14F-4D97-AF65-F5344CB8AC3E}">
-        <p14:creationId xmlns:p14="http://schemas.microsoft.com/office/powerpoint/2010/main" val="3463314785"/>
+        <p14:creationId xmlns:p14="http://schemas.microsoft.com/office/powerpoint/2010/main" val="3896612663"/>
       </p:ext>
     </p:extLst>
   </p:cSld>
@@ -1910,96 +654,6 @@
           <a:bodyPr/>
           <a:lstStyle/>
           <a:p>
-            <a:pPr marL="0" marR="0" lvl="0" indent="0" algn="l" defTabSz="914400" rtl="0" eaLnBrk="1" fontAlgn="auto" latinLnBrk="0" hangingPunct="1">
-              <a:lnSpc>
-                <a:spcPct val="100000"/>
-              </a:lnSpc>
-              <a:spcBef>
-                <a:spcPts val="0"/>
-              </a:spcBef>
-              <a:spcAft>
-                <a:spcPts val="0"/>
-              </a:spcAft>
-              <a:buClrTx/>
-              <a:buSzTx/>
-              <a:buFontTx/>
-              <a:buNone/>
-              <a:tabLst/>
-              <a:defRPr/>
-            </a:pPr>
-            <a:r>
-              <a:rPr lang="en-US" sz="1200" kern="0" dirty="0">
-                <a:solidFill>
-                  <a:srgbClr val="161616"/>
-                </a:solidFill>
-                <a:effectLst/>
-                <a:latin typeface="IBM Plex Sans" panose="020B0503050203000203" pitchFamily="34" charset="0"/>
-                <a:ea typeface="Times New Roman" panose="02020603050405020304" pitchFamily="18" charset="0"/>
-                <a:cs typeface="Times New Roman" panose="02020603050405020304" pitchFamily="18" charset="0"/>
-              </a:rPr>
-              <a:t>Before discussing how to improve the performance of SQL procedures, we should discuss how they are compiled upon the execution of the CREATE PROCEDURE statement.</a:t>
-            </a:r>
-            <a:endParaRPr lang="en-US" sz="1200" kern="100" dirty="0">
-              <a:effectLst/>
-              <a:latin typeface="Calibri" panose="020F0502020204030204" pitchFamily="34" charset="0"/>
-              <a:ea typeface="Calibri" panose="020F0502020204030204" pitchFamily="34" charset="0"/>
-              <a:cs typeface="Times New Roman" panose="02020603050405020304" pitchFamily="18" charset="0"/>
-            </a:endParaRPr>
-          </a:p>
-          <a:p>
-            <a:endParaRPr lang="en-US" dirty="0"/>
-          </a:p>
-          <a:p>
-            <a:r>
-              <a:rPr lang="en-US" dirty="0"/>
-              <a:t>SQL Procedure – Procedural logic + SQL Statement. Context switch is required . Takes more time</a:t>
-            </a:r>
-          </a:p>
-          <a:p>
-            <a:endParaRPr lang="en-US" dirty="0"/>
-          </a:p>
-          <a:p>
-            <a:pPr marL="0" marR="0" lvl="0" indent="0" algn="l" defTabSz="914400" rtl="0" eaLnBrk="1" fontAlgn="auto" latinLnBrk="0" hangingPunct="1">
-              <a:lnSpc>
-                <a:spcPct val="100000"/>
-              </a:lnSpc>
-              <a:spcBef>
-                <a:spcPts val="0"/>
-              </a:spcBef>
-              <a:spcAft>
-                <a:spcPts val="0"/>
-              </a:spcAft>
-              <a:buClrTx/>
-              <a:buSzTx/>
-              <a:buFontTx/>
-              <a:buNone/>
-              <a:tabLst/>
-              <a:defRPr/>
-            </a:pPr>
-            <a:r>
-              <a:rPr lang="en-US" dirty="0"/>
-              <a:t>SQL Procedure – SQL Query </a:t>
-            </a:r>
-            <a:r>
-              <a:rPr lang="en-US" sz="1200" kern="0" dirty="0">
-                <a:solidFill>
-                  <a:srgbClr val="161616"/>
-                </a:solidFill>
-                <a:effectLst/>
-                <a:latin typeface="IBM Plex Sans" panose="020B0503050203000203" pitchFamily="34" charset="0"/>
-                <a:ea typeface="Times New Roman" panose="02020603050405020304" pitchFamily="18" charset="0"/>
-                <a:cs typeface="Times New Roman" panose="02020603050405020304" pitchFamily="18" charset="0"/>
-              </a:rPr>
-              <a:t>Unlike what happens in SQL procedures, procedural statements in SQL functions are not executed in a different layer than dataflow statements. Therefore, there is no context switch every time control flows from a procedural to a dataflow statement or vice versa.</a:t>
-            </a:r>
-            <a:endParaRPr lang="en-US" sz="1200" kern="100" dirty="0">
-              <a:effectLst/>
-              <a:latin typeface="Calibri" panose="020F0502020204030204" pitchFamily="34" charset="0"/>
-              <a:ea typeface="Calibri" panose="020F0502020204030204" pitchFamily="34" charset="0"/>
-              <a:cs typeface="Times New Roman" panose="02020603050405020304" pitchFamily="18" charset="0"/>
-            </a:endParaRPr>
-          </a:p>
-          <a:p>
             <a:endParaRPr lang="en-US" dirty="0"/>
           </a:p>
         </p:txBody>
@@ -2021,7 +675,7 @@
           <a:p>
             <a:fld id="{2EA678A8-5F10-42B1-A023-03030236D603}" type="slidenum">
               <a:rPr lang="en-US" smtClean="0"/>
-              <a:t>13</a:t>
+              <a:t>12</a:t>
             </a:fld>
             <a:endParaRPr lang="en-US"/>
           </a:p>
@@ -2030,7 +684,7 @@
     </p:spTree>
     <p:extLst>
       <p:ext uri="{BB962C8B-B14F-4D97-AF65-F5344CB8AC3E}">
-        <p14:creationId xmlns:p14="http://schemas.microsoft.com/office/powerpoint/2010/main" val="467456818"/>
+        <p14:creationId xmlns:p14="http://schemas.microsoft.com/office/powerpoint/2010/main" val="4228493951"/>
       </p:ext>
     </p:extLst>
   </p:cSld>
@@ -2195,7 +849,7 @@
           <a:p>
             <a:fld id="{2EA678A8-5F10-42B1-A023-03030236D603}" type="slidenum">
               <a:rPr lang="en-US" smtClean="0"/>
-              <a:t>14</a:t>
+              <a:t>13</a:t>
             </a:fld>
             <a:endParaRPr lang="en-US"/>
           </a:p>
@@ -2204,7 +858,7 @@
     </p:spTree>
     <p:extLst>
       <p:ext uri="{BB962C8B-B14F-4D97-AF65-F5344CB8AC3E}">
-        <p14:creationId xmlns:p14="http://schemas.microsoft.com/office/powerpoint/2010/main" val="2416262770"/>
+        <p14:creationId xmlns:p14="http://schemas.microsoft.com/office/powerpoint/2010/main" val="467456818"/>
       </p:ext>
     </p:extLst>
   </p:cSld>
@@ -2279,7 +933,7 @@
           <a:p>
             <a:fld id="{2EA678A8-5F10-42B1-A023-03030236D603}" type="slidenum">
               <a:rPr lang="en-US" smtClean="0"/>
-              <a:t>15</a:t>
+              <a:t>14</a:t>
             </a:fld>
             <a:endParaRPr lang="en-US"/>
           </a:p>
@@ -2387,7 +1041,7 @@
           <a:p>
             <a:fld id="{2EA678A8-5F10-42B1-A023-03030236D603}" type="slidenum">
               <a:rPr lang="en-US" smtClean="0"/>
-              <a:t>16</a:t>
+              <a:t>15</a:t>
             </a:fld>
             <a:endParaRPr lang="en-US"/>
           </a:p>
@@ -2450,29 +1104,6 @@
           <a:bodyPr/>
           <a:lstStyle/>
           <a:p>
-            <a:pPr marL="0" marR="0" lvl="0" indent="0" algn="l" defTabSz="914400" rtl="0" eaLnBrk="1" fontAlgn="auto" latinLnBrk="0" hangingPunct="1">
-              <a:lnSpc>
-                <a:spcPct val="100000"/>
-              </a:lnSpc>
-              <a:spcBef>
-                <a:spcPts val="0"/>
-              </a:spcBef>
-              <a:spcAft>
-                <a:spcPts val="0"/>
-              </a:spcAft>
-              <a:buClrTx/>
-              <a:buSzTx/>
-              <a:buFontTx/>
-              <a:buNone/>
-              <a:tabLst/>
-              <a:defRPr/>
-            </a:pPr>
-            <a:r>
-              <a:rPr lang="en-US" dirty="0"/>
-              <a:t>Memory will be allocated for procedure variables. </a:t>
-            </a:r>
-          </a:p>
-          <a:p>
             <a:endParaRPr lang="en-US" dirty="0"/>
           </a:p>
         </p:txBody>
@@ -2494,7 +1125,7 @@
           <a:p>
             <a:fld id="{2EA678A8-5F10-42B1-A023-03030236D603}" type="slidenum">
               <a:rPr lang="en-US" smtClean="0"/>
-              <a:t>18</a:t>
+              <a:t>16</a:t>
             </a:fld>
             <a:endParaRPr lang="en-US"/>
           </a:p>
@@ -2503,7 +1134,7 @@
     </p:spTree>
     <p:extLst>
       <p:ext uri="{BB962C8B-B14F-4D97-AF65-F5344CB8AC3E}">
-        <p14:creationId xmlns:p14="http://schemas.microsoft.com/office/powerpoint/2010/main" val="1912237930"/>
+        <p14:creationId xmlns:p14="http://schemas.microsoft.com/office/powerpoint/2010/main" val="2416262770"/>
       </p:ext>
     </p:extLst>
   </p:cSld>
@@ -2557,6 +1188,113 @@
           <a:bodyPr/>
           <a:lstStyle/>
           <a:p>
+            <a:pPr marL="0" marR="0" lvl="0" indent="0" algn="l" defTabSz="914400" rtl="0" eaLnBrk="1" fontAlgn="auto" latinLnBrk="0" hangingPunct="1">
+              <a:lnSpc>
+                <a:spcPct val="100000"/>
+              </a:lnSpc>
+              <a:spcBef>
+                <a:spcPts val="0"/>
+              </a:spcBef>
+              <a:spcAft>
+                <a:spcPts val="0"/>
+              </a:spcAft>
+              <a:buClrTx/>
+              <a:buSzTx/>
+              <a:buFontTx/>
+              <a:buNone/>
+              <a:tabLst/>
+              <a:defRPr/>
+            </a:pPr>
+            <a:r>
+              <a:rPr lang="en-US" dirty="0"/>
+              <a:t>Memory will be allocated for procedure variables. </a:t>
+            </a:r>
+          </a:p>
+          <a:p>
+            <a:endParaRPr lang="en-US" dirty="0"/>
+          </a:p>
+        </p:txBody>
+      </p:sp>
+      <p:sp>
+        <p:nvSpPr>
+          <p:cNvPr id="4" name="Slide Number Placeholder 3"/>
+          <p:cNvSpPr>
+            <a:spLocks noGrp="1"/>
+          </p:cNvSpPr>
+          <p:nvPr>
+            <p:ph type="sldNum" sz="quarter" idx="5"/>
+          </p:nvPr>
+        </p:nvSpPr>
+        <p:spPr/>
+        <p:txBody>
+          <a:bodyPr/>
+          <a:lstStyle/>
+          <a:p>
+            <a:fld id="{2EA678A8-5F10-42B1-A023-03030236D603}" type="slidenum">
+              <a:rPr lang="en-US" smtClean="0"/>
+              <a:t>18</a:t>
+            </a:fld>
+            <a:endParaRPr lang="en-US"/>
+          </a:p>
+        </p:txBody>
+      </p:sp>
+    </p:spTree>
+    <p:extLst>
+      <p:ext uri="{BB962C8B-B14F-4D97-AF65-F5344CB8AC3E}">
+        <p14:creationId xmlns:p14="http://schemas.microsoft.com/office/powerpoint/2010/main" val="1912237930"/>
+      </p:ext>
+    </p:extLst>
+  </p:cSld>
+  <p:clrMapOvr>
+    <a:masterClrMapping/>
+  </p:clrMapOvr>
+</p:notes>
+</file>
+
+<file path=ppt/notesSlides/notesSlide16.xml><?xml version="1.0" encoding="utf-8"?>
+<p:notes xmlns:a="http://schemas.openxmlformats.org/drawingml/2006/main" xmlns:r="http://schemas.openxmlformats.org/officeDocument/2006/relationships" xmlns:p="http://schemas.openxmlformats.org/presentationml/2006/main">
+  <p:cSld>
+    <p:spTree>
+      <p:nvGrpSpPr>
+        <p:cNvPr id="1" name=""/>
+        <p:cNvGrpSpPr/>
+        <p:nvPr/>
+      </p:nvGrpSpPr>
+      <p:grpSpPr>
+        <a:xfrm>
+          <a:off x="0" y="0"/>
+          <a:ext cx="0" cy="0"/>
+          <a:chOff x="0" y="0"/>
+          <a:chExt cx="0" cy="0"/>
+        </a:xfrm>
+      </p:grpSpPr>
+      <p:sp>
+        <p:nvSpPr>
+          <p:cNvPr id="2" name="Slide Image Placeholder 1"/>
+          <p:cNvSpPr>
+            <a:spLocks noGrp="1" noRot="1" noChangeAspect="1"/>
+          </p:cNvSpPr>
+          <p:nvPr>
+            <p:ph type="sldImg"/>
+          </p:nvPr>
+        </p:nvSpPr>
+        <p:spPr/>
+      </p:sp>
+      <p:sp>
+        <p:nvSpPr>
+          <p:cNvPr id="3" name="Notes Placeholder 2"/>
+          <p:cNvSpPr>
+            <a:spLocks noGrp="1"/>
+          </p:cNvSpPr>
+          <p:nvPr>
+            <p:ph type="body" idx="1"/>
+          </p:nvPr>
+        </p:nvSpPr>
+        <p:spPr/>
+        <p:txBody>
+          <a:bodyPr/>
+          <a:lstStyle/>
+          <a:p>
             <a:r>
               <a:rPr lang="en-US" b="0" i="0" dirty="0">
                 <a:solidFill>
@@ -2684,7 +1422,7 @@
 </p:notes>
 </file>
 
-<file path=ppt/notesSlides/notesSlide16.xml><?xml version="1.0" encoding="utf-8"?>
+<file path=ppt/notesSlides/notesSlide17.xml><?xml version="1.0" encoding="utf-8"?>
 <p:notes xmlns:a="http://schemas.openxmlformats.org/drawingml/2006/main" xmlns:r="http://schemas.openxmlformats.org/officeDocument/2006/relationships" xmlns:p="http://schemas.openxmlformats.org/presentationml/2006/main">
   <p:cSld>
     <p:spTree>
@@ -2842,33 +1580,55 @@
           <a:lstStyle/>
           <a:p>
             <a:r>
-              <a:rPr lang="en-US" dirty="0"/>
-              <a:t>Displaying 100s of records on front end.</a:t>
-            </a:r>
-          </a:p>
-          <a:p>
-            <a:r>
-              <a:rPr lang="en-US" dirty="0"/>
-              <a:t>May cause increased loading time</a:t>
-            </a:r>
-          </a:p>
-          <a:p>
-            <a:r>
-              <a:rPr lang="en-US" dirty="0"/>
-              <a:t>Hard to manage the SQL Queries across various front end screens</a:t>
-            </a:r>
-          </a:p>
-          <a:p>
-            <a:r>
-              <a:rPr lang="en-US" dirty="0"/>
-              <a:t>End Users can manipulate SQL Statements &amp; Variables </a:t>
-            </a:r>
-          </a:p>
-          <a:p>
-            <a:r>
-              <a:rPr lang="en-US" dirty="0"/>
-              <a:t>Encapsulation of business logic</a:t>
-            </a:r>
+              <a:rPr lang="en-US" b="0" i="0" dirty="0">
+                <a:solidFill>
+                  <a:srgbClr val="040C28"/>
+                </a:solidFill>
+                <a:effectLst/>
+                <a:latin typeface="Google Sans"/>
+              </a:rPr>
+              <a:t>Many ways to run SQL Queries. STRSQL, embed in SQLRPGLE, Run SQL Statements in ACS.</a:t>
+            </a:r>
+          </a:p>
+          <a:p>
+            <a:r>
+              <a:rPr lang="en-US" b="0" i="0" dirty="0">
+                <a:solidFill>
+                  <a:srgbClr val="1F1F1F"/>
+                </a:solidFill>
+                <a:effectLst/>
+                <a:latin typeface="Google Sans"/>
+              </a:rPr>
+              <a:t>Special Powers? Loops, Conditional Logic, Code Blocks &amp; passing parameters</a:t>
+            </a:r>
+          </a:p>
+          <a:p>
+            <a:r>
+              <a:rPr lang="en-US" b="0" i="0" dirty="0">
+                <a:solidFill>
+                  <a:srgbClr val="1F1F1F"/>
+                </a:solidFill>
+                <a:effectLst/>
+                <a:latin typeface="Google Sans"/>
+              </a:rPr>
+              <a:t>Because of the fact it is stored in DB2 database, not only the RPGLE programs, any modern application that has access  to DB2 can make use of SQL SP</a:t>
+            </a:r>
+          </a:p>
+          <a:p>
+            <a:r>
+              <a:rPr lang="en-US" b="0" i="0" dirty="0">
+                <a:solidFill>
+                  <a:srgbClr val="1F1F1F"/>
+                </a:solidFill>
+                <a:effectLst/>
+                <a:latin typeface="Google Sans"/>
+              </a:rPr>
+              <a:t>You can invoke a stored procedure from an application program or from the command line processor.</a:t>
+            </a:r>
+            <a:endParaRPr lang="en-US" dirty="0"/>
+          </a:p>
+          <a:p>
+            <a:endParaRPr lang="en-US" dirty="0"/>
           </a:p>
         </p:txBody>
       </p:sp>
@@ -2889,7 +1649,7 @@
           <a:p>
             <a:fld id="{2EA678A8-5F10-42B1-A023-03030236D603}" type="slidenum">
               <a:rPr lang="en-US" smtClean="0"/>
-              <a:t>5</a:t>
+              <a:t>4</a:t>
             </a:fld>
             <a:endParaRPr lang="en-US"/>
           </a:p>
@@ -2898,7 +1658,7 @@
     </p:spTree>
     <p:extLst>
       <p:ext uri="{BB962C8B-B14F-4D97-AF65-F5344CB8AC3E}">
-        <p14:creationId xmlns:p14="http://schemas.microsoft.com/office/powerpoint/2010/main" val="2751262881"/>
+        <p14:creationId xmlns:p14="http://schemas.microsoft.com/office/powerpoint/2010/main" val="3463314785"/>
       </p:ext>
     </p:extLst>
   </p:cSld>
@@ -2952,7 +1712,34 @@
           <a:bodyPr/>
           <a:lstStyle/>
           <a:p>
-            <a:endParaRPr lang="en-US" dirty="0"/>
+            <a:r>
+              <a:rPr lang="en-US" dirty="0"/>
+              <a:t>Displaying 100s of records on front end.</a:t>
+            </a:r>
+          </a:p>
+          <a:p>
+            <a:r>
+              <a:rPr lang="en-US" dirty="0"/>
+              <a:t>May cause increased loading time</a:t>
+            </a:r>
+          </a:p>
+          <a:p>
+            <a:r>
+              <a:rPr lang="en-US" dirty="0"/>
+              <a:t>Hard to manage the SQL Queries across various front end screens</a:t>
+            </a:r>
+          </a:p>
+          <a:p>
+            <a:r>
+              <a:rPr lang="en-US" dirty="0"/>
+              <a:t>End Users can manipulate SQL Statements &amp; Variables </a:t>
+            </a:r>
+          </a:p>
+          <a:p>
+            <a:r>
+              <a:rPr lang="en-US" dirty="0"/>
+              <a:t>Encapsulation of business logic</a:t>
+            </a:r>
           </a:p>
         </p:txBody>
       </p:sp>
@@ -2973,7 +1760,7 @@
           <a:p>
             <a:fld id="{2EA678A8-5F10-42B1-A023-03030236D603}" type="slidenum">
               <a:rPr lang="en-US" smtClean="0"/>
-              <a:t>6</a:t>
+              <a:t>5</a:t>
             </a:fld>
             <a:endParaRPr lang="en-US"/>
           </a:p>
@@ -2982,7 +1769,7 @@
     </p:spTree>
     <p:extLst>
       <p:ext uri="{BB962C8B-B14F-4D97-AF65-F5344CB8AC3E}">
-        <p14:creationId xmlns:p14="http://schemas.microsoft.com/office/powerpoint/2010/main" val="4064266772"/>
+        <p14:creationId xmlns:p14="http://schemas.microsoft.com/office/powerpoint/2010/main" val="2751262881"/>
       </p:ext>
     </p:extLst>
   </p:cSld>
@@ -3057,7 +1844,7 @@
           <a:p>
             <a:fld id="{2EA678A8-5F10-42B1-A023-03030236D603}" type="slidenum">
               <a:rPr lang="en-US" smtClean="0"/>
-              <a:t>7</a:t>
+              <a:t>6</a:t>
             </a:fld>
             <a:endParaRPr lang="en-US"/>
           </a:p>
@@ -3066,7 +1853,7 @@
     </p:spTree>
     <p:extLst>
       <p:ext uri="{BB962C8B-B14F-4D97-AF65-F5344CB8AC3E}">
-        <p14:creationId xmlns:p14="http://schemas.microsoft.com/office/powerpoint/2010/main" val="344047242"/>
+        <p14:creationId xmlns:p14="http://schemas.microsoft.com/office/powerpoint/2010/main" val="4064266772"/>
       </p:ext>
     </p:extLst>
   </p:cSld>
@@ -3122,17 +1909,133 @@
           <a:p>
             <a:r>
               <a:rPr lang="en-US" dirty="0"/>
-              <a:t>Usage of arrays, data structures, built-in-functions, sub-procedures</a:t>
-            </a:r>
-          </a:p>
-          <a:p>
+              <a:t>SP is the 1</a:t>
+            </a:r>
+            <a:r>
+              <a:rPr lang="en-US" baseline="30000" dirty="0"/>
+              <a:t>st</a:t>
+            </a:r>
+            <a:r>
+              <a:rPr lang="en-US" dirty="0"/>
+              <a:t> step in modernizing the </a:t>
+            </a:r>
+            <a:r>
+              <a:rPr lang="en-US" dirty="0" err="1"/>
+              <a:t>IBMi</a:t>
+            </a:r>
             <a:endParaRPr lang="en-US" dirty="0"/>
           </a:p>
           <a:p>
             <a:r>
               <a:rPr lang="en-US" dirty="0"/>
-              <a:t>Core of the existing business logic can be encapsulated for clients to use.</a:t>
-            </a:r>
+              <a:t>Best thing – we get to utilize popular modern languages in our application. </a:t>
+            </a:r>
+          </a:p>
+          <a:p>
+            <a:r>
+              <a:rPr lang="en-US" dirty="0"/>
+              <a:t>Natively supported programming languages and if you decide to host your application elsewhere by using </a:t>
+            </a:r>
+            <a:r>
+              <a:rPr lang="en-US" dirty="0" err="1"/>
+              <a:t>DotNet</a:t>
+            </a:r>
+            <a:r>
+              <a:rPr lang="en-US" dirty="0"/>
+              <a:t>, Golang, Kotlin or Perl. ODBC</a:t>
+            </a:r>
+          </a:p>
+          <a:p>
+            <a:pPr marL="0" marR="0" lvl="0" indent="0" algn="l" defTabSz="914400" rtl="0" eaLnBrk="1" fontAlgn="auto" latinLnBrk="0" hangingPunct="1">
+              <a:lnSpc>
+                <a:spcPct val="100000"/>
+              </a:lnSpc>
+              <a:spcBef>
+                <a:spcPts val="0"/>
+              </a:spcBef>
+              <a:spcAft>
+                <a:spcPts val="0"/>
+              </a:spcAft>
+              <a:buClrTx/>
+              <a:buSzTx/>
+              <a:buFontTx/>
+              <a:buNone/>
+              <a:tabLst/>
+              <a:defRPr/>
+            </a:pPr>
+            <a:r>
+              <a:rPr lang="en-US" dirty="0"/>
+              <a:t>The choice is yours. Modernize using your choice of Programming Language. </a:t>
+            </a:r>
+          </a:p>
+          <a:p>
+            <a:pPr marL="0" marR="0" lvl="0" indent="0" algn="l" defTabSz="914400" rtl="0" eaLnBrk="1" fontAlgn="auto" latinLnBrk="0" hangingPunct="1">
+              <a:lnSpc>
+                <a:spcPct val="100000"/>
+              </a:lnSpc>
+              <a:spcBef>
+                <a:spcPts val="0"/>
+              </a:spcBef>
+              <a:spcAft>
+                <a:spcPts val="0"/>
+              </a:spcAft>
+              <a:buClrTx/>
+              <a:buSzTx/>
+              <a:buFontTx/>
+              <a:buNone/>
+              <a:tabLst/>
+              <a:defRPr/>
+            </a:pPr>
+            <a:endParaRPr lang="en-US" dirty="0"/>
+          </a:p>
+          <a:p>
+            <a:pPr marL="0" marR="0" lvl="0" indent="0" algn="l" defTabSz="914400" rtl="0" eaLnBrk="1" fontAlgn="auto" latinLnBrk="0" hangingPunct="1">
+              <a:lnSpc>
+                <a:spcPct val="100000"/>
+              </a:lnSpc>
+              <a:spcBef>
+                <a:spcPts val="0"/>
+              </a:spcBef>
+              <a:spcAft>
+                <a:spcPts val="0"/>
+              </a:spcAft>
+              <a:buClrTx/>
+              <a:buSzTx/>
+              <a:buFontTx/>
+              <a:buNone/>
+              <a:tabLst/>
+              <a:defRPr/>
+            </a:pPr>
+            <a:r>
+              <a:rPr lang="en-US" dirty="0"/>
+              <a:t>Legacy Scenario: ERP application developed and enhanced on RPG over the period of 10-15 years. </a:t>
+            </a:r>
+          </a:p>
+          <a:p>
+            <a:pPr marL="0" marR="0" lvl="0" indent="0" algn="l" defTabSz="914400" rtl="0" eaLnBrk="1" fontAlgn="auto" latinLnBrk="0" hangingPunct="1">
+              <a:lnSpc>
+                <a:spcPct val="100000"/>
+              </a:lnSpc>
+              <a:spcBef>
+                <a:spcPts val="0"/>
+              </a:spcBef>
+              <a:spcAft>
+                <a:spcPts val="0"/>
+              </a:spcAft>
+              <a:buClrTx/>
+              <a:buSzTx/>
+              <a:buFontTx/>
+              <a:buNone/>
+              <a:tabLst/>
+              <a:defRPr/>
+            </a:pPr>
+            <a:r>
+              <a:rPr lang="en-US" dirty="0"/>
+              <a:t>Use existing legacy code</a:t>
+            </a:r>
+          </a:p>
+          <a:p>
+            <a:endParaRPr lang="en-US" dirty="0"/>
           </a:p>
         </p:txBody>
       </p:sp>
@@ -3153,7 +2056,7 @@
           <a:p>
             <a:fld id="{2EA678A8-5F10-42B1-A023-03030236D603}" type="slidenum">
               <a:rPr lang="en-US" smtClean="0"/>
-              <a:t>8</a:t>
+              <a:t>7</a:t>
             </a:fld>
             <a:endParaRPr lang="en-US"/>
           </a:p>
@@ -3162,7 +2065,7 @@
     </p:spTree>
     <p:extLst>
       <p:ext uri="{BB962C8B-B14F-4D97-AF65-F5344CB8AC3E}">
-        <p14:creationId xmlns:p14="http://schemas.microsoft.com/office/powerpoint/2010/main" val="4290715785"/>
+        <p14:creationId xmlns:p14="http://schemas.microsoft.com/office/powerpoint/2010/main" val="344047242"/>
       </p:ext>
     </p:extLst>
   </p:cSld>
@@ -3218,7 +2121,13 @@
           <a:p>
             <a:r>
               <a:rPr lang="en-US" dirty="0"/>
-              <a:t>Usage of arrays, data structures, built-in-functions, sub-procedures</a:t>
+              <a:t>Internal SPs are a bunch of SQL Statements with some super powers.</a:t>
+            </a:r>
+          </a:p>
+          <a:p>
+            <a:r>
+              <a:rPr lang="en-US" dirty="0"/>
+              <a:t>Usage of arrays, data structures, built-in-functions, sub-procedures and service-programs</a:t>
             </a:r>
           </a:p>
           <a:p>
@@ -3249,7 +2158,7 @@
           <a:p>
             <a:fld id="{2EA678A8-5F10-42B1-A023-03030236D603}" type="slidenum">
               <a:rPr lang="en-US" smtClean="0"/>
-              <a:t>9</a:t>
+              <a:t>8</a:t>
             </a:fld>
             <a:endParaRPr lang="en-US"/>
           </a:p>
@@ -3258,7 +2167,7 @@
     </p:spTree>
     <p:extLst>
       <p:ext uri="{BB962C8B-B14F-4D97-AF65-F5344CB8AC3E}">
-        <p14:creationId xmlns:p14="http://schemas.microsoft.com/office/powerpoint/2010/main" val="1529681344"/>
+        <p14:creationId xmlns:p14="http://schemas.microsoft.com/office/powerpoint/2010/main" val="4290715785"/>
       </p:ext>
     </p:extLst>
   </p:cSld>
@@ -3312,53 +2221,6 @@
           <a:bodyPr/>
           <a:lstStyle/>
           <a:p>
-            <a:r>
-              <a:rPr lang="en-US" b="0" i="0" dirty="0">
-                <a:solidFill>
-                  <a:srgbClr val="040C28"/>
-                </a:solidFill>
-                <a:effectLst/>
-                <a:latin typeface="Google Sans"/>
-              </a:rPr>
-              <a:t>Stored at a local or remote Db2 server</a:t>
-            </a:r>
-            <a:r>
-              <a:rPr lang="en-US" b="0" i="0" dirty="0">
-                <a:solidFill>
-                  <a:srgbClr val="1F1F1F"/>
-                </a:solidFill>
-                <a:effectLst/>
-                <a:latin typeface="Google Sans"/>
-              </a:rPr>
-              <a:t>. </a:t>
-            </a:r>
-          </a:p>
-          <a:p>
-            <a:r>
-              <a:rPr lang="en-US" b="0" i="0" dirty="0">
-                <a:solidFill>
-                  <a:srgbClr val="1F1F1F"/>
-                </a:solidFill>
-                <a:effectLst/>
-                <a:latin typeface="Google Sans"/>
-              </a:rPr>
-              <a:t>Special Powers? Loops, Conditional Logic, Code Blocks &amp; passing parameters</a:t>
-            </a:r>
-          </a:p>
-          <a:p>
-            <a:r>
-              <a:rPr lang="en-US" b="0" i="0" dirty="0">
-                <a:solidFill>
-                  <a:srgbClr val="1F1F1F"/>
-                </a:solidFill>
-                <a:effectLst/>
-                <a:latin typeface="Google Sans"/>
-              </a:rPr>
-              <a:t>You can invoke a stored procedure from an application program or from the command line processor.</a:t>
-            </a:r>
-            <a:endParaRPr lang="en-US" dirty="0"/>
-          </a:p>
-          <a:p>
             <a:endParaRPr lang="en-US" dirty="0"/>
           </a:p>
         </p:txBody>
@@ -3380,7 +2242,7 @@
           <a:p>
             <a:fld id="{2EA678A8-5F10-42B1-A023-03030236D603}" type="slidenum">
               <a:rPr lang="en-US" smtClean="0"/>
-              <a:t>10</a:t>
+              <a:t>9</a:t>
             </a:fld>
             <a:endParaRPr lang="en-US"/>
           </a:p>
@@ -3389,7 +2251,7 @@
     </p:spTree>
     <p:extLst>
       <p:ext uri="{BB962C8B-B14F-4D97-AF65-F5344CB8AC3E}">
-        <p14:creationId xmlns:p14="http://schemas.microsoft.com/office/powerpoint/2010/main" val="1696298142"/>
+        <p14:creationId xmlns:p14="http://schemas.microsoft.com/office/powerpoint/2010/main" val="1529681344"/>
       </p:ext>
     </p:extLst>
   </p:cSld>
@@ -3444,54 +2306,53 @@
           <a:lstStyle/>
           <a:p>
             <a:r>
-              <a:rPr lang="en-US" dirty="0"/>
-              <a:t>Breakdown complex logic into smaller, reusable units</a:t>
-            </a:r>
-          </a:p>
-          <a:p>
-            <a:pPr marL="0" marR="0" lvl="0" indent="0" algn="l" defTabSz="914400" rtl="0" eaLnBrk="1" fontAlgn="auto" latinLnBrk="0" hangingPunct="1">
-              <a:lnSpc>
-                <a:spcPct val="100000"/>
-              </a:lnSpc>
-              <a:spcBef>
-                <a:spcPts val="0"/>
-              </a:spcBef>
-              <a:spcAft>
-                <a:spcPts val="0"/>
-              </a:spcAft>
-              <a:buClrTx/>
-              <a:buSzTx/>
-              <a:buFontTx/>
-              <a:buNone/>
-              <a:tabLst/>
-              <a:defRPr/>
-            </a:pPr>
-            <a:r>
               <a:rPr lang="en-US" b="0" i="0" dirty="0">
                 <a:solidFill>
-                  <a:srgbClr val="D2D0CE"/>
+                  <a:srgbClr val="040C28"/>
                 </a:solidFill>
                 <a:effectLst/>
-                <a:highlight>
-                  <a:srgbClr val="141414"/>
-                </a:highlight>
-                <a:latin typeface="-apple-system"/>
-              </a:rPr>
-              <a:t>UDFs can improve query performance by precomputing results or handling repetitive tasks efficiently. Non-deterministic</a:t>
+                <a:latin typeface="Google Sans"/>
+              </a:rPr>
+              <a:t>Stored at a local or remote Db2 server</a:t>
+            </a:r>
+            <a:r>
+              <a:rPr lang="en-US" b="0" i="0" dirty="0">
+                <a:solidFill>
+                  <a:srgbClr val="1F1F1F"/>
+                </a:solidFill>
+                <a:effectLst/>
+                <a:latin typeface="Google Sans"/>
+              </a:rPr>
+              <a:t>. </a:t>
+            </a:r>
+          </a:p>
+          <a:p>
+            <a:r>
+              <a:rPr lang="en-US" b="0" i="0" dirty="0">
+                <a:solidFill>
+                  <a:srgbClr val="1F1F1F"/>
+                </a:solidFill>
+                <a:effectLst/>
+                <a:latin typeface="Google Sans"/>
+              </a:rPr>
+              <a:t>Special Powers? Loops, Conditional Logic, Code Blocks &amp; passing parameters</a:t>
+            </a:r>
+          </a:p>
+          <a:p>
+            <a:r>
+              <a:rPr lang="en-US" b="0" i="0" dirty="0">
+                <a:solidFill>
+                  <a:srgbClr val="1F1F1F"/>
+                </a:solidFill>
+                <a:effectLst/>
+                <a:latin typeface="Google Sans"/>
+              </a:rPr>
+              <a:t>You can invoke a stored procedure from an application program or from the command line processor.</a:t>
             </a:r>
             <a:endParaRPr lang="en-US" dirty="0"/>
           </a:p>
           <a:p>
-            <a:r>
-              <a:rPr lang="en-US" dirty="0"/>
-              <a:t>Execute common calculations or transformations efficiently. </a:t>
-            </a:r>
-          </a:p>
-          <a:p>
-            <a:r>
-              <a:rPr lang="en-US" dirty="0"/>
-              <a:t>Think it like the BIF in RPGLE.</a:t>
-            </a:r>
+            <a:endParaRPr lang="en-US" dirty="0"/>
           </a:p>
         </p:txBody>
       </p:sp>
@@ -3512,7 +2373,7 @@
           <a:p>
             <a:fld id="{2EA678A8-5F10-42B1-A023-03030236D603}" type="slidenum">
               <a:rPr lang="en-US" smtClean="0"/>
-              <a:t>11</a:t>
+              <a:t>10</a:t>
             </a:fld>
             <a:endParaRPr lang="en-US"/>
           </a:p>
@@ -3521,7 +2382,7 @@
     </p:spTree>
     <p:extLst>
       <p:ext uri="{BB962C8B-B14F-4D97-AF65-F5344CB8AC3E}">
-        <p14:creationId xmlns:p14="http://schemas.microsoft.com/office/powerpoint/2010/main" val="3145623809"/>
+        <p14:creationId xmlns:p14="http://schemas.microsoft.com/office/powerpoint/2010/main" val="1696298142"/>
       </p:ext>
     </p:extLst>
   </p:cSld>
@@ -3577,16 +2438,52 @@
           <a:p>
             <a:r>
               <a:rPr lang="en-US" dirty="0"/>
-              <a:t>Usage of arrays, data structures, built-in-functions, sub-procedures</a:t>
-            </a:r>
-          </a:p>
-          <a:p>
+              <a:t>Breakdown complex logic into smaller, reusable units</a:t>
+            </a:r>
+          </a:p>
+          <a:p>
+            <a:pPr marL="0" marR="0" lvl="0" indent="0" algn="l" defTabSz="914400" rtl="0" eaLnBrk="1" fontAlgn="auto" latinLnBrk="0" hangingPunct="1">
+              <a:lnSpc>
+                <a:spcPct val="100000"/>
+              </a:lnSpc>
+              <a:spcBef>
+                <a:spcPts val="0"/>
+              </a:spcBef>
+              <a:spcAft>
+                <a:spcPts val="0"/>
+              </a:spcAft>
+              <a:buClrTx/>
+              <a:buSzTx/>
+              <a:buFontTx/>
+              <a:buNone/>
+              <a:tabLst/>
+              <a:defRPr/>
+            </a:pPr>
+            <a:r>
+              <a:rPr lang="en-US" b="0" i="0" dirty="0">
+                <a:solidFill>
+                  <a:srgbClr val="D2D0CE"/>
+                </a:solidFill>
+                <a:effectLst/>
+                <a:highlight>
+                  <a:srgbClr val="141414"/>
+                </a:highlight>
+                <a:latin typeface="-apple-system"/>
+              </a:rPr>
+              <a:t>UDFs can improve query performance by precomputing results or handling repetitive tasks efficiently. Non-deterministic</a:t>
+            </a:r>
             <a:endParaRPr lang="en-US" dirty="0"/>
           </a:p>
           <a:p>
             <a:r>
               <a:rPr lang="en-US" dirty="0"/>
-              <a:t>Core of the existing business logic can be encapsulated for clients to use.</a:t>
+              <a:t>Execute common calculations or transformations efficiently. </a:t>
+            </a:r>
+          </a:p>
+          <a:p>
+            <a:r>
+              <a:rPr lang="en-US" dirty="0"/>
+              <a:t>Think it like the BIF in RPGLE.</a:t>
             </a:r>
           </a:p>
         </p:txBody>
@@ -3608,7 +2505,7 @@
           <a:p>
             <a:fld id="{2EA678A8-5F10-42B1-A023-03030236D603}" type="slidenum">
               <a:rPr lang="en-US" smtClean="0"/>
-              <a:t>12</a:t>
+              <a:t>11</a:t>
             </a:fld>
             <a:endParaRPr lang="en-US"/>
           </a:p>
@@ -3617,7 +2514,7 @@
     </p:spTree>
     <p:extLst>
       <p:ext uri="{BB962C8B-B14F-4D97-AF65-F5344CB8AC3E}">
-        <p14:creationId xmlns:p14="http://schemas.microsoft.com/office/powerpoint/2010/main" val="4228493951"/>
+        <p14:creationId xmlns:p14="http://schemas.microsoft.com/office/powerpoint/2010/main" val="3145623809"/>
       </p:ext>
     </p:extLst>
   </p:cSld>
@@ -3776,7 +2673,7 @@
           <a:p>
             <a:fld id="{66EFE03B-ED6E-4F02-9F68-2FC4E0EDB2F5}" type="datetimeFigureOut">
               <a:rPr lang="en-IN" smtClean="0"/>
-              <a:t>30-07-2024</a:t>
+              <a:t>01-08-2024</a:t>
             </a:fld>
             <a:endParaRPr lang="en-IN"/>
           </a:p>
@@ -3976,7 +2873,7 @@
           <a:p>
             <a:fld id="{66EFE03B-ED6E-4F02-9F68-2FC4E0EDB2F5}" type="datetimeFigureOut">
               <a:rPr lang="en-IN" smtClean="0"/>
-              <a:t>30-07-2024</a:t>
+              <a:t>01-08-2024</a:t>
             </a:fld>
             <a:endParaRPr lang="en-IN"/>
           </a:p>
@@ -4186,7 +3083,7 @@
           <a:p>
             <a:fld id="{66EFE03B-ED6E-4F02-9F68-2FC4E0EDB2F5}" type="datetimeFigureOut">
               <a:rPr lang="en-IN" smtClean="0"/>
-              <a:t>30-07-2024</a:t>
+              <a:t>01-08-2024</a:t>
             </a:fld>
             <a:endParaRPr lang="en-IN"/>
           </a:p>
@@ -4386,7 +3283,7 @@
           <a:p>
             <a:fld id="{66EFE03B-ED6E-4F02-9F68-2FC4E0EDB2F5}" type="datetimeFigureOut">
               <a:rPr lang="en-IN" smtClean="0"/>
-              <a:t>30-07-2024</a:t>
+              <a:t>01-08-2024</a:t>
             </a:fld>
             <a:endParaRPr lang="en-IN"/>
           </a:p>
@@ -4662,7 +3559,7 @@
           <a:p>
             <a:fld id="{66EFE03B-ED6E-4F02-9F68-2FC4E0EDB2F5}" type="datetimeFigureOut">
               <a:rPr lang="en-IN" smtClean="0"/>
-              <a:t>30-07-2024</a:t>
+              <a:t>01-08-2024</a:t>
             </a:fld>
             <a:endParaRPr lang="en-IN"/>
           </a:p>
@@ -4930,7 +3827,7 @@
           <a:p>
             <a:fld id="{66EFE03B-ED6E-4F02-9F68-2FC4E0EDB2F5}" type="datetimeFigureOut">
               <a:rPr lang="en-IN" smtClean="0"/>
-              <a:t>30-07-2024</a:t>
+              <a:t>01-08-2024</a:t>
             </a:fld>
             <a:endParaRPr lang="en-IN"/>
           </a:p>
@@ -5345,7 +4242,7 @@
           <a:p>
             <a:fld id="{66EFE03B-ED6E-4F02-9F68-2FC4E0EDB2F5}" type="datetimeFigureOut">
               <a:rPr lang="en-IN" smtClean="0"/>
-              <a:t>30-07-2024</a:t>
+              <a:t>01-08-2024</a:t>
             </a:fld>
             <a:endParaRPr lang="en-IN"/>
           </a:p>
@@ -5487,7 +4384,7 @@
           <a:p>
             <a:fld id="{66EFE03B-ED6E-4F02-9F68-2FC4E0EDB2F5}" type="datetimeFigureOut">
               <a:rPr lang="en-IN" smtClean="0"/>
-              <a:t>30-07-2024</a:t>
+              <a:t>01-08-2024</a:t>
             </a:fld>
             <a:endParaRPr lang="en-IN"/>
           </a:p>
@@ -5600,7 +4497,7 @@
           <a:p>
             <a:fld id="{66EFE03B-ED6E-4F02-9F68-2FC4E0EDB2F5}" type="datetimeFigureOut">
               <a:rPr lang="en-IN" smtClean="0"/>
-              <a:t>30-07-2024</a:t>
+              <a:t>01-08-2024</a:t>
             </a:fld>
             <a:endParaRPr lang="en-IN"/>
           </a:p>
@@ -5913,7 +4810,7 @@
           <a:p>
             <a:fld id="{66EFE03B-ED6E-4F02-9F68-2FC4E0EDB2F5}" type="datetimeFigureOut">
               <a:rPr lang="en-IN" smtClean="0"/>
-              <a:t>30-07-2024</a:t>
+              <a:t>01-08-2024</a:t>
             </a:fld>
             <a:endParaRPr lang="en-IN"/>
           </a:p>
@@ -6202,7 +5099,7 @@
           <a:p>
             <a:fld id="{66EFE03B-ED6E-4F02-9F68-2FC4E0EDB2F5}" type="datetimeFigureOut">
               <a:rPr lang="en-IN" smtClean="0"/>
-              <a:t>30-07-2024</a:t>
+              <a:t>01-08-2024</a:t>
             </a:fld>
             <a:endParaRPr lang="en-IN"/>
           </a:p>
@@ -6445,7 +5342,7 @@
           <a:p>
             <a:fld id="{66EFE03B-ED6E-4F02-9F68-2FC4E0EDB2F5}" type="datetimeFigureOut">
               <a:rPr lang="en-IN" smtClean="0"/>
-              <a:t>30-07-2024</a:t>
+              <a:t>01-08-2024</a:t>
             </a:fld>
             <a:endParaRPr lang="en-IN"/>
           </a:p>
@@ -8383,46 +7280,780 @@
           </a:p>
         </p:txBody>
       </p:sp>
-      <p:pic>
-        <p:nvPicPr>
-          <p:cNvPr id="6" name="Picture 5" descr="A diagram of a procedure&#10;&#10;Description automatically generated">
-            <a:extLst>
-              <a:ext uri="{FF2B5EF4-FFF2-40B4-BE49-F238E27FC236}">
-                <a16:creationId xmlns:a16="http://schemas.microsoft.com/office/drawing/2014/main" id="{75DD6072-7A70-EA2B-D063-FAD153F76C9D}"/>
-              </a:ext>
-            </a:extLst>
-          </p:cNvPr>
-          <p:cNvPicPr>
-            <a:picLocks noChangeAspect="1"/>
-          </p:cNvPicPr>
+      <p:sp>
+        <p:nvSpPr>
+          <p:cNvPr id="2" name="TextBox 1">
+            <a:extLst>
+              <a:ext uri="{FF2B5EF4-FFF2-40B4-BE49-F238E27FC236}">
+                <a16:creationId xmlns:a16="http://schemas.microsoft.com/office/drawing/2014/main" id="{72AA64EB-D7D6-D397-CF5F-C4C2986DAA22}"/>
+              </a:ext>
+            </a:extLst>
+          </p:cNvPr>
+          <p:cNvSpPr txBox="1"/>
           <p:nvPr/>
-        </p:nvPicPr>
-        <p:blipFill>
-          <a:blip r:embed="rId4">
-            <a:extLst>
-              <a:ext uri="{28A0092B-C50C-407E-A947-70E740481C1C}">
-                <a14:useLocalDpi xmlns:a14="http://schemas.microsoft.com/office/drawing/2010/main" val="0"/>
-              </a:ext>
-            </a:extLst>
-          </a:blip>
-          <a:stretch>
-            <a:fillRect/>
-          </a:stretch>
-        </p:blipFill>
+        </p:nvSpPr>
         <p:spPr>
           <a:xfrm>
-            <a:off x="777766" y="1594118"/>
-            <a:ext cx="10799871" cy="5263882"/>
+            <a:off x="1339532" y="2137797"/>
+            <a:ext cx="7525734" cy="369332"/>
           </a:xfrm>
           <a:prstGeom prst="rect">
             <a:avLst/>
           </a:prstGeom>
+          <a:noFill/>
         </p:spPr>
-      </p:pic>
+        <p:txBody>
+          <a:bodyPr wrap="square">
+            <a:spAutoFit/>
+          </a:bodyPr>
+          <a:lstStyle/>
+          <a:p>
+            <a:pPr marL="285750" indent="-285750">
+              <a:buFont typeface="Wingdings" panose="05000000000000000000" pitchFamily="2" charset="2"/>
+              <a:buChar char="Ø"/>
+            </a:pPr>
+            <a:r>
+              <a:rPr lang="en-US" altLang="en-US" dirty="0">
+                <a:latin typeface="Calibri  "/>
+              </a:rPr>
+              <a:t>Decision for Stored procedure or Function</a:t>
+            </a:r>
+          </a:p>
+        </p:txBody>
+      </p:sp>
+      <p:sp>
+        <p:nvSpPr>
+          <p:cNvPr id="3" name="TextBox 2">
+            <a:extLst>
+              <a:ext uri="{FF2B5EF4-FFF2-40B4-BE49-F238E27FC236}">
+                <a16:creationId xmlns:a16="http://schemas.microsoft.com/office/drawing/2014/main" id="{F62EFE3B-B71B-085B-18E9-AF2639F01857}"/>
+              </a:ext>
+            </a:extLst>
+          </p:cNvPr>
+          <p:cNvSpPr txBox="1"/>
+          <p:nvPr/>
+        </p:nvSpPr>
+        <p:spPr>
+          <a:xfrm>
+            <a:off x="447568" y="2507129"/>
+            <a:ext cx="5196924" cy="3339376"/>
+          </a:xfrm>
+          <a:prstGeom prst="rect">
+            <a:avLst/>
+          </a:prstGeom>
+          <a:solidFill>
+            <a:schemeClr val="bg1"/>
+          </a:solidFill>
+          <a:ln w="3175">
+            <a:solidFill>
+              <a:schemeClr val="tx1"/>
+            </a:solidFill>
+          </a:ln>
+        </p:spPr>
+        <p:txBody>
+          <a:bodyPr wrap="square" rtlCol="0">
+            <a:spAutoFit/>
+          </a:bodyPr>
+          <a:lstStyle/>
+          <a:p>
+            <a:pPr algn="l">
+              <a:lnSpc>
+                <a:spcPct val="150000"/>
+              </a:lnSpc>
+            </a:pPr>
+            <a:r>
+              <a:rPr lang="en-US" sz="2000" b="1" dirty="0">
+                <a:latin typeface="Calibri  "/>
+                <a:ea typeface="ＭＳ Ｐゴシック" panose="020B0600070205080204" pitchFamily="34" charset="-128"/>
+              </a:rPr>
+              <a:t>Stored Procedure</a:t>
+            </a:r>
+          </a:p>
+          <a:p>
+            <a:pPr algn="l"/>
+            <a:endParaRPr lang="en-US" sz="1600" dirty="0">
+              <a:solidFill>
+                <a:srgbClr val="3333CC"/>
+              </a:solidFill>
+              <a:latin typeface="Calibri  "/>
+              <a:ea typeface="ＭＳ Ｐゴシック" panose="020B0600070205080204" pitchFamily="34" charset="-128"/>
+              <a:cs typeface="Courier New" panose="02070309020205020404" pitchFamily="49" charset="0"/>
+            </a:endParaRPr>
+          </a:p>
+          <a:p>
+            <a:pPr algn="l"/>
+            <a:r>
+              <a:rPr lang="en-US" sz="1100" dirty="0">
+                <a:latin typeface="Courier New" panose="02070309020205020404" pitchFamily="49" charset="0"/>
+                <a:ea typeface="ＭＳ Ｐゴシック" panose="020B0600070205080204" pitchFamily="34" charset="-128"/>
+                <a:cs typeface="Courier New" panose="02070309020205020404" pitchFamily="49" charset="0"/>
+              </a:rPr>
+              <a:t>CREATE PROCEDURE </a:t>
+            </a:r>
+            <a:r>
+              <a:rPr lang="en-US" sz="1100" dirty="0" err="1">
+                <a:latin typeface="Courier New" panose="02070309020205020404" pitchFamily="49" charset="0"/>
+                <a:ea typeface="ＭＳ Ｐゴシック" panose="020B0600070205080204" pitchFamily="34" charset="-128"/>
+                <a:cs typeface="Courier New" panose="02070309020205020404" pitchFamily="49" charset="0"/>
+              </a:rPr>
+              <a:t>GetPrice</a:t>
+            </a:r>
+            <a:r>
+              <a:rPr lang="en-US" sz="1100" dirty="0">
+                <a:latin typeface="Courier New" panose="02070309020205020404" pitchFamily="49" charset="0"/>
+                <a:ea typeface="ＭＳ Ｐゴシック" panose="020B0600070205080204" pitchFamily="34" charset="-128"/>
+                <a:cs typeface="Courier New" panose="02070309020205020404" pitchFamily="49" charset="0"/>
+              </a:rPr>
+              <a:t> (IN Vendor CHAR&amp;(20&amp;),</a:t>
+            </a:r>
+          </a:p>
+          <a:p>
+            <a:pPr algn="l"/>
+            <a:r>
+              <a:rPr lang="en-US" sz="1100" dirty="0">
+                <a:latin typeface="Courier New" panose="02070309020205020404" pitchFamily="49" charset="0"/>
+                <a:ea typeface="ＭＳ Ｐゴシック" panose="020B0600070205080204" pitchFamily="34" charset="-128"/>
+                <a:cs typeface="Courier New" panose="02070309020205020404" pitchFamily="49" charset="0"/>
+              </a:rPr>
+              <a:t>                           IN </a:t>
+            </a:r>
+            <a:r>
+              <a:rPr lang="en-US" sz="1100" dirty="0" err="1">
+                <a:latin typeface="Courier New" panose="02070309020205020404" pitchFamily="49" charset="0"/>
+                <a:ea typeface="ＭＳ Ｐゴシック" panose="020B0600070205080204" pitchFamily="34" charset="-128"/>
+                <a:cs typeface="Courier New" panose="02070309020205020404" pitchFamily="49" charset="0"/>
+              </a:rPr>
+              <a:t>Pid</a:t>
+            </a:r>
+            <a:r>
+              <a:rPr lang="en-US" sz="1100" dirty="0">
+                <a:latin typeface="Courier New" panose="02070309020205020404" pitchFamily="49" charset="0"/>
+                <a:ea typeface="ＭＳ Ｐゴシック" panose="020B0600070205080204" pitchFamily="34" charset="-128"/>
+                <a:cs typeface="Courier New" panose="02070309020205020404" pitchFamily="49" charset="0"/>
+              </a:rPr>
+              <a:t> INT, </a:t>
+            </a:r>
+          </a:p>
+          <a:p>
+            <a:pPr algn="l"/>
+            <a:r>
+              <a:rPr lang="en-US" sz="1100" dirty="0">
+                <a:latin typeface="Courier New" panose="02070309020205020404" pitchFamily="49" charset="0"/>
+                <a:ea typeface="ＭＳ Ｐゴシック" panose="020B0600070205080204" pitchFamily="34" charset="-128"/>
+                <a:cs typeface="Courier New" panose="02070309020205020404" pitchFamily="49" charset="0"/>
+              </a:rPr>
+              <a:t>		     OUT price DECIMAL(10,3))</a:t>
+            </a:r>
+          </a:p>
+          <a:p>
+            <a:pPr algn="l"/>
+            <a:r>
+              <a:rPr lang="en-US" sz="1100" dirty="0">
+                <a:latin typeface="Courier New" panose="02070309020205020404" pitchFamily="49" charset="0"/>
+                <a:ea typeface="ＭＳ Ｐゴシック" panose="020B0600070205080204" pitchFamily="34" charset="-128"/>
+                <a:cs typeface="Courier New" panose="02070309020205020404" pitchFamily="49" charset="0"/>
+              </a:rPr>
+              <a:t>  LANGUAGE SQL</a:t>
+            </a:r>
+          </a:p>
+          <a:p>
+            <a:pPr algn="l"/>
+            <a:r>
+              <a:rPr lang="en-US" sz="1100" dirty="0">
+                <a:latin typeface="Courier New" panose="02070309020205020404" pitchFamily="49" charset="0"/>
+                <a:ea typeface="ＭＳ Ｐゴシック" panose="020B0600070205080204" pitchFamily="34" charset="-128"/>
+                <a:cs typeface="Courier New" panose="02070309020205020404" pitchFamily="49" charset="0"/>
+              </a:rPr>
+              <a:t>  BEGIN</a:t>
+            </a:r>
+          </a:p>
+          <a:p>
+            <a:pPr algn="l"/>
+            <a:r>
+              <a:rPr lang="en-US" sz="1100" dirty="0">
+                <a:latin typeface="Courier New" panose="02070309020205020404" pitchFamily="49" charset="0"/>
+                <a:ea typeface="ＭＳ Ｐゴシック" panose="020B0600070205080204" pitchFamily="34" charset="-128"/>
+                <a:cs typeface="Courier New" panose="02070309020205020404" pitchFamily="49" charset="0"/>
+              </a:rPr>
+              <a:t>    IF Vendor = ‘Vendor 1’;</a:t>
+            </a:r>
+          </a:p>
+          <a:p>
+            <a:pPr algn="l"/>
+            <a:r>
+              <a:rPr lang="en-US" sz="1100" dirty="0">
+                <a:latin typeface="Courier New" panose="02070309020205020404" pitchFamily="49" charset="0"/>
+                <a:ea typeface="ＭＳ Ｐゴシック" panose="020B0600070205080204" pitchFamily="34" charset="-128"/>
+                <a:cs typeface="Courier New" panose="02070309020205020404" pitchFamily="49" charset="0"/>
+              </a:rPr>
+              <a:t>      THEN SET price = (SELECT </a:t>
+            </a:r>
+            <a:r>
+              <a:rPr lang="en-US" sz="1100" dirty="0" err="1">
+                <a:latin typeface="Courier New" panose="02070309020205020404" pitchFamily="49" charset="0"/>
+                <a:ea typeface="ＭＳ Ｐゴシック" panose="020B0600070205080204" pitchFamily="34" charset="-128"/>
+                <a:cs typeface="Courier New" panose="02070309020205020404" pitchFamily="49" charset="0"/>
+              </a:rPr>
+              <a:t>ProdPrice</a:t>
+            </a:r>
+            <a:r>
+              <a:rPr lang="en-US" sz="1100" dirty="0">
+                <a:latin typeface="Courier New" panose="02070309020205020404" pitchFamily="49" charset="0"/>
+                <a:ea typeface="ＭＳ Ｐゴシック" panose="020B0600070205080204" pitchFamily="34" charset="-128"/>
+                <a:cs typeface="Courier New" panose="02070309020205020404" pitchFamily="49" charset="0"/>
+              </a:rPr>
+              <a:t> </a:t>
+            </a:r>
+          </a:p>
+          <a:p>
+            <a:pPr algn="l"/>
+            <a:r>
+              <a:rPr lang="en-US" sz="1100" dirty="0">
+                <a:latin typeface="Courier New" panose="02070309020205020404" pitchFamily="49" charset="0"/>
+                <a:ea typeface="ＭＳ Ｐゴシック" panose="020B0600070205080204" pitchFamily="34" charset="-128"/>
+                <a:cs typeface="Courier New" panose="02070309020205020404" pitchFamily="49" charset="0"/>
+              </a:rPr>
+              <a:t>                              FROM V1Table </a:t>
+            </a:r>
+          </a:p>
+          <a:p>
+            <a:pPr algn="l"/>
+            <a:r>
+              <a:rPr lang="en-US" sz="1100" dirty="0">
+                <a:latin typeface="Courier New" panose="02070309020205020404" pitchFamily="49" charset="0"/>
+                <a:ea typeface="ＭＳ Ｐゴシック" panose="020B0600070205080204" pitchFamily="34" charset="-128"/>
+                <a:cs typeface="Courier New" panose="02070309020205020404" pitchFamily="49" charset="0"/>
+              </a:rPr>
+              <a:t>                              WHERE Id = </a:t>
+            </a:r>
+            <a:r>
+              <a:rPr lang="en-US" sz="1100" dirty="0" err="1">
+                <a:latin typeface="Courier New" panose="02070309020205020404" pitchFamily="49" charset="0"/>
+                <a:ea typeface="ＭＳ Ｐゴシック" panose="020B0600070205080204" pitchFamily="34" charset="-128"/>
+                <a:cs typeface="Courier New" panose="02070309020205020404" pitchFamily="49" charset="0"/>
+              </a:rPr>
+              <a:t>Pid</a:t>
+            </a:r>
+            <a:r>
+              <a:rPr lang="en-US" sz="1100" dirty="0">
+                <a:latin typeface="Courier New" panose="02070309020205020404" pitchFamily="49" charset="0"/>
+                <a:ea typeface="ＭＳ Ｐゴシック" panose="020B0600070205080204" pitchFamily="34" charset="-128"/>
+                <a:cs typeface="Courier New" panose="02070309020205020404" pitchFamily="49" charset="0"/>
+              </a:rPr>
+              <a:t>);</a:t>
+            </a:r>
+          </a:p>
+          <a:p>
+            <a:pPr algn="l"/>
+            <a:r>
+              <a:rPr lang="en-US" sz="1100" dirty="0">
+                <a:latin typeface="Courier New" panose="02070309020205020404" pitchFamily="49" charset="0"/>
+                <a:ea typeface="ＭＳ Ｐゴシック" panose="020B0600070205080204" pitchFamily="34" charset="-128"/>
+                <a:cs typeface="Courier New" panose="02070309020205020404" pitchFamily="49" charset="0"/>
+              </a:rPr>
+              <a:t>    ELSE IF Vendor = ‘Vendor 2’;</a:t>
+            </a:r>
+          </a:p>
+          <a:p>
+            <a:pPr algn="l"/>
+            <a:r>
+              <a:rPr lang="en-US" sz="1100" dirty="0">
+                <a:latin typeface="Courier New" panose="02070309020205020404" pitchFamily="49" charset="0"/>
+                <a:ea typeface="ＭＳ Ｐゴシック" panose="020B0600070205080204" pitchFamily="34" charset="-128"/>
+                <a:cs typeface="Courier New" panose="02070309020205020404" pitchFamily="49" charset="0"/>
+              </a:rPr>
+              <a:t>      THEN SET price = (SELECT Price </a:t>
+            </a:r>
+          </a:p>
+          <a:p>
+            <a:pPr algn="l"/>
+            <a:r>
+              <a:rPr lang="en-US" sz="1100" dirty="0">
+                <a:latin typeface="Courier New" panose="02070309020205020404" pitchFamily="49" charset="0"/>
+                <a:ea typeface="ＭＳ Ｐゴシック" panose="020B0600070205080204" pitchFamily="34" charset="-128"/>
+                <a:cs typeface="Courier New" panose="02070309020205020404" pitchFamily="49" charset="0"/>
+              </a:rPr>
+              <a:t>                            FROM V2Table</a:t>
+            </a:r>
+          </a:p>
+          <a:p>
+            <a:pPr algn="l"/>
+            <a:r>
+              <a:rPr lang="en-US" sz="1100" dirty="0">
+                <a:latin typeface="Courier New" panose="02070309020205020404" pitchFamily="49" charset="0"/>
+                <a:ea typeface="ＭＳ Ｐゴシック" panose="020B0600070205080204" pitchFamily="34" charset="-128"/>
+                <a:cs typeface="Courier New" panose="02070309020205020404" pitchFamily="49" charset="0"/>
+              </a:rPr>
+              <a:t>                           WHERE </a:t>
+            </a:r>
+            <a:r>
+              <a:rPr lang="en-US" sz="1100" dirty="0" err="1">
+                <a:latin typeface="Courier New" panose="02070309020205020404" pitchFamily="49" charset="0"/>
+                <a:ea typeface="ＭＳ Ｐゴシック" panose="020B0600070205080204" pitchFamily="34" charset="-128"/>
+                <a:cs typeface="Courier New" panose="02070309020205020404" pitchFamily="49" charset="0"/>
+              </a:rPr>
+              <a:t>Pid</a:t>
+            </a:r>
+            <a:r>
+              <a:rPr lang="en-US" sz="1100" dirty="0">
+                <a:latin typeface="Courier New" panose="02070309020205020404" pitchFamily="49" charset="0"/>
+                <a:ea typeface="ＭＳ Ｐゴシック" panose="020B0600070205080204" pitchFamily="34" charset="-128"/>
+                <a:cs typeface="Courier New" panose="02070309020205020404" pitchFamily="49" charset="0"/>
+              </a:rPr>
+              <a:t> eq; </a:t>
+            </a:r>
+            <a:r>
+              <a:rPr lang="en-US" sz="1100" dirty="0" err="1">
+                <a:latin typeface="Courier New" panose="02070309020205020404" pitchFamily="49" charset="0"/>
+                <a:ea typeface="ＭＳ Ｐゴシック" panose="020B0600070205080204" pitchFamily="34" charset="-128"/>
+                <a:cs typeface="Courier New" panose="02070309020205020404" pitchFamily="49" charset="0"/>
+              </a:rPr>
+              <a:t>GetPrice.Pid</a:t>
+            </a:r>
+            <a:r>
+              <a:rPr lang="en-US" sz="1100" dirty="0">
+                <a:latin typeface="Courier New" panose="02070309020205020404" pitchFamily="49" charset="0"/>
+                <a:ea typeface="ＭＳ Ｐゴシック" panose="020B0600070205080204" pitchFamily="34" charset="-128"/>
+                <a:cs typeface="Courier New" panose="02070309020205020404" pitchFamily="49" charset="0"/>
+              </a:rPr>
+              <a:t>);</a:t>
+            </a:r>
+          </a:p>
+          <a:p>
+            <a:pPr algn="l"/>
+            <a:r>
+              <a:rPr lang="en-US" sz="1100" dirty="0">
+                <a:latin typeface="Courier New" panose="02070309020205020404" pitchFamily="49" charset="0"/>
+                <a:ea typeface="ＭＳ Ｐゴシック" panose="020B0600070205080204" pitchFamily="34" charset="-128"/>
+                <a:cs typeface="Courier New" panose="02070309020205020404" pitchFamily="49" charset="0"/>
+              </a:rPr>
+              <a:t>    END IF;</a:t>
+            </a:r>
+          </a:p>
+          <a:p>
+            <a:pPr algn="l"/>
+            <a:r>
+              <a:rPr lang="en-US" sz="1100" dirty="0">
+                <a:latin typeface="Courier New" panose="02070309020205020404" pitchFamily="49" charset="0"/>
+                <a:ea typeface="ＭＳ Ｐゴシック" panose="020B0600070205080204" pitchFamily="34" charset="-128"/>
+                <a:cs typeface="Courier New" panose="02070309020205020404" pitchFamily="49" charset="0"/>
+              </a:rPr>
+              <a:t>  END</a:t>
+            </a:r>
+          </a:p>
+        </p:txBody>
+      </p:sp>
+      <p:sp>
+        <p:nvSpPr>
+          <p:cNvPr id="9" name="TextBox 8">
+            <a:extLst>
+              <a:ext uri="{FF2B5EF4-FFF2-40B4-BE49-F238E27FC236}">
+                <a16:creationId xmlns:a16="http://schemas.microsoft.com/office/drawing/2014/main" id="{72D34E25-E2C2-ABAA-C992-E4CA054C1900}"/>
+              </a:ext>
+            </a:extLst>
+          </p:cNvPr>
+          <p:cNvSpPr txBox="1"/>
+          <p:nvPr/>
+        </p:nvSpPr>
+        <p:spPr>
+          <a:xfrm>
+            <a:off x="5914458" y="2521790"/>
+            <a:ext cx="5196924" cy="3431709"/>
+          </a:xfrm>
+          <a:prstGeom prst="rect">
+            <a:avLst/>
+          </a:prstGeom>
+          <a:solidFill>
+            <a:schemeClr val="bg1"/>
+          </a:solidFill>
+          <a:ln w="3175">
+            <a:solidFill>
+              <a:schemeClr val="tx1"/>
+            </a:solidFill>
+          </a:ln>
+        </p:spPr>
+        <p:txBody>
+          <a:bodyPr wrap="square" rtlCol="0">
+            <a:spAutoFit/>
+          </a:bodyPr>
+          <a:lstStyle/>
+          <a:p>
+            <a:pPr algn="l">
+              <a:lnSpc>
+                <a:spcPct val="150000"/>
+              </a:lnSpc>
+            </a:pPr>
+            <a:r>
+              <a:rPr lang="en-US" sz="2000" b="1" dirty="0">
+                <a:latin typeface="Calibri  "/>
+                <a:ea typeface="ＭＳ Ｐゴシック" panose="020B0600070205080204" pitchFamily="34" charset="-128"/>
+              </a:rPr>
+              <a:t>User Defined Function</a:t>
+            </a:r>
+          </a:p>
+          <a:p>
+            <a:pPr algn="l"/>
+            <a:r>
+              <a:rPr lang="en-US" sz="1100" b="0" i="0" dirty="0">
+                <a:effectLst/>
+                <a:latin typeface="Courier New" panose="02070309020205020404" pitchFamily="49" charset="0"/>
+                <a:cs typeface="Courier New" panose="02070309020205020404" pitchFamily="49" charset="0"/>
+              </a:rPr>
+              <a:t>CREATE FUNCTION </a:t>
+            </a:r>
+            <a:r>
+              <a:rPr lang="en-US" sz="1100" b="0" i="0" dirty="0" err="1">
+                <a:effectLst/>
+                <a:latin typeface="Courier New" panose="02070309020205020404" pitchFamily="49" charset="0"/>
+                <a:cs typeface="Courier New" panose="02070309020205020404" pitchFamily="49" charset="0"/>
+              </a:rPr>
+              <a:t>GetPrice</a:t>
+            </a:r>
+            <a:r>
+              <a:rPr lang="en-US" sz="1100" b="0" i="0" dirty="0">
+                <a:effectLst/>
+                <a:latin typeface="Courier New" panose="02070309020205020404" pitchFamily="49" charset="0"/>
+                <a:cs typeface="Courier New" panose="02070309020205020404" pitchFamily="49" charset="0"/>
+              </a:rPr>
+              <a:t> (Vendor CHAR(20), </a:t>
+            </a:r>
+          </a:p>
+          <a:p>
+            <a:pPr algn="l"/>
+            <a:r>
+              <a:rPr lang="en-US" sz="1100" dirty="0">
+                <a:latin typeface="Courier New" panose="02070309020205020404" pitchFamily="49" charset="0"/>
+                <a:cs typeface="Courier New" panose="02070309020205020404" pitchFamily="49" charset="0"/>
+              </a:rPr>
+              <a:t>                          </a:t>
+            </a:r>
+            <a:r>
+              <a:rPr lang="en-US" sz="1100" b="0" i="0" dirty="0" err="1">
+                <a:effectLst/>
+                <a:latin typeface="Courier New" panose="02070309020205020404" pitchFamily="49" charset="0"/>
+                <a:cs typeface="Courier New" panose="02070309020205020404" pitchFamily="49" charset="0"/>
+              </a:rPr>
+              <a:t>Pid</a:t>
+            </a:r>
+            <a:r>
+              <a:rPr lang="en-US" sz="1100" b="0" i="0" dirty="0">
+                <a:effectLst/>
+                <a:latin typeface="Courier New" panose="02070309020205020404" pitchFamily="49" charset="0"/>
+                <a:cs typeface="Courier New" panose="02070309020205020404" pitchFamily="49" charset="0"/>
+              </a:rPr>
+              <a:t> INT) </a:t>
+            </a:r>
+          </a:p>
+          <a:p>
+            <a:pPr algn="l"/>
+            <a:r>
+              <a:rPr lang="en-US" sz="1100" b="0" i="0" dirty="0">
+                <a:effectLst/>
+                <a:latin typeface="Courier New" panose="02070309020205020404" pitchFamily="49" charset="0"/>
+                <a:cs typeface="Courier New" panose="02070309020205020404" pitchFamily="49" charset="0"/>
+              </a:rPr>
+              <a:t>RETURNS DECIMAL(10,3) </a:t>
+            </a:r>
+          </a:p>
+          <a:p>
+            <a:pPr algn="l"/>
+            <a:r>
+              <a:rPr lang="en-US" sz="1100" b="0" i="0" dirty="0">
+                <a:effectLst/>
+                <a:latin typeface="Courier New" panose="02070309020205020404" pitchFamily="49" charset="0"/>
+                <a:cs typeface="Courier New" panose="02070309020205020404" pitchFamily="49" charset="0"/>
+              </a:rPr>
+              <a:t>LANGUAGE SQL </a:t>
+            </a:r>
+          </a:p>
+          <a:p>
+            <a:pPr algn="l"/>
+            <a:r>
+              <a:rPr lang="en-US" sz="1100" b="0" i="0" dirty="0">
+                <a:effectLst/>
+                <a:latin typeface="Courier New" panose="02070309020205020404" pitchFamily="49" charset="0"/>
+                <a:cs typeface="Courier New" panose="02070309020205020404" pitchFamily="49" charset="0"/>
+              </a:rPr>
+              <a:t>BEGIN </a:t>
+            </a:r>
+          </a:p>
+          <a:p>
+            <a:pPr algn="l"/>
+            <a:r>
+              <a:rPr lang="en-US" sz="1100" dirty="0">
+                <a:latin typeface="Courier New" panose="02070309020205020404" pitchFamily="49" charset="0"/>
+                <a:cs typeface="Courier New" panose="02070309020205020404" pitchFamily="49" charset="0"/>
+              </a:rPr>
+              <a:t>  </a:t>
+            </a:r>
+            <a:r>
+              <a:rPr lang="en-US" sz="1100" b="0" i="0" dirty="0">
+                <a:effectLst/>
+                <a:latin typeface="Courier New" panose="02070309020205020404" pitchFamily="49" charset="0"/>
+                <a:cs typeface="Courier New" panose="02070309020205020404" pitchFamily="49" charset="0"/>
+              </a:rPr>
+              <a:t>DECLARE price DECIMAL(10,3); </a:t>
+            </a:r>
+          </a:p>
+          <a:p>
+            <a:pPr algn="l"/>
+            <a:r>
+              <a:rPr lang="en-US" sz="1100" dirty="0">
+                <a:latin typeface="Courier New" panose="02070309020205020404" pitchFamily="49" charset="0"/>
+                <a:cs typeface="Courier New" panose="02070309020205020404" pitchFamily="49" charset="0"/>
+              </a:rPr>
+              <a:t>  </a:t>
+            </a:r>
+            <a:r>
+              <a:rPr lang="en-US" sz="1100" b="0" i="0" dirty="0">
+                <a:effectLst/>
+                <a:latin typeface="Courier New" panose="02070309020205020404" pitchFamily="49" charset="0"/>
+                <a:cs typeface="Courier New" panose="02070309020205020404" pitchFamily="49" charset="0"/>
+              </a:rPr>
+              <a:t>IF Vendor = 'Vendor 1' THEN </a:t>
+            </a:r>
+          </a:p>
+          <a:p>
+            <a:pPr algn="l"/>
+            <a:r>
+              <a:rPr lang="en-US" sz="1100" dirty="0">
+                <a:latin typeface="Courier New" panose="02070309020205020404" pitchFamily="49" charset="0"/>
+                <a:cs typeface="Courier New" panose="02070309020205020404" pitchFamily="49" charset="0"/>
+              </a:rPr>
+              <a:t>     </a:t>
+            </a:r>
+            <a:r>
+              <a:rPr lang="en-US" sz="1100" b="0" i="0" dirty="0">
+                <a:effectLst/>
+                <a:latin typeface="Courier New" panose="02070309020205020404" pitchFamily="49" charset="0"/>
+                <a:cs typeface="Courier New" panose="02070309020205020404" pitchFamily="49" charset="0"/>
+              </a:rPr>
+              <a:t>SET price = (SELECT </a:t>
+            </a:r>
+            <a:r>
+              <a:rPr lang="en-US" sz="1100" b="0" i="0" dirty="0" err="1">
+                <a:effectLst/>
+                <a:latin typeface="Courier New" panose="02070309020205020404" pitchFamily="49" charset="0"/>
+                <a:cs typeface="Courier New" panose="02070309020205020404" pitchFamily="49" charset="0"/>
+              </a:rPr>
+              <a:t>ProdPrice</a:t>
+            </a:r>
+            <a:r>
+              <a:rPr lang="en-US" sz="1100" b="0" i="0" dirty="0">
+                <a:effectLst/>
+                <a:latin typeface="Courier New" panose="02070309020205020404" pitchFamily="49" charset="0"/>
+                <a:cs typeface="Courier New" panose="02070309020205020404" pitchFamily="49" charset="0"/>
+              </a:rPr>
+              <a:t> </a:t>
+            </a:r>
+          </a:p>
+          <a:p>
+            <a:pPr algn="l"/>
+            <a:r>
+              <a:rPr lang="en-US" sz="1100" dirty="0">
+                <a:latin typeface="Courier New" panose="02070309020205020404" pitchFamily="49" charset="0"/>
+                <a:cs typeface="Courier New" panose="02070309020205020404" pitchFamily="49" charset="0"/>
+              </a:rPr>
+              <a:t>                    </a:t>
+            </a:r>
+            <a:r>
+              <a:rPr lang="en-US" sz="1100" b="0" i="0" dirty="0">
+                <a:effectLst/>
+                <a:latin typeface="Courier New" panose="02070309020205020404" pitchFamily="49" charset="0"/>
+                <a:cs typeface="Courier New" panose="02070309020205020404" pitchFamily="49" charset="0"/>
+              </a:rPr>
+              <a:t>FROM V1Table </a:t>
+            </a:r>
+          </a:p>
+          <a:p>
+            <a:pPr algn="l"/>
+            <a:r>
+              <a:rPr lang="en-US" sz="1100" dirty="0">
+                <a:latin typeface="Courier New" panose="02070309020205020404" pitchFamily="49" charset="0"/>
+                <a:cs typeface="Courier New" panose="02070309020205020404" pitchFamily="49" charset="0"/>
+              </a:rPr>
+              <a:t>                   </a:t>
+            </a:r>
+            <a:r>
+              <a:rPr lang="en-US" sz="1100" b="0" i="0" dirty="0">
+                <a:effectLst/>
+                <a:latin typeface="Courier New" panose="02070309020205020404" pitchFamily="49" charset="0"/>
+                <a:cs typeface="Courier New" panose="02070309020205020404" pitchFamily="49" charset="0"/>
+              </a:rPr>
+              <a:t>WHERE Id = </a:t>
+            </a:r>
+            <a:r>
+              <a:rPr lang="en-US" sz="1100" b="0" i="0" dirty="0" err="1">
+                <a:effectLst/>
+                <a:latin typeface="Courier New" panose="02070309020205020404" pitchFamily="49" charset="0"/>
+                <a:cs typeface="Courier New" panose="02070309020205020404" pitchFamily="49" charset="0"/>
+              </a:rPr>
+              <a:t>Pid</a:t>
+            </a:r>
+            <a:r>
+              <a:rPr lang="en-US" sz="1100" b="0" i="0" dirty="0">
+                <a:effectLst/>
+                <a:latin typeface="Courier New" panose="02070309020205020404" pitchFamily="49" charset="0"/>
+                <a:cs typeface="Courier New" panose="02070309020205020404" pitchFamily="49" charset="0"/>
+              </a:rPr>
+              <a:t>); </a:t>
+            </a:r>
+          </a:p>
+          <a:p>
+            <a:pPr algn="l"/>
+            <a:r>
+              <a:rPr lang="en-US" sz="1100" dirty="0">
+                <a:latin typeface="Courier New" panose="02070309020205020404" pitchFamily="49" charset="0"/>
+                <a:cs typeface="Courier New" panose="02070309020205020404" pitchFamily="49" charset="0"/>
+              </a:rPr>
+              <a:t>  </a:t>
+            </a:r>
+            <a:r>
+              <a:rPr lang="en-US" sz="1100" b="0" i="0" dirty="0">
+                <a:effectLst/>
+                <a:latin typeface="Courier New" panose="02070309020205020404" pitchFamily="49" charset="0"/>
+                <a:cs typeface="Courier New" panose="02070309020205020404" pitchFamily="49" charset="0"/>
+              </a:rPr>
+              <a:t>ELSE IF Vendor = 'Vendor 2' THEN </a:t>
+            </a:r>
+          </a:p>
+          <a:p>
+            <a:pPr algn="l"/>
+            <a:r>
+              <a:rPr lang="en-US" sz="1100" dirty="0">
+                <a:latin typeface="Courier New" panose="02070309020205020404" pitchFamily="49" charset="0"/>
+                <a:cs typeface="Courier New" panose="02070309020205020404" pitchFamily="49" charset="0"/>
+              </a:rPr>
+              <a:t>     </a:t>
+            </a:r>
+            <a:r>
+              <a:rPr lang="en-US" sz="1100" b="0" i="0" dirty="0">
+                <a:effectLst/>
+                <a:latin typeface="Courier New" panose="02070309020205020404" pitchFamily="49" charset="0"/>
+                <a:cs typeface="Courier New" panose="02070309020205020404" pitchFamily="49" charset="0"/>
+              </a:rPr>
+              <a:t>SET price = (SELECT Price </a:t>
+            </a:r>
+          </a:p>
+          <a:p>
+            <a:pPr algn="l"/>
+            <a:r>
+              <a:rPr lang="en-US" sz="1100" dirty="0">
+                <a:latin typeface="Courier New" panose="02070309020205020404" pitchFamily="49" charset="0"/>
+                <a:cs typeface="Courier New" panose="02070309020205020404" pitchFamily="49" charset="0"/>
+              </a:rPr>
+              <a:t>                    </a:t>
+            </a:r>
+            <a:r>
+              <a:rPr lang="en-US" sz="1100" b="0" i="0" dirty="0">
+                <a:effectLst/>
+                <a:latin typeface="Courier New" panose="02070309020205020404" pitchFamily="49" charset="0"/>
+                <a:cs typeface="Courier New" panose="02070309020205020404" pitchFamily="49" charset="0"/>
+              </a:rPr>
+              <a:t>FROM V2Table </a:t>
+            </a:r>
+          </a:p>
+          <a:p>
+            <a:pPr algn="l"/>
+            <a:r>
+              <a:rPr lang="en-US" sz="1100" dirty="0">
+                <a:latin typeface="Courier New" panose="02070309020205020404" pitchFamily="49" charset="0"/>
+                <a:cs typeface="Courier New" panose="02070309020205020404" pitchFamily="49" charset="0"/>
+              </a:rPr>
+              <a:t>                   </a:t>
+            </a:r>
+            <a:r>
+              <a:rPr lang="en-US" sz="1100" b="0" i="0" dirty="0">
+                <a:effectLst/>
+                <a:latin typeface="Courier New" panose="02070309020205020404" pitchFamily="49" charset="0"/>
+                <a:cs typeface="Courier New" panose="02070309020205020404" pitchFamily="49" charset="0"/>
+              </a:rPr>
+              <a:t>WHERE </a:t>
+            </a:r>
+            <a:r>
+              <a:rPr lang="en-US" sz="1100" b="0" i="0" dirty="0" err="1">
+                <a:effectLst/>
+                <a:latin typeface="Courier New" panose="02070309020205020404" pitchFamily="49" charset="0"/>
+                <a:cs typeface="Courier New" panose="02070309020205020404" pitchFamily="49" charset="0"/>
+              </a:rPr>
+              <a:t>Pid</a:t>
+            </a:r>
+            <a:r>
+              <a:rPr lang="en-US" sz="1100" b="0" i="0" dirty="0">
+                <a:effectLst/>
+                <a:latin typeface="Courier New" panose="02070309020205020404" pitchFamily="49" charset="0"/>
+                <a:cs typeface="Courier New" panose="02070309020205020404" pitchFamily="49" charset="0"/>
+              </a:rPr>
+              <a:t> = </a:t>
+            </a:r>
+            <a:r>
+              <a:rPr lang="en-US" sz="1100" b="0" i="0" dirty="0" err="1">
+                <a:effectLst/>
+                <a:latin typeface="Courier New" panose="02070309020205020404" pitchFamily="49" charset="0"/>
+                <a:cs typeface="Courier New" panose="02070309020205020404" pitchFamily="49" charset="0"/>
+              </a:rPr>
+              <a:t>GetPrice.Pid</a:t>
+            </a:r>
+            <a:r>
+              <a:rPr lang="en-US" sz="1100" b="0" i="0" dirty="0">
+                <a:effectLst/>
+                <a:latin typeface="Courier New" panose="02070309020205020404" pitchFamily="49" charset="0"/>
+                <a:cs typeface="Courier New" panose="02070309020205020404" pitchFamily="49" charset="0"/>
+              </a:rPr>
+              <a:t>); </a:t>
+            </a:r>
+          </a:p>
+          <a:p>
+            <a:pPr algn="l"/>
+            <a:r>
+              <a:rPr lang="en-US" sz="1100" dirty="0">
+                <a:latin typeface="Courier New" panose="02070309020205020404" pitchFamily="49" charset="0"/>
+                <a:cs typeface="Courier New" panose="02070309020205020404" pitchFamily="49" charset="0"/>
+              </a:rPr>
+              <a:t>  </a:t>
+            </a:r>
+            <a:r>
+              <a:rPr lang="en-US" sz="1100" b="0" i="0" dirty="0">
+                <a:effectLst/>
+                <a:latin typeface="Courier New" panose="02070309020205020404" pitchFamily="49" charset="0"/>
+                <a:cs typeface="Courier New" panose="02070309020205020404" pitchFamily="49" charset="0"/>
+              </a:rPr>
+              <a:t>END IF; </a:t>
+            </a:r>
+          </a:p>
+          <a:p>
+            <a:pPr algn="l"/>
+            <a:r>
+              <a:rPr lang="en-US" sz="1100" b="0" i="0" dirty="0">
+                <a:effectLst/>
+                <a:latin typeface="Courier New" panose="02070309020205020404" pitchFamily="49" charset="0"/>
+                <a:cs typeface="Courier New" panose="02070309020205020404" pitchFamily="49" charset="0"/>
+              </a:rPr>
+              <a:t>  RETURN price; </a:t>
+            </a:r>
+          </a:p>
+          <a:p>
+            <a:pPr algn="l"/>
+            <a:r>
+              <a:rPr lang="en-US" sz="1100" b="0" i="0" dirty="0">
+                <a:effectLst/>
+                <a:latin typeface="Courier New" panose="02070309020205020404" pitchFamily="49" charset="0"/>
+                <a:cs typeface="Courier New" panose="02070309020205020404" pitchFamily="49" charset="0"/>
+              </a:rPr>
+              <a:t>END</a:t>
+            </a:r>
+            <a:endParaRPr lang="en-US" sz="1100" b="1" dirty="0">
+              <a:latin typeface="Courier New" panose="02070309020205020404" pitchFamily="49" charset="0"/>
+              <a:ea typeface="ＭＳ Ｐゴシック" panose="020B0600070205080204" pitchFamily="34" charset="-128"/>
+              <a:cs typeface="Courier New" panose="02070309020205020404" pitchFamily="49" charset="0"/>
+            </a:endParaRPr>
+          </a:p>
+        </p:txBody>
+      </p:sp>
     </p:spTree>
     <p:extLst>
       <p:ext uri="{BB962C8B-B14F-4D97-AF65-F5344CB8AC3E}">
-        <p14:creationId xmlns:p14="http://schemas.microsoft.com/office/powerpoint/2010/main" val="734516546"/>
+        <p14:creationId xmlns:p14="http://schemas.microsoft.com/office/powerpoint/2010/main" val="2113550245"/>
       </p:ext>
     </p:extLst>
   </p:cSld>
@@ -8557,7 +8188,7 @@
           <p:cNvPr id="2" name="TextBox 1">
             <a:extLst>
               <a:ext uri="{FF2B5EF4-FFF2-40B4-BE49-F238E27FC236}">
-                <a16:creationId xmlns:a16="http://schemas.microsoft.com/office/drawing/2014/main" id="{72AA64EB-D7D6-D397-CF5F-C4C2986DAA22}"/>
+                <a16:creationId xmlns:a16="http://schemas.microsoft.com/office/drawing/2014/main" id="{18FF7990-5800-19BB-3EAE-177C15815815}"/>
               </a:ext>
             </a:extLst>
           </p:cNvPr>
@@ -8566,7 +8197,7 @@
         </p:nvSpPr>
         <p:spPr>
           <a:xfrm>
-            <a:off x="1339532" y="2137797"/>
+            <a:off x="1521074" y="1860286"/>
             <a:ext cx="7525734" cy="369332"/>
           </a:xfrm>
           <a:prstGeom prst="rect">
@@ -8588,7 +8219,7 @@
               <a:rPr lang="en-US" altLang="en-US" dirty="0">
                 <a:latin typeface="Calibri  "/>
               </a:rPr>
-              <a:t>Decision for Stored procedure or Function</a:t>
+              <a:t>Utilize Service Program Object  (*SRVPGM &amp; PGM )</a:t>
             </a:r>
           </a:p>
         </p:txBody>
@@ -8598,7 +8229,7 @@
           <p:cNvPr id="3" name="TextBox 2">
             <a:extLst>
               <a:ext uri="{FF2B5EF4-FFF2-40B4-BE49-F238E27FC236}">
-                <a16:creationId xmlns:a16="http://schemas.microsoft.com/office/drawing/2014/main" id="{F62EFE3B-B71B-085B-18E9-AF2639F01857}"/>
+                <a16:creationId xmlns:a16="http://schemas.microsoft.com/office/drawing/2014/main" id="{B05116B5-AF15-6288-4A86-C0DC2A5D7FD8}"/>
               </a:ext>
             </a:extLst>
           </p:cNvPr>
@@ -8607,8 +8238,8 @@
         </p:nvSpPr>
         <p:spPr>
           <a:xfrm>
-            <a:off x="447568" y="2507129"/>
-            <a:ext cx="5196924" cy="3339376"/>
+            <a:off x="1061461" y="2251041"/>
+            <a:ext cx="3749342" cy="3754874"/>
           </a:xfrm>
           <a:prstGeom prst="rect">
             <a:avLst/>
@@ -8638,289 +8269,262 @@
                 <a:latin typeface="Calibri  "/>
                 <a:ea typeface="ＭＳ Ｐゴシック" panose="020B0600070205080204" pitchFamily="34" charset="-128"/>
               </a:rPr>
-              <a:t>Stored Procedure</a:t>
-            </a:r>
-          </a:p>
-          <a:p>
-            <a:pPr algn="l"/>
-            <a:endParaRPr lang="en-US" sz="1600" dirty="0">
-              <a:solidFill>
-                <a:srgbClr val="3333CC"/>
-              </a:solidFill>
-              <a:latin typeface="Calibri  "/>
-              <a:ea typeface="ＭＳ Ｐゴシック" panose="020B0600070205080204" pitchFamily="34" charset="-128"/>
-              <a:cs typeface="Courier New" panose="02070309020205020404" pitchFamily="49" charset="0"/>
-            </a:endParaRPr>
-          </a:p>
-          <a:p>
-            <a:pPr algn="l"/>
-            <a:r>
-              <a:rPr lang="en-US" sz="1100" dirty="0">
-                <a:latin typeface="Courier New" panose="02070309020205020404" pitchFamily="49" charset="0"/>
-                <a:ea typeface="ＭＳ Ｐゴシック" panose="020B0600070205080204" pitchFamily="34" charset="-128"/>
-                <a:cs typeface="Courier New" panose="02070309020205020404" pitchFamily="49" charset="0"/>
-              </a:rPr>
-              <a:t>CREATE PROCEDURE </a:t>
-            </a:r>
-            <a:r>
-              <a:rPr lang="en-US" sz="1100" dirty="0" err="1">
-                <a:latin typeface="Courier New" panose="02070309020205020404" pitchFamily="49" charset="0"/>
-                <a:ea typeface="ＭＳ Ｐゴシック" panose="020B0600070205080204" pitchFamily="34" charset="-128"/>
-                <a:cs typeface="Courier New" panose="02070309020205020404" pitchFamily="49" charset="0"/>
-              </a:rPr>
-              <a:t>GetPrice</a:t>
-            </a:r>
-            <a:r>
-              <a:rPr lang="en-US" sz="1100" dirty="0">
-                <a:latin typeface="Courier New" panose="02070309020205020404" pitchFamily="49" charset="0"/>
-                <a:ea typeface="ＭＳ Ｐゴシック" panose="020B0600070205080204" pitchFamily="34" charset="-128"/>
-                <a:cs typeface="Courier New" panose="02070309020205020404" pitchFamily="49" charset="0"/>
-              </a:rPr>
-              <a:t> (IN Vendor CHAR&amp;(20&amp;),</a:t>
-            </a:r>
-          </a:p>
-          <a:p>
-            <a:pPr algn="l"/>
-            <a:r>
-              <a:rPr lang="en-US" sz="1100" dirty="0">
-                <a:latin typeface="Courier New" panose="02070309020205020404" pitchFamily="49" charset="0"/>
-                <a:ea typeface="ＭＳ Ｐゴシック" panose="020B0600070205080204" pitchFamily="34" charset="-128"/>
-                <a:cs typeface="Courier New" panose="02070309020205020404" pitchFamily="49" charset="0"/>
-              </a:rPr>
-              <a:t>                           IN </a:t>
-            </a:r>
-            <a:r>
-              <a:rPr lang="en-US" sz="1100" dirty="0" err="1">
-                <a:latin typeface="Courier New" panose="02070309020205020404" pitchFamily="49" charset="0"/>
-                <a:ea typeface="ＭＳ Ｐゴシック" panose="020B0600070205080204" pitchFamily="34" charset="-128"/>
-                <a:cs typeface="Courier New" panose="02070309020205020404" pitchFamily="49" charset="0"/>
-              </a:rPr>
-              <a:t>Pid</a:t>
-            </a:r>
-            <a:r>
-              <a:rPr lang="en-US" sz="1100" dirty="0">
-                <a:latin typeface="Courier New" panose="02070309020205020404" pitchFamily="49" charset="0"/>
-                <a:ea typeface="ＭＳ Ｐゴシック" panose="020B0600070205080204" pitchFamily="34" charset="-128"/>
-                <a:cs typeface="Courier New" panose="02070309020205020404" pitchFamily="49" charset="0"/>
-              </a:rPr>
-              <a:t> INT, </a:t>
-            </a:r>
-          </a:p>
-          <a:p>
-            <a:pPr algn="l"/>
-            <a:r>
-              <a:rPr lang="en-US" sz="1100" dirty="0">
-                <a:latin typeface="Courier New" panose="02070309020205020404" pitchFamily="49" charset="0"/>
-                <a:ea typeface="ＭＳ Ｐゴシック" panose="020B0600070205080204" pitchFamily="34" charset="-128"/>
-                <a:cs typeface="Courier New" panose="02070309020205020404" pitchFamily="49" charset="0"/>
-              </a:rPr>
-              <a:t>		     OUT price DECIMAL(10,3))</a:t>
-            </a:r>
-          </a:p>
-          <a:p>
-            <a:pPr algn="l"/>
-            <a:r>
-              <a:rPr lang="en-US" sz="1100" dirty="0">
-                <a:latin typeface="Courier New" panose="02070309020205020404" pitchFamily="49" charset="0"/>
-                <a:ea typeface="ＭＳ Ｐゴシック" panose="020B0600070205080204" pitchFamily="34" charset="-128"/>
-                <a:cs typeface="Courier New" panose="02070309020205020404" pitchFamily="49" charset="0"/>
-              </a:rPr>
-              <a:t>  LANGUAGE SQL</a:t>
-            </a:r>
-          </a:p>
-          <a:p>
-            <a:pPr algn="l"/>
-            <a:r>
-              <a:rPr lang="en-US" sz="1100" dirty="0">
-                <a:latin typeface="Courier New" panose="02070309020205020404" pitchFamily="49" charset="0"/>
-                <a:ea typeface="ＭＳ Ｐゴシック" panose="020B0600070205080204" pitchFamily="34" charset="-128"/>
-                <a:cs typeface="Courier New" panose="02070309020205020404" pitchFamily="49" charset="0"/>
-              </a:rPr>
-              <a:t>  BEGIN</a:t>
-            </a:r>
-          </a:p>
-          <a:p>
-            <a:pPr algn="l"/>
-            <a:r>
-              <a:rPr lang="en-US" sz="1100" dirty="0">
-                <a:latin typeface="Courier New" panose="02070309020205020404" pitchFamily="49" charset="0"/>
-                <a:ea typeface="ＭＳ Ｐゴシック" panose="020B0600070205080204" pitchFamily="34" charset="-128"/>
-                <a:cs typeface="Courier New" panose="02070309020205020404" pitchFamily="49" charset="0"/>
-              </a:rPr>
-              <a:t>    IF Vendor = ‘Vendor 1’;</a:t>
-            </a:r>
-          </a:p>
-          <a:p>
-            <a:pPr algn="l"/>
-            <a:r>
-              <a:rPr lang="en-US" sz="1100" dirty="0">
-                <a:latin typeface="Courier New" panose="02070309020205020404" pitchFamily="49" charset="0"/>
-                <a:ea typeface="ＭＳ Ｐゴシック" panose="020B0600070205080204" pitchFamily="34" charset="-128"/>
-                <a:cs typeface="Courier New" panose="02070309020205020404" pitchFamily="49" charset="0"/>
-              </a:rPr>
-              <a:t>      THEN SET price = (SELECT </a:t>
-            </a:r>
-            <a:r>
-              <a:rPr lang="en-US" sz="1100" dirty="0" err="1">
-                <a:latin typeface="Courier New" panose="02070309020205020404" pitchFamily="49" charset="0"/>
-                <a:ea typeface="ＭＳ Ｐゴシック" panose="020B0600070205080204" pitchFamily="34" charset="-128"/>
-                <a:cs typeface="Courier New" panose="02070309020205020404" pitchFamily="49" charset="0"/>
-              </a:rPr>
-              <a:t>ProdPrice</a:t>
-            </a:r>
-            <a:r>
-              <a:rPr lang="en-US" sz="1100" dirty="0">
-                <a:latin typeface="Courier New" panose="02070309020205020404" pitchFamily="49" charset="0"/>
-                <a:ea typeface="ＭＳ Ｐゴシック" panose="020B0600070205080204" pitchFamily="34" charset="-128"/>
-                <a:cs typeface="Courier New" panose="02070309020205020404" pitchFamily="49" charset="0"/>
-              </a:rPr>
-              <a:t> </a:t>
-            </a:r>
-          </a:p>
-          <a:p>
-            <a:pPr algn="l"/>
-            <a:r>
-              <a:rPr lang="en-US" sz="1100" dirty="0">
-                <a:latin typeface="Courier New" panose="02070309020205020404" pitchFamily="49" charset="0"/>
-                <a:ea typeface="ＭＳ Ｐゴシック" panose="020B0600070205080204" pitchFamily="34" charset="-128"/>
-                <a:cs typeface="Courier New" panose="02070309020205020404" pitchFamily="49" charset="0"/>
-              </a:rPr>
-              <a:t>                              FROM V1Table </a:t>
-            </a:r>
-          </a:p>
-          <a:p>
-            <a:pPr algn="l"/>
-            <a:r>
-              <a:rPr lang="en-US" sz="1100" dirty="0">
-                <a:latin typeface="Courier New" panose="02070309020205020404" pitchFamily="49" charset="0"/>
-                <a:ea typeface="ＭＳ Ｐゴシック" panose="020B0600070205080204" pitchFamily="34" charset="-128"/>
-                <a:cs typeface="Courier New" panose="02070309020205020404" pitchFamily="49" charset="0"/>
-              </a:rPr>
-              <a:t>                              WHERE Id = </a:t>
-            </a:r>
-            <a:r>
-              <a:rPr lang="en-US" sz="1100" dirty="0" err="1">
-                <a:latin typeface="Courier New" panose="02070309020205020404" pitchFamily="49" charset="0"/>
-                <a:ea typeface="ＭＳ Ｐゴシック" panose="020B0600070205080204" pitchFamily="34" charset="-128"/>
-                <a:cs typeface="Courier New" panose="02070309020205020404" pitchFamily="49" charset="0"/>
-              </a:rPr>
-              <a:t>Pid</a:t>
-            </a:r>
-            <a:r>
-              <a:rPr lang="en-US" sz="1100" dirty="0">
-                <a:latin typeface="Courier New" panose="02070309020205020404" pitchFamily="49" charset="0"/>
-                <a:ea typeface="ＭＳ Ｐゴシック" panose="020B0600070205080204" pitchFamily="34" charset="-128"/>
-                <a:cs typeface="Courier New" panose="02070309020205020404" pitchFamily="49" charset="0"/>
-              </a:rPr>
-              <a:t>);</a:t>
-            </a:r>
-          </a:p>
-          <a:p>
-            <a:pPr algn="l"/>
-            <a:r>
-              <a:rPr lang="en-US" sz="1100" dirty="0">
-                <a:latin typeface="Courier New" panose="02070309020205020404" pitchFamily="49" charset="0"/>
-                <a:ea typeface="ＭＳ Ｐゴシック" panose="020B0600070205080204" pitchFamily="34" charset="-128"/>
-                <a:cs typeface="Courier New" panose="02070309020205020404" pitchFamily="49" charset="0"/>
-              </a:rPr>
-              <a:t>    ELSE IF Vendor = ‘Vendor 2’;</a:t>
-            </a:r>
-          </a:p>
-          <a:p>
-            <a:pPr algn="l"/>
-            <a:r>
-              <a:rPr lang="en-US" sz="1100" dirty="0">
-                <a:latin typeface="Courier New" panose="02070309020205020404" pitchFamily="49" charset="0"/>
-                <a:ea typeface="ＭＳ Ｐゴシック" panose="020B0600070205080204" pitchFamily="34" charset="-128"/>
-                <a:cs typeface="Courier New" panose="02070309020205020404" pitchFamily="49" charset="0"/>
-              </a:rPr>
-              <a:t>      THEN SET price = (SELECT Price </a:t>
-            </a:r>
-          </a:p>
-          <a:p>
-            <a:pPr algn="l"/>
-            <a:r>
-              <a:rPr lang="en-US" sz="1100" dirty="0">
-                <a:latin typeface="Courier New" panose="02070309020205020404" pitchFamily="49" charset="0"/>
-                <a:ea typeface="ＭＳ Ｐゴシック" panose="020B0600070205080204" pitchFamily="34" charset="-128"/>
-                <a:cs typeface="Courier New" panose="02070309020205020404" pitchFamily="49" charset="0"/>
-              </a:rPr>
-              <a:t>                            FROM V2Table</a:t>
-            </a:r>
-          </a:p>
-          <a:p>
-            <a:pPr algn="l"/>
-            <a:r>
-              <a:rPr lang="en-US" sz="1100" dirty="0">
-                <a:latin typeface="Courier New" panose="02070309020205020404" pitchFamily="49" charset="0"/>
-                <a:ea typeface="ＭＳ Ｐゴシック" panose="020B0600070205080204" pitchFamily="34" charset="-128"/>
-                <a:cs typeface="Courier New" panose="02070309020205020404" pitchFamily="49" charset="0"/>
-              </a:rPr>
-              <a:t>                           WHERE </a:t>
-            </a:r>
-            <a:r>
-              <a:rPr lang="en-US" sz="1100" dirty="0" err="1">
-                <a:latin typeface="Courier New" panose="02070309020205020404" pitchFamily="49" charset="0"/>
-                <a:ea typeface="ＭＳ Ｐゴシック" panose="020B0600070205080204" pitchFamily="34" charset="-128"/>
-                <a:cs typeface="Courier New" panose="02070309020205020404" pitchFamily="49" charset="0"/>
-              </a:rPr>
-              <a:t>Pid</a:t>
-            </a:r>
-            <a:r>
-              <a:rPr lang="en-US" sz="1100" dirty="0">
-                <a:latin typeface="Courier New" panose="02070309020205020404" pitchFamily="49" charset="0"/>
-                <a:ea typeface="ＭＳ Ｐゴシック" panose="020B0600070205080204" pitchFamily="34" charset="-128"/>
-                <a:cs typeface="Courier New" panose="02070309020205020404" pitchFamily="49" charset="0"/>
-              </a:rPr>
-              <a:t> eq; </a:t>
-            </a:r>
-            <a:r>
-              <a:rPr lang="en-US" sz="1100" dirty="0" err="1">
-                <a:latin typeface="Courier New" panose="02070309020205020404" pitchFamily="49" charset="0"/>
-                <a:ea typeface="ＭＳ Ｐゴシック" panose="020B0600070205080204" pitchFamily="34" charset="-128"/>
-                <a:cs typeface="Courier New" panose="02070309020205020404" pitchFamily="49" charset="0"/>
-              </a:rPr>
-              <a:t>GetPrice.Pid</a:t>
-            </a:r>
-            <a:r>
-              <a:rPr lang="en-US" sz="1100" dirty="0">
-                <a:latin typeface="Courier New" panose="02070309020205020404" pitchFamily="49" charset="0"/>
-                <a:ea typeface="ＭＳ Ｐゴシック" panose="020B0600070205080204" pitchFamily="34" charset="-128"/>
-                <a:cs typeface="Courier New" panose="02070309020205020404" pitchFamily="49" charset="0"/>
-              </a:rPr>
-              <a:t>);</a:t>
-            </a:r>
-          </a:p>
-          <a:p>
-            <a:pPr algn="l"/>
-            <a:r>
-              <a:rPr lang="en-US" sz="1100" dirty="0">
-                <a:latin typeface="Courier New" panose="02070309020205020404" pitchFamily="49" charset="0"/>
-                <a:ea typeface="ＭＳ Ｐゴシック" panose="020B0600070205080204" pitchFamily="34" charset="-128"/>
-                <a:cs typeface="Courier New" panose="02070309020205020404" pitchFamily="49" charset="0"/>
-              </a:rPr>
-              <a:t>    END IF;</a:t>
-            </a:r>
-          </a:p>
-          <a:p>
-            <a:pPr algn="l"/>
-            <a:r>
-              <a:rPr lang="en-US" sz="1100" dirty="0">
-                <a:latin typeface="Courier New" panose="02070309020205020404" pitchFamily="49" charset="0"/>
-                <a:ea typeface="ＭＳ Ｐゴシック" panose="020B0600070205080204" pitchFamily="34" charset="-128"/>
-                <a:cs typeface="Courier New" panose="02070309020205020404" pitchFamily="49" charset="0"/>
-              </a:rPr>
-              <a:t>  END</a:t>
-            </a:r>
-          </a:p>
-        </p:txBody>
-      </p:sp>
-      <p:sp>
-        <p:nvSpPr>
-          <p:cNvPr id="9" name="TextBox 8">
-            <a:extLst>
-              <a:ext uri="{FF2B5EF4-FFF2-40B4-BE49-F238E27FC236}">
-                <a16:creationId xmlns:a16="http://schemas.microsoft.com/office/drawing/2014/main" id="{72D34E25-E2C2-ABAA-C992-E4CA054C1900}"/>
+              <a:t>*SRVPGM</a:t>
+            </a:r>
+          </a:p>
+          <a:p>
+            <a:pPr marL="0" marR="0">
+              <a:spcBef>
+                <a:spcPts val="0"/>
+              </a:spcBef>
+              <a:spcAft>
+                <a:spcPts val="0"/>
+              </a:spcAft>
+            </a:pPr>
+            <a:r>
+              <a:rPr lang="en-US" sz="1600" dirty="0">
+                <a:effectLst/>
+                <a:latin typeface="Calibri" panose="020F0502020204030204" pitchFamily="34" charset="0"/>
+              </a:rPr>
+              <a:t>Create Procedure </a:t>
+            </a:r>
+            <a:r>
+              <a:rPr lang="en-US" sz="1600" dirty="0" err="1">
+                <a:effectLst/>
+                <a:latin typeface="Calibri" panose="020F0502020204030204" pitchFamily="34" charset="0"/>
+              </a:rPr>
+              <a:t>Add_SrvPgm</a:t>
+            </a:r>
+            <a:r>
+              <a:rPr lang="en-US" sz="1600" dirty="0">
+                <a:effectLst/>
+                <a:latin typeface="Calibri" panose="020F0502020204030204" pitchFamily="34" charset="0"/>
+              </a:rPr>
+              <a:t>                                                        </a:t>
+            </a:r>
+          </a:p>
+          <a:p>
+            <a:pPr marL="0" marR="0">
+              <a:spcBef>
+                <a:spcPts val="0"/>
+              </a:spcBef>
+              <a:spcAft>
+                <a:spcPts val="0"/>
+              </a:spcAft>
+            </a:pPr>
+            <a:r>
+              <a:rPr lang="en-US" sz="1600" dirty="0">
+                <a:effectLst/>
+                <a:latin typeface="Calibri" panose="020F0502020204030204" pitchFamily="34" charset="0"/>
+              </a:rPr>
+              <a:t>    (  IN p1 INT,                                                                  </a:t>
+            </a:r>
+          </a:p>
+          <a:p>
+            <a:pPr marL="0" marR="0">
+              <a:spcBef>
+                <a:spcPts val="0"/>
+              </a:spcBef>
+              <a:spcAft>
+                <a:spcPts val="0"/>
+              </a:spcAft>
+            </a:pPr>
+            <a:r>
+              <a:rPr lang="en-US" sz="1600" dirty="0">
+                <a:effectLst/>
+                <a:latin typeface="Calibri" panose="020F0502020204030204" pitchFamily="34" charset="0"/>
+              </a:rPr>
+              <a:t>       IN n INT,                                                                   </a:t>
+            </a:r>
+          </a:p>
+          <a:p>
+            <a:pPr marL="0" marR="0">
+              <a:spcBef>
+                <a:spcPts val="0"/>
+              </a:spcBef>
+              <a:spcAft>
+                <a:spcPts val="0"/>
+              </a:spcAft>
+            </a:pPr>
+            <a:r>
+              <a:rPr lang="en-US" sz="1600" dirty="0">
+                <a:effectLst/>
+                <a:latin typeface="Calibri" panose="020F0502020204030204" pitchFamily="34" charset="0"/>
+              </a:rPr>
+              <a:t>       OUT o1 INT                                                                  </a:t>
+            </a:r>
+          </a:p>
+          <a:p>
+            <a:pPr marL="0" marR="0">
+              <a:spcBef>
+                <a:spcPts val="0"/>
+              </a:spcBef>
+              <a:spcAft>
+                <a:spcPts val="0"/>
+              </a:spcAft>
+            </a:pPr>
+            <a:r>
+              <a:rPr lang="en-US" sz="1600" dirty="0">
+                <a:effectLst/>
+                <a:latin typeface="Calibri" panose="020F0502020204030204" pitchFamily="34" charset="0"/>
+              </a:rPr>
+              <a:t>    )                                                                              </a:t>
+            </a:r>
+          </a:p>
+          <a:p>
+            <a:pPr marL="0" marR="0">
+              <a:spcBef>
+                <a:spcPts val="0"/>
+              </a:spcBef>
+              <a:spcAft>
+                <a:spcPts val="0"/>
+              </a:spcAft>
+            </a:pPr>
+            <a:r>
+              <a:rPr lang="en-US" sz="1600" dirty="0">
+                <a:effectLst/>
+                <a:latin typeface="Calibri" panose="020F0502020204030204" pitchFamily="34" charset="0"/>
+              </a:rPr>
+              <a:t>Language SQL                                                                       </a:t>
+            </a:r>
+          </a:p>
+          <a:p>
+            <a:pPr marL="0" marR="0">
+              <a:spcBef>
+                <a:spcPts val="0"/>
+              </a:spcBef>
+              <a:spcAft>
+                <a:spcPts val="0"/>
+              </a:spcAft>
+            </a:pPr>
+            <a:r>
+              <a:rPr lang="en-US" sz="1600" dirty="0">
+                <a:effectLst/>
+                <a:highlight>
+                  <a:srgbClr val="FFFF00"/>
+                </a:highlight>
+                <a:latin typeface="Calibri" panose="020F0502020204030204" pitchFamily="34" charset="0"/>
+              </a:rPr>
+              <a:t>Program Type SUB</a:t>
+            </a:r>
+            <a:r>
+              <a:rPr lang="en-US" sz="1600" dirty="0">
+                <a:effectLst/>
+                <a:latin typeface="Calibri" panose="020F0502020204030204" pitchFamily="34" charset="0"/>
+              </a:rPr>
+              <a:t>                                                                   </a:t>
+            </a:r>
+          </a:p>
+          <a:p>
+            <a:pPr marL="0" marR="0">
+              <a:spcBef>
+                <a:spcPts val="0"/>
+              </a:spcBef>
+              <a:spcAft>
+                <a:spcPts val="0"/>
+              </a:spcAft>
+            </a:pPr>
+            <a:r>
+              <a:rPr lang="en-US" sz="1600" dirty="0">
+                <a:effectLst/>
+                <a:latin typeface="Calibri" panose="020F0502020204030204" pitchFamily="34" charset="0"/>
+              </a:rPr>
+              <a:t>                    </a:t>
+            </a:r>
+          </a:p>
+          <a:p>
+            <a:pPr marL="0" marR="0">
+              <a:spcBef>
+                <a:spcPts val="0"/>
+              </a:spcBef>
+              <a:spcAft>
+                <a:spcPts val="0"/>
+              </a:spcAft>
+            </a:pPr>
+            <a:r>
+              <a:rPr lang="en-US" sz="1600" dirty="0">
+                <a:effectLst/>
+                <a:latin typeface="Calibri" panose="020F0502020204030204" pitchFamily="34" charset="0"/>
+              </a:rPr>
+              <a:t>Begin              </a:t>
+            </a:r>
+          </a:p>
+          <a:p>
+            <a:pPr marL="0" marR="0">
+              <a:spcBef>
+                <a:spcPts val="0"/>
+              </a:spcBef>
+              <a:spcAft>
+                <a:spcPts val="0"/>
+              </a:spcAft>
+            </a:pPr>
+            <a:r>
+              <a:rPr lang="en-US" sz="1600" dirty="0">
+                <a:effectLst/>
+                <a:latin typeface="Calibri" panose="020F0502020204030204" pitchFamily="34" charset="0"/>
+              </a:rPr>
+              <a:t> Declare v1 INT;   </a:t>
+            </a:r>
+          </a:p>
+          <a:p>
+            <a:pPr marL="0" marR="0">
+              <a:spcBef>
+                <a:spcPts val="0"/>
+              </a:spcBef>
+              <a:spcAft>
+                <a:spcPts val="0"/>
+              </a:spcAft>
+            </a:pPr>
+            <a:r>
+              <a:rPr lang="en-US" sz="1600" dirty="0">
+                <a:effectLst/>
+                <a:latin typeface="Calibri" panose="020F0502020204030204" pitchFamily="34" charset="0"/>
+              </a:rPr>
+              <a:t> SET v1=ABSVAL(n); </a:t>
+            </a:r>
+          </a:p>
+          <a:p>
+            <a:pPr marL="0" marR="0">
+              <a:spcBef>
+                <a:spcPts val="0"/>
+              </a:spcBef>
+              <a:spcAft>
+                <a:spcPts val="0"/>
+              </a:spcAft>
+            </a:pPr>
+            <a:r>
+              <a:rPr lang="en-US" sz="1600" dirty="0">
+                <a:effectLst/>
+                <a:latin typeface="Calibri" panose="020F0502020204030204" pitchFamily="34" charset="0"/>
+              </a:rPr>
+              <a:t> SET o1= p1+v1;    </a:t>
+            </a:r>
+          </a:p>
+          <a:p>
+            <a:pPr marL="0" marR="0">
+              <a:spcBef>
+                <a:spcPts val="0"/>
+              </a:spcBef>
+              <a:spcAft>
+                <a:spcPts val="0"/>
+              </a:spcAft>
+            </a:pPr>
+            <a:r>
+              <a:rPr lang="en-US" sz="1600" dirty="0">
+                <a:effectLst/>
+                <a:latin typeface="Calibri" panose="020F0502020204030204" pitchFamily="34" charset="0"/>
+              </a:rPr>
+              <a:t>End;  </a:t>
+            </a:r>
+          </a:p>
+        </p:txBody>
+      </p:sp>
+      <p:sp>
+        <p:nvSpPr>
+          <p:cNvPr id="7" name="TextBox 6">
+            <a:extLst>
+              <a:ext uri="{FF2B5EF4-FFF2-40B4-BE49-F238E27FC236}">
+                <a16:creationId xmlns:a16="http://schemas.microsoft.com/office/drawing/2014/main" id="{221C4640-E646-622E-BDCF-4CD37851C7C0}"/>
               </a:ext>
             </a:extLst>
           </p:cNvPr>
@@ -8929,8 +8533,8 @@
         </p:nvSpPr>
         <p:spPr>
           <a:xfrm>
-            <a:off x="5914458" y="2521790"/>
-            <a:ext cx="5196924" cy="3431709"/>
+            <a:off x="5297466" y="2263979"/>
+            <a:ext cx="3749342" cy="3754874"/>
           </a:xfrm>
           <a:prstGeom prst="rect">
             <a:avLst/>
@@ -8960,372 +8564,273 @@
                 <a:latin typeface="Calibri  "/>
                 <a:ea typeface="ＭＳ Ｐゴシック" panose="020B0600070205080204" pitchFamily="34" charset="-128"/>
               </a:rPr>
-              <a:t>User Defined Function</a:t>
-            </a:r>
-          </a:p>
-          <a:p>
-            <a:pPr algn="l"/>
-            <a:r>
-              <a:rPr lang="en-US" sz="1100" b="0" i="0" dirty="0">
+              <a:t>*PGM</a:t>
+            </a:r>
+          </a:p>
+          <a:p>
+            <a:pPr marL="0" marR="0">
+              <a:spcBef>
+                <a:spcPts val="0"/>
+              </a:spcBef>
+              <a:spcAft>
+                <a:spcPts val="0"/>
+              </a:spcAft>
+            </a:pPr>
+            <a:r>
+              <a:rPr lang="en-US" sz="1600" dirty="0">
                 <a:effectLst/>
-                <a:latin typeface="Courier New" panose="02070309020205020404" pitchFamily="49" charset="0"/>
-                <a:cs typeface="Courier New" panose="02070309020205020404" pitchFamily="49" charset="0"/>
-              </a:rPr>
-              <a:t>CREATE FUNCTION </a:t>
-            </a:r>
-            <a:r>
-              <a:rPr lang="en-US" sz="1100" b="0" i="0" dirty="0" err="1">
+                <a:latin typeface="Calibri" panose="020F0502020204030204" pitchFamily="34" charset="0"/>
+              </a:rPr>
+              <a:t>Create Procedure </a:t>
+            </a:r>
+            <a:r>
+              <a:rPr lang="en-US" sz="1600" dirty="0" err="1">
                 <a:effectLst/>
-                <a:latin typeface="Courier New" panose="02070309020205020404" pitchFamily="49" charset="0"/>
-                <a:cs typeface="Courier New" panose="02070309020205020404" pitchFamily="49" charset="0"/>
-              </a:rPr>
-              <a:t>GetPrice</a:t>
-            </a:r>
-            <a:r>
-              <a:rPr lang="en-US" sz="1100" b="0" i="0" dirty="0">
+                <a:latin typeface="Calibri" panose="020F0502020204030204" pitchFamily="34" charset="0"/>
+              </a:rPr>
+              <a:t>Add_</a:t>
+            </a:r>
+            <a:r>
+              <a:rPr lang="en-US" sz="1600" dirty="0" err="1">
+                <a:latin typeface="Calibri" panose="020F0502020204030204" pitchFamily="34" charset="0"/>
+              </a:rPr>
+              <a:t>Main</a:t>
+            </a:r>
+            <a:r>
+              <a:rPr lang="en-US" sz="1600" dirty="0" err="1">
                 <a:effectLst/>
-                <a:latin typeface="Courier New" panose="02070309020205020404" pitchFamily="49" charset="0"/>
-                <a:cs typeface="Courier New" panose="02070309020205020404" pitchFamily="49" charset="0"/>
-              </a:rPr>
-              <a:t> (Vendor CHAR(20), </a:t>
-            </a:r>
-          </a:p>
-          <a:p>
-            <a:pPr algn="l"/>
-            <a:r>
-              <a:rPr lang="en-US" sz="1100" dirty="0">
-                <a:latin typeface="Courier New" panose="02070309020205020404" pitchFamily="49" charset="0"/>
-                <a:cs typeface="Courier New" panose="02070309020205020404" pitchFamily="49" charset="0"/>
-              </a:rPr>
-              <a:t>                          </a:t>
-            </a:r>
-            <a:r>
-              <a:rPr lang="en-US" sz="1100" b="0" i="0" dirty="0" err="1">
+                <a:latin typeface="Calibri" panose="020F0502020204030204" pitchFamily="34" charset="0"/>
+              </a:rPr>
+              <a:t>Pgm</a:t>
+            </a:r>
+            <a:r>
+              <a:rPr lang="en-US" sz="1600" dirty="0">
                 <a:effectLst/>
-                <a:latin typeface="Courier New" panose="02070309020205020404" pitchFamily="49" charset="0"/>
-                <a:cs typeface="Courier New" panose="02070309020205020404" pitchFamily="49" charset="0"/>
-              </a:rPr>
-              <a:t>Pid</a:t>
-            </a:r>
-            <a:r>
-              <a:rPr lang="en-US" sz="1100" b="0" i="0" dirty="0">
+                <a:latin typeface="Calibri" panose="020F0502020204030204" pitchFamily="34" charset="0"/>
+              </a:rPr>
+              <a:t>                                                        </a:t>
+            </a:r>
+          </a:p>
+          <a:p>
+            <a:pPr marL="0" marR="0">
+              <a:spcBef>
+                <a:spcPts val="0"/>
+              </a:spcBef>
+              <a:spcAft>
+                <a:spcPts val="0"/>
+              </a:spcAft>
+            </a:pPr>
+            <a:r>
+              <a:rPr lang="en-US" sz="1600" dirty="0">
                 <a:effectLst/>
-                <a:latin typeface="Courier New" panose="02070309020205020404" pitchFamily="49" charset="0"/>
-                <a:cs typeface="Courier New" panose="02070309020205020404" pitchFamily="49" charset="0"/>
-              </a:rPr>
-              <a:t> INT) </a:t>
-            </a:r>
-          </a:p>
-          <a:p>
-            <a:pPr algn="l"/>
-            <a:r>
-              <a:rPr lang="en-US" sz="1100" b="0" i="0" dirty="0">
+                <a:latin typeface="Calibri" panose="020F0502020204030204" pitchFamily="34" charset="0"/>
+              </a:rPr>
+              <a:t>    (  IN p1 INT,                                                                  </a:t>
+            </a:r>
+          </a:p>
+          <a:p>
+            <a:pPr marL="0" marR="0">
+              <a:spcBef>
+                <a:spcPts val="0"/>
+              </a:spcBef>
+              <a:spcAft>
+                <a:spcPts val="0"/>
+              </a:spcAft>
+            </a:pPr>
+            <a:r>
+              <a:rPr lang="en-US" sz="1600" dirty="0">
                 <a:effectLst/>
-                <a:latin typeface="Courier New" panose="02070309020205020404" pitchFamily="49" charset="0"/>
-                <a:cs typeface="Courier New" panose="02070309020205020404" pitchFamily="49" charset="0"/>
-              </a:rPr>
-              <a:t>RETURNS DECIMAL(10,3) </a:t>
-            </a:r>
-          </a:p>
-          <a:p>
-            <a:pPr algn="l"/>
-            <a:r>
-              <a:rPr lang="en-US" sz="1100" b="0" i="0" dirty="0">
+                <a:latin typeface="Calibri" panose="020F0502020204030204" pitchFamily="34" charset="0"/>
+              </a:rPr>
+              <a:t>       IN n INT,                                                                   </a:t>
+            </a:r>
+          </a:p>
+          <a:p>
+            <a:pPr marL="0" marR="0">
+              <a:spcBef>
+                <a:spcPts val="0"/>
+              </a:spcBef>
+              <a:spcAft>
+                <a:spcPts val="0"/>
+              </a:spcAft>
+            </a:pPr>
+            <a:r>
+              <a:rPr lang="en-US" sz="1600" dirty="0">
                 <a:effectLst/>
-                <a:latin typeface="Courier New" panose="02070309020205020404" pitchFamily="49" charset="0"/>
-                <a:cs typeface="Courier New" panose="02070309020205020404" pitchFamily="49" charset="0"/>
-              </a:rPr>
-              <a:t>LANGUAGE SQL </a:t>
-            </a:r>
-          </a:p>
-          <a:p>
-            <a:pPr algn="l"/>
-            <a:r>
-              <a:rPr lang="en-US" sz="1100" b="0" i="0" dirty="0">
+                <a:latin typeface="Calibri" panose="020F0502020204030204" pitchFamily="34" charset="0"/>
+              </a:rPr>
+              <a:t>       OUT o1 INT                                                                  </a:t>
+            </a:r>
+          </a:p>
+          <a:p>
+            <a:pPr marL="0" marR="0">
+              <a:spcBef>
+                <a:spcPts val="0"/>
+              </a:spcBef>
+              <a:spcAft>
+                <a:spcPts val="0"/>
+              </a:spcAft>
+            </a:pPr>
+            <a:r>
+              <a:rPr lang="en-US" sz="1600" dirty="0">
                 <a:effectLst/>
-                <a:latin typeface="Courier New" panose="02070309020205020404" pitchFamily="49" charset="0"/>
-                <a:cs typeface="Courier New" panose="02070309020205020404" pitchFamily="49" charset="0"/>
-              </a:rPr>
-              <a:t>BEGIN </a:t>
-            </a:r>
-          </a:p>
-          <a:p>
-            <a:pPr algn="l"/>
-            <a:r>
-              <a:rPr lang="en-US" sz="1100" dirty="0">
-                <a:latin typeface="Courier New" panose="02070309020205020404" pitchFamily="49" charset="0"/>
-                <a:cs typeface="Courier New" panose="02070309020205020404" pitchFamily="49" charset="0"/>
-              </a:rPr>
-              <a:t>  </a:t>
-            </a:r>
-            <a:r>
-              <a:rPr lang="en-US" sz="1100" b="0" i="0" dirty="0">
+                <a:latin typeface="Calibri" panose="020F0502020204030204" pitchFamily="34" charset="0"/>
+              </a:rPr>
+              <a:t>    )                                                                              </a:t>
+            </a:r>
+          </a:p>
+          <a:p>
+            <a:pPr marL="0" marR="0">
+              <a:spcBef>
+                <a:spcPts val="0"/>
+              </a:spcBef>
+              <a:spcAft>
+                <a:spcPts val="0"/>
+              </a:spcAft>
+            </a:pPr>
+            <a:r>
+              <a:rPr lang="en-US" sz="1600" dirty="0">
                 <a:effectLst/>
-                <a:latin typeface="Courier New" panose="02070309020205020404" pitchFamily="49" charset="0"/>
-                <a:cs typeface="Courier New" panose="02070309020205020404" pitchFamily="49" charset="0"/>
-              </a:rPr>
-              <a:t>DECLARE price DECIMAL(10,3); </a:t>
-            </a:r>
-          </a:p>
-          <a:p>
-            <a:pPr algn="l"/>
-            <a:r>
-              <a:rPr lang="en-US" sz="1100" dirty="0">
-                <a:latin typeface="Courier New" panose="02070309020205020404" pitchFamily="49" charset="0"/>
-                <a:cs typeface="Courier New" panose="02070309020205020404" pitchFamily="49" charset="0"/>
-              </a:rPr>
-              <a:t>  </a:t>
-            </a:r>
-            <a:r>
-              <a:rPr lang="en-US" sz="1100" b="0" i="0" dirty="0">
+                <a:latin typeface="Calibri" panose="020F0502020204030204" pitchFamily="34" charset="0"/>
+              </a:rPr>
+              <a:t>Language SQL                                                                       </a:t>
+            </a:r>
+          </a:p>
+          <a:p>
+            <a:pPr marL="0" marR="0">
+              <a:spcBef>
+                <a:spcPts val="0"/>
+              </a:spcBef>
+              <a:spcAft>
+                <a:spcPts val="0"/>
+              </a:spcAft>
+            </a:pPr>
+            <a:r>
+              <a:rPr lang="en-US" sz="1600" dirty="0">
                 <a:effectLst/>
-                <a:latin typeface="Courier New" panose="02070309020205020404" pitchFamily="49" charset="0"/>
-                <a:cs typeface="Courier New" panose="02070309020205020404" pitchFamily="49" charset="0"/>
-              </a:rPr>
-              <a:t>IF Vendor = 'Vendor 1' THEN </a:t>
-            </a:r>
-          </a:p>
-          <a:p>
-            <a:pPr algn="l"/>
-            <a:r>
-              <a:rPr lang="en-US" sz="1100" dirty="0">
-                <a:latin typeface="Courier New" panose="02070309020205020404" pitchFamily="49" charset="0"/>
-                <a:cs typeface="Courier New" panose="02070309020205020404" pitchFamily="49" charset="0"/>
-              </a:rPr>
-              <a:t>     </a:t>
-            </a:r>
-            <a:r>
-              <a:rPr lang="en-US" sz="1100" b="0" i="0" dirty="0">
+                <a:highlight>
+                  <a:srgbClr val="FFFF00"/>
+                </a:highlight>
+                <a:latin typeface="Calibri" panose="020F0502020204030204" pitchFamily="34" charset="0"/>
+              </a:rPr>
+              <a:t>Program Type MAIN</a:t>
+            </a:r>
+            <a:r>
+              <a:rPr lang="en-US" sz="1600" dirty="0">
                 <a:effectLst/>
-                <a:latin typeface="Courier New" panose="02070309020205020404" pitchFamily="49" charset="0"/>
-                <a:cs typeface="Courier New" panose="02070309020205020404" pitchFamily="49" charset="0"/>
-              </a:rPr>
-              <a:t>SET price = (SELECT </a:t>
-            </a:r>
-            <a:r>
-              <a:rPr lang="en-US" sz="1100" b="0" i="0" dirty="0" err="1">
+                <a:latin typeface="Calibri" panose="020F0502020204030204" pitchFamily="34" charset="0"/>
+              </a:rPr>
+              <a:t>                                                                   </a:t>
+            </a:r>
+          </a:p>
+          <a:p>
+            <a:pPr marL="0" marR="0">
+              <a:spcBef>
+                <a:spcPts val="0"/>
+              </a:spcBef>
+              <a:spcAft>
+                <a:spcPts val="0"/>
+              </a:spcAft>
+            </a:pPr>
+            <a:r>
+              <a:rPr lang="en-US" sz="1600" dirty="0">
                 <a:effectLst/>
-                <a:latin typeface="Courier New" panose="02070309020205020404" pitchFamily="49" charset="0"/>
-                <a:cs typeface="Courier New" panose="02070309020205020404" pitchFamily="49" charset="0"/>
-              </a:rPr>
-              <a:t>ProdPrice</a:t>
-            </a:r>
-            <a:r>
-              <a:rPr lang="en-US" sz="1100" b="0" i="0" dirty="0">
+                <a:latin typeface="Calibri" panose="020F0502020204030204" pitchFamily="34" charset="0"/>
+              </a:rPr>
+              <a:t>                    </a:t>
+            </a:r>
+          </a:p>
+          <a:p>
+            <a:pPr marL="0" marR="0">
+              <a:spcBef>
+                <a:spcPts val="0"/>
+              </a:spcBef>
+              <a:spcAft>
+                <a:spcPts val="0"/>
+              </a:spcAft>
+            </a:pPr>
+            <a:r>
+              <a:rPr lang="en-US" sz="1600" dirty="0">
                 <a:effectLst/>
-                <a:latin typeface="Courier New" panose="02070309020205020404" pitchFamily="49" charset="0"/>
-                <a:cs typeface="Courier New" panose="02070309020205020404" pitchFamily="49" charset="0"/>
-              </a:rPr>
-              <a:t> </a:t>
-            </a:r>
-          </a:p>
-          <a:p>
-            <a:pPr algn="l"/>
-            <a:r>
-              <a:rPr lang="en-US" sz="1100" dirty="0">
-                <a:latin typeface="Courier New" panose="02070309020205020404" pitchFamily="49" charset="0"/>
-                <a:cs typeface="Courier New" panose="02070309020205020404" pitchFamily="49" charset="0"/>
-              </a:rPr>
-              <a:t>                    </a:t>
-            </a:r>
-            <a:r>
-              <a:rPr lang="en-US" sz="1100" b="0" i="0" dirty="0">
+                <a:latin typeface="Calibri" panose="020F0502020204030204" pitchFamily="34" charset="0"/>
+              </a:rPr>
+              <a:t>Begin              </a:t>
+            </a:r>
+          </a:p>
+          <a:p>
+            <a:pPr marL="0" marR="0">
+              <a:spcBef>
+                <a:spcPts val="0"/>
+              </a:spcBef>
+              <a:spcAft>
+                <a:spcPts val="0"/>
+              </a:spcAft>
+            </a:pPr>
+            <a:r>
+              <a:rPr lang="en-US" sz="1600" dirty="0">
                 <a:effectLst/>
-                <a:latin typeface="Courier New" panose="02070309020205020404" pitchFamily="49" charset="0"/>
-                <a:cs typeface="Courier New" panose="02070309020205020404" pitchFamily="49" charset="0"/>
-              </a:rPr>
-              <a:t>FROM V1Table </a:t>
-            </a:r>
-          </a:p>
-          <a:p>
-            <a:pPr algn="l"/>
-            <a:r>
-              <a:rPr lang="en-US" sz="1100" dirty="0">
-                <a:latin typeface="Courier New" panose="02070309020205020404" pitchFamily="49" charset="0"/>
-                <a:cs typeface="Courier New" panose="02070309020205020404" pitchFamily="49" charset="0"/>
-              </a:rPr>
-              <a:t>                   </a:t>
-            </a:r>
-            <a:r>
-              <a:rPr lang="en-US" sz="1100" b="0" i="0" dirty="0">
+                <a:latin typeface="Calibri" panose="020F0502020204030204" pitchFamily="34" charset="0"/>
+              </a:rPr>
+              <a:t> Declare v1 INT;   </a:t>
+            </a:r>
+          </a:p>
+          <a:p>
+            <a:pPr marL="0" marR="0">
+              <a:spcBef>
+                <a:spcPts val="0"/>
+              </a:spcBef>
+              <a:spcAft>
+                <a:spcPts val="0"/>
+              </a:spcAft>
+            </a:pPr>
+            <a:r>
+              <a:rPr lang="en-US" sz="1600" dirty="0">
                 <a:effectLst/>
-                <a:latin typeface="Courier New" panose="02070309020205020404" pitchFamily="49" charset="0"/>
-                <a:cs typeface="Courier New" panose="02070309020205020404" pitchFamily="49" charset="0"/>
-              </a:rPr>
-              <a:t>WHERE Id = </a:t>
-            </a:r>
-            <a:r>
-              <a:rPr lang="en-US" sz="1100" b="0" i="0" dirty="0" err="1">
+                <a:latin typeface="Calibri" panose="020F0502020204030204" pitchFamily="34" charset="0"/>
+              </a:rPr>
+              <a:t> SET v1=ABSVAL(n); </a:t>
+            </a:r>
+          </a:p>
+          <a:p>
+            <a:pPr marL="0" marR="0">
+              <a:spcBef>
+                <a:spcPts val="0"/>
+              </a:spcBef>
+              <a:spcAft>
+                <a:spcPts val="0"/>
+              </a:spcAft>
+            </a:pPr>
+            <a:r>
+              <a:rPr lang="en-US" sz="1600" dirty="0">
                 <a:effectLst/>
-                <a:latin typeface="Courier New" panose="02070309020205020404" pitchFamily="49" charset="0"/>
-                <a:cs typeface="Courier New" panose="02070309020205020404" pitchFamily="49" charset="0"/>
-              </a:rPr>
-              <a:t>Pid</a:t>
-            </a:r>
-            <a:r>
-              <a:rPr lang="en-US" sz="1100" b="0" i="0" dirty="0">
+                <a:latin typeface="Calibri" panose="020F0502020204030204" pitchFamily="34" charset="0"/>
+              </a:rPr>
+              <a:t> SET o1= p1+v1;    </a:t>
+            </a:r>
+          </a:p>
+          <a:p>
+            <a:pPr marL="0" marR="0">
+              <a:spcBef>
+                <a:spcPts val="0"/>
+              </a:spcBef>
+              <a:spcAft>
+                <a:spcPts val="0"/>
+              </a:spcAft>
+            </a:pPr>
+            <a:r>
+              <a:rPr lang="en-US" sz="1600" dirty="0">
                 <a:effectLst/>
-                <a:latin typeface="Courier New" panose="02070309020205020404" pitchFamily="49" charset="0"/>
-                <a:cs typeface="Courier New" panose="02070309020205020404" pitchFamily="49" charset="0"/>
-              </a:rPr>
-              <a:t>); </a:t>
-            </a:r>
-          </a:p>
-          <a:p>
-            <a:pPr algn="l"/>
-            <a:r>
-              <a:rPr lang="en-US" sz="1100" dirty="0">
-                <a:latin typeface="Courier New" panose="02070309020205020404" pitchFamily="49" charset="0"/>
-                <a:cs typeface="Courier New" panose="02070309020205020404" pitchFamily="49" charset="0"/>
-              </a:rPr>
-              <a:t>  </a:t>
-            </a:r>
-            <a:r>
-              <a:rPr lang="en-US" sz="1100" b="0" i="0" dirty="0">
-                <a:effectLst/>
-                <a:latin typeface="Courier New" panose="02070309020205020404" pitchFamily="49" charset="0"/>
-                <a:cs typeface="Courier New" panose="02070309020205020404" pitchFamily="49" charset="0"/>
-              </a:rPr>
-              <a:t>ELSE IF Vendor = 'Vendor 2' THEN </a:t>
-            </a:r>
-          </a:p>
-          <a:p>
-            <a:pPr algn="l"/>
-            <a:r>
-              <a:rPr lang="en-US" sz="1100" dirty="0">
-                <a:latin typeface="Courier New" panose="02070309020205020404" pitchFamily="49" charset="0"/>
-                <a:cs typeface="Courier New" panose="02070309020205020404" pitchFamily="49" charset="0"/>
-              </a:rPr>
-              <a:t>     </a:t>
-            </a:r>
-            <a:r>
-              <a:rPr lang="en-US" sz="1100" b="0" i="0" dirty="0">
-                <a:effectLst/>
-                <a:latin typeface="Courier New" panose="02070309020205020404" pitchFamily="49" charset="0"/>
-                <a:cs typeface="Courier New" panose="02070309020205020404" pitchFamily="49" charset="0"/>
-              </a:rPr>
-              <a:t>SET price = (SELECT Price </a:t>
-            </a:r>
-          </a:p>
-          <a:p>
-            <a:pPr algn="l"/>
-            <a:r>
-              <a:rPr lang="en-US" sz="1100" dirty="0">
-                <a:latin typeface="Courier New" panose="02070309020205020404" pitchFamily="49" charset="0"/>
-                <a:cs typeface="Courier New" panose="02070309020205020404" pitchFamily="49" charset="0"/>
-              </a:rPr>
-              <a:t>                    </a:t>
-            </a:r>
-            <a:r>
-              <a:rPr lang="en-US" sz="1100" b="0" i="0" dirty="0">
-                <a:effectLst/>
-                <a:latin typeface="Courier New" panose="02070309020205020404" pitchFamily="49" charset="0"/>
-                <a:cs typeface="Courier New" panose="02070309020205020404" pitchFamily="49" charset="0"/>
-              </a:rPr>
-              <a:t>FROM V2Table </a:t>
-            </a:r>
-          </a:p>
-          <a:p>
-            <a:pPr algn="l"/>
-            <a:r>
-              <a:rPr lang="en-US" sz="1100" dirty="0">
-                <a:latin typeface="Courier New" panose="02070309020205020404" pitchFamily="49" charset="0"/>
-                <a:cs typeface="Courier New" panose="02070309020205020404" pitchFamily="49" charset="0"/>
-              </a:rPr>
-              <a:t>                   </a:t>
-            </a:r>
-            <a:r>
-              <a:rPr lang="en-US" sz="1100" b="0" i="0" dirty="0">
-                <a:effectLst/>
-                <a:latin typeface="Courier New" panose="02070309020205020404" pitchFamily="49" charset="0"/>
-                <a:cs typeface="Courier New" panose="02070309020205020404" pitchFamily="49" charset="0"/>
-              </a:rPr>
-              <a:t>WHERE </a:t>
-            </a:r>
-            <a:r>
-              <a:rPr lang="en-US" sz="1100" b="0" i="0" dirty="0" err="1">
-                <a:effectLst/>
-                <a:latin typeface="Courier New" panose="02070309020205020404" pitchFamily="49" charset="0"/>
-                <a:cs typeface="Courier New" panose="02070309020205020404" pitchFamily="49" charset="0"/>
-              </a:rPr>
-              <a:t>Pid</a:t>
-            </a:r>
-            <a:r>
-              <a:rPr lang="en-US" sz="1100" b="0" i="0" dirty="0">
-                <a:effectLst/>
-                <a:latin typeface="Courier New" panose="02070309020205020404" pitchFamily="49" charset="0"/>
-                <a:cs typeface="Courier New" panose="02070309020205020404" pitchFamily="49" charset="0"/>
-              </a:rPr>
-              <a:t> = </a:t>
-            </a:r>
-            <a:r>
-              <a:rPr lang="en-US" sz="1100" b="0" i="0" dirty="0" err="1">
-                <a:effectLst/>
-                <a:latin typeface="Courier New" panose="02070309020205020404" pitchFamily="49" charset="0"/>
-                <a:cs typeface="Courier New" panose="02070309020205020404" pitchFamily="49" charset="0"/>
-              </a:rPr>
-              <a:t>GetPrice.Pid</a:t>
-            </a:r>
-            <a:r>
-              <a:rPr lang="en-US" sz="1100" b="0" i="0" dirty="0">
-                <a:effectLst/>
-                <a:latin typeface="Courier New" panose="02070309020205020404" pitchFamily="49" charset="0"/>
-                <a:cs typeface="Courier New" panose="02070309020205020404" pitchFamily="49" charset="0"/>
-              </a:rPr>
-              <a:t>); </a:t>
-            </a:r>
-          </a:p>
-          <a:p>
-            <a:pPr algn="l"/>
-            <a:r>
-              <a:rPr lang="en-US" sz="1100" dirty="0">
-                <a:latin typeface="Courier New" panose="02070309020205020404" pitchFamily="49" charset="0"/>
-                <a:cs typeface="Courier New" panose="02070309020205020404" pitchFamily="49" charset="0"/>
-              </a:rPr>
-              <a:t>  </a:t>
-            </a:r>
-            <a:r>
-              <a:rPr lang="en-US" sz="1100" b="0" i="0" dirty="0">
-                <a:effectLst/>
-                <a:latin typeface="Courier New" panose="02070309020205020404" pitchFamily="49" charset="0"/>
-                <a:cs typeface="Courier New" panose="02070309020205020404" pitchFamily="49" charset="0"/>
-              </a:rPr>
-              <a:t>END IF; </a:t>
-            </a:r>
-          </a:p>
-          <a:p>
-            <a:pPr algn="l"/>
-            <a:r>
-              <a:rPr lang="en-US" sz="1100" b="0" i="0" dirty="0">
-                <a:effectLst/>
-                <a:latin typeface="Courier New" panose="02070309020205020404" pitchFamily="49" charset="0"/>
-                <a:cs typeface="Courier New" panose="02070309020205020404" pitchFamily="49" charset="0"/>
-              </a:rPr>
-              <a:t>  RETURN price; </a:t>
-            </a:r>
-          </a:p>
-          <a:p>
-            <a:pPr algn="l"/>
-            <a:r>
-              <a:rPr lang="en-US" sz="1100" b="0" i="0" dirty="0">
-                <a:effectLst/>
-                <a:latin typeface="Courier New" panose="02070309020205020404" pitchFamily="49" charset="0"/>
-                <a:cs typeface="Courier New" panose="02070309020205020404" pitchFamily="49" charset="0"/>
-              </a:rPr>
-              <a:t>END</a:t>
-            </a:r>
-            <a:endParaRPr lang="en-US" sz="1100" b="1" dirty="0">
-              <a:latin typeface="Courier New" panose="02070309020205020404" pitchFamily="49" charset="0"/>
-              <a:ea typeface="ＭＳ Ｐゴシック" panose="020B0600070205080204" pitchFamily="34" charset="-128"/>
-              <a:cs typeface="Courier New" panose="02070309020205020404" pitchFamily="49" charset="0"/>
-            </a:endParaRPr>
+                <a:latin typeface="Calibri" panose="020F0502020204030204" pitchFamily="34" charset="0"/>
+              </a:rPr>
+              <a:t>End;  </a:t>
+            </a:r>
           </a:p>
         </p:txBody>
       </p:sp>
     </p:spTree>
     <p:extLst>
       <p:ext uri="{BB962C8B-B14F-4D97-AF65-F5344CB8AC3E}">
-        <p14:creationId xmlns:p14="http://schemas.microsoft.com/office/powerpoint/2010/main" val="2113550245"/>
+        <p14:creationId xmlns:p14="http://schemas.microsoft.com/office/powerpoint/2010/main" val="3335676648"/>
       </p:ext>
     </p:extLst>
   </p:cSld>
@@ -9455,12 +8960,48 @@
           </a:p>
         </p:txBody>
       </p:sp>
+      <p:pic>
+        <p:nvPicPr>
+          <p:cNvPr id="6" name="Picture 5" descr="A diagram of a procedure&#10;&#10;Description automatically generated">
+            <a:extLst>
+              <a:ext uri="{FF2B5EF4-FFF2-40B4-BE49-F238E27FC236}">
+                <a16:creationId xmlns:a16="http://schemas.microsoft.com/office/drawing/2014/main" id="{75DD6072-7A70-EA2B-D063-FAD153F76C9D}"/>
+              </a:ext>
+            </a:extLst>
+          </p:cNvPr>
+          <p:cNvPicPr>
+            <a:picLocks noChangeAspect="1"/>
+          </p:cNvPicPr>
+          <p:nvPr/>
+        </p:nvPicPr>
+        <p:blipFill>
+          <a:blip r:embed="rId4">
+            <a:extLst>
+              <a:ext uri="{28A0092B-C50C-407E-A947-70E740481C1C}">
+                <a14:useLocalDpi xmlns:a14="http://schemas.microsoft.com/office/drawing/2010/main" val="0"/>
+              </a:ext>
+            </a:extLst>
+          </a:blip>
+          <a:stretch>
+            <a:fillRect/>
+          </a:stretch>
+        </p:blipFill>
+        <p:spPr>
+          <a:xfrm>
+            <a:off x="1064283" y="2418207"/>
+            <a:ext cx="8448993" cy="4118059"/>
+          </a:xfrm>
+          <a:prstGeom prst="rect">
+            <a:avLst/>
+          </a:prstGeom>
+        </p:spPr>
+      </p:pic>
       <p:sp>
         <p:nvSpPr>
           <p:cNvPr id="2" name="TextBox 1">
             <a:extLst>
               <a:ext uri="{FF2B5EF4-FFF2-40B4-BE49-F238E27FC236}">
-                <a16:creationId xmlns:a16="http://schemas.microsoft.com/office/drawing/2014/main" id="{18FF7990-5800-19BB-3EAE-177C15815815}"/>
+                <a16:creationId xmlns:a16="http://schemas.microsoft.com/office/drawing/2014/main" id="{4DE03A41-C9E6-362D-39ED-EC4F9B9899BC}"/>
               </a:ext>
             </a:extLst>
           </p:cNvPr>
@@ -9469,8 +9010,8 @@
         </p:nvSpPr>
         <p:spPr>
           <a:xfrm>
-            <a:off x="1521074" y="1860286"/>
-            <a:ext cx="7525734" cy="369332"/>
+            <a:off x="724828" y="1834339"/>
+            <a:ext cx="7525734" cy="646331"/>
           </a:xfrm>
           <a:prstGeom prst="rect">
             <a:avLst/>
@@ -9491,618 +9032,67 @@
               <a:rPr lang="en-US" altLang="en-US" dirty="0">
                 <a:latin typeface="Calibri  "/>
               </a:rPr>
-              <a:t>Utilize Service Program Object  (*SRVPGM &amp; PGM )</a:t>
-            </a:r>
-          </a:p>
-        </p:txBody>
-      </p:sp>
-      <p:sp>
-        <p:nvSpPr>
-          <p:cNvPr id="3" name="TextBox 2">
-            <a:extLst>
-              <a:ext uri="{FF2B5EF4-FFF2-40B4-BE49-F238E27FC236}">
-                <a16:creationId xmlns:a16="http://schemas.microsoft.com/office/drawing/2014/main" id="{B05116B5-AF15-6288-4A86-C0DC2A5D7FD8}"/>
-              </a:ext>
-            </a:extLst>
-          </p:cNvPr>
-          <p:cNvSpPr txBox="1"/>
+              <a:t>Logic Re-designed concerning performance and call.</a:t>
+            </a:r>
+          </a:p>
+          <a:p>
+            <a:endParaRPr lang="en-US" altLang="en-US" dirty="0">
+              <a:latin typeface="Calibri  "/>
+            </a:endParaRPr>
+          </a:p>
+        </p:txBody>
+      </p:sp>
+      <p:sp>
+        <p:nvSpPr>
+          <p:cNvPr id="7" name="Rectangle: Rounded Corners 6">
+            <a:extLst>
+              <a:ext uri="{FF2B5EF4-FFF2-40B4-BE49-F238E27FC236}">
+                <a16:creationId xmlns:a16="http://schemas.microsoft.com/office/drawing/2014/main" id="{73DD0B14-E36B-19FB-93FE-91077862EC75}"/>
+              </a:ext>
+            </a:extLst>
+          </p:cNvPr>
+          <p:cNvSpPr/>
           <p:nvPr/>
         </p:nvSpPr>
         <p:spPr>
           <a:xfrm>
-            <a:off x="1061461" y="2251041"/>
-            <a:ext cx="3749342" cy="3754874"/>
+            <a:off x="748191" y="2379069"/>
+            <a:ext cx="5913038" cy="4292663"/>
           </a:xfrm>
-          <a:prstGeom prst="rect">
+          <a:prstGeom prst="roundRect">
             <a:avLst/>
           </a:prstGeom>
-          <a:solidFill>
-            <a:schemeClr val="bg1"/>
-          </a:solidFill>
-          <a:ln w="3175">
-            <a:solidFill>
-              <a:schemeClr val="tx1"/>
-            </a:solidFill>
-          </a:ln>
+          <a:noFill/>
         </p:spPr>
-        <p:txBody>
-          <a:bodyPr wrap="square" rtlCol="0">
-            <a:spAutoFit/>
-          </a:bodyPr>
+        <p:style>
+          <a:lnRef idx="2">
+            <a:schemeClr val="accent1">
+              <a:shade val="15000"/>
+            </a:schemeClr>
+          </a:lnRef>
+          <a:fillRef idx="1">
+            <a:schemeClr val="accent1"/>
+          </a:fillRef>
+          <a:effectRef idx="0">
+            <a:schemeClr val="accent1"/>
+          </a:effectRef>
+          <a:fontRef idx="minor">
+            <a:schemeClr val="lt1"/>
+          </a:fontRef>
+        </p:style>
+        <p:txBody>
+          <a:bodyPr rtlCol="0" anchor="ctr"/>
           <a:lstStyle/>
           <a:p>
-            <a:pPr algn="l">
-              <a:lnSpc>
-                <a:spcPct val="150000"/>
-              </a:lnSpc>
-            </a:pPr>
-            <a:r>
-              <a:rPr lang="en-US" sz="2000" b="1" dirty="0">
-                <a:latin typeface="Calibri  "/>
-                <a:ea typeface="ＭＳ Ｐゴシック" panose="020B0600070205080204" pitchFamily="34" charset="-128"/>
-              </a:rPr>
-              <a:t>*SRVPGM</a:t>
-            </a:r>
-          </a:p>
-          <a:p>
-            <a:pPr marL="0" marR="0">
-              <a:spcBef>
-                <a:spcPts val="0"/>
-              </a:spcBef>
-              <a:spcAft>
-                <a:spcPts val="0"/>
-              </a:spcAft>
-            </a:pPr>
-            <a:r>
-              <a:rPr lang="en-US" sz="1600" dirty="0">
-                <a:effectLst/>
-                <a:latin typeface="Calibri" panose="020F0502020204030204" pitchFamily="34" charset="0"/>
-              </a:rPr>
-              <a:t>Create Procedure </a:t>
-            </a:r>
-            <a:r>
-              <a:rPr lang="en-US" sz="1600" dirty="0" err="1">
-                <a:effectLst/>
-                <a:latin typeface="Calibri" panose="020F0502020204030204" pitchFamily="34" charset="0"/>
-              </a:rPr>
-              <a:t>Add_SrvPgm</a:t>
-            </a:r>
-            <a:r>
-              <a:rPr lang="en-US" sz="1600" dirty="0">
-                <a:effectLst/>
-                <a:latin typeface="Calibri" panose="020F0502020204030204" pitchFamily="34" charset="0"/>
-              </a:rPr>
-              <a:t>                                                        </a:t>
-            </a:r>
-          </a:p>
-          <a:p>
-            <a:pPr marL="0" marR="0">
-              <a:spcBef>
-                <a:spcPts val="0"/>
-              </a:spcBef>
-              <a:spcAft>
-                <a:spcPts val="0"/>
-              </a:spcAft>
-            </a:pPr>
-            <a:r>
-              <a:rPr lang="en-US" sz="1600" dirty="0">
-                <a:effectLst/>
-                <a:latin typeface="Calibri" panose="020F0502020204030204" pitchFamily="34" charset="0"/>
-              </a:rPr>
-              <a:t>    (  IN p1 INT,                                                                  </a:t>
-            </a:r>
-          </a:p>
-          <a:p>
-            <a:pPr marL="0" marR="0">
-              <a:spcBef>
-                <a:spcPts val="0"/>
-              </a:spcBef>
-              <a:spcAft>
-                <a:spcPts val="0"/>
-              </a:spcAft>
-            </a:pPr>
-            <a:r>
-              <a:rPr lang="en-US" sz="1600" dirty="0">
-                <a:effectLst/>
-                <a:latin typeface="Calibri" panose="020F0502020204030204" pitchFamily="34" charset="0"/>
-              </a:rPr>
-              <a:t>       IN n INT,                                                                   </a:t>
-            </a:r>
-          </a:p>
-          <a:p>
-            <a:pPr marL="0" marR="0">
-              <a:spcBef>
-                <a:spcPts val="0"/>
-              </a:spcBef>
-              <a:spcAft>
-                <a:spcPts val="0"/>
-              </a:spcAft>
-            </a:pPr>
-            <a:r>
-              <a:rPr lang="en-US" sz="1600" dirty="0">
-                <a:effectLst/>
-                <a:latin typeface="Calibri" panose="020F0502020204030204" pitchFamily="34" charset="0"/>
-              </a:rPr>
-              <a:t>       OUT o1 INT                                                                  </a:t>
-            </a:r>
-          </a:p>
-          <a:p>
-            <a:pPr marL="0" marR="0">
-              <a:spcBef>
-                <a:spcPts val="0"/>
-              </a:spcBef>
-              <a:spcAft>
-                <a:spcPts val="0"/>
-              </a:spcAft>
-            </a:pPr>
-            <a:r>
-              <a:rPr lang="en-US" sz="1600" dirty="0">
-                <a:effectLst/>
-                <a:latin typeface="Calibri" panose="020F0502020204030204" pitchFamily="34" charset="0"/>
-              </a:rPr>
-              <a:t>    )                                                                              </a:t>
-            </a:r>
-          </a:p>
-          <a:p>
-            <a:pPr marL="0" marR="0">
-              <a:spcBef>
-                <a:spcPts val="0"/>
-              </a:spcBef>
-              <a:spcAft>
-                <a:spcPts val="0"/>
-              </a:spcAft>
-            </a:pPr>
-            <a:r>
-              <a:rPr lang="en-US" sz="1600" dirty="0">
-                <a:effectLst/>
-                <a:latin typeface="Calibri" panose="020F0502020204030204" pitchFamily="34" charset="0"/>
-              </a:rPr>
-              <a:t>Language SQL                                                                       </a:t>
-            </a:r>
-          </a:p>
-          <a:p>
-            <a:pPr marL="0" marR="0">
-              <a:spcBef>
-                <a:spcPts val="0"/>
-              </a:spcBef>
-              <a:spcAft>
-                <a:spcPts val="0"/>
-              </a:spcAft>
-            </a:pPr>
-            <a:r>
-              <a:rPr lang="en-US" sz="1600" dirty="0">
-                <a:effectLst/>
-                <a:highlight>
-                  <a:srgbClr val="FFFF00"/>
-                </a:highlight>
-                <a:latin typeface="Calibri" panose="020F0502020204030204" pitchFamily="34" charset="0"/>
-              </a:rPr>
-              <a:t>Program Type SUB</a:t>
-            </a:r>
-            <a:r>
-              <a:rPr lang="en-US" sz="1600" dirty="0">
-                <a:effectLst/>
-                <a:latin typeface="Calibri" panose="020F0502020204030204" pitchFamily="34" charset="0"/>
-              </a:rPr>
-              <a:t>                                                                   </a:t>
-            </a:r>
-          </a:p>
-          <a:p>
-            <a:pPr marL="0" marR="0">
-              <a:spcBef>
-                <a:spcPts val="0"/>
-              </a:spcBef>
-              <a:spcAft>
-                <a:spcPts val="0"/>
-              </a:spcAft>
-            </a:pPr>
-            <a:r>
-              <a:rPr lang="en-US" sz="1600" dirty="0">
-                <a:effectLst/>
-                <a:latin typeface="Calibri" panose="020F0502020204030204" pitchFamily="34" charset="0"/>
-              </a:rPr>
-              <a:t>                    </a:t>
-            </a:r>
-          </a:p>
-          <a:p>
-            <a:pPr marL="0" marR="0">
-              <a:spcBef>
-                <a:spcPts val="0"/>
-              </a:spcBef>
-              <a:spcAft>
-                <a:spcPts val="0"/>
-              </a:spcAft>
-            </a:pPr>
-            <a:r>
-              <a:rPr lang="en-US" sz="1600" dirty="0">
-                <a:effectLst/>
-                <a:latin typeface="Calibri" panose="020F0502020204030204" pitchFamily="34" charset="0"/>
-              </a:rPr>
-              <a:t>Begin              </a:t>
-            </a:r>
-          </a:p>
-          <a:p>
-            <a:pPr marL="0" marR="0">
-              <a:spcBef>
-                <a:spcPts val="0"/>
-              </a:spcBef>
-              <a:spcAft>
-                <a:spcPts val="0"/>
-              </a:spcAft>
-            </a:pPr>
-            <a:r>
-              <a:rPr lang="en-US" sz="1600" dirty="0">
-                <a:effectLst/>
-                <a:latin typeface="Calibri" panose="020F0502020204030204" pitchFamily="34" charset="0"/>
-              </a:rPr>
-              <a:t> Declare v1 INT;   </a:t>
-            </a:r>
-          </a:p>
-          <a:p>
-            <a:pPr marL="0" marR="0">
-              <a:spcBef>
-                <a:spcPts val="0"/>
-              </a:spcBef>
-              <a:spcAft>
-                <a:spcPts val="0"/>
-              </a:spcAft>
-            </a:pPr>
-            <a:r>
-              <a:rPr lang="en-US" sz="1600" dirty="0">
-                <a:effectLst/>
-                <a:latin typeface="Calibri" panose="020F0502020204030204" pitchFamily="34" charset="0"/>
-              </a:rPr>
-              <a:t> SET v1=ABSVAL(n); </a:t>
-            </a:r>
-          </a:p>
-          <a:p>
-            <a:pPr marL="0" marR="0">
-              <a:spcBef>
-                <a:spcPts val="0"/>
-              </a:spcBef>
-              <a:spcAft>
-                <a:spcPts val="0"/>
-              </a:spcAft>
-            </a:pPr>
-            <a:r>
-              <a:rPr lang="en-US" sz="1600" dirty="0">
-                <a:effectLst/>
-                <a:latin typeface="Calibri" panose="020F0502020204030204" pitchFamily="34" charset="0"/>
-              </a:rPr>
-              <a:t> SET o1= p1+v1;    </a:t>
-            </a:r>
-          </a:p>
-          <a:p>
-            <a:pPr marL="0" marR="0">
-              <a:spcBef>
-                <a:spcPts val="0"/>
-              </a:spcBef>
-              <a:spcAft>
-                <a:spcPts val="0"/>
-              </a:spcAft>
-            </a:pPr>
-            <a:r>
-              <a:rPr lang="en-US" sz="1600" dirty="0">
-                <a:effectLst/>
-                <a:latin typeface="Calibri" panose="020F0502020204030204" pitchFamily="34" charset="0"/>
-              </a:rPr>
-              <a:t>End;  </a:t>
-            </a:r>
-          </a:p>
-        </p:txBody>
-      </p:sp>
-      <p:sp>
-        <p:nvSpPr>
-          <p:cNvPr id="7" name="TextBox 6">
-            <a:extLst>
-              <a:ext uri="{FF2B5EF4-FFF2-40B4-BE49-F238E27FC236}">
-                <a16:creationId xmlns:a16="http://schemas.microsoft.com/office/drawing/2014/main" id="{221C4640-E646-622E-BDCF-4CD37851C7C0}"/>
-              </a:ext>
-            </a:extLst>
-          </p:cNvPr>
-          <p:cNvSpPr txBox="1"/>
-          <p:nvPr/>
-        </p:nvSpPr>
-        <p:spPr>
-          <a:xfrm>
-            <a:off x="5297466" y="2263979"/>
-            <a:ext cx="3749342" cy="3754874"/>
-          </a:xfrm>
-          <a:prstGeom prst="rect">
-            <a:avLst/>
-          </a:prstGeom>
-          <a:solidFill>
-            <a:schemeClr val="bg1"/>
-          </a:solidFill>
-          <a:ln w="3175">
-            <a:solidFill>
-              <a:schemeClr val="tx1"/>
-            </a:solidFill>
-          </a:ln>
-        </p:spPr>
-        <p:txBody>
-          <a:bodyPr wrap="square" rtlCol="0">
-            <a:spAutoFit/>
-          </a:bodyPr>
-          <a:lstStyle/>
-          <a:p>
-            <a:pPr algn="l">
-              <a:lnSpc>
-                <a:spcPct val="150000"/>
-              </a:lnSpc>
-            </a:pPr>
-            <a:r>
-              <a:rPr lang="en-US" sz="2000" b="1" dirty="0">
-                <a:latin typeface="Calibri  "/>
-                <a:ea typeface="ＭＳ Ｐゴシック" panose="020B0600070205080204" pitchFamily="34" charset="-128"/>
-              </a:rPr>
-              <a:t>*PGM</a:t>
-            </a:r>
-          </a:p>
-          <a:p>
-            <a:pPr marL="0" marR="0">
-              <a:spcBef>
-                <a:spcPts val="0"/>
-              </a:spcBef>
-              <a:spcAft>
-                <a:spcPts val="0"/>
-              </a:spcAft>
-            </a:pPr>
-            <a:r>
-              <a:rPr lang="en-US" sz="1600" dirty="0">
-                <a:effectLst/>
-                <a:latin typeface="Calibri" panose="020F0502020204030204" pitchFamily="34" charset="0"/>
-              </a:rPr>
-              <a:t>Create Procedure </a:t>
-            </a:r>
-            <a:r>
-              <a:rPr lang="en-US" sz="1600" dirty="0" err="1">
-                <a:effectLst/>
-                <a:latin typeface="Calibri" panose="020F0502020204030204" pitchFamily="34" charset="0"/>
-              </a:rPr>
-              <a:t>Add_</a:t>
-            </a:r>
-            <a:r>
-              <a:rPr lang="en-US" sz="1600" dirty="0" err="1">
-                <a:latin typeface="Calibri" panose="020F0502020204030204" pitchFamily="34" charset="0"/>
-              </a:rPr>
-              <a:t>Main</a:t>
-            </a:r>
-            <a:r>
-              <a:rPr lang="en-US" sz="1600" dirty="0" err="1">
-                <a:effectLst/>
-                <a:latin typeface="Calibri" panose="020F0502020204030204" pitchFamily="34" charset="0"/>
-              </a:rPr>
-              <a:t>Pgm</a:t>
-            </a:r>
-            <a:r>
-              <a:rPr lang="en-US" sz="1600" dirty="0">
-                <a:effectLst/>
-                <a:latin typeface="Calibri" panose="020F0502020204030204" pitchFamily="34" charset="0"/>
-              </a:rPr>
-              <a:t>                                                        </a:t>
-            </a:r>
-          </a:p>
-          <a:p>
-            <a:pPr marL="0" marR="0">
-              <a:spcBef>
-                <a:spcPts val="0"/>
-              </a:spcBef>
-              <a:spcAft>
-                <a:spcPts val="0"/>
-              </a:spcAft>
-            </a:pPr>
-            <a:r>
-              <a:rPr lang="en-US" sz="1600" dirty="0">
-                <a:effectLst/>
-                <a:latin typeface="Calibri" panose="020F0502020204030204" pitchFamily="34" charset="0"/>
-              </a:rPr>
-              <a:t>    (  IN p1 INT,                                                                  </a:t>
-            </a:r>
-          </a:p>
-          <a:p>
-            <a:pPr marL="0" marR="0">
-              <a:spcBef>
-                <a:spcPts val="0"/>
-              </a:spcBef>
-              <a:spcAft>
-                <a:spcPts val="0"/>
-              </a:spcAft>
-            </a:pPr>
-            <a:r>
-              <a:rPr lang="en-US" sz="1600" dirty="0">
-                <a:effectLst/>
-                <a:latin typeface="Calibri" panose="020F0502020204030204" pitchFamily="34" charset="0"/>
-              </a:rPr>
-              <a:t>       IN n INT,                                                                   </a:t>
-            </a:r>
-          </a:p>
-          <a:p>
-            <a:pPr marL="0" marR="0">
-              <a:spcBef>
-                <a:spcPts val="0"/>
-              </a:spcBef>
-              <a:spcAft>
-                <a:spcPts val="0"/>
-              </a:spcAft>
-            </a:pPr>
-            <a:r>
-              <a:rPr lang="en-US" sz="1600" dirty="0">
-                <a:effectLst/>
-                <a:latin typeface="Calibri" panose="020F0502020204030204" pitchFamily="34" charset="0"/>
-              </a:rPr>
-              <a:t>       OUT o1 INT                                                                  </a:t>
-            </a:r>
-          </a:p>
-          <a:p>
-            <a:pPr marL="0" marR="0">
-              <a:spcBef>
-                <a:spcPts val="0"/>
-              </a:spcBef>
-              <a:spcAft>
-                <a:spcPts val="0"/>
-              </a:spcAft>
-            </a:pPr>
-            <a:r>
-              <a:rPr lang="en-US" sz="1600" dirty="0">
-                <a:effectLst/>
-                <a:latin typeface="Calibri" panose="020F0502020204030204" pitchFamily="34" charset="0"/>
-              </a:rPr>
-              <a:t>    )                                                                              </a:t>
-            </a:r>
-          </a:p>
-          <a:p>
-            <a:pPr marL="0" marR="0">
-              <a:spcBef>
-                <a:spcPts val="0"/>
-              </a:spcBef>
-              <a:spcAft>
-                <a:spcPts val="0"/>
-              </a:spcAft>
-            </a:pPr>
-            <a:r>
-              <a:rPr lang="en-US" sz="1600" dirty="0">
-                <a:effectLst/>
-                <a:latin typeface="Calibri" panose="020F0502020204030204" pitchFamily="34" charset="0"/>
-              </a:rPr>
-              <a:t>Language SQL                                                                       </a:t>
-            </a:r>
-          </a:p>
-          <a:p>
-            <a:pPr marL="0" marR="0">
-              <a:spcBef>
-                <a:spcPts val="0"/>
-              </a:spcBef>
-              <a:spcAft>
-                <a:spcPts val="0"/>
-              </a:spcAft>
-            </a:pPr>
-            <a:r>
-              <a:rPr lang="en-US" sz="1600" dirty="0">
-                <a:effectLst/>
-                <a:highlight>
-                  <a:srgbClr val="FFFF00"/>
-                </a:highlight>
-                <a:latin typeface="Calibri" panose="020F0502020204030204" pitchFamily="34" charset="0"/>
-              </a:rPr>
-              <a:t>Program Type MAIN</a:t>
-            </a:r>
-            <a:r>
-              <a:rPr lang="en-US" sz="1600" dirty="0">
-                <a:effectLst/>
-                <a:latin typeface="Calibri" panose="020F0502020204030204" pitchFamily="34" charset="0"/>
-              </a:rPr>
-              <a:t>                                                                   </a:t>
-            </a:r>
-          </a:p>
-          <a:p>
-            <a:pPr marL="0" marR="0">
-              <a:spcBef>
-                <a:spcPts val="0"/>
-              </a:spcBef>
-              <a:spcAft>
-                <a:spcPts val="0"/>
-              </a:spcAft>
-            </a:pPr>
-            <a:r>
-              <a:rPr lang="en-US" sz="1600" dirty="0">
-                <a:effectLst/>
-                <a:latin typeface="Calibri" panose="020F0502020204030204" pitchFamily="34" charset="0"/>
-              </a:rPr>
-              <a:t>                    </a:t>
-            </a:r>
-          </a:p>
-          <a:p>
-            <a:pPr marL="0" marR="0">
-              <a:spcBef>
-                <a:spcPts val="0"/>
-              </a:spcBef>
-              <a:spcAft>
-                <a:spcPts val="0"/>
-              </a:spcAft>
-            </a:pPr>
-            <a:r>
-              <a:rPr lang="en-US" sz="1600" dirty="0">
-                <a:effectLst/>
-                <a:latin typeface="Calibri" panose="020F0502020204030204" pitchFamily="34" charset="0"/>
-              </a:rPr>
-              <a:t>Begin              </a:t>
-            </a:r>
-          </a:p>
-          <a:p>
-            <a:pPr marL="0" marR="0">
-              <a:spcBef>
-                <a:spcPts val="0"/>
-              </a:spcBef>
-              <a:spcAft>
-                <a:spcPts val="0"/>
-              </a:spcAft>
-            </a:pPr>
-            <a:r>
-              <a:rPr lang="en-US" sz="1600" dirty="0">
-                <a:effectLst/>
-                <a:latin typeface="Calibri" panose="020F0502020204030204" pitchFamily="34" charset="0"/>
-              </a:rPr>
-              <a:t> Declare v1 INT;   </a:t>
-            </a:r>
-          </a:p>
-          <a:p>
-            <a:pPr marL="0" marR="0">
-              <a:spcBef>
-                <a:spcPts val="0"/>
-              </a:spcBef>
-              <a:spcAft>
-                <a:spcPts val="0"/>
-              </a:spcAft>
-            </a:pPr>
-            <a:r>
-              <a:rPr lang="en-US" sz="1600" dirty="0">
-                <a:effectLst/>
-                <a:latin typeface="Calibri" panose="020F0502020204030204" pitchFamily="34" charset="0"/>
-              </a:rPr>
-              <a:t> SET v1=ABSVAL(n); </a:t>
-            </a:r>
-          </a:p>
-          <a:p>
-            <a:pPr marL="0" marR="0">
-              <a:spcBef>
-                <a:spcPts val="0"/>
-              </a:spcBef>
-              <a:spcAft>
-                <a:spcPts val="0"/>
-              </a:spcAft>
-            </a:pPr>
-            <a:r>
-              <a:rPr lang="en-US" sz="1600" dirty="0">
-                <a:effectLst/>
-                <a:latin typeface="Calibri" panose="020F0502020204030204" pitchFamily="34" charset="0"/>
-              </a:rPr>
-              <a:t> SET o1= p1+v1;    </a:t>
-            </a:r>
-          </a:p>
-          <a:p>
-            <a:pPr marL="0" marR="0">
-              <a:spcBef>
-                <a:spcPts val="0"/>
-              </a:spcBef>
-              <a:spcAft>
-                <a:spcPts val="0"/>
-              </a:spcAft>
-            </a:pPr>
-            <a:r>
-              <a:rPr lang="en-US" sz="1600" dirty="0">
-                <a:effectLst/>
-                <a:latin typeface="Calibri" panose="020F0502020204030204" pitchFamily="34" charset="0"/>
-              </a:rPr>
-              <a:t>End;  </a:t>
-            </a:r>
+            <a:pPr algn="ctr"/>
+            <a:endParaRPr lang="en-US"/>
           </a:p>
         </p:txBody>
       </p:sp>
     </p:spTree>
     <p:extLst>
       <p:ext uri="{BB962C8B-B14F-4D97-AF65-F5344CB8AC3E}">
-        <p14:creationId xmlns:p14="http://schemas.microsoft.com/office/powerpoint/2010/main" val="3335676648"/>
+        <p14:creationId xmlns:p14="http://schemas.microsoft.com/office/powerpoint/2010/main" val="734516546"/>
       </p:ext>
     </p:extLst>
   </p:cSld>
@@ -10287,7 +9277,11 @@
             </a:pPr>
             <a:r>
               <a:rPr lang="en-US" dirty="0"/>
-              <a:t>Combine sequences of complex SET statements into one statement</a:t>
+              <a:t>Combine sequences of complex SET statements into one </a:t>
+            </a:r>
+            <a:r>
+              <a:rPr lang="en-US" dirty="0" err="1"/>
+              <a:t>statementc</a:t>
             </a:r>
             <a:endParaRPr lang="en-US" altLang="en-US" dirty="0">
               <a:latin typeface="Calibri  "/>
@@ -11360,7 +10354,7 @@
         <p:spPr>
           <a:xfrm>
             <a:off x="568574" y="1822186"/>
-            <a:ext cx="7525734" cy="4247317"/>
+            <a:ext cx="7525734" cy="3693319"/>
           </a:xfrm>
           <a:prstGeom prst="rect">
             <a:avLst/>
@@ -11398,29 +10392,6 @@
             </a:r>
           </a:p>
           <a:p>
-            <a:pPr marL="285750" indent="-285750">
-              <a:buFont typeface="Wingdings" panose="05000000000000000000" pitchFamily="2" charset="2"/>
-              <a:buChar char="Ø"/>
-            </a:pPr>
-            <a:endParaRPr lang="en-US" altLang="en-US" dirty="0">
-              <a:latin typeface="Calibri  "/>
-            </a:endParaRPr>
-          </a:p>
-          <a:p>
-            <a:pPr marL="285750" indent="-285750">
-              <a:buFont typeface="Wingdings" panose="05000000000000000000" pitchFamily="2" charset="2"/>
-              <a:buChar char="Ø"/>
-            </a:pPr>
-            <a:r>
-              <a:rPr lang="en-US" dirty="0"/>
-              <a:t>Deconstruct complex IF statements </a:t>
-            </a:r>
-          </a:p>
-          <a:p>
-            <a:pPr marL="285750" indent="-285750">
-              <a:buFont typeface="Wingdings" panose="05000000000000000000" pitchFamily="2" charset="2"/>
-              <a:buChar char="Ø"/>
-            </a:pPr>
             <a:endParaRPr lang="en-US" dirty="0"/>
           </a:p>
           <a:p>
@@ -11555,7 +10526,7 @@
           <p:nvPr/>
         </p:nvPicPr>
         <p:blipFill>
-          <a:blip r:embed="rId2">
+          <a:blip r:embed="rId3">
             <a:extLst>
               <a:ext uri="{28A0092B-C50C-407E-A947-70E740481C1C}">
                 <a14:useLocalDpi xmlns:a14="http://schemas.microsoft.com/office/drawing/2010/main" val="0"/>
@@ -11810,7 +10781,7 @@
           <p:nvPr/>
         </p:nvPicPr>
         <p:blipFill>
-          <a:blip r:embed="rId3"/>
+          <a:blip r:embed="rId4"/>
           <a:stretch>
             <a:fillRect/>
           </a:stretch>
@@ -13289,7 +12260,7 @@
         <p:spPr>
           <a:xfrm>
             <a:off x="971596" y="1999986"/>
-            <a:ext cx="7525734" cy="2585323"/>
+            <a:ext cx="7525734" cy="2862322"/>
           </a:xfrm>
           <a:prstGeom prst="rect">
             <a:avLst/>
@@ -13347,22 +12318,13 @@
               <a:buChar char="Ø"/>
             </a:pPr>
             <a:r>
-              <a:rPr lang="en-US" dirty="0" err="1">
-                <a:solidFill>
-                  <a:srgbClr val="111111"/>
-                </a:solidFill>
-                <a:latin typeface="-apple-system"/>
-              </a:rPr>
-              <a:t>Sysprocs</a:t>
-            </a:r>
-            <a:r>
               <a:rPr lang="en-US" dirty="0">
                 <a:solidFill>
                   <a:srgbClr val="111111"/>
                 </a:solidFill>
                 <a:latin typeface="-apple-system"/>
               </a:rPr>
-              <a:t> and Catalog tables are important</a:t>
+              <a:t>SYSPROCS, SYSFUNCS, and Catalog tables should be reviewed after compilation or changes done.</a:t>
             </a:r>
           </a:p>
           <a:p>
@@ -14157,8 +13119,8 @@
         </p:nvSpPr>
         <p:spPr>
           <a:xfrm>
-            <a:off x="1282109" y="1728455"/>
-            <a:ext cx="8401692" cy="2862322"/>
+            <a:off x="1282109" y="2274838"/>
+            <a:ext cx="8401692" cy="2308324"/>
           </a:xfrm>
           <a:prstGeom prst="rect">
             <a:avLst/>
@@ -14251,39 +13213,6 @@
                 <a:ea typeface="Times New Roman" panose="02020603050405020304" pitchFamily="18" charset="0"/>
               </a:rPr>
               <a:t>Stored Procedure can be called from any application program (Java or Python or any front-end app) that has access to the DB2 database. </a:t>
-            </a:r>
-          </a:p>
-          <a:p>
-            <a:pPr marL="285750" indent="-285750">
-              <a:buFont typeface="Wingdings" panose="05000000000000000000" pitchFamily="2" charset="2"/>
-              <a:buChar char="Ø"/>
-            </a:pPr>
-            <a:endParaRPr lang="en-US" dirty="0">
-              <a:ea typeface="Times New Roman" panose="02020603050405020304" pitchFamily="18" charset="0"/>
-            </a:endParaRPr>
-          </a:p>
-          <a:p>
-            <a:pPr marL="285750" indent="-285750">
-              <a:buFont typeface="Wingdings" panose="05000000000000000000" pitchFamily="2" charset="2"/>
-              <a:buChar char="Ø"/>
-            </a:pPr>
-            <a:r>
-              <a:rPr lang="en-US" dirty="0">
-                <a:ea typeface="Times New Roman" panose="02020603050405020304" pitchFamily="18" charset="0"/>
-              </a:rPr>
-              <a:t>It can be called from </a:t>
-            </a:r>
-            <a:r>
-              <a:rPr lang="en-US" dirty="0" err="1">
-                <a:ea typeface="Times New Roman" panose="02020603050405020304" pitchFamily="18" charset="0"/>
-              </a:rPr>
-              <a:t>IBMi</a:t>
-            </a:r>
-            <a:r>
-              <a:rPr lang="en-US" dirty="0">
-                <a:ea typeface="Times New Roman" panose="02020603050405020304" pitchFamily="18" charset="0"/>
-              </a:rPr>
-              <a:t> command line as well.</a:t>
             </a:r>
           </a:p>
         </p:txBody>
@@ -14670,40 +13599,36 @@
               <a:rPr lang="en-US" dirty="0">
                 <a:ea typeface="Times New Roman" panose="02020603050405020304" pitchFamily="18" charset="0"/>
               </a:rPr>
-              <a:t>Easy to understand for cross-platform users</a:t>
-            </a:r>
+              <a:t>Modernize by opening-up the </a:t>
+            </a:r>
+            <a:r>
+              <a:rPr lang="en-US" dirty="0" err="1">
+                <a:ea typeface="Times New Roman" panose="02020603050405020304" pitchFamily="18" charset="0"/>
+              </a:rPr>
+              <a:t>IBMi</a:t>
+            </a:r>
+            <a:r>
+              <a:rPr lang="en-US" dirty="0">
+                <a:ea typeface="Times New Roman" panose="02020603050405020304" pitchFamily="18" charset="0"/>
+              </a:rPr>
+              <a:t> to front end</a:t>
+            </a:r>
+          </a:p>
+          <a:p>
+            <a:endParaRPr lang="en-US" dirty="0">
+              <a:ea typeface="Times New Roman" panose="02020603050405020304" pitchFamily="18" charset="0"/>
+            </a:endParaRPr>
           </a:p>
           <a:p>
             <a:pPr marL="285750" indent="-285750">
               <a:buFont typeface="Wingdings" panose="05000000000000000000" pitchFamily="2" charset="2"/>
               <a:buChar char="Ø"/>
             </a:pPr>
-            <a:endParaRPr lang="en-US" dirty="0">
-              <a:ea typeface="Times New Roman" panose="02020603050405020304" pitchFamily="18" charset="0"/>
-            </a:endParaRPr>
-          </a:p>
-          <a:p>
-            <a:pPr marL="285750" indent="-285750">
-              <a:buFont typeface="Wingdings" panose="05000000000000000000" pitchFamily="2" charset="2"/>
-              <a:buChar char="Ø"/>
-            </a:pPr>
             <a:r>
               <a:rPr lang="en-US" dirty="0">
                 <a:ea typeface="Times New Roman" panose="02020603050405020304" pitchFamily="18" charset="0"/>
               </a:rPr>
-              <a:t>Modernize by opening-up the </a:t>
-            </a:r>
-            <a:r>
-              <a:rPr lang="en-US" dirty="0" err="1">
-                <a:ea typeface="Times New Roman" panose="02020603050405020304" pitchFamily="18" charset="0"/>
-              </a:rPr>
-              <a:t>IBMi</a:t>
-            </a:r>
-            <a:r>
-              <a:rPr lang="en-US" dirty="0">
-                <a:ea typeface="Times New Roman" panose="02020603050405020304" pitchFamily="18" charset="0"/>
-              </a:rPr>
-              <a:t> to front end</a:t>
+              <a:t>Easy to understand for cross-platform users</a:t>
             </a:r>
           </a:p>
           <a:p>
@@ -15683,10 +14608,10 @@
       </p:grpSpPr>
       <p:pic>
         <p:nvPicPr>
-          <p:cNvPr id="11" name="Picture 10" descr="A diagram of a software system&#10;&#10;Description automatically generated">
-            <a:extLst>
-              <a:ext uri="{FF2B5EF4-FFF2-40B4-BE49-F238E27FC236}">
-                <a16:creationId xmlns:a16="http://schemas.microsoft.com/office/drawing/2014/main" id="{A4F33B41-B498-0B66-9BAF-9E3DD8C43160}"/>
+          <p:cNvPr id="5" name="Picture 4">
+            <a:extLst>
+              <a:ext uri="{FF2B5EF4-FFF2-40B4-BE49-F238E27FC236}">
+                <a16:creationId xmlns:a16="http://schemas.microsoft.com/office/drawing/2014/main" id="{4CC5EA8B-374C-65E3-6F65-6B7FCFC3DA3A}"/>
               </a:ext>
             </a:extLst>
           </p:cNvPr>
@@ -15697,42 +14622,6 @@
         </p:nvPicPr>
         <p:blipFill>
           <a:blip r:embed="rId3">
-            <a:extLst>
-              <a:ext uri="{28A0092B-C50C-407E-A947-70E740481C1C}">
-                <a14:useLocalDpi xmlns:a14="http://schemas.microsoft.com/office/drawing/2010/main" val="0"/>
-              </a:ext>
-            </a:extLst>
-          </a:blip>
-          <a:stretch>
-            <a:fillRect/>
-          </a:stretch>
-        </p:blipFill>
-        <p:spPr>
-          <a:xfrm>
-            <a:off x="2005201" y="2315353"/>
-            <a:ext cx="7776978" cy="4407973"/>
-          </a:xfrm>
-          <a:prstGeom prst="rect">
-            <a:avLst/>
-          </a:prstGeom>
-        </p:spPr>
-      </p:pic>
-      <p:pic>
-        <p:nvPicPr>
-          <p:cNvPr id="5" name="Picture 4">
-            <a:extLst>
-              <a:ext uri="{FF2B5EF4-FFF2-40B4-BE49-F238E27FC236}">
-                <a16:creationId xmlns:a16="http://schemas.microsoft.com/office/drawing/2014/main" id="{4CC5EA8B-374C-65E3-6F65-6B7FCFC3DA3A}"/>
-              </a:ext>
-            </a:extLst>
-          </p:cNvPr>
-          <p:cNvPicPr>
-            <a:picLocks noChangeAspect="1"/>
-          </p:cNvPicPr>
-          <p:nvPr/>
-        </p:nvPicPr>
-        <p:blipFill>
-          <a:blip r:embed="rId4">
             <a:extLst>
               <a:ext uri="{28A0092B-C50C-407E-A947-70E740481C1C}">
                 <a14:useLocalDpi xmlns:a14="http://schemas.microsoft.com/office/drawing/2010/main" val="0"/>
@@ -16129,6 +15018,42 @@
           </a:p>
         </p:txBody>
       </p:sp>
+      <p:pic>
+        <p:nvPicPr>
+          <p:cNvPr id="2" name="Picture 1" descr="A diagram of a diagram&#10;&#10;Description automatically generated with medium confidence">
+            <a:extLst>
+              <a:ext uri="{FF2B5EF4-FFF2-40B4-BE49-F238E27FC236}">
+                <a16:creationId xmlns:a16="http://schemas.microsoft.com/office/drawing/2014/main" id="{BDCBB300-3ABE-6A55-0969-BA10D0A342DE}"/>
+              </a:ext>
+            </a:extLst>
+          </p:cNvPr>
+          <p:cNvPicPr>
+            <a:picLocks noChangeAspect="1"/>
+          </p:cNvPicPr>
+          <p:nvPr/>
+        </p:nvPicPr>
+        <p:blipFill>
+          <a:blip r:embed="rId4">
+            <a:extLst>
+              <a:ext uri="{28A0092B-C50C-407E-A947-70E740481C1C}">
+                <a14:useLocalDpi xmlns:a14="http://schemas.microsoft.com/office/drawing/2010/main" val="0"/>
+              </a:ext>
+            </a:extLst>
+          </a:blip>
+          <a:stretch>
+            <a:fillRect/>
+          </a:stretch>
+        </p:blipFill>
+        <p:spPr>
+          <a:xfrm>
+            <a:off x="912647" y="2348965"/>
+            <a:ext cx="9231546" cy="4509035"/>
+          </a:xfrm>
+          <a:prstGeom prst="rect">
+            <a:avLst/>
+          </a:prstGeom>
+        </p:spPr>
+      </p:pic>
     </p:spTree>
     <p:extLst>
       <p:ext uri="{BB962C8B-B14F-4D97-AF65-F5344CB8AC3E}">
@@ -16738,10 +15663,10 @@
       </p:sp>
       <p:pic>
         <p:nvPicPr>
-          <p:cNvPr id="13" name="Picture 12">
-            <a:extLst>
-              <a:ext uri="{FF2B5EF4-FFF2-40B4-BE49-F238E27FC236}">
-                <a16:creationId xmlns:a16="http://schemas.microsoft.com/office/drawing/2014/main" id="{07D41AA6-5466-2FA5-C0AA-BF55849652C7}"/>
+          <p:cNvPr id="2" name="Picture 1">
+            <a:extLst>
+              <a:ext uri="{FF2B5EF4-FFF2-40B4-BE49-F238E27FC236}">
+                <a16:creationId xmlns:a16="http://schemas.microsoft.com/office/drawing/2014/main" id="{F531599C-657D-408C-87DD-732D203BAFE2}"/>
               </a:ext>
             </a:extLst>
           </p:cNvPr>
@@ -16758,8 +15683,8 @@
         </p:blipFill>
         <p:spPr>
           <a:xfrm>
-            <a:off x="1384300" y="1658245"/>
-            <a:ext cx="7119114" cy="4988115"/>
+            <a:off x="1285875" y="1571789"/>
+            <a:ext cx="7181850" cy="5038725"/>
           </a:xfrm>
           <a:prstGeom prst="rect">
             <a:avLst/>
@@ -17390,6 +16315,14 @@
 </file>
 
 <file path=customXml/item1.xml><?xml version="1.0" encoding="utf-8"?>
+<p:properties xmlns:p="http://schemas.microsoft.com/office/2006/metadata/properties" xmlns:xsi="http://www.w3.org/2001/XMLSchema-instance" xmlns:pc="http://schemas.microsoft.com/office/infopath/2007/PartnerControls">
+  <documentManagement>
+    <_activity xmlns="e743c932-b1b1-461e-933a-98c4148cbad8" xsi:nil="true"/>
+  </documentManagement>
+</p:properties>
+</file>
+
+<file path=customXml/item2.xml><?xml version="1.0" encoding="utf-8"?>
 <?mso-contentType ?>
 <FormTemplates xmlns="http://schemas.microsoft.com/sharepoint/v3/contenttype/forms">
   <Display>DocumentLibraryForm</Display>
@@ -17398,7 +16331,7 @@
 </FormTemplates>
 </file>
 
-<file path=customXml/item2.xml><?xml version="1.0" encoding="utf-8"?>
+<file path=customXml/item3.xml><?xml version="1.0" encoding="utf-8"?>
 <ct:contentTypeSchema xmlns:ct="http://schemas.microsoft.com/office/2006/metadata/contentType" xmlns:ma="http://schemas.microsoft.com/office/2006/metadata/properties/metaAttributes" ct:_="" ma:_="" ma:contentTypeName="Document" ma:contentTypeID="0x0101003C0D819C91DFFA4D8B1D2FEB54E95619" ma:contentTypeVersion="17" ma:contentTypeDescription="Create a new document." ma:contentTypeScope="" ma:versionID="7dd4dd1ec974999b1a6fdc2aef3d7538">
   <xsd:schema xmlns:xsd="http://www.w3.org/2001/XMLSchema" xmlns:xs="http://www.w3.org/2001/XMLSchema" xmlns:p="http://schemas.microsoft.com/office/2006/metadata/properties" xmlns:ns3="fde1b516-d494-4dfc-ad62-92b05d3c6f97" xmlns:ns4="e743c932-b1b1-461e-933a-98c4148cbad8" targetNamespace="http://schemas.microsoft.com/office/2006/metadata/properties" ma:root="true" ma:fieldsID="7fe24f98da14b4dab1ccaa57ab1b0f31" ns3:_="" ns4:_="">
     <xsd:import namespace="fde1b516-d494-4dfc-ad62-92b05d3c6f97"/>
@@ -17645,15 +16578,24 @@
 </ct:contentTypeSchema>
 </file>
 
-<file path=customXml/item3.xml><?xml version="1.0" encoding="utf-8"?>
-<p:properties xmlns:p="http://schemas.microsoft.com/office/2006/metadata/properties" xmlns:xsi="http://www.w3.org/2001/XMLSchema-instance" xmlns:pc="http://schemas.microsoft.com/office/infopath/2007/PartnerControls">
-  <documentManagement>
-    <_activity xmlns="e743c932-b1b1-461e-933a-98c4148cbad8" xsi:nil="true"/>
-  </documentManagement>
-</p:properties>
+<file path=customXml/itemProps1.xml><?xml version="1.0" encoding="utf-8"?>
+<ds:datastoreItem xmlns:ds="http://schemas.openxmlformats.org/officeDocument/2006/customXml" ds:itemID="{F4C28808-9120-48E3-8B82-705427169E5A}">
+  <ds:schemaRefs>
+    <ds:schemaRef ds:uri="e743c932-b1b1-461e-933a-98c4148cbad8"/>
+    <ds:schemaRef ds:uri="fde1b516-d494-4dfc-ad62-92b05d3c6f97"/>
+    <ds:schemaRef ds:uri="http://purl.org/dc/dcmitype/"/>
+    <ds:schemaRef ds:uri="http://purl.org/dc/elements/1.1/"/>
+    <ds:schemaRef ds:uri="http://purl.org/dc/terms/"/>
+    <ds:schemaRef ds:uri="http://schemas.microsoft.com/office/2006/documentManagement/types"/>
+    <ds:schemaRef ds:uri="http://schemas.microsoft.com/office/2006/metadata/properties"/>
+    <ds:schemaRef ds:uri="http://schemas.microsoft.com/office/infopath/2007/PartnerControls"/>
+    <ds:schemaRef ds:uri="http://schemas.openxmlformats.org/package/2006/metadata/core-properties"/>
+    <ds:schemaRef ds:uri="http://www.w3.org/XML/1998/namespace"/>
+  </ds:schemaRefs>
+</ds:datastoreItem>
 </file>
 
-<file path=customXml/itemProps1.xml><?xml version="1.0" encoding="utf-8"?>
+<file path=customXml/itemProps2.xml><?xml version="1.0" encoding="utf-8"?>
 <ds:datastoreItem xmlns:ds="http://schemas.openxmlformats.org/officeDocument/2006/customXml" ds:itemID="{27B175F7-FC54-4CD2-8351-2B73DB2A6412}">
   <ds:schemaRefs>
     <ds:schemaRef ds:uri="http://schemas.microsoft.com/sharepoint/v3/contenttype/forms"/>
@@ -17661,7 +16603,7 @@
 </ds:datastoreItem>
 </file>
 
-<file path=customXml/itemProps2.xml><?xml version="1.0" encoding="utf-8"?>
+<file path=customXml/itemProps3.xml><?xml version="1.0" encoding="utf-8"?>
 <ds:datastoreItem xmlns:ds="http://schemas.openxmlformats.org/officeDocument/2006/customXml" ds:itemID="{8AAB8637-4E7B-440F-944A-54B620281F74}">
   <ds:schemaRefs>
     <ds:schemaRef ds:uri="e743c932-b1b1-461e-933a-98c4148cbad8"/>
@@ -17678,21 +16620,4 @@
     <ds:schemaRef ds:uri="http://www.w3.org/2001/XMLSchema"/>
   </ds:schemaRefs>
 </ds:datastoreItem>
-</file>
-
-<file path=customXml/itemProps3.xml><?xml version="1.0" encoding="utf-8"?>
-<ds:datastoreItem xmlns:ds="http://schemas.openxmlformats.org/officeDocument/2006/customXml" ds:itemID="{F4C28808-9120-48E3-8B82-705427169E5A}">
-  <ds:schemaRefs>
-    <ds:schemaRef ds:uri="e743c932-b1b1-461e-933a-98c4148cbad8"/>
-    <ds:schemaRef ds:uri="fde1b516-d494-4dfc-ad62-92b05d3c6f97"/>
-    <ds:schemaRef ds:uri="http://purl.org/dc/dcmitype/"/>
-    <ds:schemaRef ds:uri="http://purl.org/dc/elements/1.1/"/>
-    <ds:schemaRef ds:uri="http://purl.org/dc/terms/"/>
-    <ds:schemaRef ds:uri="http://schemas.microsoft.com/office/2006/documentManagement/types"/>
-    <ds:schemaRef ds:uri="http://schemas.microsoft.com/office/2006/metadata/properties"/>
-    <ds:schemaRef ds:uri="http://schemas.microsoft.com/office/infopath/2007/PartnerControls"/>
-    <ds:schemaRef ds:uri="http://schemas.openxmlformats.org/package/2006/metadata/core-properties"/>
-    <ds:schemaRef ds:uri="http://www.w3.org/XML/1998/namespace"/>
-  </ds:schemaRefs>
-</ds:datastoreItem>
 </file>
--- a/IBMi Lunch and Learn Series 2024 - Enhancing Performance with SQL Stored Procedures & UDF.pptx
+++ b/IBMi Lunch and Learn Series 2024 - Enhancing Performance with SQL Stored Procedures & UDF.pptx
@@ -139,12 +139,32 @@
 </p:presentation>
 </file>
 
-<file path=ppt/revisionInfo.xml><?xml version="1.0" encoding="utf-8"?>
-<p1510:revInfo xmlns:a="http://schemas.openxmlformats.org/drawingml/2006/main" xmlns:r="http://schemas.openxmlformats.org/officeDocument/2006/relationships" xmlns:p1510="http://schemas.microsoft.com/office/powerpoint/2015/10/main">
-  <p1510:revLst>
-    <p1510:client id="{915EDF55-A7D7-4EE6-BC3A-AF27D5B0595E}" v="82" dt="2024-07-30T09:17:39.097"/>
-  </p1510:revLst>
-</p1510:revInfo>
+<file path=ppt/changesInfos/changesInfo1.xml><?xml version="1.0" encoding="utf-8"?>
+<pc:chgInfo xmlns:a="http://schemas.openxmlformats.org/drawingml/2006/main" xmlns:r="http://schemas.openxmlformats.org/officeDocument/2006/relationships" xmlns:ac="http://schemas.microsoft.com/office/drawing/2013/main/command" xmlns:pc="http://schemas.microsoft.com/office/powerpoint/2013/main/command">
+  <pc:docChgLst>
+    <pc:chgData name="Ravisankar Pandian" userId="ed09f74a-2b53-4ce0-832d-148e0a91ef02" providerId="ADAL" clId="{A177ADC4-2E3B-4F3B-BA1E-E55765D034EB}"/>
+    <pc:docChg chg="modSld">
+      <pc:chgData name="Ravisankar Pandian" userId="ed09f74a-2b53-4ce0-832d-148e0a91ef02" providerId="ADAL" clId="{A177ADC4-2E3B-4F3B-BA1E-E55765D034EB}" dt="2024-08-01T04:22:55.028" v="6"/>
+      <pc:docMkLst>
+        <pc:docMk/>
+      </pc:docMkLst>
+      <pc:sldChg chg="modNotesTx">
+        <pc:chgData name="Ravisankar Pandian" userId="ed09f74a-2b53-4ce0-832d-148e0a91ef02" providerId="ADAL" clId="{A177ADC4-2E3B-4F3B-BA1E-E55765D034EB}" dt="2024-08-01T04:15:41.432" v="4" actId="6549"/>
+        <pc:sldMkLst>
+          <pc:docMk/>
+          <pc:sldMk cId="1791084239" sldId="340"/>
+        </pc:sldMkLst>
+      </pc:sldChg>
+      <pc:sldChg chg="modNotesTx">
+        <pc:chgData name="Ravisankar Pandian" userId="ed09f74a-2b53-4ce0-832d-148e0a91ef02" providerId="ADAL" clId="{A177ADC4-2E3B-4F3B-BA1E-E55765D034EB}" dt="2024-08-01T04:22:55.028" v="6"/>
+        <pc:sldMkLst>
+          <pc:docMk/>
+          <pc:sldMk cId="2580052875" sldId="341"/>
+        </pc:sldMkLst>
+      </pc:sldChg>
+    </pc:docChg>
+  </pc:docChgLst>
+</pc:chgInfo>
 </file>
 
 <file path=ppt/notesMasters/notesMaster1.xml><?xml version="1.0" encoding="utf-8"?>
@@ -2305,53 +2325,6 @@
           <a:bodyPr/>
           <a:lstStyle/>
           <a:p>
-            <a:r>
-              <a:rPr lang="en-US" b="0" i="0" dirty="0">
-                <a:solidFill>
-                  <a:srgbClr val="040C28"/>
-                </a:solidFill>
-                <a:effectLst/>
-                <a:latin typeface="Google Sans"/>
-              </a:rPr>
-              <a:t>Stored at a local or remote Db2 server</a:t>
-            </a:r>
-            <a:r>
-              <a:rPr lang="en-US" b="0" i="0" dirty="0">
-                <a:solidFill>
-                  <a:srgbClr val="1F1F1F"/>
-                </a:solidFill>
-                <a:effectLst/>
-                <a:latin typeface="Google Sans"/>
-              </a:rPr>
-              <a:t>. </a:t>
-            </a:r>
-          </a:p>
-          <a:p>
-            <a:r>
-              <a:rPr lang="en-US" b="0" i="0" dirty="0">
-                <a:solidFill>
-                  <a:srgbClr val="1F1F1F"/>
-                </a:solidFill>
-                <a:effectLst/>
-                <a:latin typeface="Google Sans"/>
-              </a:rPr>
-              <a:t>Special Powers? Loops, Conditional Logic, Code Blocks &amp; passing parameters</a:t>
-            </a:r>
-          </a:p>
-          <a:p>
-            <a:r>
-              <a:rPr lang="en-US" b="0" i="0" dirty="0">
-                <a:solidFill>
-                  <a:srgbClr val="1F1F1F"/>
-                </a:solidFill>
-                <a:effectLst/>
-                <a:latin typeface="Google Sans"/>
-              </a:rPr>
-              <a:t>You can invoke a stored procedure from an application program or from the command line processor.</a:t>
-            </a:r>
-            <a:endParaRPr lang="en-US" dirty="0"/>
-          </a:p>
-          <a:p>
             <a:endParaRPr lang="en-US" dirty="0"/>
           </a:p>
         </p:txBody>
@@ -2436,55 +2409,212 @@
           <a:bodyPr/>
           <a:lstStyle/>
           <a:p>
-            <a:r>
-              <a:rPr lang="en-US" dirty="0"/>
-              <a:t>Breakdown complex logic into smaller, reusable units</a:t>
-            </a:r>
-          </a:p>
-          <a:p>
-            <a:pPr marL="0" marR="0" lvl="0" indent="0" algn="l" defTabSz="914400" rtl="0" eaLnBrk="1" fontAlgn="auto" latinLnBrk="0" hangingPunct="1">
-              <a:lnSpc>
-                <a:spcPct val="100000"/>
-              </a:lnSpc>
-              <a:spcBef>
-                <a:spcPts val="0"/>
-              </a:spcBef>
-              <a:spcAft>
-                <a:spcPts val="0"/>
-              </a:spcAft>
-              <a:buClrTx/>
-              <a:buSzTx/>
-              <a:buFontTx/>
-              <a:buNone/>
-              <a:tabLst/>
-              <a:defRPr/>
-            </a:pPr>
-            <a:r>
-              <a:rPr lang="en-US" b="0" i="0" dirty="0">
+            <a:pPr algn="l" rtl="0" fontAlgn="base"/>
+            <a:r>
+              <a:rPr lang="en-US" b="0" i="0" u="none" strike="noStrike" dirty="0">
                 <a:solidFill>
-                  <a:srgbClr val="D2D0CE"/>
+                  <a:srgbClr val="000000"/>
                 </a:solidFill>
                 <a:effectLst/>
                 <a:highlight>
-                  <a:srgbClr val="141414"/>
+                  <a:srgbClr val="F5F5F5"/>
                 </a:highlight>
-                <a:latin typeface="-apple-system"/>
-              </a:rPr>
-              <a:t>UDFs can improve query performance by precomputing results or handling repetitive tasks efficiently. Non-deterministic</a:t>
-            </a:r>
-            <a:endParaRPr lang="en-US" dirty="0"/>
-          </a:p>
-          <a:p>
-            <a:r>
-              <a:rPr lang="en-US" dirty="0"/>
-              <a:t>Execute common calculations or transformations efficiently. </a:t>
-            </a:r>
-          </a:p>
-          <a:p>
-            <a:r>
-              <a:rPr lang="en-US" dirty="0"/>
-              <a:t>Think it like the BIF in RPGLE.</a:t>
-            </a:r>
+                <a:latin typeface="Aptos" panose="020B0004020202020204" pitchFamily="34" charset="0"/>
+              </a:rPr>
+              <a:t>Breakdown complex logic into smaller, reusable units. E.g., Running Custom SQL Reports</a:t>
+            </a:r>
+            <a:r>
+              <a:rPr lang="en-US" b="0" i="0" dirty="0">
+                <a:solidFill>
+                  <a:srgbClr val="444444"/>
+                </a:solidFill>
+                <a:effectLst/>
+                <a:highlight>
+                  <a:srgbClr val="F5F5F5"/>
+                </a:highlight>
+                <a:latin typeface="Aptos" panose="020B0004020202020204" pitchFamily="34" charset="0"/>
+              </a:rPr>
+              <a:t>​</a:t>
+            </a:r>
+            <a:endParaRPr lang="en-US" b="0" i="0" dirty="0">
+              <a:solidFill>
+                <a:srgbClr val="444444"/>
+              </a:solidFill>
+              <a:effectLst/>
+              <a:highlight>
+                <a:srgbClr val="F5F5F5"/>
+              </a:highlight>
+              <a:latin typeface="Calibri" panose="020F0502020204030204" pitchFamily="34" charset="0"/>
+            </a:endParaRPr>
+          </a:p>
+          <a:p>
+            <a:pPr algn="l" rtl="0" fontAlgn="base"/>
+            <a:r>
+              <a:rPr lang="en-US" b="0" i="0" u="none" strike="noStrike" dirty="0">
+                <a:solidFill>
+                  <a:srgbClr val="000000"/>
+                </a:solidFill>
+                <a:effectLst/>
+                <a:highlight>
+                  <a:srgbClr val="F5F5F5"/>
+                </a:highlight>
+                <a:latin typeface="Aptos" panose="020B0004020202020204" pitchFamily="34" charset="0"/>
+              </a:rPr>
+              <a:t>UDFs can improve query performance by precomputing results or handling repetitive tasks efficiently. Non-deterministic. </a:t>
+            </a:r>
+            <a:r>
+              <a:rPr lang="en-US" b="0" i="0" u="none" strike="noStrike" dirty="0" err="1">
+                <a:solidFill>
+                  <a:srgbClr val="000000"/>
+                </a:solidFill>
+                <a:effectLst/>
+                <a:highlight>
+                  <a:srgbClr val="F5F5F5"/>
+                </a:highlight>
+                <a:latin typeface="Aptos" panose="020B0004020202020204" pitchFamily="34" charset="0"/>
+              </a:rPr>
+              <a:t>E.g</a:t>
+            </a:r>
+            <a:r>
+              <a:rPr lang="en-US" b="0" i="0" u="none" strike="noStrike" dirty="0">
+                <a:solidFill>
+                  <a:srgbClr val="000000"/>
+                </a:solidFill>
+                <a:effectLst/>
+                <a:highlight>
+                  <a:srgbClr val="F5F5F5"/>
+                </a:highlight>
+                <a:latin typeface="Aptos" panose="020B0004020202020204" pitchFamily="34" charset="0"/>
+              </a:rPr>
+              <a:t>,. Find out the day of the week.</a:t>
+            </a:r>
+            <a:r>
+              <a:rPr lang="en-US" b="0" i="0" dirty="0">
+                <a:solidFill>
+                  <a:srgbClr val="444444"/>
+                </a:solidFill>
+                <a:effectLst/>
+                <a:highlight>
+                  <a:srgbClr val="F5F5F5"/>
+                </a:highlight>
+                <a:latin typeface="Aptos" panose="020B0004020202020204" pitchFamily="34" charset="0"/>
+              </a:rPr>
+              <a:t>​</a:t>
+            </a:r>
+            <a:endParaRPr lang="en-US" b="0" i="0" dirty="0">
+              <a:solidFill>
+                <a:srgbClr val="444444"/>
+              </a:solidFill>
+              <a:effectLst/>
+              <a:highlight>
+                <a:srgbClr val="F5F5F5"/>
+              </a:highlight>
+              <a:latin typeface="Calibri" panose="020F0502020204030204" pitchFamily="34" charset="0"/>
+            </a:endParaRPr>
+          </a:p>
+          <a:p>
+            <a:pPr algn="l" rtl="0" fontAlgn="base"/>
+            <a:r>
+              <a:rPr lang="en-US" b="0" i="0" u="none" strike="noStrike" dirty="0">
+                <a:solidFill>
+                  <a:srgbClr val="000000"/>
+                </a:solidFill>
+                <a:effectLst/>
+                <a:highlight>
+                  <a:srgbClr val="F5F5F5"/>
+                </a:highlight>
+                <a:latin typeface="Aptos" panose="020B0004020202020204" pitchFamily="34" charset="0"/>
+              </a:rPr>
+              <a:t>Execute common calculations or transformations efficiently. E.g., Date Conversion &amp; encapsulating two or more built-in-functions and give it a new name.</a:t>
+            </a:r>
+            <a:r>
+              <a:rPr lang="en-US" b="0" i="0" dirty="0">
+                <a:solidFill>
+                  <a:srgbClr val="444444"/>
+                </a:solidFill>
+                <a:effectLst/>
+                <a:highlight>
+                  <a:srgbClr val="F5F5F5"/>
+                </a:highlight>
+                <a:latin typeface="Aptos" panose="020B0004020202020204" pitchFamily="34" charset="0"/>
+              </a:rPr>
+              <a:t>​</a:t>
+            </a:r>
+            <a:endParaRPr lang="en-US" b="0" i="0" dirty="0">
+              <a:solidFill>
+                <a:srgbClr val="444444"/>
+              </a:solidFill>
+              <a:effectLst/>
+              <a:highlight>
+                <a:srgbClr val="F5F5F5"/>
+              </a:highlight>
+              <a:latin typeface="Calibri" panose="020F0502020204030204" pitchFamily="34" charset="0"/>
+            </a:endParaRPr>
+          </a:p>
+          <a:p>
+            <a:pPr algn="l" rtl="0" fontAlgn="base"/>
+            <a:r>
+              <a:rPr lang="en-US" b="0" i="0" u="none" strike="noStrike" dirty="0">
+                <a:solidFill>
+                  <a:srgbClr val="000000"/>
+                </a:solidFill>
+                <a:effectLst/>
+                <a:highlight>
+                  <a:srgbClr val="F5F5F5"/>
+                </a:highlight>
+                <a:latin typeface="Aptos" panose="020B0004020202020204" pitchFamily="34" charset="0"/>
+              </a:rPr>
+              <a:t>Easily format the SQL Query data on the fly and view the results instantly</a:t>
+            </a:r>
+            <a:r>
+              <a:rPr lang="en-US" b="0" i="0" dirty="0">
+                <a:solidFill>
+                  <a:srgbClr val="444444"/>
+                </a:solidFill>
+                <a:effectLst/>
+                <a:highlight>
+                  <a:srgbClr val="F5F5F5"/>
+                </a:highlight>
+                <a:latin typeface="Aptos" panose="020B0004020202020204" pitchFamily="34" charset="0"/>
+              </a:rPr>
+              <a:t>​</a:t>
+            </a:r>
+            <a:endParaRPr lang="en-US" b="0" i="0" dirty="0">
+              <a:solidFill>
+                <a:srgbClr val="444444"/>
+              </a:solidFill>
+              <a:effectLst/>
+              <a:highlight>
+                <a:srgbClr val="F5F5F5"/>
+              </a:highlight>
+              <a:latin typeface="Calibri" panose="020F0502020204030204" pitchFamily="34" charset="0"/>
+            </a:endParaRPr>
+          </a:p>
+          <a:p>
+            <a:pPr algn="l" rtl="0" fontAlgn="base"/>
+            <a:r>
+              <a:rPr lang="en-US" b="0" i="0">
+                <a:solidFill>
+                  <a:srgbClr val="444444"/>
+                </a:solidFill>
+                <a:effectLst/>
+                <a:highlight>
+                  <a:srgbClr val="F5F5F5"/>
+                </a:highlight>
+                <a:latin typeface="Aptos" panose="020B0004020202020204" pitchFamily="34" charset="0"/>
+              </a:rPr>
+              <a:t>​</a:t>
+            </a:r>
+            <a:endParaRPr lang="en-US" b="0" i="0">
+              <a:solidFill>
+                <a:srgbClr val="444444"/>
+              </a:solidFill>
+              <a:effectLst/>
+              <a:highlight>
+                <a:srgbClr val="F5F5F5"/>
+              </a:highlight>
+              <a:latin typeface="Calibri" panose="020F0502020204030204" pitchFamily="34" charset="0"/>
+            </a:endParaRPr>
           </a:p>
         </p:txBody>
       </p:sp>
@@ -16323,15 +16453,6 @@
 </file>
 
 <file path=customXml/item2.xml><?xml version="1.0" encoding="utf-8"?>
-<?mso-contentType ?>
-<FormTemplates xmlns="http://schemas.microsoft.com/sharepoint/v3/contenttype/forms">
-  <Display>DocumentLibraryForm</Display>
-  <Edit>DocumentLibraryForm</Edit>
-  <New>DocumentLibraryForm</New>
-</FormTemplates>
-</file>
-
-<file path=customXml/item3.xml><?xml version="1.0" encoding="utf-8"?>
 <ct:contentTypeSchema xmlns:ct="http://schemas.microsoft.com/office/2006/metadata/contentType" xmlns:ma="http://schemas.microsoft.com/office/2006/metadata/properties/metaAttributes" ct:_="" ma:_="" ma:contentTypeName="Document" ma:contentTypeID="0x0101003C0D819C91DFFA4D8B1D2FEB54E95619" ma:contentTypeVersion="17" ma:contentTypeDescription="Create a new document." ma:contentTypeScope="" ma:versionID="7dd4dd1ec974999b1a6fdc2aef3d7538">
   <xsd:schema xmlns:xsd="http://www.w3.org/2001/XMLSchema" xmlns:xs="http://www.w3.org/2001/XMLSchema" xmlns:p="http://schemas.microsoft.com/office/2006/metadata/properties" xmlns:ns3="fde1b516-d494-4dfc-ad62-92b05d3c6f97" xmlns:ns4="e743c932-b1b1-461e-933a-98c4148cbad8" targetNamespace="http://schemas.microsoft.com/office/2006/metadata/properties" ma:root="true" ma:fieldsID="7fe24f98da14b4dab1ccaa57ab1b0f31" ns3:_="" ns4:_="">
     <xsd:import namespace="fde1b516-d494-4dfc-ad62-92b05d3c6f97"/>
@@ -16578,6 +16699,15 @@
 </ct:contentTypeSchema>
 </file>
 
+<file path=customXml/item3.xml><?xml version="1.0" encoding="utf-8"?>
+<?mso-contentType ?>
+<FormTemplates xmlns="http://schemas.microsoft.com/sharepoint/v3/contenttype/forms">
+  <Display>DocumentLibraryForm</Display>
+  <Edit>DocumentLibraryForm</Edit>
+  <New>DocumentLibraryForm</New>
+</FormTemplates>
+</file>
+
 <file path=customXml/itemProps1.xml><?xml version="1.0" encoding="utf-8"?>
 <ds:datastoreItem xmlns:ds="http://schemas.openxmlformats.org/officeDocument/2006/customXml" ds:itemID="{F4C28808-9120-48E3-8B82-705427169E5A}">
   <ds:schemaRefs>
@@ -16596,14 +16726,6 @@
 </file>
 
 <file path=customXml/itemProps2.xml><?xml version="1.0" encoding="utf-8"?>
-<ds:datastoreItem xmlns:ds="http://schemas.openxmlformats.org/officeDocument/2006/customXml" ds:itemID="{27B175F7-FC54-4CD2-8351-2B73DB2A6412}">
-  <ds:schemaRefs>
-    <ds:schemaRef ds:uri="http://schemas.microsoft.com/sharepoint/v3/contenttype/forms"/>
-  </ds:schemaRefs>
-</ds:datastoreItem>
-</file>
-
-<file path=customXml/itemProps3.xml><?xml version="1.0" encoding="utf-8"?>
 <ds:datastoreItem xmlns:ds="http://schemas.openxmlformats.org/officeDocument/2006/customXml" ds:itemID="{8AAB8637-4E7B-440F-944A-54B620281F74}">
   <ds:schemaRefs>
     <ds:schemaRef ds:uri="e743c932-b1b1-461e-933a-98c4148cbad8"/>
@@ -16620,4 +16742,12 @@
     <ds:schemaRef ds:uri="http://www.w3.org/2001/XMLSchema"/>
   </ds:schemaRefs>
 </ds:datastoreItem>
+</file>
+
+<file path=customXml/itemProps3.xml><?xml version="1.0" encoding="utf-8"?>
+<ds:datastoreItem xmlns:ds="http://schemas.openxmlformats.org/officeDocument/2006/customXml" ds:itemID="{27B175F7-FC54-4CD2-8351-2B73DB2A6412}">
+  <ds:schemaRefs>
+    <ds:schemaRef ds:uri="http://schemas.microsoft.com/sharepoint/v3/contenttype/forms"/>
+  </ds:schemaRefs>
+</ds:datastoreItem>
 </file>